--- a/15-creating_ohai_plugins.pptx
+++ b/15-creating_ohai_plugins.pptx
@@ -6,10 +6,10 @@
     <p:sldMasterId id="2147483847" r:id="rId6"/>
   </p:sldMasterIdLst>
   <p:notesMasterIdLst>
-    <p:notesMasterId r:id="rId39"/>
+    <p:notesMasterId r:id="rId40"/>
   </p:notesMasterIdLst>
   <p:handoutMasterIdLst>
-    <p:handoutMasterId r:id="rId40"/>
+    <p:handoutMasterId r:id="rId41"/>
   </p:handoutMasterIdLst>
   <p:sldIdLst>
     <p:sldId id="256" r:id="rId7"/>
@@ -32,18 +32,19 @@
     <p:sldId id="279" r:id="rId24"/>
     <p:sldId id="280" r:id="rId25"/>
     <p:sldId id="281" r:id="rId26"/>
-    <p:sldId id="282" r:id="rId27"/>
-    <p:sldId id="288" r:id="rId28"/>
-    <p:sldId id="283" r:id="rId29"/>
-    <p:sldId id="284" r:id="rId30"/>
-    <p:sldId id="289" r:id="rId31"/>
-    <p:sldId id="292" r:id="rId32"/>
-    <p:sldId id="295" r:id="rId33"/>
-    <p:sldId id="294" r:id="rId34"/>
-    <p:sldId id="293" r:id="rId35"/>
-    <p:sldId id="291" r:id="rId36"/>
-    <p:sldId id="266" r:id="rId37"/>
-    <p:sldId id="265" r:id="rId38"/>
+    <p:sldId id="296" r:id="rId27"/>
+    <p:sldId id="282" r:id="rId28"/>
+    <p:sldId id="288" r:id="rId29"/>
+    <p:sldId id="283" r:id="rId30"/>
+    <p:sldId id="284" r:id="rId31"/>
+    <p:sldId id="289" r:id="rId32"/>
+    <p:sldId id="292" r:id="rId33"/>
+    <p:sldId id="295" r:id="rId34"/>
+    <p:sldId id="294" r:id="rId35"/>
+    <p:sldId id="293" r:id="rId36"/>
+    <p:sldId id="291" r:id="rId37"/>
+    <p:sldId id="266" r:id="rId38"/>
+    <p:sldId id="265" r:id="rId39"/>
   </p:sldIdLst>
   <p:sldSz cx="16256000" cy="9144000"/>
   <p:notesSz cx="6858000" cy="9144000"/>
@@ -257,10 +258,9 @@
               <a:defRPr/>
             </a:pPr>
             <a:r>
-              <a:rPr lang="en-US" smtClean="0"/>
+              <a:rPr lang="en-US"/>
               <a:t>Chef Intermediate</a:t>
             </a:r>
-            <a:endParaRPr lang="en-US"/>
           </a:p>
         </p:txBody>
       </p:sp>
@@ -305,7 +305,7 @@
               <a:defRPr/>
             </a:pPr>
             <a:r>
-              <a:rPr lang="en-US" smtClean="0"/>
+              <a:rPr lang="en-US"/>
               <a:t>Chef Software, Inc.</a:t>
             </a:r>
             <a:endParaRPr lang="en-US" dirty="0"/>
@@ -485,7 +485,7 @@
               <a:defRPr/>
             </a:pPr>
             <a:r>
-              <a:rPr lang="en-US" smtClean="0"/>
+              <a:rPr lang="en-US"/>
               <a:t>Chef Software, Inc.</a:t>
             </a:r>
             <a:endParaRPr lang="en-US" dirty="0"/>
@@ -553,38 +553,37 @@
           <a:p>
             <a:pPr lvl="0"/>
             <a:r>
-              <a:rPr lang="en-US" noProof="0" dirty="0" smtClean="0"/>
+              <a:rPr lang="en-US" noProof="0" dirty="0"/>
               <a:t>Click to edit Master text styles</a:t>
             </a:r>
           </a:p>
           <a:p>
             <a:pPr lvl="1"/>
             <a:r>
-              <a:rPr lang="en-US" noProof="0" dirty="0" smtClean="0"/>
+              <a:rPr lang="en-US" noProof="0" dirty="0"/>
               <a:t>Second level</a:t>
             </a:r>
           </a:p>
           <a:p>
             <a:pPr lvl="2"/>
             <a:r>
-              <a:rPr lang="en-US" noProof="0" dirty="0" smtClean="0"/>
+              <a:rPr lang="en-US" noProof="0" dirty="0"/>
               <a:t>Third level</a:t>
             </a:r>
           </a:p>
           <a:p>
             <a:pPr lvl="3"/>
             <a:r>
-              <a:rPr lang="en-US" noProof="0" dirty="0" smtClean="0"/>
+              <a:rPr lang="en-US" noProof="0" dirty="0"/>
               <a:t>Fourth level</a:t>
             </a:r>
           </a:p>
           <a:p>
             <a:pPr lvl="4"/>
             <a:r>
-              <a:rPr lang="en-US" noProof="0" dirty="0" smtClean="0"/>
+              <a:rPr lang="en-US" noProof="0" dirty="0"/>
               <a:t>Fifth level</a:t>
             </a:r>
-            <a:endParaRPr lang="en-US" noProof="0" dirty="0"/>
           </a:p>
         </p:txBody>
       </p:sp>
@@ -629,7 +628,7 @@
               <a:defRPr/>
             </a:pPr>
             <a:r>
-              <a:rPr lang="en-US" smtClean="0"/>
+              <a:rPr lang="en-US"/>
               <a:t>Chef Intermediate</a:t>
             </a:r>
             <a:endParaRPr lang="en-US" dirty="0"/>
@@ -860,10 +859,9 @@
               <a:defRPr/>
             </a:pPr>
             <a:r>
-              <a:rPr lang="en-US" smtClean="0"/>
+              <a:rPr lang="en-US"/>
               <a:t>Chef Intermediate</a:t>
             </a:r>
-            <a:endParaRPr lang="en-US"/>
           </a:p>
         </p:txBody>
       </p:sp>
@@ -886,7 +884,7 @@
               <a:defRPr/>
             </a:pPr>
             <a:r>
-              <a:rPr lang="en-US" smtClean="0"/>
+              <a:rPr lang="en-US"/>
               <a:t>Chef Software, Inc.</a:t>
             </a:r>
             <a:endParaRPr lang="en-US" dirty="0"/>
@@ -951,10 +949,9 @@
           <a:lstStyle/>
           <a:p>
             <a:r>
-              <a:rPr lang="en-US" dirty="0" smtClean="0"/>
+              <a:rPr lang="en-US" dirty="0"/>
               <a:t>After completing this module you will be able to</a:t>
             </a:r>
-            <a:endParaRPr lang="en-US" dirty="0"/>
           </a:p>
         </p:txBody>
       </p:sp>
@@ -977,10 +974,9 @@
               <a:defRPr/>
             </a:pPr>
             <a:r>
-              <a:rPr lang="en-US" smtClean="0"/>
+              <a:rPr lang="en-US"/>
               <a:t>Chef Intermediate</a:t>
             </a:r>
-            <a:endParaRPr lang="en-US"/>
           </a:p>
         </p:txBody>
       </p:sp>
@@ -1003,7 +999,7 @@
               <a:defRPr/>
             </a:pPr>
             <a:r>
-              <a:rPr lang="en-US" smtClean="0"/>
+              <a:rPr lang="en-US"/>
               <a:t>Chef Software, Inc.</a:t>
             </a:r>
             <a:endParaRPr lang="en-US" dirty="0"/>
@@ -1090,7 +1086,7 @@
               <a:defRPr/>
             </a:pPr>
             <a:r>
-              <a:rPr lang="en-US" smtClean="0"/>
+              <a:rPr lang="en-US"/>
               <a:t>Chef Software, Inc.</a:t>
             </a:r>
             <a:endParaRPr lang="en-US" dirty="0"/>
@@ -1116,7 +1112,7 @@
               <a:defRPr/>
             </a:pPr>
             <a:r>
-              <a:rPr lang="en-US" smtClean="0"/>
+              <a:rPr lang="en-US"/>
               <a:t>Chef Intermediate</a:t>
             </a:r>
             <a:endParaRPr lang="en-US" dirty="0"/>
@@ -1203,7 +1199,7 @@
               <a:defRPr/>
             </a:pPr>
             <a:r>
-              <a:rPr lang="en-US" smtClean="0"/>
+              <a:rPr lang="en-US"/>
               <a:t>Chef Software, Inc.</a:t>
             </a:r>
             <a:endParaRPr lang="en-US" dirty="0"/>
@@ -1229,7 +1225,7 @@
               <a:defRPr/>
             </a:pPr>
             <a:r>
-              <a:rPr lang="en-US" smtClean="0"/>
+              <a:rPr lang="en-US"/>
               <a:t>Chef Intermediate</a:t>
             </a:r>
             <a:endParaRPr lang="en-US" dirty="0"/>
@@ -1316,7 +1312,7 @@
               <a:defRPr/>
             </a:pPr>
             <a:r>
-              <a:rPr lang="en-US" smtClean="0"/>
+              <a:rPr lang="en-US"/>
               <a:t>Chef Software, Inc.</a:t>
             </a:r>
             <a:endParaRPr lang="en-US" dirty="0"/>
@@ -1342,7 +1338,7 @@
               <a:defRPr/>
             </a:pPr>
             <a:r>
-              <a:rPr lang="en-US" smtClean="0"/>
+              <a:rPr lang="en-US"/>
               <a:t>Chef Intermediate</a:t>
             </a:r>
             <a:endParaRPr lang="en-US" dirty="0"/>
@@ -1429,7 +1425,7 @@
               <a:defRPr/>
             </a:pPr>
             <a:r>
-              <a:rPr lang="en-US" smtClean="0"/>
+              <a:rPr lang="en-US"/>
               <a:t>Chef Software, Inc.</a:t>
             </a:r>
             <a:endParaRPr lang="en-US" dirty="0"/>
@@ -1455,7 +1451,7 @@
               <a:defRPr/>
             </a:pPr>
             <a:r>
-              <a:rPr lang="en-US" smtClean="0"/>
+              <a:rPr lang="en-US"/>
               <a:t>Chef Intermediate</a:t>
             </a:r>
             <a:endParaRPr lang="en-US" dirty="0"/>
@@ -1542,7 +1538,7 @@
               <a:defRPr/>
             </a:pPr>
             <a:r>
-              <a:rPr lang="en-US" smtClean="0"/>
+              <a:rPr lang="en-US"/>
               <a:t>Chef Software, Inc.</a:t>
             </a:r>
             <a:endParaRPr lang="en-US" dirty="0"/>
@@ -1568,7 +1564,7 @@
               <a:defRPr/>
             </a:pPr>
             <a:r>
-              <a:rPr lang="en-US" smtClean="0"/>
+              <a:rPr lang="en-US"/>
               <a:t>Chef Intermediate</a:t>
             </a:r>
             <a:endParaRPr lang="en-US" dirty="0"/>
@@ -1579,6 +1575,138 @@
     <p:extLst>
       <p:ext uri="{BB962C8B-B14F-4D97-AF65-F5344CB8AC3E}">
         <p14:creationId xmlns:p14="http://schemas.microsoft.com/office/powerpoint/2010/main" val="660050330"/>
+      </p:ext>
+    </p:extLst>
+  </p:cSld>
+  <p:clrMapOvr>
+    <a:masterClrMapping/>
+  </p:clrMapOvr>
+</p:notes>
+</file>
+
+<file path=ppt/notesSlides/notesSlide8.xml><?xml version="1.0" encoding="utf-8"?>
+<p:notes xmlns:a="http://schemas.openxmlformats.org/drawingml/2006/main" xmlns:r="http://schemas.openxmlformats.org/officeDocument/2006/relationships" xmlns:p="http://schemas.openxmlformats.org/presentationml/2006/main">
+  <p:cSld>
+    <p:spTree>
+      <p:nvGrpSpPr>
+        <p:cNvPr id="1" name=""/>
+        <p:cNvGrpSpPr/>
+        <p:nvPr/>
+      </p:nvGrpSpPr>
+      <p:grpSpPr>
+        <a:xfrm>
+          <a:off x="0" y="0"/>
+          <a:ext cx="0" cy="0"/>
+          <a:chOff x="0" y="0"/>
+          <a:chExt cx="0" cy="0"/>
+        </a:xfrm>
+      </p:grpSpPr>
+      <p:sp>
+        <p:nvSpPr>
+          <p:cNvPr id="2" name="Slide Image Placeholder 1"/>
+          <p:cNvSpPr>
+            <a:spLocks noGrp="1" noRot="1" noChangeAspect="1"/>
+          </p:cNvSpPr>
+          <p:nvPr>
+            <p:ph type="sldImg"/>
+          </p:nvPr>
+        </p:nvSpPr>
+        <p:spPr/>
+      </p:sp>
+      <p:sp>
+        <p:nvSpPr>
+          <p:cNvPr id="3" name="Notes Placeholder 2"/>
+          <p:cNvSpPr>
+            <a:spLocks noGrp="1"/>
+          </p:cNvSpPr>
+          <p:nvPr>
+            <p:ph type="body" idx="1"/>
+          </p:nvPr>
+        </p:nvSpPr>
+        <p:spPr/>
+        <p:txBody>
+          <a:bodyPr/>
+          <a:lstStyle/>
+          <a:p>
+            <a:r>
+              <a:rPr lang="en-US" dirty="0"/>
+              <a:t>We are using a Custom Resource from the </a:t>
+            </a:r>
+            <a:r>
+              <a:rPr lang="en-US" dirty="0" err="1"/>
+              <a:t>Ohai</a:t>
+            </a:r>
+            <a:r>
+              <a:rPr lang="en-US" dirty="0"/>
+              <a:t> cookbook to provide the </a:t>
+            </a:r>
+            <a:r>
+              <a:rPr lang="en-US" dirty="0" err="1"/>
+              <a:t>apache_modules</a:t>
+            </a:r>
+            <a:r>
+              <a:rPr lang="en-US" dirty="0"/>
+              <a:t> attribute. </a:t>
+            </a:r>
+          </a:p>
+        </p:txBody>
+      </p:sp>
+      <p:sp>
+        <p:nvSpPr>
+          <p:cNvPr id="4" name="Date Placeholder 3"/>
+          <p:cNvSpPr>
+            <a:spLocks noGrp="1"/>
+          </p:cNvSpPr>
+          <p:nvPr>
+            <p:ph type="dt" idx="10"/>
+          </p:nvPr>
+        </p:nvSpPr>
+        <p:spPr/>
+        <p:txBody>
+          <a:bodyPr/>
+          <a:lstStyle/>
+          <a:p>
+            <a:pPr>
+              <a:defRPr/>
+            </a:pPr>
+            <a:r>
+              <a:rPr lang="en-US"/>
+              <a:t>Chef Software, Inc.</a:t>
+            </a:r>
+            <a:endParaRPr lang="en-US" dirty="0"/>
+          </a:p>
+        </p:txBody>
+      </p:sp>
+      <p:sp>
+        <p:nvSpPr>
+          <p:cNvPr id="5" name="Header Placeholder 4"/>
+          <p:cNvSpPr>
+            <a:spLocks noGrp="1"/>
+          </p:cNvSpPr>
+          <p:nvPr>
+            <p:ph type="hdr" sz="quarter" idx="11"/>
+          </p:nvPr>
+        </p:nvSpPr>
+        <p:spPr/>
+        <p:txBody>
+          <a:bodyPr/>
+          <a:lstStyle/>
+          <a:p>
+            <a:pPr>
+              <a:defRPr/>
+            </a:pPr>
+            <a:r>
+              <a:rPr lang="en-US"/>
+              <a:t>Chef Intermediate</a:t>
+            </a:r>
+            <a:endParaRPr lang="en-US" dirty="0"/>
+          </a:p>
+        </p:txBody>
+      </p:sp>
+    </p:spTree>
+    <p:extLst>
+      <p:ext uri="{BB962C8B-B14F-4D97-AF65-F5344CB8AC3E}">
+        <p14:creationId xmlns:p14="http://schemas.microsoft.com/office/powerpoint/2010/main" val="3274702269"/>
       </p:ext>
     </p:extLst>
   </p:cSld>
@@ -1651,7 +1779,7 @@
           </a:lstStyle>
           <a:p>
             <a:r>
-              <a:rPr lang="en-US" smtClean="0"/>
+              <a:rPr lang="en-US"/>
               <a:t>Click to edit Master title style</a:t>
             </a:r>
             <a:endParaRPr lang="en-US" dirty="0"/>
@@ -1709,7 +1837,7 @@
           <a:p>
             <a:pPr lvl="0"/>
             <a:r>
-              <a:rPr lang="en-US" smtClean="0"/>
+              <a:rPr lang="en-US"/>
               <a:t>Click to edit Master text styles</a:t>
             </a:r>
           </a:p>
@@ -1791,7 +1919,7 @@
           </a:lstStyle>
           <a:p>
             <a:r>
-              <a:rPr lang="en-US" smtClean="0"/>
+              <a:rPr lang="en-US"/>
               <a:t>Click to edit Master title style</a:t>
             </a:r>
             <a:endParaRPr lang="en-US" dirty="0"/>
@@ -1849,7 +1977,7 @@
           <a:p>
             <a:pPr lvl="0"/>
             <a:r>
-              <a:rPr lang="en-US" dirty="0" smtClean="0"/>
+              <a:rPr lang="en-US" dirty="0"/>
               <a:t>source code</a:t>
             </a:r>
           </a:p>
@@ -1895,28 +2023,28 @@
           <a:p>
             <a:pPr lvl="0"/>
             <a:r>
-              <a:rPr lang="en-US" smtClean="0"/>
+              <a:rPr lang="en-US"/>
               <a:t>Click to edit Master text styles</a:t>
             </a:r>
           </a:p>
           <a:p>
             <a:pPr lvl="1"/>
             <a:r>
-              <a:rPr lang="en-US" smtClean="0"/>
+              <a:rPr lang="en-US"/>
               <a:t>Second level</a:t>
             </a:r>
           </a:p>
           <a:p>
             <a:pPr lvl="2"/>
             <a:r>
-              <a:rPr lang="en-US" smtClean="0"/>
+              <a:rPr lang="en-US"/>
               <a:t>Third level</a:t>
             </a:r>
           </a:p>
           <a:p>
             <a:pPr lvl="3"/>
             <a:r>
-              <a:rPr lang="en-US" smtClean="0"/>
+              <a:rPr lang="en-US"/>
               <a:t>Fourth level</a:t>
             </a:r>
           </a:p>
@@ -1960,7 +2088,7 @@
           <a:p>
             <a:pPr lvl="0"/>
             <a:r>
-              <a:rPr lang="en-US" dirty="0" smtClean="0"/>
+              <a:rPr lang="en-US" dirty="0"/>
               <a:t>-</a:t>
             </a:r>
           </a:p>
@@ -2004,7 +2132,7 @@
           <a:p>
             <a:pPr lvl="0"/>
             <a:r>
-              <a:rPr lang="en-US" dirty="0" smtClean="0"/>
+              <a:rPr lang="en-US" dirty="0"/>
               <a:t>+</a:t>
             </a:r>
           </a:p>
@@ -2543,21 +2671,21 @@
           <a:p>
             <a:pPr lvl="0"/>
             <a:r>
-              <a:rPr lang="en-US" smtClean="0"/>
+              <a:rPr lang="en-US"/>
               <a:t>Click to edit Master text styles</a:t>
             </a:r>
           </a:p>
           <a:p>
             <a:pPr lvl="1"/>
             <a:r>
-              <a:rPr lang="en-US" smtClean="0"/>
+              <a:rPr lang="en-US"/>
               <a:t>Second level</a:t>
             </a:r>
           </a:p>
           <a:p>
             <a:pPr lvl="2"/>
             <a:r>
-              <a:rPr lang="en-US" smtClean="0"/>
+              <a:rPr lang="en-US"/>
               <a:t>Third level</a:t>
             </a:r>
           </a:p>
@@ -2603,21 +2731,21 @@
           <a:p>
             <a:pPr lvl="0"/>
             <a:r>
-              <a:rPr lang="en-US" smtClean="0"/>
+              <a:rPr lang="en-US"/>
               <a:t>Click to edit Master text styles</a:t>
             </a:r>
           </a:p>
           <a:p>
             <a:pPr lvl="1"/>
             <a:r>
-              <a:rPr lang="en-US" smtClean="0"/>
+              <a:rPr lang="en-US"/>
               <a:t>Second level</a:t>
             </a:r>
           </a:p>
           <a:p>
             <a:pPr lvl="2"/>
             <a:r>
-              <a:rPr lang="en-US" smtClean="0"/>
+              <a:rPr lang="en-US"/>
               <a:t>Third level</a:t>
             </a:r>
           </a:p>
@@ -2657,7 +2785,7 @@
           <a:p>
             <a:pPr lvl="0"/>
             <a:r>
-              <a:rPr lang="en-US" dirty="0" smtClean="0"/>
+              <a:rPr lang="en-US" dirty="0"/>
               <a:t>A</a:t>
             </a:r>
           </a:p>
@@ -2697,7 +2825,7 @@
           <a:p>
             <a:pPr lvl="0"/>
             <a:r>
-              <a:rPr lang="en-US" dirty="0" smtClean="0"/>
+              <a:rPr lang="en-US" dirty="0"/>
               <a:t>B</a:t>
             </a:r>
           </a:p>
@@ -2976,10 +3104,9 @@
           </a:lstStyle>
           <a:p>
             <a:r>
-              <a:rPr lang="en-US" dirty="0" smtClean="0"/>
+              <a:rPr lang="en-US" dirty="0"/>
               <a:t>Motivation</a:t>
             </a:r>
-            <a:endParaRPr lang="en-US" dirty="0"/>
           </a:p>
         </p:txBody>
       </p:sp>
@@ -3106,7 +3233,7 @@
           </a:lstStyle>
           <a:p>
             <a:r>
-              <a:rPr lang="en-US" dirty="0" smtClean="0"/>
+              <a:rPr lang="en-US" dirty="0"/>
               <a:t>Click to edit Master subtitle style</a:t>
             </a:r>
           </a:p>
@@ -3263,10 +3390,9 @@
           </a:lstStyle>
           <a:p>
             <a:r>
-              <a:rPr lang="en-US" dirty="0" smtClean="0"/>
+              <a:rPr lang="en-US" dirty="0"/>
               <a:t>Problem</a:t>
             </a:r>
-            <a:endParaRPr lang="en-US" dirty="0"/>
           </a:p>
         </p:txBody>
       </p:sp>
@@ -3393,7 +3519,7 @@
           </a:lstStyle>
           <a:p>
             <a:r>
-              <a:rPr lang="en-US" dirty="0" smtClean="0"/>
+              <a:rPr lang="en-US" dirty="0"/>
               <a:t>Click to edit Master subtitle style</a:t>
             </a:r>
           </a:p>
@@ -3466,7 +3592,7 @@
               <a:defRPr/>
             </a:pPr>
             <a:r>
-              <a:rPr lang="en-US" sz="16933" dirty="0" smtClean="0">
+              <a:rPr lang="en-US" sz="16933" dirty="0">
                 <a:ln w="18415" cmpd="sng">
                   <a:solidFill>
                     <a:srgbClr val="FFFFFF"/>
@@ -3485,23 +3611,6 @@
               </a:rPr>
               <a:t>REFERENCE</a:t>
             </a:r>
-            <a:endParaRPr lang="en-US" sz="16933" dirty="0">
-              <a:ln w="18415" cmpd="sng">
-                <a:solidFill>
-                  <a:srgbClr val="FFFFFF"/>
-                </a:solidFill>
-                <a:prstDash val="solid"/>
-              </a:ln>
-              <a:solidFill>
-                <a:schemeClr val="bg2">
-                  <a:lumMod val="95000"/>
-                  <a:alpha val="50000"/>
-                </a:schemeClr>
-              </a:solidFill>
-              <a:latin typeface="+mn-lt"/>
-              <a:ea typeface="+mn-ea"/>
-              <a:cs typeface="+mn-cs"/>
-            </a:endParaRPr>
           </a:p>
         </p:txBody>
       </p:sp>
@@ -3567,10 +3676,9 @@
           </a:lstStyle>
           <a:p>
             <a:r>
-              <a:rPr lang="en-US" dirty="0" smtClean="0"/>
+              <a:rPr lang="en-US" dirty="0"/>
               <a:t>Documentation</a:t>
             </a:r>
-            <a:endParaRPr lang="en-US" dirty="0"/>
           </a:p>
         </p:txBody>
       </p:sp>
@@ -3697,7 +3805,7 @@
           </a:lstStyle>
           <a:p>
             <a:r>
-              <a:rPr lang="en-US" dirty="0" smtClean="0"/>
+              <a:rPr lang="en-US" dirty="0"/>
               <a:t>Click to edit Master subtitle style</a:t>
             </a:r>
           </a:p>
@@ -3737,14 +3845,14 @@
           <a:p>
             <a:pPr lvl="0"/>
             <a:r>
-              <a:rPr lang="en-US" dirty="0" smtClean="0"/>
+              <a:rPr lang="en-US" dirty="0"/>
               <a:t>http://</a:t>
             </a:r>
             <a:r>
-              <a:rPr lang="en-US" dirty="0" err="1" smtClean="0"/>
+              <a:rPr lang="en-US" dirty="0" err="1"/>
               <a:t>docs.chef.io</a:t>
             </a:r>
-            <a:endParaRPr lang="en-US" dirty="0" smtClean="0"/>
+            <a:endParaRPr lang="en-US" dirty="0"/>
           </a:p>
         </p:txBody>
       </p:sp>
@@ -3899,10 +4007,9 @@
           </a:lstStyle>
           <a:p>
             <a:r>
-              <a:rPr lang="en-US" dirty="0" smtClean="0"/>
+              <a:rPr lang="en-US" dirty="0"/>
               <a:t>Concept</a:t>
             </a:r>
-            <a:endParaRPr lang="en-US" dirty="0"/>
           </a:p>
         </p:txBody>
       </p:sp>
@@ -4029,7 +4136,7 @@
           </a:lstStyle>
           <a:p>
             <a:r>
-              <a:rPr lang="en-US" dirty="0" smtClean="0"/>
+              <a:rPr lang="en-US" dirty="0"/>
               <a:t>Click to edit Master subtitle style</a:t>
             </a:r>
           </a:p>
@@ -4186,10 +4293,9 @@
           </a:lstStyle>
           <a:p>
             <a:r>
-              <a:rPr lang="en-US" dirty="0" smtClean="0"/>
+              <a:rPr lang="en-US" dirty="0"/>
               <a:t>Group Exercise</a:t>
             </a:r>
-            <a:endParaRPr lang="en-US" dirty="0"/>
           </a:p>
         </p:txBody>
       </p:sp>
@@ -4234,7 +4340,7 @@
           <a:p>
             <a:pPr lvl="0"/>
             <a:r>
-              <a:rPr lang="en-US" dirty="0" smtClean="0"/>
+              <a:rPr lang="en-US" dirty="0"/>
               <a:t>Click to edit Master text styles</a:t>
             </a:r>
           </a:p>
@@ -4429,28 +4535,28 @@
           <a:p>
             <a:pPr lvl="0"/>
             <a:r>
-              <a:rPr lang="en-US" dirty="0" smtClean="0"/>
+              <a:rPr lang="en-US" dirty="0"/>
               <a:t>Click to edit Master text styles</a:t>
             </a:r>
           </a:p>
           <a:p>
             <a:pPr lvl="1"/>
             <a:r>
-              <a:rPr lang="en-US" dirty="0" smtClean="0"/>
+              <a:rPr lang="en-US" dirty="0"/>
               <a:t>Second level</a:t>
             </a:r>
           </a:p>
           <a:p>
             <a:pPr lvl="2"/>
             <a:r>
-              <a:rPr lang="en-US" dirty="0" smtClean="0"/>
+              <a:rPr lang="en-US" dirty="0"/>
               <a:t>Third level</a:t>
             </a:r>
           </a:p>
           <a:p>
             <a:pPr lvl="3"/>
             <a:r>
-              <a:rPr lang="en-US" dirty="0" smtClean="0"/>
+              <a:rPr lang="en-US" dirty="0"/>
               <a:t>Fourth level</a:t>
             </a:r>
           </a:p>
@@ -4607,10 +4713,9 @@
           </a:lstStyle>
           <a:p>
             <a:r>
-              <a:rPr lang="en-US" dirty="0" smtClean="0"/>
+              <a:rPr lang="en-US" dirty="0"/>
               <a:t>Lab</a:t>
             </a:r>
-            <a:endParaRPr lang="en-US" dirty="0"/>
           </a:p>
         </p:txBody>
       </p:sp>
@@ -4738,7 +4843,7 @@
           </a:lstStyle>
           <a:p>
             <a:r>
-              <a:rPr lang="en-US" dirty="0" smtClean="0"/>
+              <a:rPr lang="en-US" dirty="0"/>
               <a:t>Click to edit Master subtitle style</a:t>
             </a:r>
           </a:p>
@@ -4895,10 +5000,9 @@
           </a:lstStyle>
           <a:p>
             <a:r>
-              <a:rPr lang="en-US" dirty="0" smtClean="0"/>
+              <a:rPr lang="en-US" dirty="0"/>
               <a:t>Commit</a:t>
             </a:r>
-            <a:endParaRPr lang="en-US" dirty="0"/>
           </a:p>
         </p:txBody>
       </p:sp>
@@ -5027,30 +5131,30 @@
           </a:lstStyle>
           <a:p>
             <a:r>
-              <a:rPr lang="en-US" dirty="0" smtClean="0"/>
+              <a:rPr lang="en-US" dirty="0"/>
               <a:t>$ cd repo</a:t>
             </a:r>
           </a:p>
           <a:p>
             <a:r>
-              <a:rPr lang="en-US" dirty="0" smtClean="0"/>
+              <a:rPr lang="en-US" dirty="0"/>
               <a:t>$ git </a:t>
             </a:r>
             <a:r>
-              <a:rPr lang="en-US" dirty="0" err="1" smtClean="0"/>
+              <a:rPr lang="en-US" dirty="0" err="1"/>
               <a:t>init</a:t>
             </a:r>
-            <a:endParaRPr lang="en-US" dirty="0" smtClean="0"/>
-          </a:p>
-          <a:p>
-            <a:r>
-              <a:rPr lang="en-US" dirty="0" smtClean="0"/>
+            <a:endParaRPr lang="en-US" dirty="0"/>
+          </a:p>
+          <a:p>
+            <a:r>
+              <a:rPr lang="en-US" dirty="0"/>
               <a:t>$ git add .</a:t>
             </a:r>
           </a:p>
           <a:p>
             <a:r>
-              <a:rPr lang="en-US" dirty="0" smtClean="0"/>
+              <a:rPr lang="en-US" dirty="0"/>
               <a:t>$ git commit -m "Work Complete"</a:t>
             </a:r>
           </a:p>
@@ -5121,7 +5225,7 @@
           <a:lstStyle/>
           <a:p>
             <a:r>
-              <a:rPr lang="en-US" smtClean="0"/>
+              <a:rPr lang="en-US"/>
               <a:t>Click to edit Master title style</a:t>
             </a:r>
             <a:endParaRPr lang="en-US" dirty="0"/>
@@ -5213,21 +5317,21 @@
           <a:p>
             <a:pPr lvl="0"/>
             <a:r>
-              <a:rPr lang="en-US" smtClean="0"/>
+              <a:rPr lang="en-US"/>
               <a:t>Click to edit Master text styles</a:t>
             </a:r>
           </a:p>
           <a:p>
             <a:pPr lvl="1"/>
             <a:r>
-              <a:rPr lang="en-US" smtClean="0"/>
+              <a:rPr lang="en-US"/>
               <a:t>Second level</a:t>
             </a:r>
           </a:p>
           <a:p>
             <a:pPr lvl="2"/>
             <a:r>
-              <a:rPr lang="en-US" smtClean="0"/>
+              <a:rPr lang="en-US"/>
               <a:t>Third level</a:t>
             </a:r>
           </a:p>
@@ -5300,7 +5404,7 @@
               <a:defRPr/>
             </a:pPr>
             <a:r>
-              <a:rPr lang="en-US" sz="16933" dirty="0" smtClean="0">
+              <a:rPr lang="en-US" sz="16933" dirty="0">
                 <a:ln w="18415" cmpd="sng">
                   <a:solidFill>
                     <a:srgbClr val="FFFFFF"/>
@@ -5319,23 +5423,6 @@
               </a:rPr>
               <a:t>DISCUSSION</a:t>
             </a:r>
-            <a:endParaRPr lang="en-US" sz="16933" dirty="0">
-              <a:ln w="18415" cmpd="sng">
-                <a:solidFill>
-                  <a:srgbClr val="FFFFFF"/>
-                </a:solidFill>
-                <a:prstDash val="solid"/>
-              </a:ln>
-              <a:solidFill>
-                <a:schemeClr val="bg2">
-                  <a:lumMod val="95000"/>
-                  <a:alpha val="50000"/>
-                </a:schemeClr>
-              </a:solidFill>
-              <a:latin typeface="+mn-lt"/>
-              <a:ea typeface="+mn-ea"/>
-              <a:cs typeface="+mn-cs"/>
-            </a:endParaRPr>
           </a:p>
         </p:txBody>
       </p:sp>
@@ -5401,10 +5488,9 @@
           </a:lstStyle>
           <a:p>
             <a:r>
-              <a:rPr lang="en-US" dirty="0" smtClean="0"/>
+              <a:rPr lang="en-US" dirty="0"/>
               <a:t>Discussion</a:t>
             </a:r>
-            <a:endParaRPr lang="en-US" dirty="0"/>
           </a:p>
         </p:txBody>
       </p:sp>
@@ -5531,7 +5617,7 @@
           </a:lstStyle>
           <a:p>
             <a:r>
-              <a:rPr lang="en-US" dirty="0" smtClean="0"/>
+              <a:rPr lang="en-US" dirty="0"/>
               <a:t>Questions</a:t>
             </a:r>
           </a:p>
@@ -5762,7 +5848,7 @@
           <a:p>
             <a:pPr lvl="0"/>
             <a:r>
-              <a:rPr lang="en-US" dirty="0" smtClean="0"/>
+              <a:rPr lang="en-US" dirty="0"/>
               <a:t>RESULT</a:t>
             </a:r>
           </a:p>
@@ -5809,7 +5895,7 @@
           <a:p>
             <a:pPr lvl="0"/>
             <a:r>
-              <a:rPr lang="en-US" dirty="0" smtClean="0"/>
+              <a:rPr lang="en-US" dirty="0"/>
               <a:t>&gt; command</a:t>
             </a:r>
           </a:p>
@@ -5861,7 +5947,7 @@
           <a:p>
             <a:pPr lvl="0"/>
             <a:r>
-              <a:rPr lang="en-US" dirty="0" smtClean="0"/>
+              <a:rPr lang="en-US" dirty="0"/>
               <a:t> </a:t>
             </a:r>
           </a:p>
@@ -5889,7 +5975,7 @@
           </a:lstStyle>
           <a:p>
             <a:r>
-              <a:rPr lang="en-US" smtClean="0"/>
+              <a:rPr lang="en-US"/>
               <a:t>Click to edit Master title style</a:t>
             </a:r>
             <a:endParaRPr lang="en-US" dirty="0"/>
@@ -5972,7 +6058,7 @@
           </a:lstStyle>
           <a:p>
             <a:r>
-              <a:rPr lang="en-US" smtClean="0"/>
+              <a:rPr lang="en-US"/>
               <a:t>Click to edit Master title style</a:t>
             </a:r>
             <a:endParaRPr lang="en-US" dirty="0"/>
@@ -6036,7 +6122,7 @@
           <a:p>
             <a:pPr lvl="0"/>
             <a:r>
-              <a:rPr lang="en-US" dirty="0" smtClean="0"/>
+              <a:rPr lang="en-US" dirty="0"/>
               <a:t>command or result</a:t>
             </a:r>
           </a:p>
@@ -6082,21 +6168,21 @@
           <a:p>
             <a:pPr lvl="0"/>
             <a:r>
-              <a:rPr lang="en-US" smtClean="0"/>
+              <a:rPr lang="en-US"/>
               <a:t>Click to edit Master text styles</a:t>
             </a:r>
           </a:p>
           <a:p>
             <a:pPr lvl="1"/>
             <a:r>
-              <a:rPr lang="en-US" smtClean="0"/>
+              <a:rPr lang="en-US"/>
               <a:t>Second level</a:t>
             </a:r>
           </a:p>
           <a:p>
             <a:pPr lvl="2"/>
             <a:r>
-              <a:rPr lang="en-US" smtClean="0"/>
+              <a:rPr lang="en-US"/>
               <a:t>Third level</a:t>
             </a:r>
           </a:p>
@@ -6267,7 +6353,7 @@
           </a:lstStyle>
           <a:p>
             <a:r>
-              <a:rPr lang="en-US" smtClean="0"/>
+              <a:rPr lang="en-US"/>
               <a:t>Click to edit Master title style</a:t>
             </a:r>
             <a:endParaRPr lang="en-US" dirty="0"/>
@@ -6361,7 +6447,7 @@
           <a:p>
             <a:pPr lvl="0"/>
             <a:r>
-              <a:rPr lang="en-US" dirty="0" smtClean="0"/>
+              <a:rPr lang="en-US" dirty="0"/>
               <a:t>RESULT</a:t>
             </a:r>
           </a:p>
@@ -6410,7 +6496,7 @@
           <a:p>
             <a:pPr lvl="0"/>
             <a:r>
-              <a:rPr lang="en-US" dirty="0" smtClean="0"/>
+              <a:rPr lang="en-US" dirty="0"/>
               <a:t>&gt; command</a:t>
             </a:r>
           </a:p>
@@ -6462,7 +6548,7 @@
           <a:p>
             <a:pPr lvl="0"/>
             <a:r>
-              <a:rPr lang="en-US" dirty="0" smtClean="0"/>
+              <a:rPr lang="en-US" dirty="0"/>
               <a:t> </a:t>
             </a:r>
           </a:p>
@@ -6544,7 +6630,7 @@
           </a:lstStyle>
           <a:p>
             <a:r>
-              <a:rPr lang="en-US" smtClean="0"/>
+              <a:rPr lang="en-US"/>
               <a:t>Click to edit Master title style</a:t>
             </a:r>
             <a:endParaRPr lang="en-US" dirty="0"/>
@@ -6610,7 +6696,7 @@
           <a:p>
             <a:pPr lvl="0"/>
             <a:r>
-              <a:rPr lang="en-US" dirty="0" smtClean="0"/>
+              <a:rPr lang="en-US" dirty="0"/>
               <a:t>command or result</a:t>
             </a:r>
           </a:p>
@@ -6656,21 +6742,21 @@
           <a:p>
             <a:pPr lvl="0"/>
             <a:r>
-              <a:rPr lang="en-US" smtClean="0"/>
+              <a:rPr lang="en-US"/>
               <a:t>Click to edit Master text styles</a:t>
             </a:r>
           </a:p>
           <a:p>
             <a:pPr lvl="1"/>
             <a:r>
-              <a:rPr lang="en-US" smtClean="0"/>
+              <a:rPr lang="en-US"/>
               <a:t>Second level</a:t>
             </a:r>
           </a:p>
           <a:p>
             <a:pPr lvl="2"/>
             <a:r>
-              <a:rPr lang="en-US" smtClean="0"/>
+              <a:rPr lang="en-US"/>
               <a:t>Third level</a:t>
             </a:r>
           </a:p>
@@ -6806,7 +6892,7 @@
           </a:lstStyle>
           <a:p>
             <a:r>
-              <a:rPr lang="en-US" smtClean="0"/>
+              <a:rPr lang="en-US"/>
               <a:t>Click to edit Master title style</a:t>
             </a:r>
             <a:endParaRPr lang="en-US" dirty="0"/>
@@ -6876,7 +6962,7 @@
           <a:p>
             <a:pPr lvl="0"/>
             <a:r>
-              <a:rPr lang="en-US" dirty="0" smtClean="0"/>
+              <a:rPr lang="en-US" dirty="0"/>
               <a:t>SOURCE</a:t>
             </a:r>
           </a:p>
@@ -6920,22 +7006,22 @@
           <a:p>
             <a:pPr lvl="0"/>
             <a:r>
-              <a:rPr lang="en-US" dirty="0" smtClean="0"/>
+              <a:rPr lang="en-US" dirty="0"/>
               <a:t>/</a:t>
             </a:r>
             <a:r>
-              <a:rPr lang="en-US" dirty="0" err="1" smtClean="0"/>
+              <a:rPr lang="en-US" dirty="0" err="1"/>
               <a:t>filepath</a:t>
             </a:r>
             <a:r>
-              <a:rPr lang="en-US" dirty="0" smtClean="0"/>
+              <a:rPr lang="en-US" dirty="0"/>
               <a:t>/</a:t>
             </a:r>
             <a:r>
-              <a:rPr lang="en-US" dirty="0" err="1" smtClean="0"/>
+              <a:rPr lang="en-US" dirty="0" err="1"/>
               <a:t>file.rb</a:t>
             </a:r>
-            <a:endParaRPr lang="en-US" dirty="0" smtClean="0"/>
+            <a:endParaRPr lang="en-US" dirty="0"/>
           </a:p>
         </p:txBody>
       </p:sp>
@@ -6977,7 +7063,7 @@
           <a:p>
             <a:pPr lvl="0"/>
             <a:r>
-              <a:rPr lang="en-US" dirty="0" smtClean="0"/>
+              <a:rPr lang="en-US" dirty="0"/>
               <a:t>-</a:t>
             </a:r>
           </a:p>
@@ -7021,7 +7107,7 @@
           <a:p>
             <a:pPr lvl="0"/>
             <a:r>
-              <a:rPr lang="en-US" dirty="0" smtClean="0"/>
+              <a:rPr lang="en-US" dirty="0"/>
               <a:t>+</a:t>
             </a:r>
           </a:p>
@@ -7103,7 +7189,7 @@
           </a:lstStyle>
           <a:p>
             <a:r>
-              <a:rPr lang="en-US" smtClean="0"/>
+              <a:rPr lang="en-US"/>
               <a:t>Click to edit Master title style</a:t>
             </a:r>
             <a:endParaRPr lang="en-US" dirty="0"/>
@@ -7161,7 +7247,7 @@
           <a:p>
             <a:pPr lvl="0"/>
             <a:r>
-              <a:rPr lang="en-US" dirty="0" smtClean="0"/>
+              <a:rPr lang="en-US" dirty="0"/>
               <a:t>source code without a file</a:t>
             </a:r>
           </a:p>
@@ -7205,7 +7291,7 @@
           <a:p>
             <a:pPr lvl="0"/>
             <a:r>
-              <a:rPr lang="en-US" dirty="0" smtClean="0"/>
+              <a:rPr lang="en-US" dirty="0"/>
               <a:t>-</a:t>
             </a:r>
           </a:p>
@@ -7249,7 +7335,7 @@
           <a:p>
             <a:pPr lvl="0"/>
             <a:r>
-              <a:rPr lang="en-US" dirty="0" smtClean="0"/>
+              <a:rPr lang="en-US" dirty="0"/>
               <a:t>+</a:t>
             </a:r>
           </a:p>
@@ -7331,7 +7417,7 @@
           </a:lstStyle>
           <a:p>
             <a:r>
-              <a:rPr lang="en-US" smtClean="0"/>
+              <a:rPr lang="en-US"/>
               <a:t>Click to edit Master title style</a:t>
             </a:r>
             <a:endParaRPr lang="en-US" dirty="0"/>
@@ -7389,7 +7475,7 @@
           <a:p>
             <a:pPr lvl="0"/>
             <a:r>
-              <a:rPr lang="en-US" dirty="0" smtClean="0"/>
+              <a:rPr lang="en-US" dirty="0"/>
               <a:t>source code</a:t>
             </a:r>
           </a:p>
@@ -7435,21 +7521,21 @@
           <a:p>
             <a:pPr lvl="0"/>
             <a:r>
-              <a:rPr lang="en-US" smtClean="0"/>
+              <a:rPr lang="en-US"/>
               <a:t>Click to edit Master text styles</a:t>
             </a:r>
           </a:p>
           <a:p>
             <a:pPr lvl="1"/>
             <a:r>
-              <a:rPr lang="en-US" smtClean="0"/>
+              <a:rPr lang="en-US"/>
               <a:t>Second level</a:t>
             </a:r>
           </a:p>
           <a:p>
             <a:pPr lvl="2"/>
             <a:r>
-              <a:rPr lang="en-US" smtClean="0"/>
+              <a:rPr lang="en-US"/>
               <a:t>Third level</a:t>
             </a:r>
           </a:p>
@@ -7493,7 +7579,7 @@
           <a:p>
             <a:pPr lvl="0"/>
             <a:r>
-              <a:rPr lang="en-US" dirty="0" smtClean="0"/>
+              <a:rPr lang="en-US" dirty="0"/>
               <a:t>-</a:t>
             </a:r>
           </a:p>
@@ -7537,7 +7623,7 @@
           <a:p>
             <a:pPr lvl="0"/>
             <a:r>
-              <a:rPr lang="en-US" dirty="0" smtClean="0"/>
+              <a:rPr lang="en-US" dirty="0"/>
               <a:t>+</a:t>
             </a:r>
           </a:p>
@@ -7620,7 +7706,7 @@
           <a:lstStyle/>
           <a:p>
             <a:r>
-              <a:rPr lang="en-CA" dirty="0" smtClean="0"/>
+              <a:rPr lang="en-CA" dirty="0"/>
               <a:t>Title Text</a:t>
             </a:r>
             <a:endParaRPr lang="en-US" dirty="0"/>
@@ -7654,21 +7740,21 @@
           <a:p>
             <a:pPr lvl="0"/>
             <a:r>
-              <a:rPr lang="en-US" dirty="0" smtClean="0"/>
+              <a:rPr lang="en-US" dirty="0"/>
               <a:t>Click to edit Master text styles</a:t>
             </a:r>
           </a:p>
           <a:p>
             <a:pPr lvl="1"/>
             <a:r>
-              <a:rPr lang="en-US" dirty="0" smtClean="0"/>
+              <a:rPr lang="en-US" dirty="0"/>
               <a:t>Second level</a:t>
             </a:r>
           </a:p>
           <a:p>
             <a:pPr lvl="2"/>
             <a:r>
-              <a:rPr lang="en-US" dirty="0" smtClean="0"/>
+              <a:rPr lang="en-US" dirty="0"/>
               <a:t>Third level</a:t>
             </a:r>
           </a:p>
@@ -7796,7 +7882,7 @@
               <a:defRPr/>
             </a:pPr>
             <a:r>
-              <a:rPr lang="en-US" dirty="0" smtClean="0">
+              <a:rPr lang="en-US" dirty="0">
                 <a:solidFill>
                   <a:srgbClr val="7D868C"/>
                 </a:solidFill>
@@ -7807,7 +7893,7 @@
               <a:t>©</a:t>
             </a:r>
             <a:r>
-              <a:rPr lang="is-IS" dirty="0" smtClean="0">
+              <a:rPr lang="is-IS" dirty="0">
                 <a:solidFill>
                   <a:srgbClr val="7D868C"/>
                 </a:solidFill>
@@ -7818,17 +7904,6 @@
               <a:t>2017</a:t>
             </a:r>
             <a:r>
-              <a:rPr lang="en-US" dirty="0" smtClean="0">
-                <a:solidFill>
-                  <a:srgbClr val="7D868C"/>
-                </a:solidFill>
-                <a:latin typeface="+mn-lt"/>
-                <a:ea typeface="+mn-ea"/>
-                <a:cs typeface="+mn-cs"/>
-              </a:rPr>
-              <a:t> </a:t>
-            </a:r>
-            <a:r>
               <a:rPr lang="en-US" dirty="0">
                 <a:solidFill>
                   <a:srgbClr val="7D868C"/>
@@ -7837,7 +7912,7 @@
                 <a:ea typeface="+mn-ea"/>
                 <a:cs typeface="+mn-cs"/>
               </a:rPr>
-              <a:t>Chef Software Inc</a:t>
+              <a:t> Chef Software Inc</a:t>
             </a:r>
             <a:r>
               <a:rPr lang="en-US" dirty="0">
@@ -7897,7 +7972,7 @@
               <a:defRPr/>
             </a:pPr>
             <a:r>
-              <a:rPr lang="en-US" dirty="0" smtClean="0">
+              <a:rPr lang="en-US" dirty="0">
                 <a:solidFill>
                   <a:srgbClr val="7F7F7F"/>
                 </a:solidFill>
@@ -7958,13 +8033,6 @@
   <p:transition spd="med">
     <p:fade/>
   </p:transition>
-  <p:timing>
-    <p:tnLst>
-      <p:par>
-        <p:cTn id="1" dur="indefinite" restart="never" nodeType="tmRoot"/>
-      </p:par>
-    </p:tnLst>
-  </p:timing>
   <p:hf hdr="0" dt="0"/>
   <p:txStyles>
     <p:titleStyle>
@@ -8447,7 +8515,7 @@
           <a:lstStyle/>
           <a:p>
             <a:r>
-              <a:rPr lang="en-CA" dirty="0" smtClean="0"/>
+              <a:rPr lang="en-CA" dirty="0"/>
               <a:t>Title Text</a:t>
             </a:r>
             <a:endParaRPr lang="en-US" dirty="0"/>
@@ -8576,7 +8644,7 @@
               <a:defRPr/>
             </a:pPr>
             <a:r>
-              <a:rPr lang="en-US" dirty="0" smtClean="0">
+              <a:rPr lang="en-US" dirty="0">
                 <a:solidFill>
                   <a:srgbClr val="7D868C"/>
                 </a:solidFill>
@@ -8587,7 +8655,7 @@
               <a:t>©</a:t>
             </a:r>
             <a:r>
-              <a:rPr lang="is-IS" dirty="0" smtClean="0">
+              <a:rPr lang="is-IS" dirty="0">
                 <a:solidFill>
                   <a:srgbClr val="7D868C"/>
                 </a:solidFill>
@@ -8598,17 +8666,6 @@
               <a:t>2017</a:t>
             </a:r>
             <a:r>
-              <a:rPr lang="en-US" dirty="0" smtClean="0">
-                <a:solidFill>
-                  <a:srgbClr val="7D868C"/>
-                </a:solidFill>
-                <a:latin typeface="+mn-lt"/>
-                <a:ea typeface="+mn-ea"/>
-                <a:cs typeface="+mn-cs"/>
-              </a:rPr>
-              <a:t> </a:t>
-            </a:r>
-            <a:r>
               <a:rPr lang="en-US" dirty="0">
                 <a:solidFill>
                   <a:srgbClr val="7D868C"/>
@@ -8617,7 +8674,7 @@
                 <a:ea typeface="+mn-ea"/>
                 <a:cs typeface="+mn-cs"/>
               </a:rPr>
-              <a:t>Chef Software Inc</a:t>
+              <a:t> Chef Software Inc</a:t>
             </a:r>
             <a:r>
               <a:rPr lang="en-US" dirty="0">
@@ -8677,7 +8734,7 @@
               <a:defRPr/>
             </a:pPr>
             <a:r>
-              <a:rPr lang="en-US" dirty="0" smtClean="0">
+              <a:rPr lang="en-US" dirty="0">
                 <a:solidFill>
                   <a:srgbClr val="7F7F7F"/>
                 </a:solidFill>
@@ -8809,13 +8866,6 @@
   <p:transition spd="med">
     <p:fade/>
   </p:transition>
-  <p:timing>
-    <p:tnLst>
-      <p:par>
-        <p:cTn id="1" dur="indefinite" restart="never" nodeType="tmRoot"/>
-      </p:par>
-    </p:tnLst>
-  </p:timing>
   <p:hf hdr="0" dt="0"/>
   <p:txStyles>
     <p:titleStyle>
@@ -9270,18 +9320,17 @@
           <a:lstStyle/>
           <a:p>
             <a:r>
-              <a:rPr lang="en-US" dirty="0" smtClean="0"/>
+              <a:rPr lang="en-US" dirty="0"/>
               <a:t>Creating </a:t>
             </a:r>
             <a:r>
-              <a:rPr lang="en-US" dirty="0" err="1" smtClean="0"/>
+              <a:rPr lang="en-US" dirty="0" err="1"/>
               <a:t>Ohai</a:t>
             </a:r>
             <a:r>
-              <a:rPr lang="en-US" dirty="0" smtClean="0"/>
+              <a:rPr lang="en-US" dirty="0"/>
               <a:t> Plugins</a:t>
             </a:r>
-            <a:endParaRPr lang="en-US" dirty="0"/>
           </a:p>
         </p:txBody>
       </p:sp>
@@ -9317,13 +9366,6 @@
   <p:transition spd="med">
     <p:fade/>
   </p:transition>
-  <p:timing>
-    <p:tnLst>
-      <p:par>
-        <p:cTn id="1" dur="indefinite" restart="never" nodeType="tmRoot"/>
-      </p:par>
-    </p:tnLst>
-  </p:timing>
 </p:sld>
 </file>
 
@@ -9380,29 +9422,37 @@
           <a:p>
             <a:r>
               <a:rPr lang="en-US" sz="2400" b="1" dirty="0"/>
-              <a:t>  * directory</a:t>
-            </a:r>
-            <a:r>
-              <a:rPr lang="en-US" sz="2400" b="1" dirty="0" smtClean="0"/>
-              <a:t>[/home/chef/apache/files/default</a:t>
-            </a:r>
+              <a:t>  * directory[/home/chef/apache/files/default] action create</a:t>
+            </a:r>
+          </a:p>
+          <a:p>
             <a:r>
               <a:rPr lang="en-US" sz="2400" b="1" dirty="0"/>
-              <a:t>] action create (up to date)</a:t>
+              <a:t>    - create new directory /home/chef/apache/files/default</a:t>
             </a:r>
           </a:p>
           <a:p>
             <a:r>
               <a:rPr lang="en-US" sz="2400" b="1" dirty="0"/>
-              <a:t>  * template</a:t>
-            </a:r>
-            <a:r>
-              <a:rPr lang="en-US" sz="2400" b="1" dirty="0" smtClean="0"/>
-              <a:t>[/home/chef/apache/files/default/</a:t>
-            </a:r>
-            <a:r>
-              <a:rPr lang="en-US" sz="2400" b="1" dirty="0" err="1" smtClean="0"/>
-              <a:t>apache_modules.rb</a:t>
+              <a:t>    - restore </a:t>
+            </a:r>
+            <a:r>
+              <a:rPr lang="en-US" sz="2400" b="1" dirty="0" err="1"/>
+              <a:t>selinux</a:t>
+            </a:r>
+            <a:r>
+              <a:rPr lang="en-US" sz="2400" b="1" dirty="0"/>
+              <a:t> security context</a:t>
+            </a:r>
+          </a:p>
+          <a:p>
+            <a:r>
+              <a:rPr lang="en-US" sz="2400" b="1" dirty="0"/>
+              <a:t>  * template[/home/chef/apache/files/default/</a:t>
+            </a:r>
+            <a:r>
+              <a:rPr lang="en-US" sz="2400" b="1" dirty="0" err="1"/>
+              <a:t>apache_modules</a:t>
             </a:r>
             <a:r>
               <a:rPr lang="en-US" sz="2400" b="1" dirty="0"/>
@@ -9412,24 +9462,27 @@
           <a:p>
             <a:r>
               <a:rPr lang="en-US" sz="2400" b="1" dirty="0"/>
-              <a:t>    - create new file </a:t>
-            </a:r>
-            <a:r>
-              <a:rPr lang="en-US" sz="2400" b="1" dirty="0" smtClean="0"/>
-              <a:t>/home/chef/apache/files/default/</a:t>
-            </a:r>
-            <a:r>
-              <a:rPr lang="en-US" sz="2400" b="1" dirty="0" err="1" smtClean="0"/>
-              <a:t>apache_modules.rb</a:t>
-            </a:r>
-            <a:endParaRPr lang="en-US" sz="2400" b="1" dirty="0" smtClean="0"/>
-          </a:p>
-          <a:p>
-            <a:r>
-              <a:rPr lang="en-US" sz="2400" b="1" dirty="0" smtClean="0"/>
+              <a:t>    - create new file /home/chef/apache/files/default/</a:t>
+            </a:r>
+            <a:r>
+              <a:rPr lang="en-US" sz="2400" b="1" dirty="0" err="1"/>
+              <a:t>apache_modules</a:t>
+            </a:r>
+            <a:endParaRPr lang="en-US" sz="2400" b="1" dirty="0"/>
+          </a:p>
+          <a:p>
+            <a:r>
+              <a:rPr lang="en-US" sz="2400" b="1" dirty="0"/>
               <a:t>    - update content in file /home/chef/apache/files/default/</a:t>
             </a:r>
-            <a:endParaRPr lang="en-US" sz="2400" b="1" dirty="0"/>
+            <a:r>
+              <a:rPr lang="en-US" sz="2400" b="1" dirty="0" err="1"/>
+              <a:t>apache_modules</a:t>
+            </a:r>
+            <a:r>
+              <a:rPr lang="en-US" sz="2400" b="1" dirty="0"/>
+              <a:t> from none to e3b0c4</a:t>
+            </a:r>
           </a:p>
         </p:txBody>
       </p:sp>
@@ -9449,11 +9502,11 @@
           <a:lstStyle/>
           <a:p>
             <a:r>
-              <a:rPr lang="en-US" dirty="0" smtClean="0"/>
+              <a:rPr lang="en-US" dirty="0"/>
               <a:t>&gt; chef generate file </a:t>
             </a:r>
             <a:r>
-              <a:rPr lang="en-US" dirty="0" err="1" smtClean="0"/>
+              <a:rPr lang="en-US" dirty="0" err="1"/>
               <a:t>apache_modules.rb</a:t>
             </a:r>
             <a:endParaRPr lang="en-US" dirty="0"/>
@@ -9476,10 +9529,9 @@
           <a:lstStyle/>
           <a:p>
             <a:r>
-              <a:rPr lang="en-US" dirty="0" smtClean="0"/>
+              <a:rPr lang="en-US" dirty="0"/>
               <a:t>Creating the Plugin as a Cookbook File</a:t>
             </a:r>
-            <a:endParaRPr lang="en-US" dirty="0"/>
           </a:p>
         </p:txBody>
       </p:sp>
@@ -9496,13 +9548,6 @@
   <p:transition spd="med">
     <p:fade/>
   </p:transition>
-  <p:timing>
-    <p:tnLst>
-      <p:par>
-        <p:cTn id="1" dur="indefinite" restart="never" nodeType="tmRoot"/>
-      </p:par>
-    </p:tnLst>
-  </p:timing>
 </p:sld>
 </file>
 
@@ -9541,10 +9586,9 @@
           <a:lstStyle/>
           <a:p>
             <a:r>
-              <a:rPr lang="en-US" dirty="0" smtClean="0"/>
+              <a:rPr lang="en-US" dirty="0"/>
               <a:t>Defining the Plugin that Provides Values</a:t>
             </a:r>
-            <a:endParaRPr lang="en-US" dirty="0"/>
           </a:p>
         </p:txBody>
       </p:sp>
@@ -9569,7 +9613,7 @@
             </a:r>
             <a:r>
               <a:rPr lang="en-US" b="1" dirty="0"/>
-              <a:t> :Apache do</a:t>
+              <a:t>(:Apache) do</a:t>
             </a:r>
           </a:p>
           <a:p>
@@ -9602,11 +9646,11 @@
           <a:lstStyle/>
           <a:p>
             <a:r>
-              <a:rPr lang="en-US" dirty="0" smtClean="0"/>
+              <a:rPr lang="en-US" dirty="0"/>
               <a:t>~/apache/files/default/</a:t>
             </a:r>
             <a:r>
-              <a:rPr lang="en-US" dirty="0" err="1" smtClean="0"/>
+              <a:rPr lang="en-US" dirty="0" err="1"/>
               <a:t>apache_modules.rb</a:t>
             </a:r>
             <a:endParaRPr lang="en-US" dirty="0"/>
@@ -9626,13 +9670,6 @@
   <p:transition spd="med">
     <p:fade/>
   </p:transition>
-  <p:timing>
-    <p:tnLst>
-      <p:par>
-        <p:cTn id="1" dur="indefinite" restart="never" nodeType="tmRoot"/>
-      </p:par>
-    </p:tnLst>
-  </p:timing>
 </p:sld>
 </file>
 
@@ -9670,15 +9707,7 @@
           <a:p>
             <a:r>
               <a:rPr lang="en-US" b="1" dirty="0"/>
-              <a:t>.</a:t>
-            </a:r>
-            <a:r>
-              <a:rPr lang="en-US" b="1" dirty="0" smtClean="0"/>
-              <a:t>..</a:t>
-            </a:r>
-            <a:r>
-              <a:rPr lang="en-US" b="1" dirty="0"/>
-              <a:t>.......</a:t>
+              <a:t>...........</a:t>
             </a:r>
           </a:p>
           <a:p>
@@ -9687,17 +9716,13 @@
           <a:p>
             <a:r>
               <a:rPr lang="en-US" b="1" dirty="0"/>
-              <a:t>Finished in 5.85 seconds (files took 2.74 seconds to load)</a:t>
-            </a:r>
-          </a:p>
-          <a:p>
-            <a:r>
-              <a:rPr lang="en-US" b="1" dirty="0" smtClean="0"/>
-              <a:t>10 </a:t>
-            </a:r>
-            <a:r>
-              <a:rPr lang="en-US" b="1" dirty="0"/>
-              <a:t>examples, 0 failures</a:t>
+              <a:t>Finished in 2.15 seconds (files took 1.88 seconds to load)</a:t>
+            </a:r>
+          </a:p>
+          <a:p>
+            <a:r>
+              <a:rPr lang="en-US" b="1" dirty="0"/>
+              <a:t>11 examples, 0 failures</a:t>
             </a:r>
           </a:p>
         </p:txBody>
@@ -9718,11 +9743,11 @@
           <a:lstStyle/>
           <a:p>
             <a:r>
-              <a:rPr lang="en-US" dirty="0" smtClean="0"/>
+              <a:rPr lang="en-US" dirty="0"/>
               <a:t>&gt; chef exec </a:t>
             </a:r>
             <a:r>
-              <a:rPr lang="en-US" dirty="0" err="1" smtClean="0"/>
+              <a:rPr lang="en-US" dirty="0" err="1"/>
               <a:t>rspec</a:t>
             </a:r>
             <a:endParaRPr lang="en-US" dirty="0"/>
@@ -9745,10 +9770,9 @@
           <a:lstStyle/>
           <a:p>
             <a:r>
-              <a:rPr lang="en-US" dirty="0" smtClean="0"/>
+              <a:rPr lang="en-US" dirty="0"/>
               <a:t>Executing the Tests to See Success</a:t>
             </a:r>
-            <a:endParaRPr lang="en-US" dirty="0"/>
           </a:p>
         </p:txBody>
       </p:sp>
@@ -9765,13 +9789,6 @@
   <p:transition spd="med">
     <p:fade/>
   </p:transition>
-  <p:timing>
-    <p:tnLst>
-      <p:par>
-        <p:cTn id="1" dur="indefinite" restart="never" nodeType="tmRoot"/>
-      </p:par>
-    </p:tnLst>
-  </p:timing>
 </p:sld>
 </file>
 
@@ -9810,10 +9827,9 @@
           <a:lstStyle/>
           <a:p>
             <a:r>
-              <a:rPr lang="en-US" dirty="0" smtClean="0"/>
+              <a:rPr lang="en-US" dirty="0"/>
               <a:t>Defining an Expectation for Attribute Value</a:t>
             </a:r>
-            <a:endParaRPr lang="en-US" dirty="0"/>
           </a:p>
         </p:txBody>
       </p:sp>
@@ -9871,14 +9887,10 @@
             </a:r>
             <a:r>
               <a:rPr lang="en-US" b="1" dirty="0"/>
-              <a:t>) { </a:t>
-            </a:r>
-            <a:r>
-              <a:rPr lang="en-US" b="1" dirty="0" smtClean="0"/>
-              <a:t>'files/default/</a:t>
-            </a:r>
-            <a:r>
-              <a:rPr lang="en-US" b="1" dirty="0" err="1" smtClean="0"/>
+              <a:t>) { 'files/default/</a:t>
+            </a:r>
+            <a:r>
+              <a:rPr lang="en-US" b="1" dirty="0" err="1"/>
               <a:t>apache_modules.rb</a:t>
             </a:r>
             <a:r>
@@ -9921,24 +9933,20 @@
           <a:p>
             <a:r>
               <a:rPr lang="en-US" b="1" dirty="0"/>
-              <a:t>  it 'correctly captures output' </a:t>
-            </a:r>
-            <a:r>
-              <a:rPr lang="en-US" b="1" dirty="0" smtClean="0"/>
-              <a:t>do</a:t>
-            </a:r>
-          </a:p>
-          <a:p>
-            <a:r>
-              <a:rPr lang="en-US" b="1" dirty="0" smtClean="0"/>
+              <a:t>  it 'correctly captures output' do</a:t>
+            </a:r>
+          </a:p>
+          <a:p>
+            <a:r>
+              <a:rPr lang="en-US" b="1" dirty="0"/>
               <a:t>    allow(plugin).to receive(:</a:t>
             </a:r>
             <a:r>
-              <a:rPr lang="en-US" b="1" dirty="0" err="1" smtClean="0"/>
+              <a:rPr lang="en-US" b="1" dirty="0" err="1"/>
               <a:t>shell_out</a:t>
             </a:r>
             <a:r>
-              <a:rPr lang="en-US" b="1" dirty="0" smtClean="0"/>
+              <a:rPr lang="en-US" b="1" dirty="0"/>
               <a:t>).with('</a:t>
             </a:r>
             <a:r>
@@ -9947,37 +9955,29 @@
             </a:r>
             <a:r>
               <a:rPr lang="en-US" b="1" dirty="0"/>
-              <a:t> -t -D DUMP_MODULES</a:t>
-            </a:r>
-            <a:r>
-              <a:rPr lang="en-US" b="1" dirty="0" smtClean="0"/>
-              <a:t>').</a:t>
-            </a:r>
-            <a:r>
-              <a:rPr lang="en-US" b="1" dirty="0" err="1" smtClean="0"/>
+              <a:t> -t -D DUMP_MODULES').</a:t>
+            </a:r>
+            <a:r>
+              <a:rPr lang="en-US" b="1" dirty="0" err="1"/>
               <a:t>and_return</a:t>
             </a:r>
             <a:r>
-              <a:rPr lang="en-US" b="1" dirty="0" smtClean="0"/>
+              <a:rPr lang="en-US" b="1" dirty="0"/>
               <a:t>(double(</a:t>
             </a:r>
             <a:r>
-              <a:rPr lang="en-US" b="1" dirty="0" err="1" smtClean="0"/>
+              <a:rPr lang="en-US" b="1" dirty="0" err="1"/>
               <a:t>stdout</a:t>
             </a:r>
             <a:r>
-              <a:rPr lang="en-US" b="1" dirty="0" smtClean="0"/>
+              <a:rPr lang="en-US" b="1" dirty="0"/>
               <a:t>: 'OUTPUT'))</a:t>
             </a:r>
           </a:p>
           <a:p>
             <a:r>
-              <a:rPr lang="en-US" b="1" dirty="0" smtClean="0"/>
-              <a:t>    expect</a:t>
-            </a:r>
-            <a:r>
-              <a:rPr lang="en-US" b="1" dirty="0"/>
-              <a:t>(</a:t>
+              <a:rPr lang="en-US" b="1" dirty="0"/>
+              <a:t>    expect(</a:t>
             </a:r>
             <a:r>
               <a:rPr lang="en-US" b="1" dirty="0" err="1"/>
@@ -9988,14 +9988,13 @@
               <a:t>('apache/modules')).to </a:t>
             </a:r>
             <a:r>
-              <a:rPr lang="en-US" b="1" dirty="0" err="1" smtClean="0"/>
+              <a:rPr lang="en-US" b="1" dirty="0" err="1"/>
               <a:t>eq</a:t>
             </a:r>
             <a:r>
-              <a:rPr lang="en-US" b="1" dirty="0" smtClean="0"/>
+              <a:rPr lang="en-US" b="1" dirty="0"/>
               <a:t>('OUTPUT')</a:t>
             </a:r>
-            <a:endParaRPr lang="en-US" b="1" dirty="0"/>
           </a:p>
           <a:p>
             <a:r>
@@ -10027,11 +10026,11 @@
           <a:lstStyle/>
           <a:p>
             <a:r>
-              <a:rPr lang="en-US" dirty="0" smtClean="0"/>
+              <a:rPr lang="en-US" dirty="0"/>
               <a:t>~/apache/spec/unit/plugins/</a:t>
             </a:r>
             <a:r>
-              <a:rPr lang="en-US" dirty="0" err="1" smtClean="0"/>
+              <a:rPr lang="en-US" dirty="0" err="1"/>
               <a:t>apache_modules_spec.rb</a:t>
             </a:r>
             <a:endParaRPr lang="en-US" dirty="0"/>
@@ -10075,13 +10074,6 @@
   <p:transition spd="med">
     <p:fade/>
   </p:transition>
-  <p:timing>
-    <p:tnLst>
-      <p:par>
-        <p:cTn id="1" dur="indefinite" restart="never" nodeType="tmRoot"/>
-      </p:par>
-    </p:tnLst>
-  </p:timing>
 </p:sld>
 </file>
 
@@ -10119,15 +10111,7 @@
           <a:p>
             <a:r>
               <a:rPr lang="en-US" b="1" dirty="0"/>
-              <a:t>.F..</a:t>
-            </a:r>
-            <a:r>
-              <a:rPr lang="en-US" b="1" dirty="0" smtClean="0"/>
-              <a:t>..</a:t>
-            </a:r>
-            <a:r>
-              <a:rPr lang="en-US" b="1" dirty="0"/>
-              <a:t>.....</a:t>
+              <a:t>.F.........</a:t>
             </a:r>
           </a:p>
           <a:p>
@@ -10216,11 +10200,11 @@
           <a:lstStyle/>
           <a:p>
             <a:r>
-              <a:rPr lang="en-US" dirty="0" smtClean="0"/>
+              <a:rPr lang="en-US" dirty="0"/>
               <a:t>&gt; chef exec </a:t>
             </a:r>
             <a:r>
-              <a:rPr lang="en-US" dirty="0" err="1" smtClean="0"/>
+              <a:rPr lang="en-US" dirty="0" err="1"/>
               <a:t>rspec</a:t>
             </a:r>
             <a:endParaRPr lang="en-US" dirty="0"/>
@@ -10267,10 +10251,9 @@
           <a:lstStyle/>
           <a:p>
             <a:r>
-              <a:rPr lang="en-US" dirty="0" smtClean="0"/>
+              <a:rPr lang="en-US" dirty="0"/>
               <a:t>Executing the Tests to See Failure</a:t>
             </a:r>
-            <a:endParaRPr lang="en-US" dirty="0"/>
           </a:p>
         </p:txBody>
       </p:sp>
@@ -10287,13 +10270,6 @@
   <p:transition spd="med">
     <p:fade/>
   </p:transition>
-  <p:timing>
-    <p:tnLst>
-      <p:par>
-        <p:cTn id="1" dur="indefinite" restart="never" nodeType="tmRoot"/>
-      </p:par>
-    </p:tnLst>
-  </p:timing>
 </p:sld>
 </file>
 
@@ -10330,10 +10306,9 @@
           <a:lstStyle/>
           <a:p>
             <a:r>
-              <a:rPr lang="en-US" dirty="0" smtClean="0"/>
+              <a:rPr lang="en-US" dirty="0"/>
               <a:t>Capturing the Apache Modules Content</a:t>
             </a:r>
-            <a:endParaRPr lang="en-US" dirty="0"/>
           </a:p>
         </p:txBody>
       </p:sp>
@@ -10386,18 +10361,17 @@
           </a:p>
           <a:p>
             <a:r>
-              <a:rPr lang="en-US" b="1" dirty="0" smtClean="0"/>
+              <a:rPr lang="en-US" b="1" dirty="0"/>
               <a:t>    apache(</a:t>
             </a:r>
             <a:r>
-              <a:rPr lang="en-US" b="1" dirty="0" err="1" smtClean="0"/>
+              <a:rPr lang="en-US" b="1" dirty="0" err="1"/>
               <a:t>Mash.new</a:t>
             </a:r>
             <a:r>
-              <a:rPr lang="en-US" b="1" dirty="0" smtClean="0"/>
+              <a:rPr lang="en-US" b="1" dirty="0"/>
               <a:t>)</a:t>
             </a:r>
-            <a:endParaRPr lang="en-US" b="1" dirty="0"/>
           </a:p>
           <a:p>
             <a:r>
@@ -10473,11 +10447,11 @@
           <a:lstStyle/>
           <a:p>
             <a:r>
-              <a:rPr lang="en-US" dirty="0" smtClean="0"/>
+              <a:rPr lang="en-US" dirty="0"/>
               <a:t>~/apache/files/default/</a:t>
             </a:r>
             <a:r>
-              <a:rPr lang="en-US" dirty="0" err="1" smtClean="0"/>
+              <a:rPr lang="en-US" dirty="0" err="1"/>
               <a:t>apache_modules.rb</a:t>
             </a:r>
             <a:endParaRPr lang="en-US" dirty="0"/>
@@ -10521,13 +10495,6 @@
   <p:transition spd="med">
     <p:fade/>
   </p:transition>
-  <p:timing>
-    <p:tnLst>
-      <p:par>
-        <p:cTn id="1" dur="indefinite" restart="never" nodeType="tmRoot"/>
-      </p:par>
-    </p:tnLst>
-  </p:timing>
 </p:sld>
 </file>
 
@@ -10564,42 +10531,8 @@
           <a:lstStyle/>
           <a:p>
             <a:r>
-              <a:rPr lang="en-US" b="1" dirty="0" smtClean="0"/>
-              <a:t>.[</a:t>
-            </a:r>
-            <a:r>
-              <a:rPr lang="is-IS" b="1" dirty="0" smtClean="0"/>
-              <a:t>2017</a:t>
-            </a:r>
-            <a:r>
-              <a:rPr lang="en-US" b="1" dirty="0" smtClean="0"/>
-              <a:t>-10-05T17:00:43-05:00</a:t>
-            </a:r>
-            <a:r>
-              <a:rPr lang="en-US" b="1" dirty="0"/>
-              <a:t>] WARN: Plugin Definition Error: &lt;files/default&gt;: </a:t>
-            </a:r>
-            <a:r>
-              <a:rPr lang="en-US" b="1" dirty="0" err="1"/>
-              <a:t>collect_data</a:t>
-            </a:r>
-            <a:r>
-              <a:rPr lang="en-US" b="1" dirty="0"/>
-              <a:t> already defined on platform default</a:t>
-            </a:r>
-          </a:p>
-          <a:p>
-            <a:r>
-              <a:rPr lang="en-US" b="1" dirty="0"/>
-              <a:t>....</a:t>
-            </a:r>
-            <a:r>
-              <a:rPr lang="en-US" b="1" dirty="0" smtClean="0"/>
-              <a:t>..</a:t>
-            </a:r>
-            <a:r>
-              <a:rPr lang="en-US" b="1" dirty="0"/>
-              <a:t>....</a:t>
+              <a:rPr lang="en-US" b="1" dirty="0"/>
+              <a:t>............</a:t>
             </a:r>
           </a:p>
           <a:p>
@@ -10608,17 +10541,13 @@
           <a:p>
             <a:r>
               <a:rPr lang="en-US" b="1" dirty="0"/>
-              <a:t>Finished in 5.84 seconds (files took 3.01 seconds to load)</a:t>
-            </a:r>
-          </a:p>
-          <a:p>
-            <a:r>
-              <a:rPr lang="en-US" b="1" dirty="0" smtClean="0"/>
-              <a:t>11 </a:t>
-            </a:r>
-            <a:r>
-              <a:rPr lang="en-US" b="1" dirty="0"/>
-              <a:t>examples, 0 failures</a:t>
+              <a:t>Finished in 2.08 seconds (files took 1.88 seconds to load)</a:t>
+            </a:r>
+          </a:p>
+          <a:p>
+            <a:r>
+              <a:rPr lang="en-US" b="1" dirty="0"/>
+              <a:t>12 examples, 0 failures</a:t>
             </a:r>
           </a:p>
         </p:txBody>
@@ -10639,11 +10568,11 @@
           <a:lstStyle/>
           <a:p>
             <a:r>
-              <a:rPr lang="en-US" dirty="0" smtClean="0"/>
+              <a:rPr lang="en-US" dirty="0"/>
               <a:t>&gt; chef exec </a:t>
             </a:r>
             <a:r>
-              <a:rPr lang="en-US" dirty="0" err="1" smtClean="0"/>
+              <a:rPr lang="en-US" dirty="0" err="1"/>
               <a:t>rspec</a:t>
             </a:r>
             <a:endParaRPr lang="en-US" dirty="0"/>
@@ -10666,10 +10595,9 @@
           <a:lstStyle/>
           <a:p>
             <a:r>
-              <a:rPr lang="en-US" dirty="0" smtClean="0"/>
+              <a:rPr lang="en-US" dirty="0"/>
               <a:t>Executing the Tests to See Success</a:t>
             </a:r>
-            <a:endParaRPr lang="en-US" dirty="0"/>
           </a:p>
         </p:txBody>
       </p:sp>
@@ -10686,13 +10614,6 @@
   <p:transition spd="med">
     <p:fade/>
   </p:transition>
-  <p:timing>
-    <p:tnLst>
-      <p:par>
-        <p:cTn id="1" dur="indefinite" restart="never" nodeType="tmRoot"/>
-      </p:par>
-    </p:tnLst>
-  </p:timing>
 </p:sld>
 </file>
 
@@ -10731,18 +10652,17 @@
           <a:lstStyle/>
           <a:p>
             <a:r>
-              <a:rPr lang="en-US" dirty="0" smtClean="0"/>
+              <a:rPr lang="en-US" dirty="0"/>
               <a:t>Creating an </a:t>
             </a:r>
             <a:r>
-              <a:rPr lang="en-US" dirty="0" err="1" smtClean="0"/>
+              <a:rPr lang="en-US" dirty="0" err="1"/>
               <a:t>Ohai</a:t>
             </a:r>
             <a:r>
-              <a:rPr lang="en-US" dirty="0" smtClean="0"/>
+              <a:rPr lang="en-US" dirty="0"/>
               <a:t> Plugin</a:t>
             </a:r>
-            <a:endParaRPr lang="en-US" dirty="0"/>
           </a:p>
         </p:txBody>
       </p:sp>
@@ -10762,10 +10682,9 @@
           <a:lstStyle/>
           <a:p>
             <a:r>
-              <a:rPr lang="en-US" dirty="0" smtClean="0"/>
+              <a:rPr lang="en-US" dirty="0"/>
               <a:t>Being able to learn more about our nodes will make our reporting more powerful and benefit the recipes we write.</a:t>
             </a:r>
-            <a:endParaRPr lang="en-US" dirty="0"/>
           </a:p>
         </p:txBody>
       </p:sp>
@@ -10789,15 +10708,15 @@
               <a:buChar char="ü"/>
             </a:pPr>
             <a:r>
-              <a:rPr lang="en-US" dirty="0" smtClean="0"/>
+              <a:rPr lang="en-US" dirty="0"/>
               <a:t>Define expectations for the </a:t>
             </a:r>
             <a:r>
-              <a:rPr lang="en-US" dirty="0" err="1" smtClean="0"/>
+              <a:rPr lang="en-US" dirty="0" err="1"/>
               <a:t>Ohai</a:t>
             </a:r>
             <a:r>
-              <a:rPr lang="en-US" dirty="0" smtClean="0"/>
+              <a:rPr lang="en-US" dirty="0"/>
               <a:t> plugin</a:t>
             </a:r>
           </a:p>
@@ -10807,15 +10726,15 @@
               <a:buChar char="ü"/>
             </a:pPr>
             <a:r>
-              <a:rPr lang="en-US" dirty="0" smtClean="0"/>
+              <a:rPr lang="en-US" dirty="0"/>
               <a:t>Create the </a:t>
             </a:r>
             <a:r>
-              <a:rPr lang="en-US" dirty="0" err="1" smtClean="0"/>
+              <a:rPr lang="en-US" dirty="0" err="1"/>
               <a:t>Ohai</a:t>
             </a:r>
             <a:r>
-              <a:rPr lang="en-US" dirty="0" smtClean="0"/>
+              <a:rPr lang="en-US" dirty="0"/>
               <a:t> plugin</a:t>
             </a:r>
           </a:p>
@@ -10825,15 +10744,15 @@
               <a:buChar char="q"/>
             </a:pPr>
             <a:r>
-              <a:rPr lang="en-US" dirty="0" smtClean="0"/>
+              <a:rPr lang="en-US" dirty="0"/>
               <a:t>Define expectations for the recipe to deliver the </a:t>
             </a:r>
             <a:r>
-              <a:rPr lang="en-US" dirty="0" err="1" smtClean="0"/>
+              <a:rPr lang="en-US" dirty="0" err="1"/>
               <a:t>Ohai</a:t>
             </a:r>
             <a:r>
-              <a:rPr lang="en-US" dirty="0" smtClean="0"/>
+              <a:rPr lang="en-US" dirty="0"/>
               <a:t> plugin</a:t>
             </a:r>
           </a:p>
@@ -10843,15 +10762,15 @@
               <a:buChar char="q"/>
             </a:pPr>
             <a:r>
-              <a:rPr lang="en-US" dirty="0" smtClean="0"/>
+              <a:rPr lang="en-US" dirty="0"/>
               <a:t>Create the recipe that delivers the </a:t>
             </a:r>
             <a:r>
-              <a:rPr lang="en-US" dirty="0" err="1" smtClean="0"/>
+              <a:rPr lang="en-US" dirty="0" err="1"/>
               <a:t>Ohai</a:t>
             </a:r>
             <a:r>
-              <a:rPr lang="en-US" dirty="0" smtClean="0"/>
+              <a:rPr lang="en-US" dirty="0"/>
               <a:t> plugin</a:t>
             </a:r>
           </a:p>
@@ -10862,13 +10781,8 @@
             </a:pPr>
             <a:r>
               <a:rPr lang="en-US" dirty="0"/>
-              <a:t>Define an integration </a:t>
-            </a:r>
-            <a:r>
-              <a:rPr lang="en-US" dirty="0" smtClean="0"/>
-              <a:t>test</a:t>
-            </a:r>
-            <a:endParaRPr lang="en-US" dirty="0"/>
+              <a:t>Define an integration test</a:t>
+            </a:r>
           </a:p>
         </p:txBody>
       </p:sp>
@@ -10885,13 +10799,6 @@
   <p:transition spd="med">
     <p:fade/>
   </p:transition>
-  <p:timing>
-    <p:tnLst>
-      <p:par>
-        <p:cTn id="1" dur="indefinite" restart="never" nodeType="tmRoot"/>
-      </p:par>
-    </p:tnLst>
-  </p:timing>
 </p:sld>
 </file>
 
@@ -10930,18 +10837,17 @@
           <a:lstStyle/>
           <a:p>
             <a:r>
-              <a:rPr lang="en-US" dirty="0" smtClean="0"/>
+              <a:rPr lang="en-US" dirty="0"/>
               <a:t>Adding a Dependency on the </a:t>
             </a:r>
             <a:r>
-              <a:rPr lang="en-US" dirty="0" err="1" smtClean="0"/>
+              <a:rPr lang="en-US" dirty="0" err="1"/>
               <a:t>Ohai</a:t>
             </a:r>
             <a:r>
-              <a:rPr lang="en-US" dirty="0" smtClean="0"/>
+              <a:rPr lang="en-US" dirty="0"/>
               <a:t> Cookbook</a:t>
             </a:r>
-            <a:endParaRPr lang="en-US" dirty="0"/>
           </a:p>
         </p:txBody>
       </p:sp>
@@ -10958,19 +10864,14 @@
         <p:spPr/>
         <p:txBody>
           <a:bodyPr>
-            <a:normAutofit fontScale="70000" lnSpcReduction="20000"/>
+            <a:normAutofit fontScale="77500" lnSpcReduction="20000"/>
           </a:bodyPr>
           <a:lstStyle/>
           <a:p>
             <a:r>
               <a:rPr lang="en-US" b="1" dirty="0"/>
-              <a:t>name </a:t>
-            </a:r>
-            <a:r>
-              <a:rPr lang="en-US" b="1" dirty="0" smtClean="0"/>
-              <a:t>'apache'</a:t>
-            </a:r>
-            <a:endParaRPr lang="en-US" b="1" dirty="0"/>
+              <a:t>name 'apache'</a:t>
+            </a:r>
           </a:p>
           <a:p>
             <a:r>
@@ -10985,41 +10886,20 @@
             </a:r>
             <a:r>
               <a:rPr lang="en-US" b="1" dirty="0"/>
-              <a:t> '</a:t>
-            </a:r>
-            <a:r>
-              <a:rPr lang="en-US" b="1" dirty="0" err="1"/>
-              <a:t>you@example.com</a:t>
-            </a:r>
-            <a:r>
-              <a:rPr lang="en-US" b="1" dirty="0"/>
-              <a:t>'</a:t>
-            </a:r>
-          </a:p>
-          <a:p>
-            <a:r>
-              <a:rPr lang="en-US" b="1" dirty="0"/>
-              <a:t>license '</a:t>
-            </a:r>
-            <a:r>
-              <a:rPr lang="en-US" b="1" dirty="0" err="1"/>
-              <a:t>all_rights</a:t>
-            </a:r>
-            <a:r>
-              <a:rPr lang="en-US" b="1" dirty="0"/>
-              <a:t>'</a:t>
-            </a:r>
-          </a:p>
-          <a:p>
-            <a:r>
-              <a:rPr lang="en-US" b="1" dirty="0"/>
-              <a:t>description 'Installs/Configures </a:t>
-            </a:r>
-            <a:r>
-              <a:rPr lang="en-US" b="1" dirty="0" smtClean="0"/>
-              <a:t>apache'</a:t>
-            </a:r>
-            <a:endParaRPr lang="en-US" b="1" dirty="0"/>
+              <a:t> 'you@example.com'</a:t>
+            </a:r>
+          </a:p>
+          <a:p>
+            <a:r>
+              <a:rPr lang="en-US" b="1" dirty="0"/>
+              <a:t>license 'All Rights Reserved'</a:t>
+            </a:r>
+          </a:p>
+          <a:p>
+            <a:r>
+              <a:rPr lang="en-US" b="1" dirty="0"/>
+              <a:t>description 'Installs/Configures apache'</a:t>
+            </a:r>
           </a:p>
           <a:p>
             <a:r>
@@ -11028,31 +10908,48 @@
             </a:r>
             <a:r>
               <a:rPr lang="en-US" b="1" dirty="0"/>
-              <a:t> 'Installs/Configures </a:t>
-            </a:r>
-            <a:r>
-              <a:rPr lang="en-US" b="1" dirty="0" smtClean="0"/>
-              <a:t>apache'</a:t>
-            </a:r>
+              <a:t> 'Installs/Configures apache'</a:t>
+            </a:r>
+          </a:p>
+          <a:p>
+            <a:r>
+              <a:rPr lang="en-US" b="1" dirty="0"/>
+              <a:t>version '0.1.0'</a:t>
+            </a:r>
+          </a:p>
+          <a:p>
+            <a:r>
+              <a:rPr lang="en-US" b="1" dirty="0" err="1"/>
+              <a:t>chef_version</a:t>
+            </a:r>
+            <a:r>
+              <a:rPr lang="en-US" b="1" dirty="0"/>
+              <a:t> '&gt;= 12.1' if </a:t>
+            </a:r>
+            <a:r>
+              <a:rPr lang="en-US" b="1" dirty="0" err="1"/>
+              <a:t>respond_to</a:t>
+            </a:r>
+            <a:r>
+              <a:rPr lang="en-US" b="1" dirty="0"/>
+              <a:t>?(:</a:t>
+            </a:r>
+            <a:r>
+              <a:rPr lang="en-US" b="1" dirty="0" err="1"/>
+              <a:t>chef_version</a:t>
+            </a:r>
+            <a:r>
+              <a:rPr lang="en-US" b="1" dirty="0"/>
+              <a:t>)</a:t>
+            </a:r>
+          </a:p>
+          <a:p>
             <a:endParaRPr lang="en-US" b="1" dirty="0"/>
           </a:p>
           <a:p>
             <a:r>
               <a:rPr lang="en-US" b="1" dirty="0"/>
-              <a:t>version '0.1.0'</a:t>
-            </a:r>
-          </a:p>
-          <a:p>
-            <a:endParaRPr lang="en-US" b="1" dirty="0" smtClean="0"/>
-          </a:p>
-          <a:p>
-            <a:r>
-              <a:rPr lang="en-US" b="1" dirty="0" smtClean="0"/>
-              <a:t>depends </a:t>
-            </a:r>
-            <a:r>
-              <a:rPr lang="en-US" b="1" dirty="0"/>
-              <a:t>'</a:t>
+              <a:t>depends '</a:t>
             </a:r>
             <a:r>
               <a:rPr lang="en-US" b="1" dirty="0" err="1"/>
@@ -11064,24 +10961,9 @@
             </a:r>
           </a:p>
           <a:p>
-            <a:endParaRPr lang="en-US" b="1" dirty="0"/>
-          </a:p>
-          <a:p>
-            <a:r>
-              <a:rPr lang="en-US" b="1" dirty="0"/>
-              <a:t># If you upload to Supermarket you should set this so your cookbook</a:t>
-            </a:r>
-          </a:p>
-          <a:p>
-            <a:r>
-              <a:rPr lang="en-US" b="1" dirty="0"/>
-              <a:t># gets a `View Issues` link</a:t>
-            </a:r>
-          </a:p>
-          <a:p>
-            <a:r>
-              <a:rPr lang="en-US" b="1" dirty="0"/>
-              <a:t># </a:t>
+            <a:r>
+              <a:rPr lang="en-US" b="1" dirty="0"/>
+              <a:t># The `</a:t>
             </a:r>
             <a:r>
               <a:rPr lang="en-US" b="1" dirty="0" err="1"/>
@@ -11089,112 +10971,48 @@
             </a:r>
             <a:r>
               <a:rPr lang="en-US" b="1" dirty="0"/>
-              <a:t> 'https://</a:t>
+              <a:t>` points to the location where issues for this cookbook are</a:t>
+            </a:r>
+          </a:p>
+          <a:p>
+            <a:r>
+              <a:rPr lang="en-US" b="1" dirty="0"/>
+              <a:t># tracked.  A `View Issues` link will be displayed on this cookbook's page when</a:t>
+            </a:r>
+          </a:p>
+          <a:p>
+            <a:r>
+              <a:rPr lang="en-US" b="1" dirty="0"/>
+              <a:t># uploaded to a Supermarket.</a:t>
+            </a:r>
+          </a:p>
+          <a:p>
+            <a:r>
+              <a:rPr lang="en-US" b="1" dirty="0"/>
+              <a:t>#</a:t>
+            </a:r>
+          </a:p>
+          <a:p>
+            <a:r>
+              <a:rPr lang="en-US" b="1" dirty="0"/>
+              <a:t># </a:t>
             </a:r>
             <a:r>
               <a:rPr lang="en-US" b="1" dirty="0" err="1"/>
-              <a:t>github.com</a:t>
-            </a:r>
-            <a:r>
-              <a:rPr lang="en-US" b="1" dirty="0"/>
-              <a:t>/&lt;</a:t>
+              <a:t>issues_url</a:t>
+            </a:r>
+            <a:r>
+              <a:rPr lang="en-US" b="1" dirty="0"/>
+              <a:t> 'https://github.com/&lt;</a:t>
             </a:r>
             <a:r>
               <a:rPr lang="en-US" b="1" dirty="0" err="1"/>
               <a:t>insert_org_here</a:t>
             </a:r>
             <a:r>
-              <a:rPr lang="en-US" b="1" dirty="0" smtClean="0"/>
-              <a:t>&gt;/apache/issues</a:t>
-            </a:r>
-            <a:r>
-              <a:rPr lang="en-US" b="1" dirty="0"/>
-              <a:t>' if </a:t>
-            </a:r>
-            <a:r>
-              <a:rPr lang="en-US" b="1" dirty="0" err="1"/>
-              <a:t>respond_to</a:t>
-            </a:r>
-            <a:r>
-              <a:rPr lang="en-US" b="1" dirty="0"/>
-              <a:t>?(:</a:t>
-            </a:r>
-            <a:r>
-              <a:rPr lang="en-US" b="1" dirty="0" err="1"/>
-              <a:t>issues_url</a:t>
-            </a:r>
-            <a:r>
-              <a:rPr lang="en-US" b="1" dirty="0"/>
-              <a:t>)</a:t>
-            </a:r>
-          </a:p>
-          <a:p>
-            <a:endParaRPr lang="en-US" b="1" dirty="0"/>
-          </a:p>
-          <a:p>
-            <a:r>
-              <a:rPr lang="en-US" b="1" dirty="0"/>
-              <a:t># If you upload to Supermarket you should set this so your cookbook</a:t>
-            </a:r>
-          </a:p>
-          <a:p>
-            <a:r>
-              <a:rPr lang="en-US" b="1" dirty="0"/>
-              <a:t># gets a `View Source` link</a:t>
-            </a:r>
-          </a:p>
-          <a:p>
-            <a:r>
-              <a:rPr lang="en-US" b="1" dirty="0"/>
-              <a:t># </a:t>
-            </a:r>
-            <a:r>
-              <a:rPr lang="en-US" b="1" dirty="0" err="1"/>
-              <a:t>source_url</a:t>
-            </a:r>
-            <a:r>
-              <a:rPr lang="en-US" b="1" dirty="0"/>
-              <a:t> 'https://</a:t>
-            </a:r>
-            <a:r>
-              <a:rPr lang="en-US" b="1" dirty="0" err="1"/>
-              <a:t>github.com</a:t>
-            </a:r>
-            <a:r>
-              <a:rPr lang="en-US" b="1" dirty="0"/>
-              <a:t>/&lt;</a:t>
-            </a:r>
-            <a:r>
-              <a:rPr lang="en-US" b="1" dirty="0" err="1"/>
-              <a:t>insert_org_here</a:t>
-            </a:r>
-            <a:r>
-              <a:rPr lang="en-US" b="1" dirty="0" smtClean="0"/>
-              <a:t>&gt;/apache' </a:t>
-            </a:r>
-            <a:r>
-              <a:rPr lang="en-US" b="1" dirty="0"/>
-              <a:t>if </a:t>
-            </a:r>
-            <a:r>
-              <a:rPr lang="en-US" b="1" dirty="0" err="1"/>
-              <a:t>respond_to</a:t>
-            </a:r>
-            <a:r>
-              <a:rPr lang="en-US" b="1" dirty="0"/>
-              <a:t>?(:</a:t>
-            </a:r>
-            <a:r>
-              <a:rPr lang="en-US" b="1" dirty="0" err="1"/>
-              <a:t>source_url</a:t>
-            </a:r>
-            <a:r>
-              <a:rPr lang="en-US" b="1" dirty="0"/>
-              <a:t>)</a:t>
-            </a:r>
-          </a:p>
-          <a:p>
-            <a:endParaRPr lang="en-US" b="1" dirty="0"/>
+              <a:rPr lang="en-US" b="1" dirty="0"/>
+              <a:t>&gt;/apache/issues'</a:t>
+            </a:r>
           </a:p>
         </p:txBody>
       </p:sp>
@@ -11214,11 +11032,11 @@
           <a:lstStyle/>
           <a:p>
             <a:r>
-              <a:rPr lang="en-US" dirty="0" smtClean="0"/>
+              <a:rPr lang="en-US" dirty="0"/>
               <a:t>~/apache/</a:t>
             </a:r>
             <a:r>
-              <a:rPr lang="en-US" dirty="0" err="1" smtClean="0"/>
+              <a:rPr lang="en-US" dirty="0" err="1"/>
               <a:t>metadata.rb</a:t>
             </a:r>
             <a:endParaRPr lang="en-US" dirty="0"/>
@@ -11237,7 +11055,7 @@
         </p:nvSpPr>
         <p:spPr>
           <a:xfrm>
-            <a:off x="1139359" y="4831216"/>
+            <a:off x="1121104" y="5329980"/>
             <a:ext cx="14404273" cy="457680"/>
           </a:xfrm>
         </p:spPr>
@@ -11262,13 +11080,6 @@
   <p:transition spd="med">
     <p:fade/>
   </p:transition>
-  <p:timing>
-    <p:tnLst>
-      <p:par>
-        <p:cTn id="1" dur="indefinite" restart="never" nodeType="tmRoot"/>
-      </p:par>
-    </p:tnLst>
-  </p:timing>
 </p:sld>
 </file>
 
@@ -11320,15 +11131,7 @@
           <a:p>
             <a:r>
               <a:rPr lang="en-US" b="1" dirty="0"/>
-              <a:t>  * directory</a:t>
-            </a:r>
-            <a:r>
-              <a:rPr lang="en-US" b="1" dirty="0" smtClean="0"/>
-              <a:t>[/home/chef/apache/spec/unit/recipes</a:t>
-            </a:r>
-            <a:r>
-              <a:rPr lang="en-US" b="1" dirty="0"/>
-              <a:t>] action create (up to date)</a:t>
+              <a:t>  * directory[/home/chef/apache/spec/unit/recipes] action create (up to date)</a:t>
             </a:r>
           </a:p>
           <a:p>
@@ -11341,11 +11144,11 @@
               <a:t>cookbook_file</a:t>
             </a:r>
             <a:r>
-              <a:rPr lang="en-US" b="1" dirty="0" smtClean="0"/>
+              <a:rPr lang="en-US" b="1" dirty="0"/>
               <a:t>[/home/chef/apache/spec/</a:t>
             </a:r>
             <a:r>
-              <a:rPr lang="en-US" b="1" dirty="0" err="1" smtClean="0"/>
+              <a:rPr lang="en-US" b="1" dirty="0" err="1"/>
               <a:t>spec_helper.rb</a:t>
             </a:r>
             <a:r>
@@ -11364,14 +11167,10 @@
           <a:p>
             <a:r>
               <a:rPr lang="en-US" b="1" dirty="0"/>
-              <a:t>  * template</a:t>
-            </a:r>
-            <a:r>
-              <a:rPr lang="en-US" b="1" dirty="0" smtClean="0"/>
-              <a:t>[/home/chef/apache/spec/unit/recipes/</a:t>
-            </a:r>
-            <a:r>
-              <a:rPr lang="en-US" b="1" dirty="0" err="1" smtClean="0"/>
+              <a:t>  * template[/home/chef/apache/spec/unit/recipes/</a:t>
+            </a:r>
+            <a:r>
+              <a:rPr lang="en-US" b="1" dirty="0" err="1"/>
               <a:t>ohai_apache_modules_spec.rb</a:t>
             </a:r>
             <a:r>
@@ -11379,17 +11178,16 @@
               <a:t>] action </a:t>
             </a:r>
             <a:r>
-              <a:rPr lang="en-US" b="1" dirty="0" err="1" smtClean="0"/>
+              <a:rPr lang="en-US" b="1" dirty="0" err="1"/>
               <a:t>create_if_missing</a:t>
             </a:r>
             <a:endParaRPr lang="en-US" b="1" dirty="0"/>
           </a:p>
           <a:p>
             <a:r>
-              <a:rPr lang="en-US" b="1" dirty="0" smtClean="0"/>
+              <a:rPr lang="en-US" b="1" dirty="0"/>
               <a:t>...</a:t>
             </a:r>
-            <a:endParaRPr lang="en-US" b="1" dirty="0"/>
           </a:p>
         </p:txBody>
       </p:sp>
@@ -11409,11 +11207,11 @@
           <a:lstStyle/>
           <a:p>
             <a:r>
-              <a:rPr lang="en-US" dirty="0" smtClean="0"/>
+              <a:rPr lang="en-US" dirty="0"/>
               <a:t>&gt; chef generate recipe </a:t>
             </a:r>
             <a:r>
-              <a:rPr lang="en-US" dirty="0" err="1" smtClean="0"/>
+              <a:rPr lang="en-US" dirty="0" err="1"/>
               <a:t>ohai_apache_modules</a:t>
             </a:r>
             <a:endParaRPr lang="en-US" dirty="0"/>
@@ -11436,10 +11234,9 @@
           <a:lstStyle/>
           <a:p>
             <a:r>
-              <a:rPr lang="en-US" dirty="0" smtClean="0"/>
+              <a:rPr lang="en-US" dirty="0"/>
               <a:t>Creating the Recipe to Add the Plugin</a:t>
             </a:r>
-            <a:endParaRPr lang="en-US" dirty="0"/>
           </a:p>
         </p:txBody>
       </p:sp>
@@ -11456,13 +11253,6 @@
   <p:transition spd="med">
     <p:fade/>
   </p:transition>
-  <p:timing>
-    <p:tnLst>
-      <p:par>
-        <p:cTn id="1" dur="indefinite" restart="never" nodeType="tmRoot"/>
-      </p:par>
-    </p:tnLst>
-  </p:timing>
 </p:sld>
 </file>
 
@@ -11499,10 +11289,9 @@
           <a:lstStyle/>
           <a:p>
             <a:r>
-              <a:rPr lang="en-US" dirty="0" smtClean="0"/>
+              <a:rPr lang="en-US" dirty="0"/>
               <a:t>Objectives</a:t>
             </a:r>
-            <a:endParaRPr lang="en-US" dirty="0"/>
           </a:p>
         </p:txBody>
       </p:sp>
@@ -11522,7 +11311,7 @@
           <a:lstStyle/>
           <a:p>
             <a:r>
-              <a:rPr lang="en-US" dirty="0" smtClean="0"/>
+              <a:rPr lang="en-US" dirty="0"/>
               <a:t>After completing this module, you should be able to:</a:t>
             </a:r>
           </a:p>
@@ -11535,18 +11324,17 @@
               <a:buChar char="Ø"/>
             </a:pPr>
             <a:r>
-              <a:rPr lang="en-US" dirty="0" smtClean="0"/>
+              <a:rPr lang="en-US" dirty="0"/>
               <a:t>Create a tested </a:t>
             </a:r>
             <a:r>
-              <a:rPr lang="en-US" dirty="0" err="1" smtClean="0"/>
+              <a:rPr lang="en-US" dirty="0" err="1"/>
               <a:t>Ohai</a:t>
             </a:r>
             <a:r>
-              <a:rPr lang="en-US" dirty="0" smtClean="0"/>
+              <a:rPr lang="en-US" dirty="0"/>
               <a:t> plugin</a:t>
             </a:r>
-            <a:endParaRPr lang="en-US" dirty="0"/>
           </a:p>
         </p:txBody>
       </p:sp>
@@ -11563,13 +11351,6 @@
   <p:transition spd="med">
     <p:fade/>
   </p:transition>
-  <p:timing>
-    <p:tnLst>
-      <p:par>
-        <p:cTn id="1" dur="indefinite" restart="never" nodeType="tmRoot"/>
-      </p:par>
-    </p:tnLst>
-  </p:timing>
 </p:sld>
 </file>
 
@@ -11608,10 +11389,9 @@
           <a:lstStyle/>
           <a:p>
             <a:r>
-              <a:rPr lang="en-US" dirty="0" smtClean="0"/>
-              <a:t>Defining the Expectation Plugin Deployed</a:t>
-            </a:r>
-            <a:endParaRPr lang="en-US" dirty="0"/>
+              <a:rPr lang="en-US" dirty="0"/>
+              <a:t>Delete the Context for Ubuntu</a:t>
+            </a:r>
           </a:p>
         </p:txBody>
       </p:sp>
@@ -11628,23 +11408,50 @@
         <p:spPr/>
         <p:txBody>
           <a:bodyPr>
-            <a:normAutofit fontScale="85000" lnSpcReduction="20000"/>
+            <a:normAutofit fontScale="77500" lnSpcReduction="20000"/>
           </a:bodyPr>
           <a:lstStyle/>
           <a:p>
             <a:r>
-              <a:rPr lang="en-US" b="1" dirty="0" smtClean="0"/>
-              <a:t># ... UPPER PORTION OF THE SPECIFICATION ... </a:t>
-            </a:r>
-          </a:p>
-          <a:p>
-            <a:r>
-              <a:rPr lang="en-US" b="1" dirty="0" smtClean="0"/>
-              <a:t>    let</a:t>
-            </a:r>
-            <a:r>
-              <a:rPr lang="en-US" b="1" dirty="0"/>
-              <a:t>(:</a:t>
+              <a:rPr lang="en-US" b="1" dirty="0"/>
+              <a:t>require '</a:t>
+            </a:r>
+            <a:r>
+              <a:rPr lang="en-US" b="1" dirty="0" err="1"/>
+              <a:t>spec_helper</a:t>
+            </a:r>
+            <a:r>
+              <a:rPr lang="en-US" b="1" dirty="0"/>
+              <a:t>'</a:t>
+            </a:r>
+          </a:p>
+          <a:p>
+            <a:endParaRPr lang="en-US" b="1" dirty="0"/>
+          </a:p>
+          <a:p>
+            <a:r>
+              <a:rPr lang="en-US" b="1" dirty="0"/>
+              <a:t>describe 'apache::</a:t>
+            </a:r>
+            <a:r>
+              <a:rPr lang="en-US" b="1" dirty="0" err="1"/>
+              <a:t>ohai_apache_modules</a:t>
+            </a:r>
+            <a:r>
+              <a:rPr lang="en-US" b="1" dirty="0"/>
+              <a:t>' do</a:t>
+            </a:r>
+          </a:p>
+          <a:p>
+            <a:r>
+              <a:rPr lang="en-US" b="1" dirty="0"/>
+              <a:t>  context 'When all attributes are default, on Ubuntu 16.04' do</a:t>
+            </a:r>
+          </a:p>
+          <a:p>
+            <a:r>
+              <a:rPr lang="en-US" b="1" dirty="0"/>
+              <a:t>    let(:</a:t>
             </a:r>
             <a:r>
               <a:rPr lang="en-US" b="1" dirty="0" err="1"/>
@@ -11658,6 +11465,18 @@
           <a:p>
             <a:r>
               <a:rPr lang="en-US" b="1" dirty="0"/>
+              <a:t>      # for a complete list of available platforms and versions see:</a:t>
+            </a:r>
+          </a:p>
+          <a:p>
+            <a:r>
+              <a:rPr lang="en-US" b="1" dirty="0"/>
+              <a:t>      # https://github.com/customink/fauxhai/blob/master/PLATFORMS.md</a:t>
+            </a:r>
+          </a:p>
+          <a:p>
+            <a:r>
+              <a:rPr lang="en-US" b="1" dirty="0"/>
               <a:t>      runner = </a:t>
             </a:r>
             <a:r>
@@ -11672,7 +11491,10 @@
               <a:rPr lang="en-US" b="1" dirty="0" err="1"/>
               <a:t>ServerRunner.new</a:t>
             </a:r>
-            <a:endParaRPr lang="en-US" b="1" dirty="0"/>
+            <a:r>
+              <a:rPr lang="en-US" b="1" dirty="0"/>
+              <a:t>(platform: 'ubuntu', version: '16.04')</a:t>
+            </a:r>
           </a:p>
           <a:p>
             <a:r>
@@ -11741,74 +11563,6 @@
           <a:p>
             <a:r>
               <a:rPr lang="en-US" b="1" dirty="0"/>
-              <a:t>    </a:t>
-            </a:r>
-            <a:r>
-              <a:rPr lang="en-US" b="1" dirty="0" smtClean="0"/>
-              <a:t>end</a:t>
-            </a:r>
-          </a:p>
-          <a:p>
-            <a:r>
-              <a:rPr lang="en-US" b="1" dirty="0"/>
-              <a:t> </a:t>
-            </a:r>
-            <a:r>
-              <a:rPr lang="en-US" b="1" dirty="0" smtClean="0"/>
-              <a:t>   </a:t>
-            </a:r>
-          </a:p>
-          <a:p>
-            <a:r>
-              <a:rPr lang="en-US" b="1" dirty="0"/>
-              <a:t> </a:t>
-            </a:r>
-            <a:r>
-              <a:rPr lang="en-US" b="1" dirty="0" smtClean="0"/>
-              <a:t>   it </a:t>
-            </a:r>
-            <a:r>
-              <a:rPr lang="en-US" b="1" dirty="0"/>
-              <a:t>'installs the modules plugin' do</a:t>
-            </a:r>
-          </a:p>
-          <a:p>
-            <a:r>
-              <a:rPr lang="en-US" b="1" dirty="0"/>
-              <a:t>      expect(</a:t>
-            </a:r>
-            <a:r>
-              <a:rPr lang="en-US" b="1" dirty="0" err="1"/>
-              <a:t>chef_run</a:t>
-            </a:r>
-            <a:r>
-              <a:rPr lang="en-US" b="1" dirty="0"/>
-              <a:t>).to </a:t>
-            </a:r>
-            <a:r>
-              <a:rPr lang="en-US" b="1" dirty="0" err="1"/>
-              <a:t>create_ohai_plugin</a:t>
-            </a:r>
-            <a:r>
-              <a:rPr lang="en-US" b="1" dirty="0"/>
-              <a:t>(</a:t>
-            </a:r>
-            <a:r>
-              <a:rPr lang="en-US" b="1" dirty="0" smtClean="0"/>
-              <a:t>'</a:t>
-            </a:r>
-            <a:r>
-              <a:rPr lang="en-US" b="1" dirty="0" err="1" smtClean="0"/>
-              <a:t>apache_modules</a:t>
-            </a:r>
-            <a:r>
-              <a:rPr lang="en-US" b="1" dirty="0"/>
-              <a:t>')</a:t>
-            </a:r>
-          </a:p>
-          <a:p>
-            <a:r>
-              <a:rPr lang="en-US" b="1" dirty="0"/>
               <a:t>    end</a:t>
             </a:r>
           </a:p>
@@ -11816,12 +11570,6 @@
             <a:r>
               <a:rPr lang="en-US" b="1" dirty="0"/>
               <a:t>  end</a:t>
-            </a:r>
-          </a:p>
-          <a:p>
-            <a:r>
-              <a:rPr lang="en-US" b="1" dirty="0"/>
-              <a:t>end</a:t>
             </a:r>
           </a:p>
           <a:p>
@@ -11845,11 +11593,11 @@
           <a:lstStyle/>
           <a:p>
             <a:r>
-              <a:rPr lang="en-US" dirty="0" smtClean="0"/>
+              <a:rPr lang="en-US" dirty="0"/>
               <a:t>~/apache/spec/unit/recipes/</a:t>
             </a:r>
             <a:r>
-              <a:rPr lang="en-US" dirty="0" err="1" smtClean="0"/>
+              <a:rPr lang="en-US" dirty="0" err="1"/>
               <a:t>ohai_apache_modules_spec.rb</a:t>
             </a:r>
             <a:endParaRPr lang="en-US" dirty="0"/>
@@ -11868,9 +11616,14 @@
         </p:nvSpPr>
         <p:spPr>
           <a:xfrm>
-            <a:off x="1135042" y="6049356"/>
-            <a:ext cx="14404273" cy="1227094"/>
+            <a:off x="1139359" y="3223029"/>
+            <a:ext cx="14404273" cy="4466244"/>
           </a:xfrm>
+          <a:solidFill>
+            <a:srgbClr val="C00000">
+              <a:alpha val="25000"/>
+            </a:srgbClr>
+          </a:solidFill>
         </p:spPr>
         <p:txBody>
           <a:bodyPr/>
@@ -11893,13 +11646,6 @@
   <p:transition spd="med">
     <p:fade/>
   </p:transition>
-  <p:timing>
-    <p:tnLst>
-      <p:par>
-        <p:cTn id="1" dur="indefinite" restart="never" nodeType="tmRoot"/>
-      </p:par>
-    </p:tnLst>
-  </p:timing>
 </p:sld>
 </file>
 
@@ -11922,12 +11668,249 @@
       </p:grpSpPr>
       <p:sp>
         <p:nvSpPr>
-          <p:cNvPr id="2" name="Content Placeholder 1"/>
+          <p:cNvPr id="2" name="Title 1"/>
+          <p:cNvSpPr>
+            <a:spLocks noGrp="1"/>
+          </p:cNvSpPr>
+          <p:nvPr>
+            <p:ph type="title"/>
+          </p:nvPr>
+        </p:nvSpPr>
+        <p:spPr/>
+        <p:txBody>
+          <a:bodyPr>
+            <a:normAutofit/>
+          </a:bodyPr>
+          <a:lstStyle/>
+          <a:p>
+            <a:r>
+              <a:rPr lang="en-US" dirty="0"/>
+              <a:t>Defining the Expectation Plugin Deployed</a:t>
+            </a:r>
+          </a:p>
+        </p:txBody>
+      </p:sp>
+      <p:sp>
+        <p:nvSpPr>
+          <p:cNvPr id="3" name="Content Placeholder 2"/>
           <p:cNvSpPr>
             <a:spLocks noGrp="1"/>
           </p:cNvSpPr>
           <p:nvPr>
             <p:ph sz="quarter" idx="10"/>
+          </p:nvPr>
+        </p:nvSpPr>
+        <p:spPr/>
+        <p:txBody>
+          <a:bodyPr>
+            <a:normAutofit fontScale="62500" lnSpcReduction="20000"/>
+          </a:bodyPr>
+          <a:lstStyle/>
+          <a:p>
+            <a:r>
+              <a:rPr lang="en-US" b="1" dirty="0"/>
+              <a:t>describe 'apache::</a:t>
+            </a:r>
+            <a:r>
+              <a:rPr lang="en-US" b="1" dirty="0" err="1"/>
+              <a:t>ohai_apache_modules</a:t>
+            </a:r>
+            <a:r>
+              <a:rPr lang="en-US" b="1" dirty="0"/>
+              <a:t>' do</a:t>
+            </a:r>
+          </a:p>
+          <a:p>
+            <a:r>
+              <a:rPr lang="en-US" b="1" dirty="0"/>
+              <a:t> context 'When all attributes are default, on CentOS 6.9' do</a:t>
+            </a:r>
+          </a:p>
+          <a:p>
+            <a:r>
+              <a:rPr lang="en-US" b="1" dirty="0"/>
+              <a:t>    let(:</a:t>
+            </a:r>
+            <a:r>
+              <a:rPr lang="en-US" b="1" dirty="0" err="1"/>
+              <a:t>chef_run</a:t>
+            </a:r>
+            <a:r>
+              <a:rPr lang="en-US" b="1" dirty="0"/>
+              <a:t>) do</a:t>
+            </a:r>
+          </a:p>
+          <a:p>
+            <a:r>
+              <a:rPr lang="en-US" b="1" dirty="0"/>
+              <a:t>      # for a complete list of available platforms and versions see:</a:t>
+            </a:r>
+          </a:p>
+          <a:p>
+            <a:r>
+              <a:rPr lang="en-US" b="1" dirty="0"/>
+              <a:t>      # https://github.com/customink/fauxhai/blob/master/PLATFORMS.md</a:t>
+            </a:r>
+          </a:p>
+          <a:p>
+            <a:r>
+              <a:rPr lang="en-US" b="1" dirty="0"/>
+              <a:t>      runner = </a:t>
+            </a:r>
+            <a:r>
+              <a:rPr lang="en-US" b="1" dirty="0" err="1"/>
+              <a:t>ChefSpec</a:t>
+            </a:r>
+            <a:r>
+              <a:rPr lang="en-US" b="1" dirty="0"/>
+              <a:t>::</a:t>
+            </a:r>
+            <a:r>
+              <a:rPr lang="en-US" b="1" dirty="0" err="1"/>
+              <a:t>ServerRunner.new</a:t>
+            </a:r>
+            <a:r>
+              <a:rPr lang="en-US" b="1" dirty="0"/>
+              <a:t>(platform: 'centos', version: '6.9')</a:t>
+            </a:r>
+          </a:p>
+          <a:p>
+            <a:r>
+              <a:rPr lang="en-US" b="1" dirty="0"/>
+              <a:t>      </a:t>
+            </a:r>
+            <a:r>
+              <a:rPr lang="en-US" b="1" dirty="0" err="1"/>
+              <a:t>runner.converge</a:t>
+            </a:r>
+            <a:r>
+              <a:rPr lang="en-US" b="1" dirty="0"/>
+              <a:t>(</a:t>
+            </a:r>
+            <a:r>
+              <a:rPr lang="en-US" b="1" dirty="0" err="1"/>
+              <a:t>described_recipe</a:t>
+            </a:r>
+            <a:r>
+              <a:rPr lang="en-US" b="1" dirty="0"/>
+              <a:t>)</a:t>
+            </a:r>
+          </a:p>
+          <a:p>
+            <a:r>
+              <a:rPr lang="en-US" b="1" dirty="0"/>
+              <a:t>    end</a:t>
+            </a:r>
+          </a:p>
+          <a:p>
+            <a:endParaRPr lang="en-US" b="1" dirty="0"/>
+          </a:p>
+          <a:p>
+            <a:r>
+              <a:rPr lang="en-US" b="1" dirty="0"/>
+              <a:t>    it 'converges successfully' do</a:t>
+            </a:r>
+          </a:p>
+          <a:p>
+            <a:r>
+              <a:rPr lang="en-US" b="1" dirty="0"/>
+              <a:t>      expect { </a:t>
+            </a:r>
+            <a:r>
+              <a:rPr lang="en-US" b="1" dirty="0" err="1"/>
+              <a:t>chef_run</a:t>
+            </a:r>
+            <a:r>
+              <a:rPr lang="en-US" b="1" dirty="0"/>
+              <a:t> }.</a:t>
+            </a:r>
+            <a:r>
+              <a:rPr lang="en-US" b="1" dirty="0" err="1"/>
+              <a:t>to_not</a:t>
+            </a:r>
+            <a:r>
+              <a:rPr lang="en-US" b="1" dirty="0"/>
+              <a:t> </a:t>
+            </a:r>
+            <a:r>
+              <a:rPr lang="en-US" b="1" dirty="0" err="1"/>
+              <a:t>raise_error</a:t>
+            </a:r>
+            <a:endParaRPr lang="en-US" b="1" dirty="0"/>
+          </a:p>
+          <a:p>
+            <a:r>
+              <a:rPr lang="en-US" b="1" dirty="0"/>
+              <a:t>    end</a:t>
+            </a:r>
+          </a:p>
+          <a:p>
+            <a:endParaRPr lang="en-US" b="1" dirty="0"/>
+          </a:p>
+          <a:p>
+            <a:r>
+              <a:rPr lang="en-US" b="1" dirty="0"/>
+              <a:t>    it 'installs the modules plugin' do</a:t>
+            </a:r>
+          </a:p>
+          <a:p>
+            <a:r>
+              <a:rPr lang="en-US" b="1" dirty="0"/>
+              <a:t>      expect(</a:t>
+            </a:r>
+            <a:r>
+              <a:rPr lang="en-US" b="1" dirty="0" err="1"/>
+              <a:t>chef_run</a:t>
+            </a:r>
+            <a:r>
+              <a:rPr lang="en-US" b="1" dirty="0"/>
+              <a:t>).to </a:t>
+            </a:r>
+            <a:r>
+              <a:rPr lang="en-US" b="1" dirty="0" err="1"/>
+              <a:t>create_ohai_plugin</a:t>
+            </a:r>
+            <a:r>
+              <a:rPr lang="en-US" b="1" dirty="0"/>
+              <a:t>('</a:t>
+            </a:r>
+            <a:r>
+              <a:rPr lang="en-US" b="1" dirty="0" err="1"/>
+              <a:t>apache_modules</a:t>
+            </a:r>
+            <a:r>
+              <a:rPr lang="en-US" b="1" dirty="0"/>
+              <a:t>')</a:t>
+            </a:r>
+          </a:p>
+          <a:p>
+            <a:r>
+              <a:rPr lang="en-US" b="1" dirty="0"/>
+              <a:t>    end</a:t>
+            </a:r>
+          </a:p>
+          <a:p>
+            <a:r>
+              <a:rPr lang="en-US" b="1" dirty="0"/>
+              <a:t>  end</a:t>
+            </a:r>
+          </a:p>
+          <a:p>
+            <a:r>
+              <a:rPr lang="en-US" b="1" dirty="0"/>
+              <a:t>end</a:t>
+            </a:r>
+          </a:p>
+        </p:txBody>
+      </p:sp>
+      <p:sp>
+        <p:nvSpPr>
+          <p:cNvPr id="4" name="Text Placeholder 3"/>
+          <p:cNvSpPr>
+            <a:spLocks noGrp="1"/>
+          </p:cNvSpPr>
+          <p:nvPr>
+            <p:ph type="body" sz="quarter" idx="11"/>
           </p:nvPr>
         </p:nvSpPr>
         <p:spPr/>
@@ -11936,167 +11919,109 @@
           <a:lstStyle/>
           <a:p>
             <a:r>
-              <a:rPr lang="en-US" b="1" dirty="0"/>
-              <a:t>....</a:t>
-            </a:r>
-            <a:r>
-              <a:rPr lang="en-US" b="1" dirty="0" smtClean="0"/>
-              <a:t>...</a:t>
-            </a:r>
-            <a:r>
-              <a:rPr lang="en-US" b="1" dirty="0"/>
-              <a:t>...F</a:t>
-            </a:r>
-          </a:p>
-          <a:p>
-            <a:endParaRPr lang="en-US" b="1" dirty="0"/>
-          </a:p>
-          <a:p>
-            <a:r>
-              <a:rPr lang="en-US" b="1" dirty="0"/>
-              <a:t>Failures:</a:t>
-            </a:r>
-          </a:p>
-          <a:p>
-            <a:endParaRPr lang="en-US" b="1" dirty="0"/>
-          </a:p>
-          <a:p>
-            <a:r>
-              <a:rPr lang="en-US" b="1" dirty="0"/>
-              <a:t>  1) </a:t>
-            </a:r>
-            <a:r>
-              <a:rPr lang="en-US" b="1" dirty="0" smtClean="0"/>
-              <a:t>apache::</a:t>
-            </a:r>
-            <a:r>
-              <a:rPr lang="en-US" b="1" dirty="0" err="1" smtClean="0"/>
-              <a:t>ohai_apache_modules</a:t>
-            </a:r>
-            <a:r>
-              <a:rPr lang="en-US" b="1" dirty="0" smtClean="0"/>
-              <a:t> </a:t>
-            </a:r>
-            <a:r>
-              <a:rPr lang="en-US" b="1" dirty="0"/>
-              <a:t>When all attributes are default, on an unspecified platform installs the modules plugin</a:t>
-            </a:r>
-          </a:p>
-          <a:p>
-            <a:r>
-              <a:rPr lang="en-US" b="1" dirty="0"/>
-              <a:t>     Failure/Error: expect(</a:t>
-            </a:r>
-            <a:r>
-              <a:rPr lang="en-US" b="1" dirty="0" err="1"/>
-              <a:t>chef_run</a:t>
-            </a:r>
-            <a:r>
-              <a:rPr lang="en-US" b="1" dirty="0"/>
-              <a:t>).to </a:t>
-            </a:r>
-            <a:r>
-              <a:rPr lang="en-US" b="1" dirty="0" err="1"/>
-              <a:t>create_ohai_plugin</a:t>
-            </a:r>
-            <a:r>
-              <a:rPr lang="en-US" b="1" dirty="0"/>
-              <a:t>(</a:t>
-            </a:r>
-            <a:r>
-              <a:rPr lang="en-US" b="1" dirty="0" smtClean="0"/>
-              <a:t>'</a:t>
-            </a:r>
-            <a:r>
-              <a:rPr lang="en-US" b="1" dirty="0" err="1" smtClean="0"/>
-              <a:t>apache_modules</a:t>
-            </a:r>
-            <a:r>
-              <a:rPr lang="en-US" b="1" dirty="0"/>
-              <a:t>')</a:t>
-            </a:r>
-          </a:p>
-          <a:p>
-            <a:endParaRPr lang="en-US" b="1" dirty="0"/>
-          </a:p>
-          <a:p>
-            <a:r>
-              <a:rPr lang="en-US" b="1" dirty="0"/>
-              <a:t>       expected "</a:t>
-            </a:r>
-            <a:r>
-              <a:rPr lang="en-US" b="1" dirty="0" err="1" smtClean="0"/>
-              <a:t>ohai_plugin</a:t>
-            </a:r>
-            <a:r>
-              <a:rPr lang="en-US" b="1" dirty="0" smtClean="0"/>
-              <a:t>[</a:t>
-            </a:r>
-            <a:r>
-              <a:rPr lang="en-US" b="1" dirty="0" err="1" smtClean="0"/>
-              <a:t>apache_modules</a:t>
-            </a:r>
-            <a:r>
-              <a:rPr lang="en-US" b="1" dirty="0"/>
-              <a:t>]" with action :create to be in Chef run. Other </a:t>
-            </a:r>
-            <a:r>
-              <a:rPr lang="en-US" b="1" dirty="0" err="1"/>
-              <a:t>ohai_plugin</a:t>
-            </a:r>
-            <a:r>
-              <a:rPr lang="en-US" b="1" dirty="0"/>
-              <a:t> resources:</a:t>
-            </a:r>
-          </a:p>
-        </p:txBody>
-      </p:sp>
-      <p:sp>
-        <p:nvSpPr>
-          <p:cNvPr id="3" name="Text Placeholder 2"/>
-          <p:cNvSpPr>
-            <a:spLocks noGrp="1"/>
-          </p:cNvSpPr>
-          <p:nvPr>
-            <p:ph type="body" sz="quarter" idx="11"/>
-          </p:nvPr>
-        </p:nvSpPr>
-        <p:spPr/>
+              <a:rPr lang="en-US" dirty="0"/>
+              <a:t>~/apache/spec/unit/recipes/</a:t>
+            </a:r>
+            <a:r>
+              <a:rPr lang="en-US" dirty="0" err="1"/>
+              <a:t>ohai_apache_modules_spec.rb</a:t>
+            </a:r>
+            <a:endParaRPr lang="en-US" dirty="0"/>
+          </a:p>
+        </p:txBody>
+      </p:sp>
+      <p:sp>
+        <p:nvSpPr>
+          <p:cNvPr id="6" name="Text Placeholder 5"/>
+          <p:cNvSpPr>
+            <a:spLocks noGrp="1"/>
+          </p:cNvSpPr>
+          <p:nvPr>
+            <p:ph type="body" sz="quarter" idx="13"/>
+          </p:nvPr>
+        </p:nvSpPr>
+        <p:spPr>
+          <a:xfrm>
+            <a:off x="1135042" y="6049356"/>
+            <a:ext cx="14404273" cy="1227094"/>
+          </a:xfrm>
+        </p:spPr>
         <p:txBody>
           <a:bodyPr/>
           <a:lstStyle/>
           <a:p>
-            <a:r>
-              <a:rPr lang="en-US" dirty="0"/>
-              <a:t>&gt; chef exec </a:t>
-            </a:r>
-            <a:r>
-              <a:rPr lang="en-US" dirty="0" err="1" smtClean="0"/>
-              <a:t>rspec</a:t>
-            </a:r>
             <a:endParaRPr lang="en-US" dirty="0"/>
           </a:p>
         </p:txBody>
       </p:sp>
       <p:sp>
         <p:nvSpPr>
-          <p:cNvPr id="5" name="Title 4"/>
-          <p:cNvSpPr>
-            <a:spLocks noGrp="1"/>
-          </p:cNvSpPr>
-          <p:nvPr>
-            <p:ph type="title"/>
-          </p:nvPr>
-        </p:nvSpPr>
-        <p:spPr/>
-        <p:txBody>
-          <a:bodyPr/>
+          <p:cNvPr id="5" name="TextBox 4">
+            <a:extLst>
+              <a:ext uri="{FF2B5EF4-FFF2-40B4-BE49-F238E27FC236}">
+                <a16:creationId xmlns:a16="http://schemas.microsoft.com/office/drawing/2014/main" id="{D0458F8E-A5DF-45E0-A007-30FB171FD264}"/>
+              </a:ext>
+            </a:extLst>
+          </p:cNvPr>
+          <p:cNvSpPr txBox="1"/>
+          <p:nvPr/>
+        </p:nvSpPr>
+        <p:spPr bwMode="white">
+          <a:xfrm>
+            <a:off x="1135042" y="2382982"/>
+            <a:ext cx="14422528" cy="387927"/>
+          </a:xfrm>
+          <a:prstGeom prst="rect">
+            <a:avLst/>
+          </a:prstGeom>
+          <a:solidFill>
+            <a:srgbClr val="108001">
+              <a:alpha val="25098"/>
+            </a:srgbClr>
+          </a:solidFill>
+        </p:spPr>
+        <p:txBody>
+          <a:bodyPr vert="horz" wrap="square" lIns="91440" tIns="91440" rIns="91440" bIns="91440" rtlCol="0">
+            <a:normAutofit fontScale="62500" lnSpcReduction="20000"/>
+          </a:bodyPr>
           <a:lstStyle/>
           <a:p>
-            <a:r>
-              <a:rPr lang="en-US" dirty="0" smtClean="0"/>
-              <a:t>Execute the Tests to See Failure</a:t>
-            </a:r>
+            <a:endParaRPr lang="en-US" dirty="0"/>
+          </a:p>
+        </p:txBody>
+      </p:sp>
+      <p:sp>
+        <p:nvSpPr>
+          <p:cNvPr id="7" name="TextBox 6">
+            <a:extLst>
+              <a:ext uri="{FF2B5EF4-FFF2-40B4-BE49-F238E27FC236}">
+                <a16:creationId xmlns:a16="http://schemas.microsoft.com/office/drawing/2014/main" id="{B899D74C-D840-4666-8519-AE54958259B9}"/>
+              </a:ext>
+            </a:extLst>
+          </p:cNvPr>
+          <p:cNvSpPr txBox="1"/>
+          <p:nvPr/>
+        </p:nvSpPr>
+        <p:spPr bwMode="white">
+          <a:xfrm>
+            <a:off x="1108331" y="3633587"/>
+            <a:ext cx="14404272" cy="387927"/>
+          </a:xfrm>
+          <a:prstGeom prst="rect">
+            <a:avLst/>
+          </a:prstGeom>
+          <a:solidFill>
+            <a:srgbClr val="108001">
+              <a:alpha val="25098"/>
+            </a:srgbClr>
+          </a:solidFill>
+        </p:spPr>
+        <p:txBody>
+          <a:bodyPr vert="horz" wrap="square" lIns="91440" tIns="91440" rIns="91440" bIns="91440" rtlCol="0">
+            <a:normAutofit fontScale="62500" lnSpcReduction="20000"/>
+          </a:bodyPr>
+          <a:lstStyle/>
+          <a:p>
             <a:endParaRPr lang="en-US" dirty="0"/>
           </a:p>
         </p:txBody>
@@ -12104,7 +12029,7 @@
     </p:spTree>
     <p:extLst>
       <p:ext uri="{BB962C8B-B14F-4D97-AF65-F5344CB8AC3E}">
-        <p14:creationId xmlns:p14="http://schemas.microsoft.com/office/powerpoint/2010/main" val="1601304856"/>
+        <p14:creationId xmlns:p14="http://schemas.microsoft.com/office/powerpoint/2010/main" val="4201886126"/>
       </p:ext>
     </p:extLst>
   </p:cSld>
@@ -12114,13 +12039,6 @@
   <p:transition spd="med">
     <p:fade/>
   </p:transition>
-  <p:timing>
-    <p:tnLst>
-      <p:par>
-        <p:cTn id="1" dur="indefinite" restart="never" nodeType="tmRoot"/>
-      </p:par>
-    </p:tnLst>
-  </p:timing>
 </p:sld>
 </file>
 
@@ -12143,45 +12061,12 @@
       </p:grpSpPr>
       <p:sp>
         <p:nvSpPr>
-          <p:cNvPr id="2" name="Title 1"/>
-          <p:cNvSpPr>
-            <a:spLocks noGrp="1"/>
-          </p:cNvSpPr>
-          <p:nvPr>
-            <p:ph type="ctrTitle"/>
-          </p:nvPr>
-        </p:nvSpPr>
-        <p:spPr/>
-        <p:txBody>
-          <a:bodyPr>
-            <a:normAutofit fontScale="90000"/>
-          </a:bodyPr>
-          <a:lstStyle/>
-          <a:p>
-            <a:r>
-              <a:rPr lang="en-US" dirty="0" smtClean="0"/>
-              <a:t>Creating an </a:t>
-            </a:r>
-            <a:r>
-              <a:rPr lang="en-US" dirty="0" err="1" smtClean="0"/>
-              <a:t>Ohai</a:t>
-            </a:r>
-            <a:r>
-              <a:rPr lang="en-US" dirty="0" smtClean="0"/>
-              <a:t> Plugin</a:t>
-            </a:r>
-            <a:endParaRPr lang="en-US" dirty="0"/>
-          </a:p>
-        </p:txBody>
-      </p:sp>
-      <p:sp>
-        <p:nvSpPr>
-          <p:cNvPr id="3" name="Content Placeholder 2"/>
-          <p:cNvSpPr>
-            <a:spLocks noGrp="1"/>
-          </p:cNvSpPr>
-          <p:nvPr>
-            <p:ph sz="quarter" idx="11"/>
+          <p:cNvPr id="2" name="Content Placeholder 1"/>
+          <p:cNvSpPr>
+            <a:spLocks noGrp="1"/>
+          </p:cNvSpPr>
+          <p:nvPr>
+            <p:ph sz="quarter" idx="10"/>
           </p:nvPr>
         </p:nvSpPr>
         <p:spPr/>
@@ -12190,21 +12075,109 @@
           <a:lstStyle/>
           <a:p>
             <a:r>
-              <a:rPr lang="en-US" dirty="0" smtClean="0"/>
-              <a:t>Being able to learn more about our nodes will make our reporting more powerful and benefit the recipes we write.</a:t>
-            </a:r>
-            <a:endParaRPr lang="en-US" dirty="0"/>
-          </a:p>
-        </p:txBody>
-      </p:sp>
-      <p:sp>
-        <p:nvSpPr>
-          <p:cNvPr id="4" name="Text Placeholder 3"/>
-          <p:cNvSpPr>
-            <a:spLocks noGrp="1"/>
-          </p:cNvSpPr>
-          <p:nvPr>
-            <p:ph type="body" sz="quarter" idx="10"/>
+              <a:rPr lang="en-US" b="1" dirty="0"/>
+              <a:t>..........F</a:t>
+            </a:r>
+          </a:p>
+          <a:p>
+            <a:endParaRPr lang="en-US" b="1" dirty="0"/>
+          </a:p>
+          <a:p>
+            <a:r>
+              <a:rPr lang="en-US" b="1" dirty="0"/>
+              <a:t>Failures:</a:t>
+            </a:r>
+          </a:p>
+          <a:p>
+            <a:endParaRPr lang="en-US" b="1" dirty="0"/>
+          </a:p>
+          <a:p>
+            <a:r>
+              <a:rPr lang="en-US" b="1" dirty="0"/>
+              <a:t>  1) apache::</a:t>
+            </a:r>
+            <a:r>
+              <a:rPr lang="en-US" b="1" dirty="0" err="1"/>
+              <a:t>ohai_apache_modules</a:t>
+            </a:r>
+            <a:r>
+              <a:rPr lang="en-US" b="1" dirty="0"/>
+              <a:t> When all attributes are default, on an unspecified platform installs the modules plugin</a:t>
+            </a:r>
+          </a:p>
+          <a:p>
+            <a:r>
+              <a:rPr lang="en-US" b="1" dirty="0"/>
+              <a:t>     Failure/Error: expect(</a:t>
+            </a:r>
+            <a:r>
+              <a:rPr lang="en-US" b="1" dirty="0" err="1"/>
+              <a:t>chef_run</a:t>
+            </a:r>
+            <a:r>
+              <a:rPr lang="en-US" b="1" dirty="0"/>
+              <a:t>).to </a:t>
+            </a:r>
+            <a:r>
+              <a:rPr lang="en-US" b="1" dirty="0" err="1"/>
+              <a:t>create_ohai_plugin</a:t>
+            </a:r>
+            <a:r>
+              <a:rPr lang="en-US" b="1" dirty="0"/>
+              <a:t>('</a:t>
+            </a:r>
+            <a:r>
+              <a:rPr lang="en-US" b="1" dirty="0" err="1"/>
+              <a:t>apache_modules</a:t>
+            </a:r>
+            <a:r>
+              <a:rPr lang="en-US" b="1" dirty="0"/>
+              <a:t>')</a:t>
+            </a:r>
+          </a:p>
+          <a:p>
+            <a:endParaRPr lang="en-US" b="1" dirty="0"/>
+          </a:p>
+          <a:p>
+            <a:r>
+              <a:rPr lang="en-US" b="1" dirty="0"/>
+              <a:t>       expected "</a:t>
+            </a:r>
+            <a:r>
+              <a:rPr lang="en-US" b="1" dirty="0" err="1"/>
+              <a:t>ohai_plugin</a:t>
+            </a:r>
+            <a:r>
+              <a:rPr lang="en-US" b="1" dirty="0"/>
+              <a:t>[</a:t>
+            </a:r>
+            <a:r>
+              <a:rPr lang="en-US" b="1" dirty="0" err="1"/>
+              <a:t>apache_modules</a:t>
+            </a:r>
+            <a:r>
+              <a:rPr lang="en-US" b="1" dirty="0"/>
+              <a:t>]" with action :create to be in Chef run. Other </a:t>
+            </a:r>
+            <a:r>
+              <a:rPr lang="en-US" b="1" dirty="0" err="1"/>
+              <a:t>ohai_plugin</a:t>
+            </a:r>
+            <a:r>
+              <a:rPr lang="en-US" b="1" dirty="0"/>
+              <a:t> resources:</a:t>
+            </a:r>
+          </a:p>
+        </p:txBody>
+      </p:sp>
+      <p:sp>
+        <p:nvSpPr>
+          <p:cNvPr id="3" name="Text Placeholder 2"/>
+          <p:cNvSpPr>
+            <a:spLocks noGrp="1"/>
+          </p:cNvSpPr>
+          <p:nvPr>
+            <p:ph type="body" sz="quarter" idx="11"/>
           </p:nvPr>
         </p:nvSpPr>
         <p:spPr/>
@@ -12212,98 +12185,44 @@
           <a:bodyPr/>
           <a:lstStyle/>
           <a:p>
-            <a:pPr marL="342900" indent="-342900">
-              <a:buFont typeface="Wingdings" charset="2"/>
-              <a:buChar char="ü"/>
-            </a:pPr>
-            <a:r>
-              <a:rPr lang="en-US" dirty="0" smtClean="0"/>
-              <a:t>Define expectations for the </a:t>
-            </a:r>
-            <a:r>
-              <a:rPr lang="en-US" dirty="0" err="1" smtClean="0"/>
-              <a:t>Ohai</a:t>
-            </a:r>
-            <a:r>
-              <a:rPr lang="en-US" dirty="0" smtClean="0"/>
-              <a:t> plugin</a:t>
-            </a:r>
-          </a:p>
-          <a:p>
-            <a:pPr marL="342900" indent="-342900">
-              <a:buFont typeface="Wingdings" charset="2"/>
-              <a:buChar char="ü"/>
-            </a:pPr>
-            <a:r>
-              <a:rPr lang="en-US" dirty="0" smtClean="0"/>
-              <a:t>Create the </a:t>
-            </a:r>
-            <a:r>
-              <a:rPr lang="en-US" dirty="0" err="1" smtClean="0"/>
-              <a:t>Ohai</a:t>
-            </a:r>
-            <a:r>
-              <a:rPr lang="en-US" dirty="0" smtClean="0"/>
-              <a:t> plugin</a:t>
-            </a:r>
-          </a:p>
-          <a:p>
-            <a:pPr marL="342900" indent="-342900">
-              <a:buFont typeface="Wingdings" charset="2"/>
-              <a:buChar char="ü"/>
-            </a:pPr>
-            <a:r>
-              <a:rPr lang="en-US" dirty="0" smtClean="0"/>
-              <a:t>Define expectations for the recipe to deliver the </a:t>
-            </a:r>
-            <a:r>
-              <a:rPr lang="en-US" dirty="0" err="1" smtClean="0"/>
-              <a:t>Ohai</a:t>
-            </a:r>
-            <a:r>
-              <a:rPr lang="en-US" dirty="0" smtClean="0"/>
-              <a:t> plugin</a:t>
-            </a:r>
-          </a:p>
-          <a:p>
-            <a:pPr marL="342900" indent="-342900">
-              <a:buFont typeface="Wingdings" charset="2"/>
-              <a:buChar char="q"/>
-            </a:pPr>
-            <a:r>
-              <a:rPr lang="en-US" dirty="0" smtClean="0"/>
-              <a:t>Create the recipe that delivers the </a:t>
-            </a:r>
-            <a:r>
-              <a:rPr lang="en-US" dirty="0" err="1" smtClean="0"/>
-              <a:t>Ohai</a:t>
-            </a:r>
-            <a:r>
-              <a:rPr lang="en-US" dirty="0" smtClean="0"/>
-              <a:t> plugin</a:t>
-            </a:r>
-          </a:p>
-          <a:p>
-            <a:pPr marL="342900" indent="-342900">
-              <a:buFont typeface="Wingdings" charset="2"/>
-              <a:buChar char="q"/>
-            </a:pPr>
-            <a:r>
-              <a:rPr lang="en-US" dirty="0"/>
-              <a:t>Define an integration </a:t>
-            </a:r>
-            <a:r>
-              <a:rPr lang="en-US" dirty="0" smtClean="0"/>
-              <a:t>test</a:t>
+            <a:r>
+              <a:rPr lang="en-US" dirty="0"/>
+              <a:t>&gt; chef exec </a:t>
+            </a:r>
+            <a:r>
+              <a:rPr lang="en-US" dirty="0" err="1"/>
+              <a:t>rspec</a:t>
             </a:r>
             <a:endParaRPr lang="en-US" dirty="0"/>
+          </a:p>
+        </p:txBody>
+      </p:sp>
+      <p:sp>
+        <p:nvSpPr>
+          <p:cNvPr id="5" name="Title 4"/>
+          <p:cNvSpPr>
+            <a:spLocks noGrp="1"/>
+          </p:cNvSpPr>
+          <p:nvPr>
+            <p:ph type="title"/>
+          </p:nvPr>
+        </p:nvSpPr>
+        <p:spPr/>
+        <p:txBody>
+          <a:bodyPr/>
+          <a:lstStyle/>
+          <a:p>
+            <a:r>
+              <a:rPr lang="en-US" dirty="0"/>
+              <a:t>Execute the Tests to See Failure</a:t>
+            </a:r>
           </a:p>
         </p:txBody>
       </p:sp>
     </p:spTree>
     <p:extLst>
       <p:ext uri="{BB962C8B-B14F-4D97-AF65-F5344CB8AC3E}">
-        <p14:creationId xmlns:p14="http://schemas.microsoft.com/office/powerpoint/2010/main" val="2008508971"/>
+        <p14:creationId xmlns:p14="http://schemas.microsoft.com/office/powerpoint/2010/main" val="1601304856"/>
       </p:ext>
     </p:extLst>
   </p:cSld>
@@ -12313,13 +12232,6 @@
   <p:transition spd="med">
     <p:fade/>
   </p:transition>
-  <p:timing>
-    <p:tnLst>
-      <p:par>
-        <p:cTn id="1" dur="indefinite" restart="never" nodeType="tmRoot"/>
-      </p:par>
-    </p:tnLst>
-  </p:timing>
 </p:sld>
 </file>
 
@@ -12347,7 +12259,39 @@
             <a:spLocks noGrp="1"/>
           </p:cNvSpPr>
           <p:nvPr>
-            <p:ph type="title"/>
+            <p:ph type="ctrTitle"/>
+          </p:nvPr>
+        </p:nvSpPr>
+        <p:spPr/>
+        <p:txBody>
+          <a:bodyPr>
+            <a:normAutofit fontScale="90000"/>
+          </a:bodyPr>
+          <a:lstStyle/>
+          <a:p>
+            <a:r>
+              <a:rPr lang="en-US" dirty="0"/>
+              <a:t>Creating an </a:t>
+            </a:r>
+            <a:r>
+              <a:rPr lang="en-US" dirty="0" err="1"/>
+              <a:t>Ohai</a:t>
+            </a:r>
+            <a:r>
+              <a:rPr lang="en-US" dirty="0"/>
+              <a:t> Plugin</a:t>
+            </a:r>
+          </a:p>
+        </p:txBody>
+      </p:sp>
+      <p:sp>
+        <p:nvSpPr>
+          <p:cNvPr id="3" name="Content Placeholder 2"/>
+          <p:cNvSpPr>
+            <a:spLocks noGrp="1"/>
+          </p:cNvSpPr>
+          <p:nvPr>
+            <p:ph sz="quarter" idx="11"/>
           </p:nvPr>
         </p:nvSpPr>
         <p:spPr/>
@@ -12356,29 +12300,20 @@
           <a:lstStyle/>
           <a:p>
             <a:r>
-              <a:rPr lang="en-US" dirty="0" smtClean="0"/>
-              <a:t>Defining the </a:t>
-            </a:r>
-            <a:r>
-              <a:rPr lang="en-US" dirty="0" err="1" smtClean="0"/>
-              <a:t>Ohai</a:t>
-            </a:r>
-            <a:r>
-              <a:rPr lang="en-US" dirty="0" smtClean="0"/>
-              <a:t> Plugin in the Recipe</a:t>
-            </a:r>
-            <a:endParaRPr lang="en-US" dirty="0"/>
-          </a:p>
-        </p:txBody>
-      </p:sp>
-      <p:sp>
-        <p:nvSpPr>
-          <p:cNvPr id="3" name="Content Placeholder 2"/>
-          <p:cNvSpPr>
-            <a:spLocks noGrp="1"/>
-          </p:cNvSpPr>
-          <p:nvPr>
-            <p:ph sz="quarter" idx="10"/>
+              <a:rPr lang="en-US" dirty="0"/>
+              <a:t>Being able to learn more about our nodes will make our reporting more powerful and benefit the recipes we write.</a:t>
+            </a:r>
+          </a:p>
+        </p:txBody>
+      </p:sp>
+      <p:sp>
+        <p:nvSpPr>
+          <p:cNvPr id="4" name="Text Placeholder 3"/>
+          <p:cNvSpPr>
+            <a:spLocks noGrp="1"/>
+          </p:cNvSpPr>
+          <p:nvPr>
+            <p:ph type="body" sz="quarter" idx="10"/>
           </p:nvPr>
         </p:nvSpPr>
         <p:spPr/>
@@ -12386,151 +12321,93 @@
           <a:bodyPr/>
           <a:lstStyle/>
           <a:p>
-            <a:r>
-              <a:rPr lang="en-US" b="1" dirty="0"/>
-              <a:t>#</a:t>
-            </a:r>
-          </a:p>
-          <a:p>
-            <a:r>
-              <a:rPr lang="en-US" b="1" dirty="0"/>
-              <a:t># Cookbook Name:: </a:t>
-            </a:r>
-            <a:r>
-              <a:rPr lang="en-US" b="1" dirty="0" smtClean="0"/>
-              <a:t>apache</a:t>
-            </a:r>
-            <a:endParaRPr lang="en-US" b="1" dirty="0"/>
-          </a:p>
-          <a:p>
-            <a:r>
-              <a:rPr lang="en-US" b="1" dirty="0"/>
-              <a:t># Recipe:: </a:t>
-            </a:r>
-            <a:r>
-              <a:rPr lang="en-US" b="1" dirty="0" err="1" smtClean="0"/>
-              <a:t>ohai_apache_modules</a:t>
-            </a:r>
-            <a:endParaRPr lang="en-US" b="1" dirty="0"/>
-          </a:p>
-          <a:p>
-            <a:r>
-              <a:rPr lang="en-US" b="1" dirty="0"/>
-              <a:t>#</a:t>
-            </a:r>
-          </a:p>
-          <a:p>
-            <a:r>
-              <a:rPr lang="en-US" b="1" dirty="0"/>
-              <a:t># Copyright (c) </a:t>
-            </a:r>
-            <a:r>
-              <a:rPr lang="is-IS" b="1" dirty="0" smtClean="0"/>
-              <a:t>2017</a:t>
-            </a:r>
-            <a:r>
-              <a:rPr lang="en-US" b="1" dirty="0" smtClean="0"/>
-              <a:t> </a:t>
-            </a:r>
-            <a:r>
-              <a:rPr lang="en-US" b="1" dirty="0"/>
-              <a:t>The Authors, All Rights Reserved</a:t>
-            </a:r>
-            <a:r>
-              <a:rPr lang="en-US" b="1" dirty="0" smtClean="0"/>
-              <a:t>.</a:t>
-            </a:r>
-          </a:p>
-          <a:p>
-            <a:r>
-              <a:rPr lang="en-US" b="1" dirty="0" err="1" smtClean="0"/>
-              <a:t>include_recipe</a:t>
-            </a:r>
-            <a:r>
-              <a:rPr lang="en-US" b="1" dirty="0" smtClean="0"/>
-              <a:t> 'apache::default'</a:t>
-            </a:r>
-            <a:endParaRPr lang="en-US" b="1" dirty="0"/>
-          </a:p>
-          <a:p>
-            <a:r>
-              <a:rPr lang="en-US" b="1" dirty="0" err="1"/>
-              <a:t>ohai_plugin</a:t>
-            </a:r>
-            <a:r>
-              <a:rPr lang="en-US" b="1" dirty="0"/>
-              <a:t> </a:t>
-            </a:r>
-            <a:r>
-              <a:rPr lang="en-US" b="1" dirty="0" smtClean="0"/>
-              <a:t>'</a:t>
-            </a:r>
-            <a:r>
-              <a:rPr lang="en-US" b="1" dirty="0" err="1" smtClean="0"/>
-              <a:t>apache_modules</a:t>
-            </a:r>
-            <a:r>
-              <a:rPr lang="en-US" b="1" dirty="0"/>
-              <a:t>'</a:t>
-            </a:r>
-          </a:p>
-        </p:txBody>
-      </p:sp>
-      <p:sp>
-        <p:nvSpPr>
-          <p:cNvPr id="4" name="Text Placeholder 3"/>
-          <p:cNvSpPr>
-            <a:spLocks noGrp="1"/>
-          </p:cNvSpPr>
-          <p:nvPr>
-            <p:ph type="body" sz="quarter" idx="11"/>
-          </p:nvPr>
-        </p:nvSpPr>
-        <p:spPr/>
-        <p:txBody>
-          <a:bodyPr/>
-          <a:lstStyle/>
-          <a:p>
-            <a:r>
-              <a:rPr lang="en-US" dirty="0" smtClean="0"/>
-              <a:t>~/apache/recipes/</a:t>
-            </a:r>
-            <a:r>
-              <a:rPr lang="en-US" dirty="0" err="1" smtClean="0"/>
-              <a:t>ohai_apache_modules.rb</a:t>
-            </a:r>
-            <a:endParaRPr lang="en-US" dirty="0"/>
-          </a:p>
-        </p:txBody>
-      </p:sp>
-      <p:sp>
-        <p:nvSpPr>
-          <p:cNvPr id="6" name="Text Placeholder 5"/>
-          <p:cNvSpPr>
-            <a:spLocks noGrp="1"/>
-          </p:cNvSpPr>
-          <p:nvPr>
-            <p:ph type="body" sz="quarter" idx="13"/>
-          </p:nvPr>
-        </p:nvSpPr>
-        <p:spPr>
-          <a:xfrm>
-            <a:off x="1135042" y="4766709"/>
-            <a:ext cx="14404273" cy="1024491"/>
-          </a:xfrm>
-        </p:spPr>
-        <p:txBody>
-          <a:bodyPr/>
-          <a:lstStyle/>
-          <a:p>
-            <a:endParaRPr lang="en-US" dirty="0"/>
+            <a:pPr marL="342900" indent="-342900">
+              <a:buFont typeface="Wingdings" charset="2"/>
+              <a:buChar char="ü"/>
+            </a:pPr>
+            <a:r>
+              <a:rPr lang="en-US" dirty="0"/>
+              <a:t>Define expectations for the </a:t>
+            </a:r>
+            <a:r>
+              <a:rPr lang="en-US" dirty="0" err="1"/>
+              <a:t>Ohai</a:t>
+            </a:r>
+            <a:r>
+              <a:rPr lang="en-US" dirty="0"/>
+              <a:t> plugin</a:t>
+            </a:r>
+          </a:p>
+          <a:p>
+            <a:pPr marL="342900" indent="-342900">
+              <a:buFont typeface="Wingdings" charset="2"/>
+              <a:buChar char="ü"/>
+            </a:pPr>
+            <a:r>
+              <a:rPr lang="en-US" dirty="0"/>
+              <a:t>Create the </a:t>
+            </a:r>
+            <a:r>
+              <a:rPr lang="en-US" dirty="0" err="1"/>
+              <a:t>Ohai</a:t>
+            </a:r>
+            <a:r>
+              <a:rPr lang="en-US" dirty="0"/>
+              <a:t> plugin</a:t>
+            </a:r>
+          </a:p>
+          <a:p>
+            <a:pPr marL="342900" indent="-342900">
+              <a:buFont typeface="Wingdings" charset="2"/>
+              <a:buChar char="ü"/>
+            </a:pPr>
+            <a:r>
+              <a:rPr lang="en-US" dirty="0"/>
+              <a:t>Define expectations for the recipe to deliver the </a:t>
+            </a:r>
+            <a:r>
+              <a:rPr lang="en-US" dirty="0" err="1"/>
+              <a:t>Ohai</a:t>
+            </a:r>
+            <a:r>
+              <a:rPr lang="en-US" dirty="0"/>
+              <a:t> plugin</a:t>
+            </a:r>
+          </a:p>
+          <a:p>
+            <a:pPr marL="342900" indent="-342900">
+              <a:buFont typeface="Wingdings" charset="2"/>
+              <a:buChar char="q"/>
+            </a:pPr>
+            <a:r>
+              <a:rPr lang="en-US" dirty="0"/>
+              <a:t>Create the recipe that delivers the </a:t>
+            </a:r>
+            <a:r>
+              <a:rPr lang="en-US" dirty="0" err="1"/>
+              <a:t>Ohai</a:t>
+            </a:r>
+            <a:r>
+              <a:rPr lang="en-US" dirty="0"/>
+              <a:t> plugin</a:t>
+            </a:r>
+          </a:p>
+          <a:p>
+            <a:pPr marL="342900" indent="-342900">
+              <a:buFont typeface="Wingdings" charset="2"/>
+              <a:buChar char="q"/>
+            </a:pPr>
+            <a:r>
+              <a:rPr lang="en-US" dirty="0"/>
+              <a:t>Define an integration test</a:t>
+            </a:r>
           </a:p>
         </p:txBody>
       </p:sp>
     </p:spTree>
     <p:extLst>
       <p:ext uri="{BB962C8B-B14F-4D97-AF65-F5344CB8AC3E}">
-        <p14:creationId xmlns:p14="http://schemas.microsoft.com/office/powerpoint/2010/main" val="617936620"/>
+        <p14:creationId xmlns:p14="http://schemas.microsoft.com/office/powerpoint/2010/main" val="2008508971"/>
       </p:ext>
     </p:extLst>
   </p:cSld>
@@ -12540,13 +12417,6 @@
   <p:transition spd="med">
     <p:fade/>
   </p:transition>
-  <p:timing>
-    <p:tnLst>
-      <p:par>
-        <p:cTn id="1" dur="indefinite" restart="never" nodeType="tmRoot"/>
-      </p:par>
-    </p:tnLst>
-  </p:timing>
 </p:sld>
 </file>
 
@@ -12569,12 +12439,12 @@
       </p:grpSpPr>
       <p:sp>
         <p:nvSpPr>
-          <p:cNvPr id="2" name="Content Placeholder 1"/>
-          <p:cNvSpPr>
-            <a:spLocks noGrp="1"/>
-          </p:cNvSpPr>
-          <p:nvPr>
-            <p:ph sz="quarter" idx="10"/>
+          <p:cNvPr id="2" name="Title 1"/>
+          <p:cNvSpPr>
+            <a:spLocks noGrp="1"/>
+          </p:cNvSpPr>
+          <p:nvPr>
+            <p:ph type="title"/>
           </p:nvPr>
         </p:nvSpPr>
         <p:spPr/>
@@ -12583,35 +12453,28 @@
           <a:lstStyle/>
           <a:p>
             <a:r>
-              <a:rPr lang="en-US" b="1" dirty="0"/>
-              <a:t>...........</a:t>
-            </a:r>
-          </a:p>
-          <a:p>
-            <a:endParaRPr lang="en-US" b="1" dirty="0"/>
-          </a:p>
-          <a:p>
-            <a:r>
-              <a:rPr lang="en-US" b="1" dirty="0"/>
-              <a:t>Finished in 5.77 seconds (files took 2.62 seconds to load)</a:t>
-            </a:r>
-          </a:p>
-          <a:p>
-            <a:r>
-              <a:rPr lang="en-US" b="1" dirty="0"/>
-              <a:t>12 examples, 0 failures</a:t>
-            </a:r>
-          </a:p>
-        </p:txBody>
-      </p:sp>
-      <p:sp>
-        <p:nvSpPr>
-          <p:cNvPr id="3" name="Text Placeholder 2"/>
-          <p:cNvSpPr>
-            <a:spLocks noGrp="1"/>
-          </p:cNvSpPr>
-          <p:nvPr>
-            <p:ph type="body" sz="quarter" idx="11"/>
+              <a:rPr lang="en-US" dirty="0"/>
+              <a:t>Defining the </a:t>
+            </a:r>
+            <a:r>
+              <a:rPr lang="en-US" dirty="0" err="1"/>
+              <a:t>Ohai</a:t>
+            </a:r>
+            <a:r>
+              <a:rPr lang="en-US" dirty="0"/>
+              <a:t> Plugin in the Recipe</a:t>
+            </a:r>
+          </a:p>
+        </p:txBody>
+      </p:sp>
+      <p:sp>
+        <p:nvSpPr>
+          <p:cNvPr id="3" name="Content Placeholder 2"/>
+          <p:cNvSpPr>
+            <a:spLocks noGrp="1"/>
+          </p:cNvSpPr>
+          <p:nvPr>
+            <p:ph sz="quarter" idx="10"/>
           </p:nvPr>
         </p:nvSpPr>
         <p:spPr/>
@@ -12620,25 +12483,75 @@
           <a:lstStyle/>
           <a:p>
             <a:r>
-              <a:rPr lang="en-US" dirty="0" smtClean="0"/>
-              <a:t>&gt; chef exec </a:t>
-            </a:r>
-            <a:r>
-              <a:rPr lang="en-US" dirty="0" err="1" smtClean="0"/>
-              <a:t>rspec</a:t>
-            </a:r>
-            <a:endParaRPr lang="en-US" dirty="0"/>
-          </a:p>
-        </p:txBody>
-      </p:sp>
-      <p:sp>
-        <p:nvSpPr>
-          <p:cNvPr id="5" name="Title 4"/>
-          <p:cNvSpPr>
-            <a:spLocks noGrp="1"/>
-          </p:cNvSpPr>
-          <p:nvPr>
-            <p:ph type="title"/>
+              <a:rPr lang="en-US" b="1" dirty="0"/>
+              <a:t>#</a:t>
+            </a:r>
+          </a:p>
+          <a:p>
+            <a:r>
+              <a:rPr lang="en-US" b="1" dirty="0"/>
+              <a:t># Cookbook Name:: apache</a:t>
+            </a:r>
+          </a:p>
+          <a:p>
+            <a:r>
+              <a:rPr lang="en-US" b="1" dirty="0"/>
+              <a:t># Recipe:: </a:t>
+            </a:r>
+            <a:r>
+              <a:rPr lang="en-US" b="1" dirty="0" err="1"/>
+              <a:t>ohai_apache_modules</a:t>
+            </a:r>
+            <a:endParaRPr lang="en-US" b="1" dirty="0"/>
+          </a:p>
+          <a:p>
+            <a:r>
+              <a:rPr lang="en-US" b="1" dirty="0"/>
+              <a:t>#</a:t>
+            </a:r>
+          </a:p>
+          <a:p>
+            <a:r>
+              <a:rPr lang="en-US" b="1" dirty="0"/>
+              <a:t># Copyright (c) </a:t>
+            </a:r>
+            <a:r>
+              <a:rPr lang="is-IS" b="1" dirty="0"/>
+              <a:t>2017</a:t>
+            </a:r>
+            <a:r>
+              <a:rPr lang="en-US" b="1" dirty="0"/>
+              <a:t> The Authors, All Rights Reserved.</a:t>
+            </a:r>
+          </a:p>
+          <a:p>
+            <a:r>
+              <a:rPr lang="en-US" b="1" dirty="0" err="1"/>
+              <a:t>ohai_plugin</a:t>
+            </a:r>
+            <a:r>
+              <a:rPr lang="en-US" b="1" dirty="0"/>
+              <a:t> '</a:t>
+            </a:r>
+            <a:r>
+              <a:rPr lang="en-US" b="1" dirty="0" err="1"/>
+              <a:t>apache_modules</a:t>
+            </a:r>
+            <a:r>
+              <a:rPr lang="en-US" b="1" dirty="0"/>
+              <a:t>'</a:t>
+            </a:r>
+          </a:p>
+        </p:txBody>
+      </p:sp>
+      <p:sp>
+        <p:nvSpPr>
+          <p:cNvPr id="4" name="Text Placeholder 3"/>
+          <p:cNvSpPr>
+            <a:spLocks noGrp="1"/>
+          </p:cNvSpPr>
+          <p:nvPr>
+            <p:ph type="body" sz="quarter" idx="11"/>
           </p:nvPr>
         </p:nvSpPr>
         <p:spPr/>
@@ -12647,9 +12560,37 @@
           <a:lstStyle/>
           <a:p>
             <a:r>
-              <a:rPr lang="en-US" dirty="0" smtClean="0"/>
-              <a:t>Executing the Tests to See Success</a:t>
-            </a:r>
+              <a:rPr lang="en-US" dirty="0"/>
+              <a:t>~/apache/recipes/</a:t>
+            </a:r>
+            <a:r>
+              <a:rPr lang="en-US" dirty="0" err="1"/>
+              <a:t>ohai_apache_modules.rb</a:t>
+            </a:r>
+            <a:endParaRPr lang="en-US" dirty="0"/>
+          </a:p>
+        </p:txBody>
+      </p:sp>
+      <p:sp>
+        <p:nvSpPr>
+          <p:cNvPr id="6" name="Text Placeholder 5"/>
+          <p:cNvSpPr>
+            <a:spLocks noGrp="1"/>
+          </p:cNvSpPr>
+          <p:nvPr>
+            <p:ph type="body" sz="quarter" idx="13"/>
+          </p:nvPr>
+        </p:nvSpPr>
+        <p:spPr>
+          <a:xfrm>
+            <a:off x="1135042" y="4766710"/>
+            <a:ext cx="14404273" cy="539582"/>
+          </a:xfrm>
+        </p:spPr>
+        <p:txBody>
+          <a:bodyPr/>
+          <a:lstStyle/>
+          <a:p>
             <a:endParaRPr lang="en-US" dirty="0"/>
           </a:p>
         </p:txBody>
@@ -12657,7 +12598,7 @@
     </p:spTree>
     <p:extLst>
       <p:ext uri="{BB962C8B-B14F-4D97-AF65-F5344CB8AC3E}">
-        <p14:creationId xmlns:p14="http://schemas.microsoft.com/office/powerpoint/2010/main" val="1018568363"/>
+        <p14:creationId xmlns:p14="http://schemas.microsoft.com/office/powerpoint/2010/main" val="617936620"/>
       </p:ext>
     </p:extLst>
   </p:cSld>
@@ -12667,13 +12608,6 @@
   <p:transition spd="med">
     <p:fade/>
   </p:transition>
-  <p:timing>
-    <p:tnLst>
-      <p:par>
-        <p:cTn id="1" dur="indefinite" restart="never" nodeType="tmRoot"/>
-      </p:par>
-    </p:tnLst>
-  </p:timing>
 </p:sld>
 </file>
 
@@ -12696,45 +12630,12 @@
       </p:grpSpPr>
       <p:sp>
         <p:nvSpPr>
-          <p:cNvPr id="2" name="Title 1"/>
-          <p:cNvSpPr>
-            <a:spLocks noGrp="1"/>
-          </p:cNvSpPr>
-          <p:nvPr>
-            <p:ph type="ctrTitle"/>
-          </p:nvPr>
-        </p:nvSpPr>
-        <p:spPr/>
-        <p:txBody>
-          <a:bodyPr>
-            <a:normAutofit fontScale="90000"/>
-          </a:bodyPr>
-          <a:lstStyle/>
-          <a:p>
-            <a:r>
-              <a:rPr lang="en-US" dirty="0" smtClean="0"/>
-              <a:t>Creating an </a:t>
-            </a:r>
-            <a:r>
-              <a:rPr lang="en-US" dirty="0" err="1" smtClean="0"/>
-              <a:t>Ohai</a:t>
-            </a:r>
-            <a:r>
-              <a:rPr lang="en-US" dirty="0" smtClean="0"/>
-              <a:t> Plugin</a:t>
-            </a:r>
-            <a:endParaRPr lang="en-US" dirty="0"/>
-          </a:p>
-        </p:txBody>
-      </p:sp>
-      <p:sp>
-        <p:nvSpPr>
-          <p:cNvPr id="3" name="Content Placeholder 2"/>
-          <p:cNvSpPr>
-            <a:spLocks noGrp="1"/>
-          </p:cNvSpPr>
-          <p:nvPr>
-            <p:ph sz="quarter" idx="11"/>
+          <p:cNvPr id="2" name="Content Placeholder 1"/>
+          <p:cNvSpPr>
+            <a:spLocks noGrp="1"/>
+          </p:cNvSpPr>
+          <p:nvPr>
+            <p:ph sz="quarter" idx="10"/>
           </p:nvPr>
         </p:nvSpPr>
         <p:spPr/>
@@ -12743,21 +12644,35 @@
           <a:lstStyle/>
           <a:p>
             <a:r>
-              <a:rPr lang="en-US" dirty="0" smtClean="0"/>
-              <a:t>Being able to learn more about our nodes will make our reporting more powerful and benefit the recipes we write.</a:t>
-            </a:r>
-            <a:endParaRPr lang="en-US" dirty="0"/>
-          </a:p>
-        </p:txBody>
-      </p:sp>
-      <p:sp>
-        <p:nvSpPr>
-          <p:cNvPr id="4" name="Text Placeholder 3"/>
-          <p:cNvSpPr>
-            <a:spLocks noGrp="1"/>
-          </p:cNvSpPr>
-          <p:nvPr>
-            <p:ph type="body" sz="quarter" idx="10"/>
+              <a:rPr lang="en-US" b="1" dirty="0"/>
+              <a:t>..............</a:t>
+            </a:r>
+          </a:p>
+          <a:p>
+            <a:endParaRPr lang="en-US" b="1" dirty="0"/>
+          </a:p>
+          <a:p>
+            <a:r>
+              <a:rPr lang="en-US" b="1" dirty="0"/>
+              <a:t>Finished in 3.33 seconds (files took 1.87 seconds to load)</a:t>
+            </a:r>
+          </a:p>
+          <a:p>
+            <a:r>
+              <a:rPr lang="en-US" b="1" dirty="0"/>
+              <a:t>14 examples, 0 failures</a:t>
+            </a:r>
+          </a:p>
+        </p:txBody>
+      </p:sp>
+      <p:sp>
+        <p:nvSpPr>
+          <p:cNvPr id="3" name="Text Placeholder 2"/>
+          <p:cNvSpPr>
+            <a:spLocks noGrp="1"/>
+          </p:cNvSpPr>
+          <p:nvPr>
+            <p:ph type="body" sz="quarter" idx="11"/>
           </p:nvPr>
         </p:nvSpPr>
         <p:spPr/>
@@ -12765,100 +12680,44 @@
           <a:bodyPr/>
           <a:lstStyle/>
           <a:p>
-            <a:pPr marL="342900" indent="-342900">
-              <a:buFont typeface="Wingdings" charset="2"/>
-              <a:buChar char="ü"/>
-            </a:pPr>
-            <a:r>
-              <a:rPr lang="en-US" dirty="0" smtClean="0"/>
-              <a:t>Define expectations for the </a:t>
-            </a:r>
-            <a:r>
-              <a:rPr lang="en-US" dirty="0" err="1" smtClean="0"/>
-              <a:t>Ohai</a:t>
-            </a:r>
-            <a:r>
-              <a:rPr lang="en-US" dirty="0" smtClean="0"/>
-              <a:t> plugin</a:t>
-            </a:r>
-          </a:p>
-          <a:p>
-            <a:pPr marL="342900" indent="-342900">
-              <a:buFont typeface="Wingdings" charset="2"/>
-              <a:buChar char="ü"/>
-            </a:pPr>
-            <a:r>
-              <a:rPr lang="en-US" dirty="0" smtClean="0"/>
-              <a:t>Create the </a:t>
-            </a:r>
-            <a:r>
-              <a:rPr lang="en-US" dirty="0" err="1" smtClean="0"/>
-              <a:t>Ohai</a:t>
-            </a:r>
-            <a:r>
-              <a:rPr lang="en-US" dirty="0" smtClean="0"/>
-              <a:t> plugin</a:t>
-            </a:r>
-          </a:p>
-          <a:p>
-            <a:pPr marL="342900" indent="-342900">
-              <a:buFont typeface="Wingdings" charset="2"/>
-              <a:buChar char="ü"/>
-            </a:pPr>
-            <a:r>
-              <a:rPr lang="en-US" dirty="0" smtClean="0"/>
-              <a:t>Define expectations for the recipe to deliver the </a:t>
-            </a:r>
-            <a:r>
-              <a:rPr lang="en-US" dirty="0" err="1" smtClean="0"/>
-              <a:t>Ohai</a:t>
-            </a:r>
-            <a:r>
-              <a:rPr lang="en-US" dirty="0" smtClean="0"/>
-              <a:t> plugin</a:t>
-            </a:r>
-          </a:p>
-          <a:p>
-            <a:pPr marL="342900" indent="-342900">
-              <a:buFont typeface="Wingdings" charset="2"/>
-              <a:buChar char="ü"/>
-            </a:pPr>
-            <a:r>
-              <a:rPr lang="en-US" dirty="0" smtClean="0"/>
-              <a:t>Create the recipe that delivers the </a:t>
-            </a:r>
-            <a:r>
-              <a:rPr lang="en-US" dirty="0" err="1" smtClean="0"/>
-              <a:t>Ohai</a:t>
-            </a:r>
-            <a:r>
-              <a:rPr lang="en-US" dirty="0" smtClean="0"/>
-              <a:t> plugin</a:t>
-            </a:r>
-          </a:p>
-          <a:p>
-            <a:pPr marL="342900" indent="-342900">
-              <a:buFont typeface="Wingdings" charset="2"/>
-              <a:buChar char="q"/>
-            </a:pPr>
-            <a:r>
-              <a:rPr lang="en-US" dirty="0"/>
-              <a:t>Define an integration test</a:t>
-            </a:r>
-          </a:p>
-          <a:p>
-            <a:pPr marL="342900" indent="-342900">
-              <a:buFont typeface="Wingdings" charset="2"/>
-              <a:buChar char="ü"/>
-            </a:pPr>
-            <a:endParaRPr lang="en-US" dirty="0" smtClean="0"/>
+            <a:r>
+              <a:rPr lang="en-US" dirty="0"/>
+              <a:t>&gt; chef exec </a:t>
+            </a:r>
+            <a:r>
+              <a:rPr lang="en-US" dirty="0" err="1"/>
+              <a:t>rspec</a:t>
+            </a:r>
+            <a:endParaRPr lang="en-US" dirty="0"/>
+          </a:p>
+        </p:txBody>
+      </p:sp>
+      <p:sp>
+        <p:nvSpPr>
+          <p:cNvPr id="5" name="Title 4"/>
+          <p:cNvSpPr>
+            <a:spLocks noGrp="1"/>
+          </p:cNvSpPr>
+          <p:nvPr>
+            <p:ph type="title"/>
+          </p:nvPr>
+        </p:nvSpPr>
+        <p:spPr/>
+        <p:txBody>
+          <a:bodyPr/>
+          <a:lstStyle/>
+          <a:p>
+            <a:r>
+              <a:rPr lang="en-US" dirty="0"/>
+              <a:t>Executing the Tests to See Success</a:t>
+            </a:r>
           </a:p>
         </p:txBody>
       </p:sp>
     </p:spTree>
     <p:extLst>
       <p:ext uri="{BB962C8B-B14F-4D97-AF65-F5344CB8AC3E}">
-        <p14:creationId xmlns:p14="http://schemas.microsoft.com/office/powerpoint/2010/main" val="49027082"/>
+        <p14:creationId xmlns:p14="http://schemas.microsoft.com/office/powerpoint/2010/main" val="1018568363"/>
       </p:ext>
     </p:extLst>
   </p:cSld>
@@ -12868,13 +12727,6 @@
   <p:transition spd="med">
     <p:fade/>
   </p:transition>
-  <p:timing>
-    <p:tnLst>
-      <p:par>
-        <p:cTn id="1" dur="indefinite" restart="never" nodeType="tmRoot"/>
-      </p:par>
-    </p:tnLst>
-  </p:timing>
 </p:sld>
 </file>
 
@@ -12902,7 +12754,39 @@
             <a:spLocks noGrp="1"/>
           </p:cNvSpPr>
           <p:nvPr>
-            <p:ph type="title"/>
+            <p:ph type="ctrTitle"/>
+          </p:nvPr>
+        </p:nvSpPr>
+        <p:spPr/>
+        <p:txBody>
+          <a:bodyPr>
+            <a:normAutofit fontScale="90000"/>
+          </a:bodyPr>
+          <a:lstStyle/>
+          <a:p>
+            <a:r>
+              <a:rPr lang="en-US" dirty="0"/>
+              <a:t>Creating an </a:t>
+            </a:r>
+            <a:r>
+              <a:rPr lang="en-US" dirty="0" err="1"/>
+              <a:t>Ohai</a:t>
+            </a:r>
+            <a:r>
+              <a:rPr lang="en-US" dirty="0"/>
+              <a:t> Plugin</a:t>
+            </a:r>
+          </a:p>
+        </p:txBody>
+      </p:sp>
+      <p:sp>
+        <p:nvSpPr>
+          <p:cNvPr id="3" name="Content Placeholder 2"/>
+          <p:cNvSpPr>
+            <a:spLocks noGrp="1"/>
+          </p:cNvSpPr>
+          <p:nvPr>
+            <p:ph sz="quarter" idx="11"/>
           </p:nvPr>
         </p:nvSpPr>
         <p:spPr/>
@@ -12911,21 +12795,20 @@
           <a:lstStyle/>
           <a:p>
             <a:r>
-              <a:rPr lang="en-US" dirty="0" smtClean="0"/>
-              <a:t>Appending the New Recipe to the Suite</a:t>
-            </a:r>
-            <a:endParaRPr lang="en-US" dirty="0"/>
-          </a:p>
-        </p:txBody>
-      </p:sp>
-      <p:sp>
-        <p:nvSpPr>
-          <p:cNvPr id="3" name="Content Placeholder 2"/>
-          <p:cNvSpPr>
-            <a:spLocks noGrp="1"/>
-          </p:cNvSpPr>
-          <p:nvPr>
-            <p:ph sz="quarter" idx="10"/>
+              <a:rPr lang="en-US" dirty="0"/>
+              <a:t>Being able to learn more about our nodes will make our reporting more powerful and benefit the recipes we write.</a:t>
+            </a:r>
+          </a:p>
+        </p:txBody>
+      </p:sp>
+      <p:sp>
+        <p:nvSpPr>
+          <p:cNvPr id="4" name="Text Placeholder 3"/>
+          <p:cNvSpPr>
+            <a:spLocks noGrp="1"/>
+          </p:cNvSpPr>
+          <p:nvPr>
+            <p:ph type="body" sz="quarter" idx="10"/>
           </p:nvPr>
         </p:nvSpPr>
         <p:spPr/>
@@ -12933,166 +12816,92 @@
           <a:bodyPr/>
           <a:lstStyle/>
           <a:p>
-            <a:r>
-              <a:rPr lang="en-US" b="1" dirty="0" smtClean="0"/>
-              <a:t># ... TOP OF KITCHEN CONFIGURATION ...</a:t>
-            </a:r>
-          </a:p>
-          <a:p>
-            <a:r>
-              <a:rPr lang="en-US" b="1" dirty="0" smtClean="0"/>
-              <a:t>suites:</a:t>
-            </a:r>
-          </a:p>
-          <a:p>
-            <a:r>
-              <a:rPr lang="en-US" b="1" dirty="0" smtClean="0"/>
-              <a:t>  - name: default</a:t>
-            </a:r>
-          </a:p>
-          <a:p>
-            <a:r>
-              <a:rPr lang="en-US" b="1" dirty="0"/>
-              <a:t> </a:t>
-            </a:r>
-            <a:r>
-              <a:rPr lang="en-US" b="1" dirty="0" smtClean="0"/>
-              <a:t>   </a:t>
-            </a:r>
-            <a:r>
-              <a:rPr lang="en-US" b="1" dirty="0" err="1" smtClean="0"/>
-              <a:t>run_list</a:t>
-            </a:r>
-            <a:r>
-              <a:rPr lang="en-US" b="1" dirty="0" smtClean="0"/>
-              <a:t>:</a:t>
-            </a:r>
-          </a:p>
-          <a:p>
-            <a:r>
-              <a:rPr lang="en-US" b="1" dirty="0"/>
-              <a:t> </a:t>
-            </a:r>
-            <a:r>
-              <a:rPr lang="en-US" b="1" dirty="0" smtClean="0"/>
-              <a:t>     - recipe[apache::default]</a:t>
-            </a:r>
-          </a:p>
-          <a:p>
-            <a:r>
-              <a:rPr lang="en-US" b="1" dirty="0"/>
-              <a:t> </a:t>
-            </a:r>
-            <a:r>
-              <a:rPr lang="en-US" b="1" dirty="0" smtClean="0"/>
-              <a:t>     - recipe[apache::</a:t>
-            </a:r>
-            <a:r>
-              <a:rPr lang="en-US" b="1" dirty="0" err="1" smtClean="0"/>
-              <a:t>ohai_apache_modules</a:t>
-            </a:r>
-            <a:r>
-              <a:rPr lang="en-US" b="1" dirty="0" smtClean="0"/>
-              <a:t>]</a:t>
-            </a:r>
-          </a:p>
-          <a:p>
-            <a:r>
-              <a:rPr lang="en-US" b="1" dirty="0"/>
-              <a:t> </a:t>
-            </a:r>
-            <a:r>
-              <a:rPr lang="en-US" b="1" dirty="0" smtClean="0"/>
-              <a:t>   verifier:</a:t>
-            </a:r>
-          </a:p>
-          <a:p>
-            <a:r>
-              <a:rPr lang="en-US" b="1" dirty="0"/>
-              <a:t> </a:t>
-            </a:r>
-            <a:r>
-              <a:rPr lang="en-US" b="1" dirty="0" smtClean="0"/>
-              <a:t>     </a:t>
-            </a:r>
-            <a:r>
-              <a:rPr lang="en-US" b="1" dirty="0" err="1" smtClean="0"/>
-              <a:t>inspec_tests</a:t>
-            </a:r>
-            <a:r>
-              <a:rPr lang="en-US" b="1" dirty="0" smtClean="0"/>
-              <a:t>:</a:t>
-            </a:r>
-          </a:p>
-          <a:p>
-            <a:r>
-              <a:rPr lang="en-US" b="1" dirty="0"/>
-              <a:t> </a:t>
-            </a:r>
-            <a:r>
-              <a:rPr lang="en-US" b="1" dirty="0" smtClean="0"/>
-              <a:t>       - test/smoke/default</a:t>
-            </a:r>
-          </a:p>
-          <a:p>
-            <a:r>
-              <a:rPr lang="en-US" b="1" dirty="0"/>
-              <a:t> </a:t>
-            </a:r>
-            <a:r>
-              <a:rPr lang="en-US" b="1" dirty="0" smtClean="0"/>
-              <a:t>   attributes:</a:t>
-            </a:r>
-          </a:p>
-        </p:txBody>
-      </p:sp>
-      <p:sp>
-        <p:nvSpPr>
-          <p:cNvPr id="4" name="Text Placeholder 3"/>
-          <p:cNvSpPr>
-            <a:spLocks noGrp="1"/>
-          </p:cNvSpPr>
-          <p:nvPr>
-            <p:ph type="body" sz="quarter" idx="11"/>
-          </p:nvPr>
-        </p:nvSpPr>
-        <p:spPr/>
-        <p:txBody>
-          <a:bodyPr/>
-          <a:lstStyle/>
-          <a:p>
-            <a:r>
-              <a:rPr lang="en-US" dirty="0" smtClean="0"/>
-              <a:t>~/apache/.</a:t>
-            </a:r>
-            <a:r>
-              <a:rPr lang="en-US" dirty="0" err="1" smtClean="0"/>
-              <a:t>kitchen.yml</a:t>
-            </a:r>
-            <a:endParaRPr lang="en-US" dirty="0"/>
-          </a:p>
-        </p:txBody>
-      </p:sp>
-      <p:sp>
-        <p:nvSpPr>
-          <p:cNvPr id="6" name="Text Placeholder 5"/>
-          <p:cNvSpPr>
-            <a:spLocks noGrp="1"/>
-          </p:cNvSpPr>
-          <p:nvPr>
-            <p:ph type="body" sz="quarter" idx="13"/>
-          </p:nvPr>
-        </p:nvSpPr>
-        <p:spPr>
-          <a:xfrm>
-            <a:off x="1135042" y="4736151"/>
-            <a:ext cx="14404273" cy="624310"/>
-          </a:xfrm>
-        </p:spPr>
-        <p:txBody>
-          <a:bodyPr/>
-          <a:lstStyle/>
-          <a:p>
+            <a:pPr marL="342900" indent="-342900">
+              <a:buFont typeface="Wingdings" charset="2"/>
+              <a:buChar char="ü"/>
+            </a:pPr>
+            <a:r>
+              <a:rPr lang="en-US" dirty="0"/>
+              <a:t>Define expectations for the </a:t>
+            </a:r>
+            <a:r>
+              <a:rPr lang="en-US" dirty="0" err="1"/>
+              <a:t>Ohai</a:t>
+            </a:r>
+            <a:r>
+              <a:rPr lang="en-US" dirty="0"/>
+              <a:t> plugin</a:t>
+            </a:r>
+          </a:p>
+          <a:p>
+            <a:pPr marL="342900" indent="-342900">
+              <a:buFont typeface="Wingdings" charset="2"/>
+              <a:buChar char="ü"/>
+            </a:pPr>
+            <a:r>
+              <a:rPr lang="en-US" dirty="0"/>
+              <a:t>Create the </a:t>
+            </a:r>
+            <a:r>
+              <a:rPr lang="en-US" dirty="0" err="1"/>
+              <a:t>Ohai</a:t>
+            </a:r>
+            <a:r>
+              <a:rPr lang="en-US" dirty="0"/>
+              <a:t> plugin</a:t>
+            </a:r>
+          </a:p>
+          <a:p>
+            <a:pPr marL="342900" indent="-342900">
+              <a:buFont typeface="Wingdings" charset="2"/>
+              <a:buChar char="ü"/>
+            </a:pPr>
+            <a:r>
+              <a:rPr lang="en-US" dirty="0"/>
+              <a:t>Define expectations for the recipe to deliver the </a:t>
+            </a:r>
+            <a:r>
+              <a:rPr lang="en-US" dirty="0" err="1"/>
+              <a:t>Ohai</a:t>
+            </a:r>
+            <a:r>
+              <a:rPr lang="en-US" dirty="0"/>
+              <a:t> plugin</a:t>
+            </a:r>
+          </a:p>
+          <a:p>
+            <a:pPr marL="342900" indent="-342900">
+              <a:buFont typeface="Wingdings" charset="2"/>
+              <a:buChar char="ü"/>
+            </a:pPr>
+            <a:r>
+              <a:rPr lang="en-US" dirty="0"/>
+              <a:t>Create the recipe that delivers the </a:t>
+            </a:r>
+            <a:r>
+              <a:rPr lang="en-US" dirty="0" err="1"/>
+              <a:t>Ohai</a:t>
+            </a:r>
+            <a:r>
+              <a:rPr lang="en-US" dirty="0"/>
+              <a:t> plugin</a:t>
+            </a:r>
+          </a:p>
+          <a:p>
+            <a:pPr marL="342900" indent="-342900">
+              <a:buFont typeface="Wingdings" charset="2"/>
+              <a:buChar char="q"/>
+            </a:pPr>
+            <a:r>
+              <a:rPr lang="en-US" dirty="0"/>
+              <a:t>Define an integration test</a:t>
+            </a:r>
+          </a:p>
+          <a:p>
+            <a:pPr marL="342900" indent="-342900">
+              <a:buFont typeface="Wingdings" charset="2"/>
+              <a:buChar char="ü"/>
+            </a:pPr>
             <a:endParaRPr lang="en-US" dirty="0"/>
           </a:p>
         </p:txBody>
@@ -13100,7 +12909,7 @@
     </p:spTree>
     <p:extLst>
       <p:ext uri="{BB962C8B-B14F-4D97-AF65-F5344CB8AC3E}">
-        <p14:creationId xmlns:p14="http://schemas.microsoft.com/office/powerpoint/2010/main" val="970036524"/>
+        <p14:creationId xmlns:p14="http://schemas.microsoft.com/office/powerpoint/2010/main" val="49027082"/>
       </p:ext>
     </p:extLst>
   </p:cSld>
@@ -13110,13 +12919,6 @@
   <p:transition spd="med">
     <p:fade/>
   </p:transition>
-  <p:timing>
-    <p:tnLst>
-      <p:par>
-        <p:cTn id="1" dur="indefinite" restart="never" nodeType="tmRoot"/>
-      </p:par>
-    </p:tnLst>
-  </p:timing>
 </p:sld>
 </file>
 
@@ -13139,12 +12941,12 @@
       </p:grpSpPr>
       <p:sp>
         <p:nvSpPr>
-          <p:cNvPr id="2" name="Content Placeholder 1"/>
-          <p:cNvSpPr>
-            <a:spLocks noGrp="1"/>
-          </p:cNvSpPr>
-          <p:nvPr>
-            <p:ph sz="quarter" idx="10"/>
+          <p:cNvPr id="2" name="Title 1"/>
+          <p:cNvSpPr>
+            <a:spLocks noGrp="1"/>
+          </p:cNvSpPr>
+          <p:nvPr>
+            <p:ph type="title"/>
           </p:nvPr>
         </p:nvSpPr>
         <p:spPr/>
@@ -13153,135 +12955,20 @@
           <a:lstStyle/>
           <a:p>
             <a:r>
-              <a:rPr lang="en-US" b="1" dirty="0"/>
-              <a:t>-----&gt; Starting Kitchen (v1.11.1)</a:t>
-            </a:r>
-          </a:p>
-          <a:p>
-            <a:r>
-              <a:rPr lang="en-US" b="1" dirty="0"/>
-              <a:t>-----&gt; Converging &lt;default-centos-67&gt;..</a:t>
-            </a:r>
-            <a:r>
-              <a:rPr lang="en-US" b="1" dirty="0" smtClean="0"/>
-              <a:t>.</a:t>
-            </a:r>
-          </a:p>
-          <a:p>
-            <a:r>
-              <a:rPr lang="en-US" b="1" dirty="0" smtClean="0"/>
-              <a:t>       resolving </a:t>
-            </a:r>
-            <a:r>
-              <a:rPr lang="en-US" b="1" dirty="0"/>
-              <a:t>cookbooks for run list: </a:t>
-            </a:r>
-            <a:r>
-              <a:rPr lang="en-US" b="1" dirty="0" smtClean="0"/>
-              <a:t>["apache::</a:t>
-            </a:r>
-            <a:r>
-              <a:rPr lang="en-US" b="1" dirty="0"/>
-              <a:t>default", </a:t>
-            </a:r>
-            <a:r>
-              <a:rPr lang="en-US" b="1" dirty="0" smtClean="0"/>
-              <a:t>"apache::</a:t>
-            </a:r>
-            <a:r>
-              <a:rPr lang="en-US" b="1" dirty="0" err="1" smtClean="0"/>
-              <a:t>ohai_apache_modules</a:t>
-            </a:r>
-            <a:r>
-              <a:rPr lang="en-US" b="1" dirty="0"/>
-              <a:t>"]</a:t>
-            </a:r>
-          </a:p>
-          <a:p>
-            <a:r>
-              <a:rPr lang="en-US" b="1" dirty="0"/>
-              <a:t>       Synchronizing Cookbooks:</a:t>
-            </a:r>
-          </a:p>
-          <a:p>
-            <a:r>
-              <a:rPr lang="en-US" b="1" dirty="0"/>
-              <a:t>         - </a:t>
-            </a:r>
-            <a:r>
-              <a:rPr lang="en-US" b="1" dirty="0" err="1"/>
-              <a:t>ohai</a:t>
-            </a:r>
-            <a:r>
-              <a:rPr lang="en-US" b="1" dirty="0"/>
-              <a:t> (4.2.2)</a:t>
-            </a:r>
-          </a:p>
-          <a:p>
-            <a:r>
-              <a:rPr lang="en-US" b="1" dirty="0"/>
-              <a:t>         - </a:t>
-            </a:r>
-            <a:r>
-              <a:rPr lang="en-US" b="1" dirty="0" smtClean="0"/>
-              <a:t>apache </a:t>
-            </a:r>
-            <a:r>
-              <a:rPr lang="en-US" b="1" dirty="0"/>
-              <a:t>(0.1.0)</a:t>
-            </a:r>
-          </a:p>
-          <a:p>
-            <a:r>
-              <a:rPr lang="en-US" b="1" dirty="0"/>
-              <a:t>         - </a:t>
-            </a:r>
-            <a:r>
-              <a:rPr lang="en-US" b="1" dirty="0" err="1"/>
-              <a:t>compat_resource</a:t>
-            </a:r>
-            <a:r>
-              <a:rPr lang="en-US" b="1" dirty="0"/>
-              <a:t> (12.14.7)</a:t>
-            </a:r>
-          </a:p>
-          <a:p>
-            <a:r>
-              <a:rPr lang="en-US" b="1" dirty="0"/>
-              <a:t>       Installing Cookbook Gems:</a:t>
-            </a:r>
-          </a:p>
-          <a:p>
-            <a:r>
-              <a:rPr lang="en-US" b="1" dirty="0"/>
-              <a:t>       Compiling Cookbooks...</a:t>
-            </a:r>
-          </a:p>
-          <a:p>
-            <a:r>
-              <a:rPr lang="en-US" b="1" dirty="0"/>
-              <a:t>       Recipe: </a:t>
-            </a:r>
-            <a:r>
-              <a:rPr lang="en-US" b="1" dirty="0" smtClean="0"/>
-              <a:t>apache::</a:t>
-            </a:r>
-            <a:r>
-              <a:rPr lang="en-US" b="1" dirty="0" err="1" smtClean="0"/>
-              <a:t>ohai_apache_modules</a:t>
-            </a:r>
-            <a:endParaRPr lang="en-US" b="1" dirty="0"/>
-          </a:p>
-        </p:txBody>
-      </p:sp>
-      <p:sp>
-        <p:nvSpPr>
-          <p:cNvPr id="3" name="Text Placeholder 2"/>
-          <p:cNvSpPr>
-            <a:spLocks noGrp="1"/>
-          </p:cNvSpPr>
-          <p:nvPr>
-            <p:ph type="body" sz="quarter" idx="11"/>
+              <a:rPr lang="en-US" dirty="0"/>
+              <a:t>Appending the New Recipe to the Suite</a:t>
+            </a:r>
+          </a:p>
+        </p:txBody>
+      </p:sp>
+      <p:sp>
+        <p:nvSpPr>
+          <p:cNvPr id="3" name="Content Placeholder 2"/>
+          <p:cNvSpPr>
+            <a:spLocks noGrp="1"/>
+          </p:cNvSpPr>
+          <p:nvPr>
+            <p:ph sz="quarter" idx="10"/>
           </p:nvPr>
         </p:nvSpPr>
         <p:spPr/>
@@ -13290,8 +12977,112 @@
           <a:lstStyle/>
           <a:p>
             <a:r>
-              <a:rPr lang="en-US" dirty="0" smtClean="0"/>
-              <a:t>&gt; kitchen converge</a:t>
+              <a:rPr lang="en-US" b="1" dirty="0"/>
+              <a:t># ... TOP OF KITCHEN CONFIGURATION ...</a:t>
+            </a:r>
+          </a:p>
+          <a:p>
+            <a:r>
+              <a:rPr lang="en-US" b="1" dirty="0"/>
+              <a:t>suites:</a:t>
+            </a:r>
+          </a:p>
+          <a:p>
+            <a:r>
+              <a:rPr lang="en-US" b="1" dirty="0"/>
+              <a:t>  - name: default</a:t>
+            </a:r>
+          </a:p>
+          <a:p>
+            <a:r>
+              <a:rPr lang="en-US" b="1" dirty="0"/>
+              <a:t>    </a:t>
+            </a:r>
+            <a:r>
+              <a:rPr lang="en-US" b="1" dirty="0" err="1"/>
+              <a:t>run_list</a:t>
+            </a:r>
+            <a:r>
+              <a:rPr lang="en-US" b="1" dirty="0"/>
+              <a:t>:</a:t>
+            </a:r>
+          </a:p>
+          <a:p>
+            <a:r>
+              <a:rPr lang="en-US" b="1" dirty="0"/>
+              <a:t>      - recipe[apache::default]</a:t>
+            </a:r>
+          </a:p>
+          <a:p>
+            <a:r>
+              <a:rPr lang="en-US" b="1" dirty="0"/>
+              <a:t>      - recipe[apache::</a:t>
+            </a:r>
+            <a:r>
+              <a:rPr lang="en-US" b="1" dirty="0" err="1"/>
+              <a:t>ohai_apache_modules</a:t>
+            </a:r>
+            <a:r>
+              <a:rPr lang="en-US" b="1" dirty="0"/>
+              <a:t>]</a:t>
+            </a:r>
+          </a:p>
+          <a:p>
+            <a:r>
+              <a:rPr lang="en-US" b="1" dirty="0"/>
+              <a:t>    verifier:</a:t>
+            </a:r>
+          </a:p>
+          <a:p>
+            <a:r>
+              <a:rPr lang="en-US" b="1" dirty="0"/>
+              <a:t>      </a:t>
+            </a:r>
+            <a:r>
+              <a:rPr lang="en-US" b="1" dirty="0" err="1"/>
+              <a:t>inspec_tests</a:t>
+            </a:r>
+            <a:r>
+              <a:rPr lang="en-US" b="1" dirty="0"/>
+              <a:t>:</a:t>
+            </a:r>
+          </a:p>
+          <a:p>
+            <a:r>
+              <a:rPr lang="en-US" b="1" dirty="0"/>
+              <a:t>        - test/smoke/default</a:t>
+            </a:r>
+          </a:p>
+          <a:p>
+            <a:r>
+              <a:rPr lang="en-US" b="1" dirty="0"/>
+              <a:t>    attributes:</a:t>
+            </a:r>
+          </a:p>
+        </p:txBody>
+      </p:sp>
+      <p:sp>
+        <p:nvSpPr>
+          <p:cNvPr id="4" name="Text Placeholder 3"/>
+          <p:cNvSpPr>
+            <a:spLocks noGrp="1"/>
+          </p:cNvSpPr>
+          <p:nvPr>
+            <p:ph type="body" sz="quarter" idx="11"/>
+          </p:nvPr>
+        </p:nvSpPr>
+        <p:spPr/>
+        <p:txBody>
+          <a:bodyPr/>
+          <a:lstStyle/>
+          <a:p>
+            <a:r>
+              <a:rPr lang="en-US" dirty="0"/>
+              <a:t>~/apache/.</a:t>
+            </a:r>
+            <a:r>
+              <a:rPr lang="en-US" dirty="0" err="1"/>
+              <a:t>kitchen.yml</a:t>
             </a:r>
             <a:endParaRPr lang="en-US" dirty="0"/>
           </a:p>
@@ -13299,47 +13090,24 @@
       </p:sp>
       <p:sp>
         <p:nvSpPr>
-          <p:cNvPr id="4" name="Content Placeholder 3"/>
-          <p:cNvSpPr>
-            <a:spLocks noGrp="1"/>
-          </p:cNvSpPr>
-          <p:nvPr>
-            <p:ph sz="quarter" idx="12"/>
+          <p:cNvPr id="6" name="Text Placeholder 5"/>
+          <p:cNvSpPr>
+            <a:spLocks noGrp="1"/>
+          </p:cNvSpPr>
+          <p:nvPr>
+            <p:ph type="body" sz="quarter" idx="13"/>
           </p:nvPr>
         </p:nvSpPr>
         <p:spPr>
           <a:xfrm>
-            <a:off x="1127883" y="3336155"/>
-            <a:ext cx="14420850" cy="1141660"/>
+            <a:off x="1135042" y="4736151"/>
+            <a:ext cx="14404273" cy="624310"/>
           </a:xfrm>
         </p:spPr>
         <p:txBody>
           <a:bodyPr/>
           <a:lstStyle/>
           <a:p>
-            <a:endParaRPr lang="en-US" dirty="0"/>
-          </a:p>
-        </p:txBody>
-      </p:sp>
-      <p:sp>
-        <p:nvSpPr>
-          <p:cNvPr id="5" name="Title 4"/>
-          <p:cNvSpPr>
-            <a:spLocks noGrp="1"/>
-          </p:cNvSpPr>
-          <p:nvPr>
-            <p:ph type="title"/>
-          </p:nvPr>
-        </p:nvSpPr>
-        <p:spPr/>
-        <p:txBody>
-          <a:bodyPr/>
-          <a:lstStyle/>
-          <a:p>
-            <a:r>
-              <a:rPr lang="en-US" dirty="0" smtClean="0"/>
-              <a:t>Converging the Updated Default Suite</a:t>
-            </a:r>
             <a:endParaRPr lang="en-US" dirty="0"/>
           </a:p>
         </p:txBody>
@@ -13347,7 +13115,7 @@
     </p:spTree>
     <p:extLst>
       <p:ext uri="{BB962C8B-B14F-4D97-AF65-F5344CB8AC3E}">
-        <p14:creationId xmlns:p14="http://schemas.microsoft.com/office/powerpoint/2010/main" val="3734536480"/>
+        <p14:creationId xmlns:p14="http://schemas.microsoft.com/office/powerpoint/2010/main" val="970036524"/>
       </p:ext>
     </p:extLst>
   </p:cSld>
@@ -13357,13 +13125,6 @@
   <p:transition spd="med">
     <p:fade/>
   </p:transition>
-  <p:timing>
-    <p:tnLst>
-      <p:par>
-        <p:cTn id="1" dur="indefinite" restart="never" nodeType="tmRoot"/>
-      </p:par>
-    </p:tnLst>
-  </p:timing>
 </p:sld>
 </file>
 
@@ -13386,12 +13147,12 @@
       </p:grpSpPr>
       <p:sp>
         <p:nvSpPr>
-          <p:cNvPr id="2" name="Title 1"/>
-          <p:cNvSpPr>
-            <a:spLocks noGrp="1"/>
-          </p:cNvSpPr>
-          <p:nvPr>
-            <p:ph type="title"/>
+          <p:cNvPr id="2" name="Content Placeholder 1"/>
+          <p:cNvSpPr>
+            <a:spLocks noGrp="1"/>
+          </p:cNvSpPr>
+          <p:nvPr>
+            <p:ph sz="quarter" idx="10"/>
           </p:nvPr>
         </p:nvSpPr>
         <p:spPr/>
@@ -13400,21 +13161,123 @@
           <a:lstStyle/>
           <a:p>
             <a:r>
-              <a:rPr lang="en-US" dirty="0" smtClean="0"/>
-              <a:t>Defining an Expectation for the Plugin</a:t>
-            </a:r>
-            <a:endParaRPr lang="en-US" dirty="0"/>
-          </a:p>
-        </p:txBody>
-      </p:sp>
-      <p:sp>
-        <p:nvSpPr>
-          <p:cNvPr id="3" name="Content Placeholder 2"/>
-          <p:cNvSpPr>
-            <a:spLocks noGrp="1"/>
-          </p:cNvSpPr>
-          <p:nvPr>
-            <p:ph sz="quarter" idx="10"/>
+              <a:rPr lang="en-US" sz="2000" b="1" dirty="0"/>
+              <a:t>-----&gt; Starting Kitchen (v1.19.2)</a:t>
+            </a:r>
+          </a:p>
+          <a:p>
+            <a:r>
+              <a:rPr lang="en-US" sz="2000" b="1" dirty="0"/>
+              <a:t>-----&gt; Converging &lt;default-centos-69&gt;...</a:t>
+            </a:r>
+          </a:p>
+          <a:p>
+            <a:r>
+              <a:rPr lang="en-US" sz="2000" b="1" dirty="0"/>
+              <a:t>       Preparing files for transfer</a:t>
+            </a:r>
+          </a:p>
+          <a:p>
+            <a:r>
+              <a:rPr lang="en-US" sz="2000" b="1" dirty="0"/>
+              <a:t>       Preparing </a:t>
+            </a:r>
+            <a:r>
+              <a:rPr lang="en-US" sz="2000" b="1" dirty="0" err="1"/>
+              <a:t>dna.json</a:t>
+            </a:r>
+            <a:endParaRPr lang="en-US" sz="2000" b="1" dirty="0"/>
+          </a:p>
+          <a:p>
+            <a:r>
+              <a:rPr lang="en-US" sz="2000" b="1" dirty="0"/>
+              <a:t>       Resolving cookbook dependencies with </a:t>
+            </a:r>
+            <a:r>
+              <a:rPr lang="en-US" sz="2000" b="1" dirty="0" err="1"/>
+              <a:t>Berkshelf</a:t>
+            </a:r>
+            <a:r>
+              <a:rPr lang="en-US" sz="2000" b="1" dirty="0"/>
+              <a:t> 6.3.1...</a:t>
+            </a:r>
+          </a:p>
+          <a:p>
+            <a:r>
+              <a:rPr lang="en-US" sz="2000" b="1" dirty="0"/>
+              <a:t>       Removing non-cookbook files before transfer</a:t>
+            </a:r>
+          </a:p>
+          <a:p>
+            <a:r>
+              <a:rPr lang="en-US" sz="2000" b="1" dirty="0"/>
+              <a:t>       Preparing </a:t>
+            </a:r>
+            <a:r>
+              <a:rPr lang="en-US" sz="2000" b="1" dirty="0" err="1"/>
+              <a:t>validation.pem</a:t>
+            </a:r>
+            <a:endParaRPr lang="en-US" sz="2000" b="1" dirty="0"/>
+          </a:p>
+          <a:p>
+            <a:r>
+              <a:rPr lang="en-US" sz="2000" b="1" dirty="0"/>
+              <a:t>       Preparing </a:t>
+            </a:r>
+            <a:r>
+              <a:rPr lang="en-US" sz="2000" b="1" dirty="0" err="1"/>
+              <a:t>client.rb</a:t>
+            </a:r>
+            <a:endParaRPr lang="en-US" sz="2000" b="1" dirty="0"/>
+          </a:p>
+          <a:p>
+            <a:r>
+              <a:rPr lang="en-US" sz="2000" b="1" dirty="0"/>
+              <a:t>-----&gt; Chef Omnibus installation detected (install only if missing)</a:t>
+            </a:r>
+          </a:p>
+          <a:p>
+            <a:r>
+              <a:rPr lang="en-US" sz="2000" b="1" dirty="0"/>
+              <a:t>       Transferring files to &lt;default-centos-69&gt;</a:t>
+            </a:r>
+          </a:p>
+          <a:p>
+            <a:r>
+              <a:rPr lang="en-US" sz="2000" b="1" dirty="0"/>
+              <a:t>       Starting Chef Client, version 13.8.5</a:t>
+            </a:r>
+          </a:p>
+          <a:p>
+            <a:r>
+              <a:rPr lang="en-US" sz="2000" b="1" dirty="0"/>
+              <a:t>       resolving cookbooks for run list: ["apache::default", "apache::</a:t>
+            </a:r>
+            <a:r>
+              <a:rPr lang="en-US" sz="2000" b="1" dirty="0" err="1"/>
+              <a:t>ohai_apache_modu</a:t>
+            </a:r>
+            <a:r>
+              <a:rPr lang="en-US" sz="2000" b="1" dirty="0"/>
+              <a:t>           les"]</a:t>
+            </a:r>
+          </a:p>
+          <a:p>
+            <a:r>
+              <a:rPr lang="en-US" sz="2000" b="1" dirty="0"/>
+              <a:t>       Synchronizing Cookbooks:</a:t>
+            </a:r>
+          </a:p>
+        </p:txBody>
+      </p:sp>
+      <p:sp>
+        <p:nvSpPr>
+          <p:cNvPr id="3" name="Text Placeholder 2"/>
+          <p:cNvSpPr>
+            <a:spLocks noGrp="1"/>
+          </p:cNvSpPr>
+          <p:nvPr>
+            <p:ph type="body" sz="quarter" idx="11"/>
           </p:nvPr>
         </p:nvSpPr>
         <p:spPr/>
@@ -13423,116 +13286,62 @@
           <a:lstStyle/>
           <a:p>
             <a:r>
-              <a:rPr lang="en-US" b="1" dirty="0" err="1"/>
-              <a:t>plugin_directory</a:t>
-            </a:r>
-            <a:r>
-              <a:rPr lang="en-US" b="1" dirty="0"/>
-              <a:t> = '/</a:t>
-            </a:r>
-            <a:r>
-              <a:rPr lang="en-US" b="1" dirty="0" err="1"/>
-              <a:t>tmp</a:t>
-            </a:r>
-            <a:r>
-              <a:rPr lang="en-US" b="1" dirty="0"/>
-              <a:t>/kitchen/</a:t>
-            </a:r>
-            <a:r>
-              <a:rPr lang="en-US" b="1" dirty="0" err="1"/>
-              <a:t>ohai</a:t>
-            </a:r>
-            <a:r>
-              <a:rPr lang="en-US" b="1" dirty="0"/>
-              <a:t>/plugins'</a:t>
-            </a:r>
-          </a:p>
-          <a:p>
-            <a:endParaRPr lang="en-US" b="1" dirty="0"/>
-          </a:p>
-          <a:p>
-            <a:r>
-              <a:rPr lang="en-US" b="1" dirty="0"/>
-              <a:t>describe command("</a:t>
-            </a:r>
-            <a:r>
-              <a:rPr lang="en-US" b="1" dirty="0" err="1"/>
-              <a:t>ohai</a:t>
-            </a:r>
-            <a:r>
-              <a:rPr lang="en-US" b="1" dirty="0"/>
-              <a:t> -d #{</a:t>
-            </a:r>
-            <a:r>
-              <a:rPr lang="en-US" b="1" dirty="0" err="1"/>
-              <a:t>plugin_directory</a:t>
-            </a:r>
-            <a:r>
-              <a:rPr lang="en-US" b="1" dirty="0"/>
-              <a:t>} apache") do</a:t>
-            </a:r>
-          </a:p>
-          <a:p>
-            <a:r>
-              <a:rPr lang="en-US" b="1" dirty="0"/>
-              <a:t>  its(:</a:t>
-            </a:r>
-            <a:r>
-              <a:rPr lang="en-US" b="1" dirty="0" err="1"/>
-              <a:t>stdout</a:t>
-            </a:r>
-            <a:r>
-              <a:rPr lang="en-US" b="1" dirty="0"/>
-              <a:t>) { should match(/</a:t>
-            </a:r>
-            <a:r>
-              <a:rPr lang="en-US" b="1" dirty="0" err="1"/>
-              <a:t>core_module</a:t>
-            </a:r>
-            <a:r>
-              <a:rPr lang="en-US" b="1" dirty="0"/>
-              <a:t>/) }</a:t>
-            </a:r>
-          </a:p>
-          <a:p>
-            <a:r>
-              <a:rPr lang="en-US" b="1" dirty="0"/>
-              <a:t>end</a:t>
-            </a:r>
-          </a:p>
-        </p:txBody>
-      </p:sp>
-      <p:sp>
-        <p:nvSpPr>
-          <p:cNvPr id="4" name="Text Placeholder 3"/>
-          <p:cNvSpPr>
-            <a:spLocks noGrp="1"/>
-          </p:cNvSpPr>
-          <p:nvPr>
-            <p:ph type="body" sz="quarter" idx="11"/>
-          </p:nvPr>
-        </p:nvSpPr>
-        <p:spPr/>
+              <a:rPr lang="en-US" dirty="0"/>
+              <a:t>&gt; kitchen converge</a:t>
+            </a:r>
+          </a:p>
+        </p:txBody>
+      </p:sp>
+      <p:sp>
+        <p:nvSpPr>
+          <p:cNvPr id="4" name="Content Placeholder 3"/>
+          <p:cNvSpPr>
+            <a:spLocks noGrp="1"/>
+          </p:cNvSpPr>
+          <p:nvPr>
+            <p:ph sz="quarter" idx="12"/>
+          </p:nvPr>
+        </p:nvSpPr>
+        <p:spPr>
+          <a:xfrm>
+            <a:off x="1121104" y="6787662"/>
+            <a:ext cx="14420850" cy="738553"/>
+          </a:xfrm>
+        </p:spPr>
         <p:txBody>
           <a:bodyPr/>
           <a:lstStyle/>
           <a:p>
-            <a:r>
-              <a:rPr lang="en-US" dirty="0" smtClean="0"/>
-              <a:t>~/apache/test/smoke/default/</a:t>
-            </a:r>
-            <a:r>
-              <a:rPr lang="en-US" dirty="0" err="1" smtClean="0"/>
-              <a:t>ohai_apache_modules.rb</a:t>
-            </a:r>
             <a:endParaRPr lang="en-US" dirty="0"/>
+          </a:p>
+        </p:txBody>
+      </p:sp>
+      <p:sp>
+        <p:nvSpPr>
+          <p:cNvPr id="5" name="Title 4"/>
+          <p:cNvSpPr>
+            <a:spLocks noGrp="1"/>
+          </p:cNvSpPr>
+          <p:nvPr>
+            <p:ph type="title"/>
+          </p:nvPr>
+        </p:nvSpPr>
+        <p:spPr/>
+        <p:txBody>
+          <a:bodyPr/>
+          <a:lstStyle/>
+          <a:p>
+            <a:r>
+              <a:rPr lang="en-US" dirty="0"/>
+              <a:t>Converging the Updated Default Suite</a:t>
+            </a:r>
           </a:p>
         </p:txBody>
       </p:sp>
     </p:spTree>
     <p:extLst>
       <p:ext uri="{BB962C8B-B14F-4D97-AF65-F5344CB8AC3E}">
-        <p14:creationId xmlns:p14="http://schemas.microsoft.com/office/powerpoint/2010/main" val="2003418142"/>
+        <p14:creationId xmlns:p14="http://schemas.microsoft.com/office/powerpoint/2010/main" val="3734536480"/>
       </p:ext>
     </p:extLst>
   </p:cSld>
@@ -13542,13 +13351,6 @@
   <p:transition spd="med">
     <p:fade/>
   </p:transition>
-  <p:timing>
-    <p:tnLst>
-      <p:par>
-        <p:cTn id="1" dur="indefinite" restart="never" nodeType="tmRoot"/>
-      </p:par>
-    </p:tnLst>
-  </p:timing>
 </p:sld>
 </file>
 
@@ -13571,12 +13373,12 @@
       </p:grpSpPr>
       <p:sp>
         <p:nvSpPr>
-          <p:cNvPr id="2" name="Content Placeholder 1"/>
-          <p:cNvSpPr>
-            <a:spLocks noGrp="1"/>
-          </p:cNvSpPr>
-          <p:nvPr>
-            <p:ph sz="quarter" idx="10"/>
+          <p:cNvPr id="2" name="Title 1"/>
+          <p:cNvSpPr>
+            <a:spLocks noGrp="1"/>
+          </p:cNvSpPr>
+          <p:nvPr>
+            <p:ph type="title"/>
           </p:nvPr>
         </p:nvSpPr>
         <p:spPr/>
@@ -13585,54 +13387,42 @@
           <a:lstStyle/>
           <a:p>
             <a:r>
-              <a:rPr lang="en-US" b="1" dirty="0"/>
-              <a:t>-----&gt; Starting Kitchen (v1.11.1)</a:t>
-            </a:r>
-          </a:p>
-          <a:p>
-            <a:r>
-              <a:rPr lang="en-US" b="1" dirty="0"/>
-              <a:t>-----&gt; Verifying &lt;ohai-plugin-centos-67&gt;...</a:t>
-            </a:r>
-          </a:p>
-          <a:p>
-            <a:r>
-              <a:rPr lang="en-US" b="1" dirty="0"/>
-              <a:t>       Use `/</a:t>
-            </a:r>
-            <a:r>
-              <a:rPr lang="en-US" b="1" dirty="0" smtClean="0"/>
-              <a:t>home/chef/apache/test/smoke/default` </a:t>
-            </a:r>
-            <a:r>
-              <a:rPr lang="en-US" b="1" dirty="0"/>
-              <a:t>for testing</a:t>
-            </a:r>
-          </a:p>
-          <a:p>
-            <a:endParaRPr lang="en-US" b="1" dirty="0"/>
-          </a:p>
-          <a:p>
-            <a:r>
-              <a:rPr lang="en-US" b="1" dirty="0"/>
-              <a:t>Target:  </a:t>
-            </a:r>
+              <a:rPr lang="en-US" dirty="0"/>
+              <a:t>Defining an Expectation for the Plugin</a:t>
+            </a:r>
+          </a:p>
+        </p:txBody>
+      </p:sp>
+      <p:sp>
+        <p:nvSpPr>
+          <p:cNvPr id="3" name="Content Placeholder 2"/>
+          <p:cNvSpPr>
+            <a:spLocks noGrp="1"/>
+          </p:cNvSpPr>
+          <p:nvPr>
+            <p:ph sz="quarter" idx="10"/>
+          </p:nvPr>
+        </p:nvSpPr>
+        <p:spPr/>
+        <p:txBody>
+          <a:bodyPr/>
+          <a:lstStyle/>
+          <a:p>
             <a:r>
               <a:rPr lang="en-US" b="1" dirty="0" err="1"/>
-              <a:t>ssh</a:t>
-            </a:r>
-            <a:r>
-              <a:rPr lang="en-US" b="1" dirty="0"/>
-              <a:t>://kitchen@localhost:32768</a:t>
-            </a:r>
-          </a:p>
-          <a:p>
-            <a:endParaRPr lang="en-US" b="1" dirty="0"/>
-          </a:p>
-          <a:p>
-            <a:r>
-              <a:rPr lang="en-US" b="1" dirty="0"/>
-              <a:t>  ✔  Command </a:t>
+              <a:t>plugin_directory</a:t>
+            </a:r>
+            <a:r>
+              <a:rPr lang="en-US" b="1" dirty="0"/>
+              <a:t> = '/</a:t>
+            </a:r>
+            <a:r>
+              <a:rPr lang="en-US" b="1" dirty="0" err="1"/>
+              <a:t>tmp</a:t>
+            </a:r>
+            <a:r>
+              <a:rPr lang="en-US" b="1" dirty="0"/>
+              <a:t>/kitchen/</a:t>
             </a:r>
             <a:r>
               <a:rPr lang="en-US" b="1" dirty="0" err="1"/>
@@ -13640,15 +13430,16 @@
             </a:r>
             <a:r>
               <a:rPr lang="en-US" b="1" dirty="0"/>
-              <a:t> -d /</a:t>
-            </a:r>
-            <a:r>
-              <a:rPr lang="en-US" b="1" dirty="0" err="1"/>
-              <a:t>tmp</a:t>
-            </a:r>
-            <a:r>
-              <a:rPr lang="en-US" b="1" dirty="0"/>
-              <a:t>/kitchen/</a:t>
+              <a:t>/plugins'</a:t>
+            </a:r>
+          </a:p>
+          <a:p>
+            <a:endParaRPr lang="en-US" b="1" dirty="0"/>
+          </a:p>
+          <a:p>
+            <a:r>
+              <a:rPr lang="en-US" b="1" dirty="0"/>
+              <a:t>describe command("</a:t>
             </a:r>
             <a:r>
               <a:rPr lang="en-US" b="1" dirty="0" err="1"/>
@@ -13656,7 +13447,21 @@
             </a:r>
             <a:r>
               <a:rPr lang="en-US" b="1" dirty="0"/>
-              <a:t>/plugins apache </a:t>
+              <a:t> -d #{</a:t>
+            </a:r>
+            <a:r>
+              <a:rPr lang="en-US" b="1" dirty="0" err="1"/>
+              <a:t>plugin_directory</a:t>
+            </a:r>
+            <a:r>
+              <a:rPr lang="en-US" b="1" dirty="0"/>
+              <a:t>} apache") do</a:t>
+            </a:r>
+          </a:p>
+          <a:p>
+            <a:r>
+              <a:rPr lang="en-US" b="1" dirty="0"/>
+              <a:t>  its(:</a:t>
             </a:r>
             <a:r>
               <a:rPr lang="en-US" b="1" dirty="0" err="1"/>
@@ -13664,7 +13469,7 @@
             </a:r>
             <a:r>
               <a:rPr lang="en-US" b="1" dirty="0"/>
-              <a:t> should match /</a:t>
+              <a:t>) { should match(/</a:t>
             </a:r>
             <a:r>
               <a:rPr lang="en-US" b="1" dirty="0" err="1"/>
@@ -13672,36 +13477,20 @@
             </a:r>
             <a:r>
               <a:rPr lang="en-US" b="1" dirty="0"/>
-              <a:t> \(static\)/</a:t>
-            </a:r>
-          </a:p>
-          <a:p>
-            <a:endParaRPr lang="en-US" b="1" dirty="0"/>
-          </a:p>
-          <a:p>
-            <a:r>
-              <a:rPr lang="en-US" b="1" dirty="0"/>
-              <a:t>Summary: </a:t>
-            </a:r>
-            <a:r>
-              <a:rPr lang="en-US" b="1" dirty="0" smtClean="0"/>
-              <a:t>1 </a:t>
-            </a:r>
-            <a:r>
-              <a:rPr lang="en-US" b="1" dirty="0"/>
-              <a:t>successful, 0 failures, 0 </a:t>
-            </a:r>
-            <a:r>
-              <a:rPr lang="en-US" b="1" dirty="0" smtClean="0"/>
-              <a:t>skipped</a:t>
-            </a:r>
-            <a:endParaRPr lang="en-US" b="1" dirty="0"/>
-          </a:p>
-        </p:txBody>
-      </p:sp>
-      <p:sp>
-        <p:nvSpPr>
-          <p:cNvPr id="3" name="Text Placeholder 2"/>
+              <a:t>/) }</a:t>
+            </a:r>
+          </a:p>
+          <a:p>
+            <a:r>
+              <a:rPr lang="en-US" b="1" dirty="0"/>
+              <a:t>end</a:t>
+            </a:r>
+          </a:p>
+        </p:txBody>
+      </p:sp>
+      <p:sp>
+        <p:nvSpPr>
+          <p:cNvPr id="4" name="Text Placeholder 3"/>
           <p:cNvSpPr>
             <a:spLocks noGrp="1"/>
           </p:cNvSpPr>
@@ -13715,55 +13504,12 @@
           <a:lstStyle/>
           <a:p>
             <a:r>
-              <a:rPr lang="en-US" dirty="0" smtClean="0"/>
-              <a:t>&gt; kitchen verify</a:t>
-            </a:r>
-            <a:endParaRPr lang="en-US" dirty="0"/>
-          </a:p>
-        </p:txBody>
-      </p:sp>
-      <p:sp>
-        <p:nvSpPr>
-          <p:cNvPr id="4" name="Content Placeholder 3"/>
-          <p:cNvSpPr>
-            <a:spLocks noGrp="1"/>
-          </p:cNvSpPr>
-          <p:nvPr>
-            <p:ph sz="quarter" idx="12"/>
-          </p:nvPr>
-        </p:nvSpPr>
-        <p:spPr>
-          <a:xfrm>
-            <a:off x="1127883" y="5467422"/>
-            <a:ext cx="14420850" cy="969437"/>
-          </a:xfrm>
-        </p:spPr>
-        <p:txBody>
-          <a:bodyPr/>
-          <a:lstStyle/>
-          <a:p>
-            <a:endParaRPr lang="en-US" dirty="0"/>
-          </a:p>
-        </p:txBody>
-      </p:sp>
-      <p:sp>
-        <p:nvSpPr>
-          <p:cNvPr id="5" name="Title 4"/>
-          <p:cNvSpPr>
-            <a:spLocks noGrp="1"/>
-          </p:cNvSpPr>
-          <p:nvPr>
-            <p:ph type="title"/>
-          </p:nvPr>
-        </p:nvSpPr>
-        <p:spPr/>
-        <p:txBody>
-          <a:bodyPr/>
-          <a:lstStyle/>
-          <a:p>
-            <a:r>
-              <a:rPr lang="en-US" dirty="0" smtClean="0"/>
-              <a:t>Verifying the New Expectation</a:t>
+              <a:rPr lang="en-US" dirty="0"/>
+              <a:t>~/apache/test/smoke/default/</a:t>
+            </a:r>
+            <a:r>
+              <a:rPr lang="en-US" dirty="0" err="1"/>
+              <a:t>ohai_apache_modules.rb</a:t>
             </a:r>
             <a:endParaRPr lang="en-US" dirty="0"/>
           </a:p>
@@ -13772,7 +13518,7 @@
     </p:spTree>
     <p:extLst>
       <p:ext uri="{BB962C8B-B14F-4D97-AF65-F5344CB8AC3E}">
-        <p14:creationId xmlns:p14="http://schemas.microsoft.com/office/powerpoint/2010/main" val="1011817208"/>
+        <p14:creationId xmlns:p14="http://schemas.microsoft.com/office/powerpoint/2010/main" val="2003418142"/>
       </p:ext>
     </p:extLst>
   </p:cSld>
@@ -13782,13 +13528,6 @@
   <p:transition spd="med">
     <p:fade/>
   </p:transition>
-  <p:timing>
-    <p:tnLst>
-      <p:par>
-        <p:cTn id="1" dur="indefinite" restart="never" nodeType="tmRoot"/>
-      </p:par>
-    </p:tnLst>
-  </p:timing>
 </p:sld>
 </file>
 
@@ -13827,18 +13566,17 @@
           <a:lstStyle/>
           <a:p>
             <a:r>
-              <a:rPr lang="en-US" dirty="0" smtClean="0"/>
+              <a:rPr lang="en-US" dirty="0"/>
               <a:t>Creating an </a:t>
             </a:r>
             <a:r>
-              <a:rPr lang="en-US" dirty="0" err="1" smtClean="0"/>
+              <a:rPr lang="en-US" dirty="0" err="1"/>
               <a:t>Ohai</a:t>
             </a:r>
             <a:r>
-              <a:rPr lang="en-US" dirty="0" smtClean="0"/>
+              <a:rPr lang="en-US" dirty="0"/>
               <a:t> Plugin</a:t>
             </a:r>
-            <a:endParaRPr lang="en-US" dirty="0"/>
           </a:p>
         </p:txBody>
       </p:sp>
@@ -13858,10 +13596,9 @@
           <a:lstStyle/>
           <a:p>
             <a:r>
-              <a:rPr lang="en-US" dirty="0" smtClean="0"/>
+              <a:rPr lang="en-US" dirty="0"/>
               <a:t>Being able to learn more about our nodes will make our reporting more powerful and benefit the recipes we write.</a:t>
             </a:r>
-            <a:endParaRPr lang="en-US" dirty="0"/>
           </a:p>
         </p:txBody>
       </p:sp>
@@ -13885,15 +13622,15 @@
               <a:buChar char="q"/>
             </a:pPr>
             <a:r>
-              <a:rPr lang="en-US" dirty="0" smtClean="0"/>
+              <a:rPr lang="en-US" dirty="0"/>
               <a:t>Define expectations for the </a:t>
             </a:r>
             <a:r>
-              <a:rPr lang="en-US" dirty="0" err="1" smtClean="0"/>
+              <a:rPr lang="en-US" dirty="0" err="1"/>
               <a:t>Ohai</a:t>
             </a:r>
             <a:r>
-              <a:rPr lang="en-US" dirty="0" smtClean="0"/>
+              <a:rPr lang="en-US" dirty="0"/>
               <a:t> plugin</a:t>
             </a:r>
           </a:p>
@@ -13903,15 +13640,15 @@
               <a:buChar char="q"/>
             </a:pPr>
             <a:r>
-              <a:rPr lang="en-US" dirty="0" smtClean="0"/>
+              <a:rPr lang="en-US" dirty="0"/>
               <a:t>Create the </a:t>
             </a:r>
             <a:r>
-              <a:rPr lang="en-US" dirty="0" err="1" smtClean="0"/>
+              <a:rPr lang="en-US" dirty="0" err="1"/>
               <a:t>Ohai</a:t>
             </a:r>
             <a:r>
-              <a:rPr lang="en-US" dirty="0" smtClean="0"/>
+              <a:rPr lang="en-US" dirty="0"/>
               <a:t> plugin</a:t>
             </a:r>
           </a:p>
@@ -13921,15 +13658,15 @@
               <a:buChar char="q"/>
             </a:pPr>
             <a:r>
-              <a:rPr lang="en-US" dirty="0" smtClean="0"/>
+              <a:rPr lang="en-US" dirty="0"/>
               <a:t>Define expectations for the recipe to deliver the </a:t>
             </a:r>
             <a:r>
-              <a:rPr lang="en-US" dirty="0" err="1" smtClean="0"/>
+              <a:rPr lang="en-US" dirty="0" err="1"/>
               <a:t>Ohai</a:t>
             </a:r>
             <a:r>
-              <a:rPr lang="en-US" dirty="0" smtClean="0"/>
+              <a:rPr lang="en-US" dirty="0"/>
               <a:t> plugin</a:t>
             </a:r>
           </a:p>
@@ -13939,15 +13676,15 @@
               <a:buChar char="q"/>
             </a:pPr>
             <a:r>
-              <a:rPr lang="en-US" dirty="0" smtClean="0"/>
+              <a:rPr lang="en-US" dirty="0"/>
               <a:t>Create the recipe that delivers the </a:t>
             </a:r>
             <a:r>
-              <a:rPr lang="en-US" dirty="0" err="1" smtClean="0"/>
+              <a:rPr lang="en-US" dirty="0" err="1"/>
               <a:t>Ohai</a:t>
             </a:r>
             <a:r>
-              <a:rPr lang="en-US" dirty="0" smtClean="0"/>
+              <a:rPr lang="en-US" dirty="0"/>
               <a:t> plugin</a:t>
             </a:r>
           </a:p>
@@ -13957,7 +13694,7 @@
               <a:buChar char="q"/>
             </a:pPr>
             <a:r>
-              <a:rPr lang="en-US" dirty="0" smtClean="0"/>
+              <a:rPr lang="en-US" dirty="0"/>
               <a:t>Define an integration test</a:t>
             </a:r>
           </a:p>
@@ -13976,13 +13713,6 @@
   <p:transition spd="med">
     <p:fade/>
   </p:transition>
-  <p:timing>
-    <p:tnLst>
-      <p:par>
-        <p:cTn id="1" dur="indefinite" restart="never" nodeType="tmRoot"/>
-      </p:par>
-    </p:tnLst>
-  </p:timing>
 </p:sld>
 </file>
 
@@ -14005,45 +13735,12 @@
       </p:grpSpPr>
       <p:sp>
         <p:nvSpPr>
-          <p:cNvPr id="2" name="Title 1"/>
-          <p:cNvSpPr>
-            <a:spLocks noGrp="1"/>
-          </p:cNvSpPr>
-          <p:nvPr>
-            <p:ph type="ctrTitle"/>
-          </p:nvPr>
-        </p:nvSpPr>
-        <p:spPr/>
-        <p:txBody>
-          <a:bodyPr>
-            <a:normAutofit fontScale="90000"/>
-          </a:bodyPr>
-          <a:lstStyle/>
-          <a:p>
-            <a:r>
-              <a:rPr lang="en-US" dirty="0" smtClean="0"/>
-              <a:t>Creating an </a:t>
-            </a:r>
-            <a:r>
-              <a:rPr lang="en-US" dirty="0" err="1" smtClean="0"/>
-              <a:t>Ohai</a:t>
-            </a:r>
-            <a:r>
-              <a:rPr lang="en-US" dirty="0" smtClean="0"/>
-              <a:t> Plugin</a:t>
-            </a:r>
-            <a:endParaRPr lang="en-US" dirty="0"/>
-          </a:p>
-        </p:txBody>
-      </p:sp>
-      <p:sp>
-        <p:nvSpPr>
-          <p:cNvPr id="3" name="Content Placeholder 2"/>
-          <p:cNvSpPr>
-            <a:spLocks noGrp="1"/>
-          </p:cNvSpPr>
-          <p:nvPr>
-            <p:ph sz="quarter" idx="11"/>
+          <p:cNvPr id="2" name="Content Placeholder 1"/>
+          <p:cNvSpPr>
+            <a:spLocks noGrp="1"/>
+          </p:cNvSpPr>
+          <p:nvPr>
+            <p:ph sz="quarter" idx="10"/>
           </p:nvPr>
         </p:nvSpPr>
         <p:spPr/>
@@ -14052,21 +13749,124 @@
           <a:lstStyle/>
           <a:p>
             <a:r>
-              <a:rPr lang="en-US" dirty="0" smtClean="0"/>
-              <a:t>Being able to learn more about our nodes will make our reporting more powerful and benefit the recipes we write.</a:t>
-            </a:r>
-            <a:endParaRPr lang="en-US" dirty="0"/>
-          </a:p>
-        </p:txBody>
-      </p:sp>
-      <p:sp>
-        <p:nvSpPr>
-          <p:cNvPr id="4" name="Text Placeholder 3"/>
-          <p:cNvSpPr>
-            <a:spLocks noGrp="1"/>
-          </p:cNvSpPr>
-          <p:nvPr>
-            <p:ph type="body" sz="quarter" idx="10"/>
+              <a:rPr lang="en-US" sz="2400" b="1" dirty="0"/>
+              <a:t>Target:  ssh://kitchen@localhost:32769</a:t>
+            </a:r>
+          </a:p>
+          <a:p>
+            <a:endParaRPr lang="en-US" sz="2400" b="1" dirty="0"/>
+          </a:p>
+          <a:p>
+            <a:endParaRPr lang="en-US" sz="2400" b="1" dirty="0"/>
+          </a:p>
+          <a:p>
+            <a:r>
+              <a:rPr lang="en-US" sz="2400" b="1" dirty="0"/>
+              <a:t>  Command curl</a:t>
+            </a:r>
+          </a:p>
+          <a:p>
+            <a:r>
+              <a:rPr lang="en-US" sz="2400" b="1" dirty="0"/>
+              <a:t>     ✔  http://localhost </a:t>
+            </a:r>
+            <a:r>
+              <a:rPr lang="en-US" sz="2400" b="1" dirty="0" err="1"/>
+              <a:t>stdout</a:t>
+            </a:r>
+            <a:r>
+              <a:rPr lang="en-US" sz="2400" b="1" dirty="0"/>
+              <a:t> should match /Welcome users/</a:t>
+            </a:r>
+          </a:p>
+          <a:p>
+            <a:r>
+              <a:rPr lang="en-US" sz="2400" b="1" dirty="0"/>
+              <a:t>  Command curl</a:t>
+            </a:r>
+          </a:p>
+          <a:p>
+            <a:r>
+              <a:rPr lang="en-US" sz="2400" b="1" dirty="0"/>
+              <a:t>     ✔  http://localhost:8080 </a:t>
+            </a:r>
+            <a:r>
+              <a:rPr lang="en-US" sz="2400" b="1" dirty="0" err="1"/>
+              <a:t>stdout</a:t>
+            </a:r>
+            <a:r>
+              <a:rPr lang="en-US" sz="2400" b="1" dirty="0"/>
+              <a:t> should match /Welcome admins/</a:t>
+            </a:r>
+          </a:p>
+          <a:p>
+            <a:r>
+              <a:rPr lang="en-US" sz="2400" b="1" dirty="0"/>
+              <a:t>  Command </a:t>
+            </a:r>
+            <a:r>
+              <a:rPr lang="en-US" sz="2400" b="1" dirty="0" err="1"/>
+              <a:t>ohai</a:t>
+            </a:r>
+            <a:endParaRPr lang="en-US" sz="2400" b="1" dirty="0"/>
+          </a:p>
+          <a:p>
+            <a:r>
+              <a:rPr lang="en-US" sz="2400" b="1" dirty="0"/>
+              <a:t>     ✔  -d /</a:t>
+            </a:r>
+            <a:r>
+              <a:rPr lang="en-US" sz="2400" b="1" dirty="0" err="1"/>
+              <a:t>tmp</a:t>
+            </a:r>
+            <a:r>
+              <a:rPr lang="en-US" sz="2400" b="1" dirty="0"/>
+              <a:t>/kitchen/</a:t>
+            </a:r>
+            <a:r>
+              <a:rPr lang="en-US" sz="2400" b="1" dirty="0" err="1"/>
+              <a:t>ohai</a:t>
+            </a:r>
+            <a:r>
+              <a:rPr lang="en-US" sz="2400" b="1" dirty="0"/>
+              <a:t>/plugins apache </a:t>
+            </a:r>
+            <a:r>
+              <a:rPr lang="en-US" sz="2400" b="1" dirty="0" err="1"/>
+              <a:t>stdout</a:t>
+            </a:r>
+            <a:r>
+              <a:rPr lang="en-US" sz="2400" b="1" dirty="0"/>
+              <a:t> should match /</a:t>
+            </a:r>
+            <a:r>
+              <a:rPr lang="en-US" sz="2400" b="1" dirty="0" err="1"/>
+              <a:t>core_module</a:t>
+            </a:r>
+            <a:r>
+              <a:rPr lang="en-US" sz="2400" b="1" dirty="0"/>
+              <a:t>/</a:t>
+            </a:r>
+          </a:p>
+          <a:p>
+            <a:endParaRPr lang="en-US" sz="2400" b="1" dirty="0"/>
+          </a:p>
+          <a:p>
+            <a:r>
+              <a:rPr lang="en-US" sz="2400" b="1" dirty="0"/>
+              <a:t>Test Summary: 3 successful, 0 failures, 0 skipped</a:t>
+            </a:r>
+          </a:p>
+        </p:txBody>
+      </p:sp>
+      <p:sp>
+        <p:nvSpPr>
+          <p:cNvPr id="3" name="Text Placeholder 2"/>
+          <p:cNvSpPr>
+            <a:spLocks noGrp="1"/>
+          </p:cNvSpPr>
+          <p:nvPr>
+            <p:ph type="body" sz="quarter" idx="11"/>
           </p:nvPr>
         </p:nvSpPr>
         <p:spPr/>
@@ -14074,98 +13874,63 @@
           <a:bodyPr/>
           <a:lstStyle/>
           <a:p>
-            <a:pPr marL="342900" indent="-342900">
-              <a:buFont typeface="Wingdings" charset="2"/>
-              <a:buChar char="ü"/>
-            </a:pPr>
-            <a:r>
-              <a:rPr lang="en-US" dirty="0" smtClean="0"/>
-              <a:t>Define expectations for the </a:t>
-            </a:r>
-            <a:r>
-              <a:rPr lang="en-US" dirty="0" err="1" smtClean="0"/>
-              <a:t>Ohai</a:t>
-            </a:r>
-            <a:r>
-              <a:rPr lang="en-US" dirty="0" smtClean="0"/>
-              <a:t> plugin</a:t>
-            </a:r>
-          </a:p>
-          <a:p>
-            <a:pPr marL="342900" indent="-342900">
-              <a:buFont typeface="Wingdings" charset="2"/>
-              <a:buChar char="ü"/>
-            </a:pPr>
-            <a:r>
-              <a:rPr lang="en-US" dirty="0" smtClean="0"/>
-              <a:t>Create the </a:t>
-            </a:r>
-            <a:r>
-              <a:rPr lang="en-US" dirty="0" err="1" smtClean="0"/>
-              <a:t>Ohai</a:t>
-            </a:r>
-            <a:r>
-              <a:rPr lang="en-US" dirty="0" smtClean="0"/>
-              <a:t> plugin</a:t>
-            </a:r>
-          </a:p>
-          <a:p>
-            <a:pPr marL="342900" indent="-342900">
-              <a:buFont typeface="Wingdings" charset="2"/>
-              <a:buChar char="ü"/>
-            </a:pPr>
-            <a:r>
-              <a:rPr lang="en-US" dirty="0" smtClean="0"/>
-              <a:t>Define expectations for the recipe to deliver the </a:t>
-            </a:r>
-            <a:r>
-              <a:rPr lang="en-US" dirty="0" err="1" smtClean="0"/>
-              <a:t>Ohai</a:t>
-            </a:r>
-            <a:r>
-              <a:rPr lang="en-US" dirty="0" smtClean="0"/>
-              <a:t> plugin</a:t>
-            </a:r>
-          </a:p>
-          <a:p>
-            <a:pPr marL="342900" indent="-342900">
-              <a:buFont typeface="Wingdings" charset="2"/>
-              <a:buChar char="ü"/>
-            </a:pPr>
-            <a:r>
-              <a:rPr lang="en-US" dirty="0" smtClean="0"/>
-              <a:t>Create the recipe that delivers the </a:t>
-            </a:r>
-            <a:r>
-              <a:rPr lang="en-US" dirty="0" err="1" smtClean="0"/>
-              <a:t>Ohai</a:t>
-            </a:r>
-            <a:r>
-              <a:rPr lang="en-US" dirty="0" smtClean="0"/>
-              <a:t> plugin</a:t>
-            </a:r>
-          </a:p>
-          <a:p>
-            <a:pPr marL="342900" indent="-342900">
-              <a:buFont typeface="Wingdings" charset="2"/>
-              <a:buChar char="ü"/>
-            </a:pPr>
-            <a:r>
-              <a:rPr lang="en-US" dirty="0"/>
-              <a:t>Define an integration </a:t>
-            </a:r>
-            <a:r>
-              <a:rPr lang="en-US" dirty="0" smtClean="0"/>
-              <a:t>test</a:t>
-            </a:r>
+            <a:r>
+              <a:rPr lang="en-US" dirty="0"/>
+              <a:t>&gt; kitchen verify</a:t>
+            </a:r>
+          </a:p>
+        </p:txBody>
+      </p:sp>
+      <p:sp>
+        <p:nvSpPr>
+          <p:cNvPr id="4" name="Content Placeholder 3"/>
+          <p:cNvSpPr>
+            <a:spLocks noGrp="1"/>
+          </p:cNvSpPr>
+          <p:nvPr>
+            <p:ph sz="quarter" idx="12"/>
+          </p:nvPr>
+        </p:nvSpPr>
+        <p:spPr>
+          <a:xfrm>
+            <a:off x="1121104" y="5608099"/>
+            <a:ext cx="14420850" cy="969437"/>
+          </a:xfrm>
+        </p:spPr>
+        <p:txBody>
+          <a:bodyPr/>
+          <a:lstStyle/>
+          <a:p>
             <a:endParaRPr lang="en-US" dirty="0"/>
+          </a:p>
+        </p:txBody>
+      </p:sp>
+      <p:sp>
+        <p:nvSpPr>
+          <p:cNvPr id="5" name="Title 4"/>
+          <p:cNvSpPr>
+            <a:spLocks noGrp="1"/>
+          </p:cNvSpPr>
+          <p:nvPr>
+            <p:ph type="title"/>
+          </p:nvPr>
+        </p:nvSpPr>
+        <p:spPr/>
+        <p:txBody>
+          <a:bodyPr/>
+          <a:lstStyle/>
+          <a:p>
+            <a:r>
+              <a:rPr lang="en-US" dirty="0"/>
+              <a:t>Verifying the New Expectation</a:t>
+            </a:r>
           </a:p>
         </p:txBody>
       </p:sp>
     </p:spTree>
     <p:extLst>
       <p:ext uri="{BB962C8B-B14F-4D97-AF65-F5344CB8AC3E}">
-        <p14:creationId xmlns:p14="http://schemas.microsoft.com/office/powerpoint/2010/main" val="349100700"/>
+        <p14:creationId xmlns:p14="http://schemas.microsoft.com/office/powerpoint/2010/main" val="1011817208"/>
       </p:ext>
     </p:extLst>
   </p:cSld>
@@ -14175,13 +13940,6 @@
   <p:transition spd="med">
     <p:fade/>
   </p:transition>
-  <p:timing>
-    <p:tnLst>
-      <p:par>
-        <p:cTn id="1" dur="indefinite" restart="never" nodeType="tmRoot"/>
-      </p:par>
-    </p:tnLst>
-  </p:timing>
 </p:sld>
 </file>
 
@@ -14220,21 +13978,28 @@
           <a:lstStyle/>
           <a:p>
             <a:r>
-              <a:rPr lang="en-US" dirty="0" smtClean="0"/>
-              <a:t>Q&amp;A</a:t>
-            </a:r>
-            <a:endParaRPr lang="en-US" dirty="0"/>
-          </a:p>
-        </p:txBody>
-      </p:sp>
-      <p:sp>
-        <p:nvSpPr>
-          <p:cNvPr id="3" name="Subtitle 2"/>
-          <p:cNvSpPr>
-            <a:spLocks noGrp="1"/>
-          </p:cNvSpPr>
-          <p:nvPr>
-            <p:ph type="subTitle" idx="1"/>
+              <a:rPr lang="en-US" dirty="0"/>
+              <a:t>Creating an </a:t>
+            </a:r>
+            <a:r>
+              <a:rPr lang="en-US" dirty="0" err="1"/>
+              <a:t>Ohai</a:t>
+            </a:r>
+            <a:r>
+              <a:rPr lang="en-US" dirty="0"/>
+              <a:t> Plugin</a:t>
+            </a:r>
+          </a:p>
+        </p:txBody>
+      </p:sp>
+      <p:sp>
+        <p:nvSpPr>
+          <p:cNvPr id="3" name="Content Placeholder 2"/>
+          <p:cNvSpPr>
+            <a:spLocks noGrp="1"/>
+          </p:cNvSpPr>
+          <p:nvPr>
+            <p:ph sz="quarter" idx="11"/>
           </p:nvPr>
         </p:nvSpPr>
         <p:spPr/>
@@ -14243,10 +14008,186 @@
           <a:lstStyle/>
           <a:p>
             <a:r>
-              <a:rPr lang="en-US" dirty="0" smtClean="0"/>
+              <a:rPr lang="en-US" dirty="0"/>
+              <a:t>Being able to learn more about our nodes will make our reporting more powerful and benefit the recipes we write.</a:t>
+            </a:r>
+          </a:p>
+        </p:txBody>
+      </p:sp>
+      <p:sp>
+        <p:nvSpPr>
+          <p:cNvPr id="4" name="Text Placeholder 3"/>
+          <p:cNvSpPr>
+            <a:spLocks noGrp="1"/>
+          </p:cNvSpPr>
+          <p:nvPr>
+            <p:ph type="body" sz="quarter" idx="10"/>
+          </p:nvPr>
+        </p:nvSpPr>
+        <p:spPr/>
+        <p:txBody>
+          <a:bodyPr/>
+          <a:lstStyle/>
+          <a:p>
+            <a:pPr marL="342900" indent="-342900">
+              <a:buFont typeface="Wingdings" charset="2"/>
+              <a:buChar char="ü"/>
+            </a:pPr>
+            <a:r>
+              <a:rPr lang="en-US" dirty="0"/>
+              <a:t>Define expectations for the </a:t>
+            </a:r>
+            <a:r>
+              <a:rPr lang="en-US" dirty="0" err="1"/>
+              <a:t>Ohai</a:t>
+            </a:r>
+            <a:r>
+              <a:rPr lang="en-US" dirty="0"/>
+              <a:t> plugin</a:t>
+            </a:r>
+          </a:p>
+          <a:p>
+            <a:pPr marL="342900" indent="-342900">
+              <a:buFont typeface="Wingdings" charset="2"/>
+              <a:buChar char="ü"/>
+            </a:pPr>
+            <a:r>
+              <a:rPr lang="en-US" dirty="0"/>
+              <a:t>Create the </a:t>
+            </a:r>
+            <a:r>
+              <a:rPr lang="en-US" dirty="0" err="1"/>
+              <a:t>Ohai</a:t>
+            </a:r>
+            <a:r>
+              <a:rPr lang="en-US" dirty="0"/>
+              <a:t> plugin</a:t>
+            </a:r>
+          </a:p>
+          <a:p>
+            <a:pPr marL="342900" indent="-342900">
+              <a:buFont typeface="Wingdings" charset="2"/>
+              <a:buChar char="ü"/>
+            </a:pPr>
+            <a:r>
+              <a:rPr lang="en-US" dirty="0"/>
+              <a:t>Define expectations for the recipe to deliver the </a:t>
+            </a:r>
+            <a:r>
+              <a:rPr lang="en-US" dirty="0" err="1"/>
+              <a:t>Ohai</a:t>
+            </a:r>
+            <a:r>
+              <a:rPr lang="en-US" dirty="0"/>
+              <a:t> plugin</a:t>
+            </a:r>
+          </a:p>
+          <a:p>
+            <a:pPr marL="342900" indent="-342900">
+              <a:buFont typeface="Wingdings" charset="2"/>
+              <a:buChar char="ü"/>
+            </a:pPr>
+            <a:r>
+              <a:rPr lang="en-US" dirty="0"/>
+              <a:t>Create the recipe that delivers the </a:t>
+            </a:r>
+            <a:r>
+              <a:rPr lang="en-US" dirty="0" err="1"/>
+              <a:t>Ohai</a:t>
+            </a:r>
+            <a:r>
+              <a:rPr lang="en-US" dirty="0"/>
+              <a:t> plugin</a:t>
+            </a:r>
+          </a:p>
+          <a:p>
+            <a:pPr marL="342900" indent="-342900">
+              <a:buFont typeface="Wingdings" charset="2"/>
+              <a:buChar char="ü"/>
+            </a:pPr>
+            <a:r>
+              <a:rPr lang="en-US" dirty="0"/>
+              <a:t>Define an integration test</a:t>
+            </a:r>
+          </a:p>
+        </p:txBody>
+      </p:sp>
+    </p:spTree>
+    <p:extLst>
+      <p:ext uri="{BB962C8B-B14F-4D97-AF65-F5344CB8AC3E}">
+        <p14:creationId xmlns:p14="http://schemas.microsoft.com/office/powerpoint/2010/main" val="349100700"/>
+      </p:ext>
+    </p:extLst>
+  </p:cSld>
+  <p:clrMapOvr>
+    <a:masterClrMapping/>
+  </p:clrMapOvr>
+  <p:transition spd="med">
+    <p:fade/>
+  </p:transition>
+</p:sld>
+</file>
+
+<file path=ppt/slides/slide32.xml><?xml version="1.0" encoding="utf-8"?>
+<p:sld xmlns:a="http://schemas.openxmlformats.org/drawingml/2006/main" xmlns:r="http://schemas.openxmlformats.org/officeDocument/2006/relationships" xmlns:p="http://schemas.openxmlformats.org/presentationml/2006/main">
+  <p:cSld>
+    <p:spTree>
+      <p:nvGrpSpPr>
+        <p:cNvPr id="1" name=""/>
+        <p:cNvGrpSpPr/>
+        <p:nvPr/>
+      </p:nvGrpSpPr>
+      <p:grpSpPr>
+        <a:xfrm>
+          <a:off x="0" y="0"/>
+          <a:ext cx="0" cy="0"/>
+          <a:chOff x="0" y="0"/>
+          <a:chExt cx="0" cy="0"/>
+        </a:xfrm>
+      </p:grpSpPr>
+      <p:sp>
+        <p:nvSpPr>
+          <p:cNvPr id="2" name="Title 1"/>
+          <p:cNvSpPr>
+            <a:spLocks noGrp="1"/>
+          </p:cNvSpPr>
+          <p:nvPr>
+            <p:ph type="ctrTitle"/>
+          </p:nvPr>
+        </p:nvSpPr>
+        <p:spPr/>
+        <p:txBody>
+          <a:bodyPr>
+            <a:normAutofit fontScale="90000"/>
+          </a:bodyPr>
+          <a:lstStyle/>
+          <a:p>
+            <a:r>
+              <a:rPr lang="en-US" dirty="0"/>
+              <a:t>Q&amp;A</a:t>
+            </a:r>
+          </a:p>
+        </p:txBody>
+      </p:sp>
+      <p:sp>
+        <p:nvSpPr>
+          <p:cNvPr id="3" name="Subtitle 2"/>
+          <p:cNvSpPr>
+            <a:spLocks noGrp="1"/>
+          </p:cNvSpPr>
+          <p:nvPr>
+            <p:ph type="subTitle" idx="1"/>
+          </p:nvPr>
+        </p:nvSpPr>
+        <p:spPr/>
+        <p:txBody>
+          <a:bodyPr/>
+          <a:lstStyle/>
+          <a:p>
+            <a:r>
+              <a:rPr lang="en-US" dirty="0"/>
               <a:t>What questions can we answer for you?</a:t>
             </a:r>
-            <a:endParaRPr lang="en-US" dirty="0"/>
           </a:p>
         </p:txBody>
       </p:sp>
@@ -14263,17 +14204,10 @@
   <p:transition spd="med">
     <p:fade/>
   </p:transition>
-  <p:timing>
-    <p:tnLst>
-      <p:par>
-        <p:cTn id="1" dur="indefinite" restart="never" nodeType="tmRoot"/>
-      </p:par>
-    </p:tnLst>
-  </p:timing>
 </p:sld>
 </file>
 
-<file path=ppt/slides/slide32.xml><?xml version="1.0" encoding="utf-8"?>
+<file path=ppt/slides/slide33.xml><?xml version="1.0" encoding="utf-8"?>
 <p:sld xmlns:a="http://schemas.openxmlformats.org/drawingml/2006/main" xmlns:r="http://schemas.openxmlformats.org/officeDocument/2006/relationships" xmlns:p="http://schemas.openxmlformats.org/presentationml/2006/main">
   <p:cSld>
     <p:spTree>
@@ -14303,13 +14237,6 @@
   <p:transition spd="med">
     <p:fade/>
   </p:transition>
-  <p:timing>
-    <p:tnLst>
-      <p:par>
-        <p:cTn id="1" dur="indefinite" restart="never" nodeType="tmRoot"/>
-      </p:par>
-    </p:tnLst>
-  </p:timing>
 </p:sld>
 </file>
 
@@ -14347,7 +14274,7 @@
           <a:p>
             <a:r>
               <a:rPr lang="en-US" b="1" dirty="0"/>
-              <a:t>Successfully installed chefspec-ohai-0.1.0</a:t>
+              <a:t>Successfully installed chefspec-ohai-0.1.1</a:t>
             </a:r>
           </a:p>
           <a:p>
@@ -14374,11 +14301,11 @@
           <a:lstStyle/>
           <a:p>
             <a:r>
-              <a:rPr lang="en-US" dirty="0" smtClean="0"/>
+              <a:rPr lang="en-US" dirty="0"/>
               <a:t>&gt; chef gem install </a:t>
             </a:r>
             <a:r>
-              <a:rPr lang="en-US" dirty="0" err="1" smtClean="0"/>
+              <a:rPr lang="en-US" dirty="0" err="1"/>
               <a:t>chefspec-ohai</a:t>
             </a:r>
             <a:endParaRPr lang="en-US" dirty="0"/>
@@ -14401,18 +14328,17 @@
           <a:lstStyle/>
           <a:p>
             <a:r>
-              <a:rPr lang="en-US" dirty="0" smtClean="0"/>
+              <a:rPr lang="en-US" dirty="0"/>
               <a:t>Installing the </a:t>
             </a:r>
             <a:r>
-              <a:rPr lang="en-US" dirty="0" err="1" smtClean="0"/>
+              <a:rPr lang="en-US" dirty="0" err="1"/>
               <a:t>chefspec-ohai</a:t>
             </a:r>
             <a:r>
-              <a:rPr lang="en-US" dirty="0" smtClean="0"/>
+              <a:rPr lang="en-US" dirty="0"/>
               <a:t> gem</a:t>
             </a:r>
-            <a:endParaRPr lang="en-US" dirty="0"/>
           </a:p>
         </p:txBody>
       </p:sp>
@@ -14429,13 +14355,6 @@
   <p:transition spd="med">
     <p:fade/>
   </p:transition>
-  <p:timing>
-    <p:tnLst>
-      <p:par>
-        <p:cTn id="1" dur="indefinite" restart="never" nodeType="tmRoot"/>
-      </p:par>
-    </p:tnLst>
-  </p:timing>
 </p:sld>
 </file>
 
@@ -14472,10 +14391,9 @@
           <a:lstStyle/>
           <a:p>
             <a:r>
-              <a:rPr lang="en-US" dirty="0" smtClean="0"/>
+              <a:rPr lang="en-US" dirty="0"/>
               <a:t>Adding the Gem to the Spec Helper</a:t>
             </a:r>
-            <a:endParaRPr lang="en-US" dirty="0"/>
           </a:p>
         </p:txBody>
       </p:sp>
@@ -14572,11 +14490,11 @@
           <a:lstStyle/>
           <a:p>
             <a:r>
-              <a:rPr lang="en-US" dirty="0" smtClean="0"/>
+              <a:rPr lang="en-US" dirty="0"/>
               <a:t>~/apache/spec/</a:t>
             </a:r>
             <a:r>
-              <a:rPr lang="en-US" dirty="0" err="1" smtClean="0"/>
+              <a:rPr lang="en-US" dirty="0" err="1"/>
               <a:t>spec_helper.rb</a:t>
             </a:r>
             <a:endParaRPr lang="en-US" dirty="0"/>
@@ -14620,13 +14538,6 @@
   <p:transition spd="med">
     <p:fade/>
   </p:transition>
-  <p:timing>
-    <p:tnLst>
-      <p:par>
-        <p:cTn id="1" dur="indefinite" restart="never" nodeType="tmRoot"/>
-      </p:par>
-    </p:tnLst>
-  </p:timing>
 </p:sld>
 </file>
 
@@ -14682,18 +14593,17 @@
           <a:lstStyle/>
           <a:p>
             <a:r>
-              <a:rPr lang="en-US" dirty="0" smtClean="0"/>
+              <a:rPr lang="en-US" dirty="0"/>
               <a:t>&gt; </a:t>
             </a:r>
             <a:r>
-              <a:rPr lang="en-US" dirty="0" err="1" smtClean="0"/>
+              <a:rPr lang="en-US" dirty="0" err="1"/>
               <a:t>mkdir</a:t>
             </a:r>
             <a:r>
-              <a:rPr lang="en-US" dirty="0" smtClean="0"/>
+              <a:rPr lang="en-US" dirty="0"/>
               <a:t> ~/apache/spec/unit/plugins</a:t>
             </a:r>
-            <a:endParaRPr lang="en-US" dirty="0"/>
           </a:p>
         </p:txBody>
       </p:sp>
@@ -14713,10 +14623,9 @@
           <a:lstStyle/>
           <a:p>
             <a:r>
-              <a:rPr lang="en-US" dirty="0" smtClean="0"/>
+              <a:rPr lang="en-US" dirty="0"/>
               <a:t>Creating a Directory for Plugins Tests</a:t>
             </a:r>
-            <a:endParaRPr lang="en-US" dirty="0"/>
           </a:p>
         </p:txBody>
       </p:sp>
@@ -14733,13 +14642,6 @@
   <p:transition spd="med">
     <p:fade/>
   </p:transition>
-  <p:timing>
-    <p:tnLst>
-      <p:par>
-        <p:cTn id="1" dur="indefinite" restart="never" nodeType="tmRoot"/>
-      </p:par>
-    </p:tnLst>
-  </p:timing>
 </p:sld>
 </file>
 
@@ -14776,10 +14678,9 @@
           <a:lstStyle/>
           <a:p>
             <a:r>
-              <a:rPr lang="en-US" dirty="0" smtClean="0"/>
+              <a:rPr lang="en-US" dirty="0"/>
               <a:t>Defining the First Expectation for Plugin</a:t>
             </a:r>
-            <a:endParaRPr lang="en-US" dirty="0"/>
           </a:p>
         </p:txBody>
       </p:sp>
@@ -14799,15 +14700,15 @@
           <a:lstStyle/>
           <a:p>
             <a:r>
-              <a:rPr lang="en-US" b="1" dirty="0" smtClean="0"/>
+              <a:rPr lang="en-US" b="1" dirty="0"/>
               <a:t>require '</a:t>
             </a:r>
             <a:r>
-              <a:rPr lang="en-US" b="1" dirty="0" err="1" smtClean="0"/>
+              <a:rPr lang="en-US" b="1" dirty="0" err="1"/>
               <a:t>spec_helper</a:t>
             </a:r>
             <a:r>
-              <a:rPr lang="en-US" b="1" dirty="0" smtClean="0"/>
+              <a:rPr lang="en-US" b="1" dirty="0"/>
               <a:t>'</a:t>
             </a:r>
           </a:p>
@@ -14816,33 +14717,33 @@
           </a:p>
           <a:p>
             <a:r>
-              <a:rPr lang="en-US" b="1" dirty="0" err="1" smtClean="0"/>
+              <a:rPr lang="en-US" b="1" dirty="0" err="1"/>
               <a:t>describe_ohai_plugin</a:t>
             </a:r>
             <a:r>
-              <a:rPr lang="en-US" b="1" dirty="0" smtClean="0"/>
+              <a:rPr lang="en-US" b="1" dirty="0"/>
               <a:t> :Apache do</a:t>
             </a:r>
           </a:p>
           <a:p>
             <a:r>
-              <a:rPr lang="en-US" b="1" dirty="0" smtClean="0"/>
+              <a:rPr lang="en-US" b="1" dirty="0"/>
               <a:t>  let(:</a:t>
             </a:r>
             <a:r>
-              <a:rPr lang="en-US" b="1" dirty="0" err="1" smtClean="0"/>
+              <a:rPr lang="en-US" b="1" dirty="0" err="1"/>
               <a:t>plugin_file</a:t>
             </a:r>
             <a:r>
-              <a:rPr lang="en-US" b="1" dirty="0" smtClean="0"/>
+              <a:rPr lang="en-US" b="1" dirty="0"/>
               <a:t>) { 'files/default/</a:t>
             </a:r>
             <a:r>
-              <a:rPr lang="en-US" b="1" dirty="0" err="1" smtClean="0"/>
+              <a:rPr lang="en-US" b="1" dirty="0" err="1"/>
               <a:t>apache_modules.rb</a:t>
             </a:r>
             <a:r>
-              <a:rPr lang="en-US" b="1" dirty="0" smtClean="0"/>
+              <a:rPr lang="en-US" b="1" dirty="0"/>
               <a:t>' }</a:t>
             </a:r>
           </a:p>
@@ -14851,37 +14752,35 @@
           </a:p>
           <a:p>
             <a:r>
-              <a:rPr lang="en-US" b="1" dirty="0" smtClean="0"/>
+              <a:rPr lang="en-US" b="1" dirty="0"/>
               <a:t>  it 'provides apache/modules' do</a:t>
             </a:r>
           </a:p>
           <a:p>
             <a:r>
-              <a:rPr lang="en-US" b="1" dirty="0" smtClean="0"/>
+              <a:rPr lang="en-US" b="1" dirty="0"/>
               <a:t>    expect(plugin).to </a:t>
             </a:r>
             <a:r>
-              <a:rPr lang="en-US" b="1" dirty="0" err="1" smtClean="0"/>
+              <a:rPr lang="en-US" b="1" dirty="0" err="1"/>
               <a:t>provides_attribute</a:t>
             </a:r>
             <a:r>
-              <a:rPr lang="en-US" b="1" dirty="0" smtClean="0"/>
+              <a:rPr lang="en-US" b="1" dirty="0"/>
               <a:t>('apache/modules')</a:t>
             </a:r>
-            <a:endParaRPr lang="en-US" b="1" dirty="0"/>
-          </a:p>
-          <a:p>
-            <a:r>
-              <a:rPr lang="en-US" b="1" dirty="0" smtClean="0"/>
+          </a:p>
+          <a:p>
+            <a:r>
+              <a:rPr lang="en-US" b="1" dirty="0"/>
               <a:t>  end</a:t>
             </a:r>
           </a:p>
           <a:p>
             <a:r>
-              <a:rPr lang="en-US" b="1" dirty="0" smtClean="0"/>
+              <a:rPr lang="en-US" b="1" dirty="0"/>
               <a:t>end</a:t>
             </a:r>
-            <a:endParaRPr lang="en-US" b="1" dirty="0"/>
           </a:p>
         </p:txBody>
       </p:sp>
@@ -14901,11 +14800,11 @@
           <a:lstStyle/>
           <a:p>
             <a:r>
-              <a:rPr lang="en-US" smtClean="0"/>
+              <a:rPr lang="en-US"/>
               <a:t>~/apache/spec/unit/plugins/</a:t>
             </a:r>
             <a:r>
-              <a:rPr lang="en-US" dirty="0" err="1" smtClean="0"/>
+              <a:rPr lang="en-US" dirty="0" err="1"/>
               <a:t>apache_modules_spec.rb</a:t>
             </a:r>
             <a:endParaRPr lang="en-US" dirty="0"/>
@@ -14925,13 +14824,6 @@
   <p:transition spd="med">
     <p:fade/>
   </p:transition>
-  <p:timing>
-    <p:tnLst>
-      <p:par>
-        <p:cTn id="1" dur="indefinite" restart="never" nodeType="tmRoot"/>
-      </p:par>
-    </p:tnLst>
-  </p:timing>
 </p:sld>
 </file>
 
@@ -15048,14 +14940,10 @@
             </a:r>
             <a:r>
               <a:rPr lang="en-US" b="1" dirty="0"/>
-              <a:t> - </a:t>
-            </a:r>
-            <a:r>
-              <a:rPr lang="en-US" b="1" dirty="0" smtClean="0"/>
-              <a:t>files/default/</a:t>
-            </a:r>
-            <a:r>
-              <a:rPr lang="en-US" b="1" dirty="0" err="1" smtClean="0"/>
+              <a:t> - files/default/</a:t>
+            </a:r>
+            <a:r>
+              <a:rPr lang="en-US" b="1" dirty="0" err="1"/>
               <a:t>apache_modules.rb</a:t>
             </a:r>
             <a:endParaRPr lang="en-US" b="1" dirty="0"/>
@@ -15078,11 +14966,11 @@
           <a:lstStyle/>
           <a:p>
             <a:r>
-              <a:rPr lang="en-US" dirty="0" smtClean="0"/>
+              <a:rPr lang="en-US" dirty="0"/>
               <a:t>&gt; chef exec </a:t>
             </a:r>
             <a:r>
-              <a:rPr lang="en-US" dirty="0" err="1" smtClean="0"/>
+              <a:rPr lang="en-US" dirty="0" err="1"/>
               <a:t>rspec</a:t>
             </a:r>
             <a:endParaRPr lang="en-US" dirty="0"/>
@@ -15129,10 +15017,9 @@
           <a:lstStyle/>
           <a:p>
             <a:r>
-              <a:rPr lang="en-US" dirty="0" smtClean="0"/>
+              <a:rPr lang="en-US" dirty="0"/>
               <a:t>Executing the Tests to See Failure</a:t>
             </a:r>
-            <a:endParaRPr lang="en-US" dirty="0"/>
           </a:p>
         </p:txBody>
       </p:sp>
@@ -15149,13 +15036,6 @@
   <p:transition spd="med">
     <p:fade/>
   </p:transition>
-  <p:timing>
-    <p:tnLst>
-      <p:par>
-        <p:cTn id="1" dur="indefinite" restart="never" nodeType="tmRoot"/>
-      </p:par>
-    </p:tnLst>
-  </p:timing>
 </p:sld>
 </file>
 
@@ -15194,18 +15074,17 @@
           <a:lstStyle/>
           <a:p>
             <a:r>
-              <a:rPr lang="en-US" dirty="0" smtClean="0"/>
+              <a:rPr lang="en-US" dirty="0"/>
               <a:t>Creating an </a:t>
             </a:r>
             <a:r>
-              <a:rPr lang="en-US" dirty="0" err="1" smtClean="0"/>
+              <a:rPr lang="en-US" dirty="0" err="1"/>
               <a:t>Ohai</a:t>
             </a:r>
             <a:r>
-              <a:rPr lang="en-US" dirty="0" smtClean="0"/>
+              <a:rPr lang="en-US" dirty="0"/>
               <a:t> Plugin</a:t>
             </a:r>
-            <a:endParaRPr lang="en-US" dirty="0"/>
           </a:p>
         </p:txBody>
       </p:sp>
@@ -15225,10 +15104,9 @@
           <a:lstStyle/>
           <a:p>
             <a:r>
-              <a:rPr lang="en-US" dirty="0" smtClean="0"/>
+              <a:rPr lang="en-US" dirty="0"/>
               <a:t>Being able to learn more about our nodes will make our reporting more powerful and benefit the recipes we write.</a:t>
             </a:r>
-            <a:endParaRPr lang="en-US" dirty="0"/>
           </a:p>
         </p:txBody>
       </p:sp>
@@ -15252,15 +15130,15 @@
               <a:buChar char="ü"/>
             </a:pPr>
             <a:r>
-              <a:rPr lang="en-US" dirty="0" smtClean="0"/>
+              <a:rPr lang="en-US" dirty="0"/>
               <a:t>Define expectations for the </a:t>
             </a:r>
             <a:r>
-              <a:rPr lang="en-US" dirty="0" err="1" smtClean="0"/>
+              <a:rPr lang="en-US" dirty="0" err="1"/>
               <a:t>Ohai</a:t>
             </a:r>
             <a:r>
-              <a:rPr lang="en-US" dirty="0" smtClean="0"/>
+              <a:rPr lang="en-US" dirty="0"/>
               <a:t> plugin</a:t>
             </a:r>
           </a:p>
@@ -15270,15 +15148,15 @@
               <a:buChar char="q"/>
             </a:pPr>
             <a:r>
-              <a:rPr lang="en-US" dirty="0" smtClean="0"/>
+              <a:rPr lang="en-US" dirty="0"/>
               <a:t>Create the </a:t>
             </a:r>
             <a:r>
-              <a:rPr lang="en-US" dirty="0" err="1" smtClean="0"/>
+              <a:rPr lang="en-US" dirty="0" err="1"/>
               <a:t>Ohai</a:t>
             </a:r>
             <a:r>
-              <a:rPr lang="en-US" dirty="0" smtClean="0"/>
+              <a:rPr lang="en-US" dirty="0"/>
               <a:t> plugin</a:t>
             </a:r>
           </a:p>
@@ -15288,15 +15166,15 @@
               <a:buChar char="q"/>
             </a:pPr>
             <a:r>
-              <a:rPr lang="en-US" dirty="0" smtClean="0"/>
+              <a:rPr lang="en-US" dirty="0"/>
               <a:t>Define expectations for the recipe to deliver the </a:t>
             </a:r>
             <a:r>
-              <a:rPr lang="en-US" dirty="0" err="1" smtClean="0"/>
+              <a:rPr lang="en-US" dirty="0" err="1"/>
               <a:t>Ohai</a:t>
             </a:r>
             <a:r>
-              <a:rPr lang="en-US" dirty="0" smtClean="0"/>
+              <a:rPr lang="en-US" dirty="0"/>
               <a:t> plugin</a:t>
             </a:r>
           </a:p>
@@ -15306,15 +15184,15 @@
               <a:buChar char="q"/>
             </a:pPr>
             <a:r>
-              <a:rPr lang="en-US" dirty="0" smtClean="0"/>
+              <a:rPr lang="en-US" dirty="0"/>
               <a:t>Create the recipe that delivers the </a:t>
             </a:r>
             <a:r>
-              <a:rPr lang="en-US" dirty="0" err="1" smtClean="0"/>
+              <a:rPr lang="en-US" dirty="0" err="1"/>
               <a:t>Ohai</a:t>
             </a:r>
             <a:r>
-              <a:rPr lang="en-US" dirty="0" smtClean="0"/>
+              <a:rPr lang="en-US" dirty="0"/>
               <a:t> plugin</a:t>
             </a:r>
           </a:p>
@@ -15325,13 +15203,8 @@
             </a:pPr>
             <a:r>
               <a:rPr lang="en-US" dirty="0"/>
-              <a:t>Define an integration </a:t>
-            </a:r>
-            <a:r>
-              <a:rPr lang="en-US" dirty="0" smtClean="0"/>
-              <a:t>test</a:t>
-            </a:r>
-            <a:endParaRPr lang="en-US" dirty="0"/>
+              <a:t>Define an integration test</a:t>
+            </a:r>
           </a:p>
         </p:txBody>
       </p:sp>
@@ -15348,13 +15221,6 @@
   <p:transition spd="med">
     <p:fade/>
   </p:transition>
-  <p:timing>
-    <p:tnLst>
-      <p:par>
-        <p:cTn id="1" dur="indefinite" restart="never" nodeType="tmRoot"/>
-      </p:par>
-    </p:tnLst>
-  </p:timing>
 </p:sld>
 </file>
 

--- a/15-creating_ohai_plugins.pptx
+++ b/15-creating_ohai_plugins.pptx
@@ -904,6 +904,2407 @@
 </p:notes>
 </file>
 
+<file path=ppt/notesSlides/notesSlide10.xml><?xml version="1.0" encoding="utf-8"?>
+<p:notes xmlns:a="http://schemas.openxmlformats.org/drawingml/2006/main" xmlns:r="http://schemas.openxmlformats.org/officeDocument/2006/relationships" xmlns:p="http://schemas.openxmlformats.org/presentationml/2006/main">
+  <p:cSld>
+    <p:spTree>
+      <p:nvGrpSpPr>
+        <p:cNvPr id="1" name=""/>
+        <p:cNvGrpSpPr/>
+        <p:nvPr/>
+      </p:nvGrpSpPr>
+      <p:grpSpPr>
+        <a:xfrm>
+          <a:off x="0" y="0"/>
+          <a:ext cx="0" cy="0"/>
+          <a:chOff x="0" y="0"/>
+          <a:chExt cx="0" cy="0"/>
+        </a:xfrm>
+      </p:grpSpPr>
+      <p:sp>
+        <p:nvSpPr>
+          <p:cNvPr id="2" name="Slide Image Placeholder 1"/>
+          <p:cNvSpPr>
+            <a:spLocks noGrp="1" noRot="1" noChangeAspect="1"/>
+          </p:cNvSpPr>
+          <p:nvPr>
+            <p:ph type="sldImg"/>
+          </p:nvPr>
+        </p:nvSpPr>
+        <p:spPr/>
+      </p:sp>
+      <p:sp>
+        <p:nvSpPr>
+          <p:cNvPr id="3" name="Notes Placeholder 2"/>
+          <p:cNvSpPr>
+            <a:spLocks noGrp="1"/>
+          </p:cNvSpPr>
+          <p:nvPr>
+            <p:ph type="body" idx="1"/>
+          </p:nvPr>
+        </p:nvSpPr>
+        <p:spPr/>
+        <p:txBody>
+          <a:bodyPr/>
+          <a:lstStyle/>
+          <a:p>
+            <a:pPr rtl="0"/>
+            <a:r>
+              <a:rPr lang="en-US" sz="1200" b="0" i="0" u="none" strike="noStrike" kern="1200" dirty="0">
+                <a:solidFill>
+                  <a:schemeClr val="tx1"/>
+                </a:solidFill>
+                <a:effectLst/>
+                <a:latin typeface="Arial" panose="020B0604020202020204" pitchFamily="34" charset="0"/>
+                <a:ea typeface="ＭＳ Ｐゴシック" charset="0"/>
+                <a:cs typeface="Arial" panose="020B0604020202020204" pitchFamily="34" charset="0"/>
+              </a:rPr>
+              <a:t>By adding this code here, the second part of our unit test will now pass.  We have an </a:t>
+            </a:r>
+            <a:r>
+              <a:rPr lang="en-US" sz="1200" b="0" i="0" u="none" strike="noStrike" kern="1200" dirty="0" err="1">
+                <a:solidFill>
+                  <a:schemeClr val="tx1"/>
+                </a:solidFill>
+                <a:effectLst/>
+                <a:latin typeface="Arial" panose="020B0604020202020204" pitchFamily="34" charset="0"/>
+                <a:ea typeface="ＭＳ Ｐゴシック" charset="0"/>
+                <a:cs typeface="Arial" panose="020B0604020202020204" pitchFamily="34" charset="0"/>
+              </a:rPr>
+              <a:t>ohai</a:t>
+            </a:r>
+            <a:r>
+              <a:rPr lang="en-US" sz="1200" b="0" i="0" u="none" strike="noStrike" kern="1200" dirty="0">
+                <a:solidFill>
+                  <a:schemeClr val="tx1"/>
+                </a:solidFill>
+                <a:effectLst/>
+                <a:latin typeface="Arial" panose="020B0604020202020204" pitchFamily="34" charset="0"/>
+                <a:ea typeface="ＭＳ Ｐゴシック" charset="0"/>
+                <a:cs typeface="Arial" panose="020B0604020202020204" pitchFamily="34" charset="0"/>
+              </a:rPr>
+              <a:t> plugin called Apache that provides the node attribute of apache/modules.  By defining this here, this should allow our unit tests to pass. Some things to pay attention to here, we are using the standard DSL associated with </a:t>
+            </a:r>
+            <a:r>
+              <a:rPr lang="en-US" sz="1200" b="0" i="0" u="none" strike="noStrike" kern="1200" dirty="0" err="1">
+                <a:solidFill>
+                  <a:schemeClr val="tx1"/>
+                </a:solidFill>
+                <a:effectLst/>
+                <a:latin typeface="Arial" panose="020B0604020202020204" pitchFamily="34" charset="0"/>
+                <a:ea typeface="ＭＳ Ｐゴシック" charset="0"/>
+                <a:cs typeface="Arial" panose="020B0604020202020204" pitchFamily="34" charset="0"/>
+              </a:rPr>
+              <a:t>Ohai</a:t>
+            </a:r>
+            <a:r>
+              <a:rPr lang="en-US" sz="1200" b="0" i="0" u="none" strike="noStrike" kern="1200" dirty="0">
+                <a:solidFill>
+                  <a:schemeClr val="tx1"/>
+                </a:solidFill>
+                <a:effectLst/>
+                <a:latin typeface="Arial" panose="020B0604020202020204" pitchFamily="34" charset="0"/>
+                <a:ea typeface="ＭＳ Ｐゴシック" charset="0"/>
+                <a:cs typeface="Arial" panose="020B0604020202020204" pitchFamily="34" charset="0"/>
+              </a:rPr>
+              <a:t> 7 and 8.   We name our plugin Apache, you must always make the first character of your plugin uppercase when naming your plugin and the name will be a ruby symbol. And then we define what node attribute we should be creating.  Once you have this all in place, you should have passing unit tests. </a:t>
+            </a:r>
+            <a:endParaRPr lang="en-US" b="0" dirty="0">
+              <a:effectLst/>
+            </a:endParaRPr>
+          </a:p>
+          <a:p>
+            <a:br>
+              <a:rPr lang="en-US" dirty="0"/>
+            </a:br>
+            <a:endParaRPr lang="en-US" dirty="0"/>
+          </a:p>
+        </p:txBody>
+      </p:sp>
+      <p:sp>
+        <p:nvSpPr>
+          <p:cNvPr id="4" name="Date Placeholder 3"/>
+          <p:cNvSpPr>
+            <a:spLocks noGrp="1"/>
+          </p:cNvSpPr>
+          <p:nvPr>
+            <p:ph type="dt" idx="10"/>
+          </p:nvPr>
+        </p:nvSpPr>
+        <p:spPr/>
+        <p:txBody>
+          <a:bodyPr/>
+          <a:lstStyle/>
+          <a:p>
+            <a:pPr>
+              <a:defRPr/>
+            </a:pPr>
+            <a:r>
+              <a:rPr lang="en-US"/>
+              <a:t>Chef Software, Inc.</a:t>
+            </a:r>
+            <a:endParaRPr lang="en-US" dirty="0"/>
+          </a:p>
+        </p:txBody>
+      </p:sp>
+      <p:sp>
+        <p:nvSpPr>
+          <p:cNvPr id="5" name="Header Placeholder 4"/>
+          <p:cNvSpPr>
+            <a:spLocks noGrp="1"/>
+          </p:cNvSpPr>
+          <p:nvPr>
+            <p:ph type="hdr" sz="quarter" idx="11"/>
+          </p:nvPr>
+        </p:nvSpPr>
+        <p:spPr/>
+        <p:txBody>
+          <a:bodyPr/>
+          <a:lstStyle/>
+          <a:p>
+            <a:pPr>
+              <a:defRPr/>
+            </a:pPr>
+            <a:r>
+              <a:rPr lang="en-US"/>
+              <a:t>Chef Intermediate</a:t>
+            </a:r>
+            <a:endParaRPr lang="en-US" dirty="0"/>
+          </a:p>
+        </p:txBody>
+      </p:sp>
+    </p:spTree>
+    <p:extLst>
+      <p:ext uri="{BB962C8B-B14F-4D97-AF65-F5344CB8AC3E}">
+        <p14:creationId xmlns:p14="http://schemas.microsoft.com/office/powerpoint/2010/main" val="1020683503"/>
+      </p:ext>
+    </p:extLst>
+  </p:cSld>
+  <p:clrMapOvr>
+    <a:masterClrMapping/>
+  </p:clrMapOvr>
+</p:notes>
+</file>
+
+<file path=ppt/notesSlides/notesSlide11.xml><?xml version="1.0" encoding="utf-8"?>
+<p:notes xmlns:a="http://schemas.openxmlformats.org/drawingml/2006/main" xmlns:r="http://schemas.openxmlformats.org/officeDocument/2006/relationships" xmlns:p="http://schemas.openxmlformats.org/presentationml/2006/main">
+  <p:cSld>
+    <p:spTree>
+      <p:nvGrpSpPr>
+        <p:cNvPr id="1" name=""/>
+        <p:cNvGrpSpPr/>
+        <p:nvPr/>
+      </p:nvGrpSpPr>
+      <p:grpSpPr>
+        <a:xfrm>
+          <a:off x="0" y="0"/>
+          <a:ext cx="0" cy="0"/>
+          <a:chOff x="0" y="0"/>
+          <a:chExt cx="0" cy="0"/>
+        </a:xfrm>
+      </p:grpSpPr>
+      <p:sp>
+        <p:nvSpPr>
+          <p:cNvPr id="2" name="Slide Image Placeholder 1"/>
+          <p:cNvSpPr>
+            <a:spLocks noGrp="1" noRot="1" noChangeAspect="1"/>
+          </p:cNvSpPr>
+          <p:nvPr>
+            <p:ph type="sldImg"/>
+          </p:nvPr>
+        </p:nvSpPr>
+        <p:spPr/>
+      </p:sp>
+      <p:sp>
+        <p:nvSpPr>
+          <p:cNvPr id="3" name="Notes Placeholder 2"/>
+          <p:cNvSpPr>
+            <a:spLocks noGrp="1"/>
+          </p:cNvSpPr>
+          <p:nvPr>
+            <p:ph type="body" idx="1"/>
+          </p:nvPr>
+        </p:nvSpPr>
+        <p:spPr/>
+        <p:txBody>
+          <a:bodyPr/>
+          <a:lstStyle/>
+          <a:p>
+            <a:pPr rtl="0"/>
+            <a:r>
+              <a:rPr lang="en-US" sz="1200" b="0" i="0" u="none" strike="noStrike" kern="1200" dirty="0">
+                <a:solidFill>
+                  <a:schemeClr val="tx1"/>
+                </a:solidFill>
+                <a:effectLst/>
+                <a:latin typeface="Arial" panose="020B0604020202020204" pitchFamily="34" charset="0"/>
+                <a:ea typeface="ＭＳ Ｐゴシック" charset="0"/>
+                <a:cs typeface="Arial" panose="020B0604020202020204" pitchFamily="34" charset="0"/>
+              </a:rPr>
+              <a:t>Now that we have added the file and the content to create the apache/modules node attribute we see that our unit tests pass.</a:t>
+            </a:r>
+            <a:endParaRPr lang="en-US" b="0" dirty="0">
+              <a:effectLst/>
+            </a:endParaRPr>
+          </a:p>
+          <a:p>
+            <a:br>
+              <a:rPr lang="en-US" dirty="0"/>
+            </a:br>
+            <a:endParaRPr lang="en-US" dirty="0"/>
+          </a:p>
+        </p:txBody>
+      </p:sp>
+      <p:sp>
+        <p:nvSpPr>
+          <p:cNvPr id="4" name="Date Placeholder 3"/>
+          <p:cNvSpPr>
+            <a:spLocks noGrp="1"/>
+          </p:cNvSpPr>
+          <p:nvPr>
+            <p:ph type="dt" idx="10"/>
+          </p:nvPr>
+        </p:nvSpPr>
+        <p:spPr/>
+        <p:txBody>
+          <a:bodyPr/>
+          <a:lstStyle/>
+          <a:p>
+            <a:pPr>
+              <a:defRPr/>
+            </a:pPr>
+            <a:r>
+              <a:rPr lang="en-US"/>
+              <a:t>Chef Software, Inc.</a:t>
+            </a:r>
+            <a:endParaRPr lang="en-US" dirty="0"/>
+          </a:p>
+        </p:txBody>
+      </p:sp>
+      <p:sp>
+        <p:nvSpPr>
+          <p:cNvPr id="5" name="Header Placeholder 4"/>
+          <p:cNvSpPr>
+            <a:spLocks noGrp="1"/>
+          </p:cNvSpPr>
+          <p:nvPr>
+            <p:ph type="hdr" sz="quarter" idx="11"/>
+          </p:nvPr>
+        </p:nvSpPr>
+        <p:spPr/>
+        <p:txBody>
+          <a:bodyPr/>
+          <a:lstStyle/>
+          <a:p>
+            <a:pPr>
+              <a:defRPr/>
+            </a:pPr>
+            <a:r>
+              <a:rPr lang="en-US"/>
+              <a:t>Chef Intermediate</a:t>
+            </a:r>
+            <a:endParaRPr lang="en-US" dirty="0"/>
+          </a:p>
+        </p:txBody>
+      </p:sp>
+    </p:spTree>
+    <p:extLst>
+      <p:ext uri="{BB962C8B-B14F-4D97-AF65-F5344CB8AC3E}">
+        <p14:creationId xmlns:p14="http://schemas.microsoft.com/office/powerpoint/2010/main" val="1920652195"/>
+      </p:ext>
+    </p:extLst>
+  </p:cSld>
+  <p:clrMapOvr>
+    <a:masterClrMapping/>
+  </p:clrMapOvr>
+</p:notes>
+</file>
+
+<file path=ppt/notesSlides/notesSlide12.xml><?xml version="1.0" encoding="utf-8"?>
+<p:notes xmlns:a="http://schemas.openxmlformats.org/drawingml/2006/main" xmlns:r="http://schemas.openxmlformats.org/officeDocument/2006/relationships" xmlns:p="http://schemas.openxmlformats.org/presentationml/2006/main">
+  <p:cSld>
+    <p:spTree>
+      <p:nvGrpSpPr>
+        <p:cNvPr id="1" name=""/>
+        <p:cNvGrpSpPr/>
+        <p:nvPr/>
+      </p:nvGrpSpPr>
+      <p:grpSpPr>
+        <a:xfrm>
+          <a:off x="0" y="0"/>
+          <a:ext cx="0" cy="0"/>
+          <a:chOff x="0" y="0"/>
+          <a:chExt cx="0" cy="0"/>
+        </a:xfrm>
+      </p:grpSpPr>
+      <p:sp>
+        <p:nvSpPr>
+          <p:cNvPr id="2" name="Slide Image Placeholder 1"/>
+          <p:cNvSpPr>
+            <a:spLocks noGrp="1" noRot="1" noChangeAspect="1"/>
+          </p:cNvSpPr>
+          <p:nvPr>
+            <p:ph type="sldImg"/>
+          </p:nvPr>
+        </p:nvSpPr>
+        <p:spPr/>
+      </p:sp>
+      <p:sp>
+        <p:nvSpPr>
+          <p:cNvPr id="3" name="Notes Placeholder 2"/>
+          <p:cNvSpPr>
+            <a:spLocks noGrp="1"/>
+          </p:cNvSpPr>
+          <p:nvPr>
+            <p:ph type="body" idx="1"/>
+          </p:nvPr>
+        </p:nvSpPr>
+        <p:spPr/>
+        <p:txBody>
+          <a:bodyPr/>
+          <a:lstStyle/>
+          <a:p>
+            <a:pPr rtl="0"/>
+            <a:r>
+              <a:rPr lang="en-US" sz="1200" b="0" i="0" u="none" strike="noStrike" kern="1200" dirty="0">
+                <a:solidFill>
+                  <a:schemeClr val="tx1"/>
+                </a:solidFill>
+                <a:effectLst/>
+                <a:latin typeface="Arial" panose="020B0604020202020204" pitchFamily="34" charset="0"/>
+                <a:ea typeface="ＭＳ Ｐゴシック" charset="0"/>
+                <a:cs typeface="Arial" panose="020B0604020202020204" pitchFamily="34" charset="0"/>
+              </a:rPr>
+              <a:t>Now we’re in a position where we can write the test for what we expect the </a:t>
+            </a:r>
+            <a:r>
+              <a:rPr lang="en-US" sz="1200" b="0" i="0" u="none" strike="noStrike" kern="1200" dirty="0" err="1">
+                <a:solidFill>
+                  <a:schemeClr val="tx1"/>
+                </a:solidFill>
+                <a:effectLst/>
+                <a:latin typeface="Arial" panose="020B0604020202020204" pitchFamily="34" charset="0"/>
+                <a:ea typeface="ＭＳ Ｐゴシック" charset="0"/>
+                <a:cs typeface="Arial" panose="020B0604020202020204" pitchFamily="34" charset="0"/>
+              </a:rPr>
+              <a:t>ohai</a:t>
+            </a:r>
+            <a:r>
+              <a:rPr lang="en-US" sz="1200" b="0" i="0" u="none" strike="noStrike" kern="1200" dirty="0">
+                <a:solidFill>
+                  <a:schemeClr val="tx1"/>
+                </a:solidFill>
+                <a:effectLst/>
+                <a:latin typeface="Arial" panose="020B0604020202020204" pitchFamily="34" charset="0"/>
+                <a:ea typeface="ＭＳ Ｐゴシック" charset="0"/>
+                <a:cs typeface="Arial" panose="020B0604020202020204" pitchFamily="34" charset="0"/>
+              </a:rPr>
+              <a:t> plugin to actually return to us.  What information do we expect it to actually gather. What this is doing is checking to see what we wrote for the </a:t>
+            </a:r>
+            <a:r>
+              <a:rPr lang="en-US" sz="1200" b="0" i="0" u="none" strike="noStrike" kern="1200" dirty="0" err="1">
+                <a:solidFill>
+                  <a:schemeClr val="tx1"/>
+                </a:solidFill>
+                <a:effectLst/>
+                <a:latin typeface="Arial" panose="020B0604020202020204" pitchFamily="34" charset="0"/>
+                <a:ea typeface="ＭＳ Ｐゴシック" charset="0"/>
+                <a:cs typeface="Arial" panose="020B0604020202020204" pitchFamily="34" charset="0"/>
+              </a:rPr>
+              <a:t>shell_out</a:t>
+            </a:r>
+            <a:r>
+              <a:rPr lang="en-US" sz="1200" b="0" i="0" u="none" strike="noStrike" kern="1200" dirty="0">
+                <a:solidFill>
+                  <a:schemeClr val="tx1"/>
+                </a:solidFill>
+                <a:effectLst/>
+                <a:latin typeface="Arial" panose="020B0604020202020204" pitchFamily="34" charset="0"/>
+                <a:ea typeface="ＭＳ Ｐゴシック" charset="0"/>
+                <a:cs typeface="Arial" panose="020B0604020202020204" pitchFamily="34" charset="0"/>
+              </a:rPr>
+              <a:t> command.  The </a:t>
+            </a:r>
+            <a:r>
+              <a:rPr lang="en-US" sz="1200" b="0" i="0" u="none" strike="noStrike" kern="1200" dirty="0" err="1">
+                <a:solidFill>
+                  <a:schemeClr val="tx1"/>
+                </a:solidFill>
+                <a:effectLst/>
+                <a:latin typeface="Arial" panose="020B0604020202020204" pitchFamily="34" charset="0"/>
+                <a:ea typeface="ＭＳ Ｐゴシック" charset="0"/>
+                <a:cs typeface="Arial" panose="020B0604020202020204" pitchFamily="34" charset="0"/>
+              </a:rPr>
+              <a:t>shell_out</a:t>
+            </a:r>
+            <a:r>
+              <a:rPr lang="en-US" sz="1200" b="0" i="0" u="none" strike="noStrike" kern="1200" dirty="0">
+                <a:solidFill>
+                  <a:schemeClr val="tx1"/>
+                </a:solidFill>
+                <a:effectLst/>
+                <a:latin typeface="Arial" panose="020B0604020202020204" pitchFamily="34" charset="0"/>
+                <a:ea typeface="ＭＳ Ｐゴシック" charset="0"/>
+                <a:cs typeface="Arial" panose="020B0604020202020204" pitchFamily="34" charset="0"/>
+              </a:rPr>
+              <a:t> command is where we place the command that we are going to execute when running </a:t>
+            </a:r>
+            <a:r>
+              <a:rPr lang="en-US" sz="1200" b="0" i="0" u="none" strike="noStrike" kern="1200" dirty="0" err="1">
+                <a:solidFill>
+                  <a:schemeClr val="tx1"/>
+                </a:solidFill>
+                <a:effectLst/>
+                <a:latin typeface="Arial" panose="020B0604020202020204" pitchFamily="34" charset="0"/>
+                <a:ea typeface="ＭＳ Ｐゴシック" charset="0"/>
+                <a:cs typeface="Arial" panose="020B0604020202020204" pitchFamily="34" charset="0"/>
+              </a:rPr>
+              <a:t>ohai</a:t>
+            </a:r>
+            <a:r>
+              <a:rPr lang="en-US" sz="1200" b="0" i="0" u="none" strike="noStrike" kern="1200" dirty="0">
+                <a:solidFill>
+                  <a:schemeClr val="tx1"/>
+                </a:solidFill>
+                <a:effectLst/>
+                <a:latin typeface="Arial" panose="020B0604020202020204" pitchFamily="34" charset="0"/>
+                <a:ea typeface="ＭＳ Ｐゴシック" charset="0"/>
+                <a:cs typeface="Arial" panose="020B0604020202020204" pitchFamily="34" charset="0"/>
+              </a:rPr>
+              <a:t> and gather the information provided from that command. That command in this case is going to be: ‘</a:t>
+            </a:r>
+            <a:r>
+              <a:rPr lang="en-US" sz="1200" b="0" i="0" u="none" strike="noStrike" kern="1200" dirty="0" err="1">
+                <a:solidFill>
+                  <a:schemeClr val="tx1"/>
+                </a:solidFill>
+                <a:effectLst/>
+                <a:latin typeface="Arial" panose="020B0604020202020204" pitchFamily="34" charset="0"/>
+                <a:ea typeface="ＭＳ Ｐゴシック" charset="0"/>
+                <a:cs typeface="Arial" panose="020B0604020202020204" pitchFamily="34" charset="0"/>
+              </a:rPr>
+              <a:t>apachectl</a:t>
+            </a:r>
+            <a:r>
+              <a:rPr lang="en-US" sz="1200" b="0" i="0" u="none" strike="noStrike" kern="1200" dirty="0">
+                <a:solidFill>
+                  <a:schemeClr val="tx1"/>
+                </a:solidFill>
+                <a:effectLst/>
+                <a:latin typeface="Arial" panose="020B0604020202020204" pitchFamily="34" charset="0"/>
+                <a:ea typeface="ＭＳ Ｐゴシック" charset="0"/>
+                <a:cs typeface="Arial" panose="020B0604020202020204" pitchFamily="34" charset="0"/>
+              </a:rPr>
+              <a:t> -t -D DUMP_MODULES’.  What this unit test is stating is that we expect that plugin to contain a </a:t>
+            </a:r>
+            <a:r>
+              <a:rPr lang="en-US" sz="1200" b="0" i="0" u="none" strike="noStrike" kern="1200" dirty="0" err="1">
+                <a:solidFill>
+                  <a:schemeClr val="tx1"/>
+                </a:solidFill>
+                <a:effectLst/>
+                <a:latin typeface="Arial" panose="020B0604020202020204" pitchFamily="34" charset="0"/>
+                <a:ea typeface="ＭＳ Ｐゴシック" charset="0"/>
+                <a:cs typeface="Arial" panose="020B0604020202020204" pitchFamily="34" charset="0"/>
+              </a:rPr>
+              <a:t>shell_out</a:t>
+            </a:r>
+            <a:r>
+              <a:rPr lang="en-US" sz="1200" b="0" i="0" u="none" strike="noStrike" kern="1200" dirty="0">
+                <a:solidFill>
+                  <a:schemeClr val="tx1"/>
+                </a:solidFill>
+                <a:effectLst/>
+                <a:latin typeface="Arial" panose="020B0604020202020204" pitchFamily="34" charset="0"/>
+                <a:ea typeface="ＭＳ Ｐゴシック" charset="0"/>
+                <a:cs typeface="Arial" panose="020B0604020202020204" pitchFamily="34" charset="0"/>
+              </a:rPr>
+              <a:t> method that calls this particular command. The test then stores the standard output of that command within this OUTPUT variable. We have another expectation that our plugin node attribute called apache/modules has that </a:t>
+            </a:r>
+            <a:r>
+              <a:rPr lang="en-US" sz="1200" b="0" i="0" u="none" strike="noStrike" kern="1200" dirty="0" err="1">
+                <a:solidFill>
+                  <a:schemeClr val="tx1"/>
+                </a:solidFill>
+                <a:effectLst/>
+                <a:latin typeface="Arial" panose="020B0604020202020204" pitchFamily="34" charset="0"/>
+                <a:ea typeface="ＭＳ Ｐゴシック" charset="0"/>
+                <a:cs typeface="Arial" panose="020B0604020202020204" pitchFamily="34" charset="0"/>
+              </a:rPr>
+              <a:t>shell_out</a:t>
+            </a:r>
+            <a:r>
+              <a:rPr lang="en-US" sz="1200" b="0" i="0" u="none" strike="noStrike" kern="1200" dirty="0">
+                <a:solidFill>
+                  <a:schemeClr val="tx1"/>
+                </a:solidFill>
+                <a:effectLst/>
+                <a:latin typeface="Arial" panose="020B0604020202020204" pitchFamily="34" charset="0"/>
+                <a:ea typeface="ＭＳ Ｐゴシック" charset="0"/>
+                <a:cs typeface="Arial" panose="020B0604020202020204" pitchFamily="34" charset="0"/>
+              </a:rPr>
+              <a:t> command assigned to the output.  </a:t>
+            </a:r>
+            <a:endParaRPr lang="en-US" b="0" dirty="0">
+              <a:effectLst/>
+            </a:endParaRPr>
+          </a:p>
+          <a:p>
+            <a:br>
+              <a:rPr lang="en-US" dirty="0"/>
+            </a:br>
+            <a:endParaRPr lang="en-US" dirty="0"/>
+          </a:p>
+        </p:txBody>
+      </p:sp>
+      <p:sp>
+        <p:nvSpPr>
+          <p:cNvPr id="4" name="Date Placeholder 3"/>
+          <p:cNvSpPr>
+            <a:spLocks noGrp="1"/>
+          </p:cNvSpPr>
+          <p:nvPr>
+            <p:ph type="dt" idx="10"/>
+          </p:nvPr>
+        </p:nvSpPr>
+        <p:spPr/>
+        <p:txBody>
+          <a:bodyPr/>
+          <a:lstStyle/>
+          <a:p>
+            <a:pPr>
+              <a:defRPr/>
+            </a:pPr>
+            <a:r>
+              <a:rPr lang="en-US"/>
+              <a:t>Chef Software, Inc.</a:t>
+            </a:r>
+            <a:endParaRPr lang="en-US" dirty="0"/>
+          </a:p>
+        </p:txBody>
+      </p:sp>
+      <p:sp>
+        <p:nvSpPr>
+          <p:cNvPr id="5" name="Header Placeholder 4"/>
+          <p:cNvSpPr>
+            <a:spLocks noGrp="1"/>
+          </p:cNvSpPr>
+          <p:nvPr>
+            <p:ph type="hdr" sz="quarter" idx="11"/>
+          </p:nvPr>
+        </p:nvSpPr>
+        <p:spPr/>
+        <p:txBody>
+          <a:bodyPr/>
+          <a:lstStyle/>
+          <a:p>
+            <a:pPr>
+              <a:defRPr/>
+            </a:pPr>
+            <a:r>
+              <a:rPr lang="en-US"/>
+              <a:t>Chef Intermediate</a:t>
+            </a:r>
+            <a:endParaRPr lang="en-US" dirty="0"/>
+          </a:p>
+        </p:txBody>
+      </p:sp>
+    </p:spTree>
+    <p:extLst>
+      <p:ext uri="{BB962C8B-B14F-4D97-AF65-F5344CB8AC3E}">
+        <p14:creationId xmlns:p14="http://schemas.microsoft.com/office/powerpoint/2010/main" val="603173850"/>
+      </p:ext>
+    </p:extLst>
+  </p:cSld>
+  <p:clrMapOvr>
+    <a:masterClrMapping/>
+  </p:clrMapOvr>
+</p:notes>
+</file>
+
+<file path=ppt/notesSlides/notesSlide13.xml><?xml version="1.0" encoding="utf-8"?>
+<p:notes xmlns:a="http://schemas.openxmlformats.org/drawingml/2006/main" xmlns:r="http://schemas.openxmlformats.org/officeDocument/2006/relationships" xmlns:p="http://schemas.openxmlformats.org/presentationml/2006/main">
+  <p:cSld>
+    <p:spTree>
+      <p:nvGrpSpPr>
+        <p:cNvPr id="1" name=""/>
+        <p:cNvGrpSpPr/>
+        <p:nvPr/>
+      </p:nvGrpSpPr>
+      <p:grpSpPr>
+        <a:xfrm>
+          <a:off x="0" y="0"/>
+          <a:ext cx="0" cy="0"/>
+          <a:chOff x="0" y="0"/>
+          <a:chExt cx="0" cy="0"/>
+        </a:xfrm>
+      </p:grpSpPr>
+      <p:sp>
+        <p:nvSpPr>
+          <p:cNvPr id="2" name="Slide Image Placeholder 1"/>
+          <p:cNvSpPr>
+            <a:spLocks noGrp="1" noRot="1" noChangeAspect="1"/>
+          </p:cNvSpPr>
+          <p:nvPr>
+            <p:ph type="sldImg"/>
+          </p:nvPr>
+        </p:nvSpPr>
+        <p:spPr/>
+      </p:sp>
+      <p:sp>
+        <p:nvSpPr>
+          <p:cNvPr id="3" name="Notes Placeholder 2"/>
+          <p:cNvSpPr>
+            <a:spLocks noGrp="1"/>
+          </p:cNvSpPr>
+          <p:nvPr>
+            <p:ph type="body" idx="1"/>
+          </p:nvPr>
+        </p:nvSpPr>
+        <p:spPr/>
+        <p:txBody>
+          <a:bodyPr/>
+          <a:lstStyle/>
+          <a:p>
+            <a:pPr rtl="0"/>
+            <a:r>
+              <a:rPr lang="en-US" sz="1200" b="0" i="0" u="none" strike="noStrike" kern="1200" dirty="0">
+                <a:solidFill>
+                  <a:schemeClr val="tx1"/>
+                </a:solidFill>
+                <a:effectLst/>
+                <a:latin typeface="Arial" panose="020B0604020202020204" pitchFamily="34" charset="0"/>
+                <a:ea typeface="ＭＳ Ｐゴシック" charset="0"/>
+                <a:cs typeface="Arial" panose="020B0604020202020204" pitchFamily="34" charset="0"/>
+              </a:rPr>
+              <a:t>We expect that we have a failure</a:t>
+            </a:r>
+            <a:endParaRPr lang="en-US" b="0" dirty="0">
+              <a:effectLst/>
+            </a:endParaRPr>
+          </a:p>
+          <a:p>
+            <a:br>
+              <a:rPr lang="en-US" dirty="0"/>
+            </a:br>
+            <a:endParaRPr lang="en-US" dirty="0"/>
+          </a:p>
+        </p:txBody>
+      </p:sp>
+      <p:sp>
+        <p:nvSpPr>
+          <p:cNvPr id="4" name="Date Placeholder 3"/>
+          <p:cNvSpPr>
+            <a:spLocks noGrp="1"/>
+          </p:cNvSpPr>
+          <p:nvPr>
+            <p:ph type="dt" idx="10"/>
+          </p:nvPr>
+        </p:nvSpPr>
+        <p:spPr/>
+        <p:txBody>
+          <a:bodyPr/>
+          <a:lstStyle/>
+          <a:p>
+            <a:pPr>
+              <a:defRPr/>
+            </a:pPr>
+            <a:r>
+              <a:rPr lang="en-US"/>
+              <a:t>Chef Software, Inc.</a:t>
+            </a:r>
+            <a:endParaRPr lang="en-US" dirty="0"/>
+          </a:p>
+        </p:txBody>
+      </p:sp>
+      <p:sp>
+        <p:nvSpPr>
+          <p:cNvPr id="5" name="Header Placeholder 4"/>
+          <p:cNvSpPr>
+            <a:spLocks noGrp="1"/>
+          </p:cNvSpPr>
+          <p:nvPr>
+            <p:ph type="hdr" sz="quarter" idx="11"/>
+          </p:nvPr>
+        </p:nvSpPr>
+        <p:spPr/>
+        <p:txBody>
+          <a:bodyPr/>
+          <a:lstStyle/>
+          <a:p>
+            <a:pPr>
+              <a:defRPr/>
+            </a:pPr>
+            <a:r>
+              <a:rPr lang="en-US"/>
+              <a:t>Chef Intermediate</a:t>
+            </a:r>
+            <a:endParaRPr lang="en-US" dirty="0"/>
+          </a:p>
+        </p:txBody>
+      </p:sp>
+    </p:spTree>
+    <p:extLst>
+      <p:ext uri="{BB962C8B-B14F-4D97-AF65-F5344CB8AC3E}">
+        <p14:creationId xmlns:p14="http://schemas.microsoft.com/office/powerpoint/2010/main" val="1170489474"/>
+      </p:ext>
+    </p:extLst>
+  </p:cSld>
+  <p:clrMapOvr>
+    <a:masterClrMapping/>
+  </p:clrMapOvr>
+</p:notes>
+</file>
+
+<file path=ppt/notesSlides/notesSlide14.xml><?xml version="1.0" encoding="utf-8"?>
+<p:notes xmlns:a="http://schemas.openxmlformats.org/drawingml/2006/main" xmlns:r="http://schemas.openxmlformats.org/officeDocument/2006/relationships" xmlns:p="http://schemas.openxmlformats.org/presentationml/2006/main">
+  <p:cSld>
+    <p:spTree>
+      <p:nvGrpSpPr>
+        <p:cNvPr id="1" name=""/>
+        <p:cNvGrpSpPr/>
+        <p:nvPr/>
+      </p:nvGrpSpPr>
+      <p:grpSpPr>
+        <a:xfrm>
+          <a:off x="0" y="0"/>
+          <a:ext cx="0" cy="0"/>
+          <a:chOff x="0" y="0"/>
+          <a:chExt cx="0" cy="0"/>
+        </a:xfrm>
+      </p:grpSpPr>
+      <p:sp>
+        <p:nvSpPr>
+          <p:cNvPr id="2" name="Slide Image Placeholder 1"/>
+          <p:cNvSpPr>
+            <a:spLocks noGrp="1" noRot="1" noChangeAspect="1"/>
+          </p:cNvSpPr>
+          <p:nvPr>
+            <p:ph type="sldImg"/>
+          </p:nvPr>
+        </p:nvSpPr>
+        <p:spPr/>
+      </p:sp>
+      <p:sp>
+        <p:nvSpPr>
+          <p:cNvPr id="3" name="Notes Placeholder 2"/>
+          <p:cNvSpPr>
+            <a:spLocks noGrp="1"/>
+          </p:cNvSpPr>
+          <p:nvPr>
+            <p:ph type="body" idx="1"/>
+          </p:nvPr>
+        </p:nvSpPr>
+        <p:spPr/>
+        <p:txBody>
+          <a:bodyPr/>
+          <a:lstStyle/>
+          <a:p>
+            <a:pPr rtl="0"/>
+            <a:r>
+              <a:rPr lang="en-US" sz="1200" b="0" i="0" u="none" strike="noStrike" kern="1200" dirty="0">
+                <a:solidFill>
+                  <a:schemeClr val="tx1"/>
+                </a:solidFill>
+                <a:effectLst/>
+                <a:latin typeface="Arial" panose="020B0604020202020204" pitchFamily="34" charset="0"/>
+                <a:ea typeface="ＭＳ Ｐゴシック" charset="0"/>
+                <a:cs typeface="Arial" panose="020B0604020202020204" pitchFamily="34" charset="0"/>
+              </a:rPr>
+              <a:t>At this point we are ready to define the work that this plugin is attempting to accomplish.  We open up a </a:t>
+            </a:r>
+            <a:r>
+              <a:rPr lang="en-US" sz="1200" b="0" i="0" u="none" strike="noStrike" kern="1200" dirty="0" err="1">
+                <a:solidFill>
+                  <a:schemeClr val="tx1"/>
+                </a:solidFill>
+                <a:effectLst/>
+                <a:latin typeface="Arial" panose="020B0604020202020204" pitchFamily="34" charset="0"/>
+                <a:ea typeface="ＭＳ Ｐゴシック" charset="0"/>
+                <a:cs typeface="Arial" panose="020B0604020202020204" pitchFamily="34" charset="0"/>
+              </a:rPr>
+              <a:t>collect_data</a:t>
+            </a:r>
+            <a:r>
+              <a:rPr lang="en-US" sz="1200" b="0" i="0" u="none" strike="noStrike" kern="1200" dirty="0">
+                <a:solidFill>
+                  <a:schemeClr val="tx1"/>
+                </a:solidFill>
+                <a:effectLst/>
+                <a:latin typeface="Arial" panose="020B0604020202020204" pitchFamily="34" charset="0"/>
+                <a:ea typeface="ＭＳ Ｐゴシック" charset="0"/>
+                <a:cs typeface="Arial" panose="020B0604020202020204" pitchFamily="34" charset="0"/>
+              </a:rPr>
+              <a:t> block and with the colon default we are stating that we want this command to be run on all platforms.  You can define as many </a:t>
+            </a:r>
+            <a:r>
+              <a:rPr lang="en-US" sz="1200" b="0" i="0" u="none" strike="noStrike" kern="1200" dirty="0" err="1">
+                <a:solidFill>
+                  <a:schemeClr val="tx1"/>
+                </a:solidFill>
+                <a:effectLst/>
+                <a:latin typeface="Arial" panose="020B0604020202020204" pitchFamily="34" charset="0"/>
+                <a:ea typeface="ＭＳ Ｐゴシック" charset="0"/>
+                <a:cs typeface="Arial" panose="020B0604020202020204" pitchFamily="34" charset="0"/>
+              </a:rPr>
+              <a:t>collect_data</a:t>
+            </a:r>
+            <a:r>
+              <a:rPr lang="en-US" sz="1200" b="0" i="0" u="none" strike="noStrike" kern="1200" dirty="0">
+                <a:solidFill>
+                  <a:schemeClr val="tx1"/>
+                </a:solidFill>
+                <a:effectLst/>
+                <a:latin typeface="Arial" panose="020B0604020202020204" pitchFamily="34" charset="0"/>
+                <a:ea typeface="ＭＳ Ｐゴシック" charset="0"/>
+                <a:cs typeface="Arial" panose="020B0604020202020204" pitchFamily="34" charset="0"/>
+              </a:rPr>
+              <a:t> sections as you desire and each may be specific to a different platform. So we are defining here what command should be run by default on all platforms.  This is a part of the </a:t>
+            </a:r>
+            <a:r>
+              <a:rPr lang="en-US" sz="1200" b="0" i="0" u="none" strike="noStrike" kern="1200" dirty="0" err="1">
+                <a:solidFill>
+                  <a:schemeClr val="tx1"/>
+                </a:solidFill>
+                <a:effectLst/>
+                <a:latin typeface="Arial" panose="020B0604020202020204" pitchFamily="34" charset="0"/>
+                <a:ea typeface="ＭＳ Ｐゴシック" charset="0"/>
+                <a:cs typeface="Arial" panose="020B0604020202020204" pitchFamily="34" charset="0"/>
+              </a:rPr>
+              <a:t>Ohai</a:t>
+            </a:r>
+            <a:r>
+              <a:rPr lang="en-US" sz="1200" b="0" i="0" u="none" strike="noStrike" kern="1200" dirty="0">
+                <a:solidFill>
+                  <a:schemeClr val="tx1"/>
+                </a:solidFill>
+                <a:effectLst/>
+                <a:latin typeface="Arial" panose="020B0604020202020204" pitchFamily="34" charset="0"/>
+                <a:ea typeface="ＭＳ Ｐゴシック" charset="0"/>
+                <a:cs typeface="Arial" panose="020B0604020202020204" pitchFamily="34" charset="0"/>
+              </a:rPr>
+              <a:t> plugin DSL, this is not pure ruby code but here we are creating a new mash called apache. We then create a local variable called </a:t>
+            </a:r>
+            <a:r>
+              <a:rPr lang="en-US" sz="1200" b="0" i="0" u="none" strike="noStrike" kern="1200" dirty="0" err="1">
+                <a:solidFill>
+                  <a:schemeClr val="tx1"/>
+                </a:solidFill>
+                <a:effectLst/>
+                <a:latin typeface="Arial" panose="020B0604020202020204" pitchFamily="34" charset="0"/>
+                <a:ea typeface="ＭＳ Ｐゴシック" charset="0"/>
+                <a:cs typeface="Arial" panose="020B0604020202020204" pitchFamily="34" charset="0"/>
+              </a:rPr>
+              <a:t>modules_cmd</a:t>
+            </a:r>
+            <a:r>
+              <a:rPr lang="en-US" sz="1200" b="0" i="0" u="none" strike="noStrike" kern="1200" dirty="0">
+                <a:solidFill>
+                  <a:schemeClr val="tx1"/>
+                </a:solidFill>
+                <a:effectLst/>
+                <a:latin typeface="Arial" panose="020B0604020202020204" pitchFamily="34" charset="0"/>
+                <a:ea typeface="ＭＳ Ｐゴシック" charset="0"/>
+                <a:cs typeface="Arial" panose="020B0604020202020204" pitchFamily="34" charset="0"/>
+              </a:rPr>
+              <a:t> and set it equal to the </a:t>
+            </a:r>
+            <a:r>
+              <a:rPr lang="en-US" sz="1200" b="0" i="0" u="none" strike="noStrike" kern="1200" dirty="0" err="1">
+                <a:solidFill>
+                  <a:schemeClr val="tx1"/>
+                </a:solidFill>
+                <a:effectLst/>
+                <a:latin typeface="Arial" panose="020B0604020202020204" pitchFamily="34" charset="0"/>
+                <a:ea typeface="ＭＳ Ｐゴシック" charset="0"/>
+                <a:cs typeface="Arial" panose="020B0604020202020204" pitchFamily="34" charset="0"/>
+              </a:rPr>
+              <a:t>shell_out</a:t>
+            </a:r>
+            <a:r>
+              <a:rPr lang="en-US" sz="1200" b="0" i="0" u="none" strike="noStrike" kern="1200" dirty="0">
+                <a:solidFill>
+                  <a:schemeClr val="tx1"/>
+                </a:solidFill>
+                <a:effectLst/>
+                <a:latin typeface="Arial" panose="020B0604020202020204" pitchFamily="34" charset="0"/>
+                <a:ea typeface="ＭＳ Ｐゴシック" charset="0"/>
+                <a:cs typeface="Arial" panose="020B0604020202020204" pitchFamily="34" charset="0"/>
+              </a:rPr>
+              <a:t> library and passing the command we see here.  This is what we are going to run to gather all the apache modules information, passing it into the </a:t>
+            </a:r>
+            <a:r>
+              <a:rPr lang="en-US" sz="1200" b="0" i="0" u="none" strike="noStrike" kern="1200" dirty="0" err="1">
+                <a:solidFill>
+                  <a:schemeClr val="tx1"/>
+                </a:solidFill>
+                <a:effectLst/>
+                <a:latin typeface="Arial" panose="020B0604020202020204" pitchFamily="34" charset="0"/>
+                <a:ea typeface="ＭＳ Ｐゴシック" charset="0"/>
+                <a:cs typeface="Arial" panose="020B0604020202020204" pitchFamily="34" charset="0"/>
+              </a:rPr>
+              <a:t>shell_out</a:t>
+            </a:r>
+            <a:r>
+              <a:rPr lang="en-US" sz="1200" b="0" i="0" u="none" strike="noStrike" kern="1200" dirty="0">
+                <a:solidFill>
+                  <a:schemeClr val="tx1"/>
+                </a:solidFill>
+                <a:effectLst/>
+                <a:latin typeface="Arial" panose="020B0604020202020204" pitchFamily="34" charset="0"/>
+                <a:ea typeface="ＭＳ Ｐゴシック" charset="0"/>
+                <a:cs typeface="Arial" panose="020B0604020202020204" pitchFamily="34" charset="0"/>
+              </a:rPr>
+              <a:t> library, and assigning it equal to the </a:t>
+            </a:r>
+            <a:r>
+              <a:rPr lang="en-US" sz="1200" b="0" i="0" u="none" strike="noStrike" kern="1200" dirty="0" err="1">
+                <a:solidFill>
+                  <a:schemeClr val="tx1"/>
+                </a:solidFill>
+                <a:effectLst/>
+                <a:latin typeface="Arial" panose="020B0604020202020204" pitchFamily="34" charset="0"/>
+                <a:ea typeface="ＭＳ Ｐゴシック" charset="0"/>
+                <a:cs typeface="Arial" panose="020B0604020202020204" pitchFamily="34" charset="0"/>
+              </a:rPr>
+              <a:t>modules_cmd</a:t>
+            </a:r>
+            <a:r>
+              <a:rPr lang="en-US" sz="1200" b="0" i="0" u="none" strike="noStrike" kern="1200" dirty="0">
+                <a:solidFill>
+                  <a:schemeClr val="tx1"/>
+                </a:solidFill>
+                <a:effectLst/>
+                <a:latin typeface="Arial" panose="020B0604020202020204" pitchFamily="34" charset="0"/>
+                <a:ea typeface="ＭＳ Ｐゴシック" charset="0"/>
+                <a:cs typeface="Arial" panose="020B0604020202020204" pitchFamily="34" charset="0"/>
+              </a:rPr>
+              <a:t> local variable. We will then call for the standard output on that </a:t>
+            </a:r>
+            <a:r>
+              <a:rPr lang="en-US" sz="1200" b="0" i="0" u="none" strike="noStrike" kern="1200" dirty="0" err="1">
+                <a:solidFill>
+                  <a:schemeClr val="tx1"/>
+                </a:solidFill>
+                <a:effectLst/>
+                <a:latin typeface="Arial" panose="020B0604020202020204" pitchFamily="34" charset="0"/>
+                <a:ea typeface="ＭＳ Ｐゴシック" charset="0"/>
+                <a:cs typeface="Arial" panose="020B0604020202020204" pitchFamily="34" charset="0"/>
+              </a:rPr>
+              <a:t>shell_out</a:t>
+            </a:r>
+            <a:r>
+              <a:rPr lang="en-US" sz="1200" b="0" i="0" u="none" strike="noStrike" kern="1200" dirty="0">
+                <a:solidFill>
+                  <a:schemeClr val="tx1"/>
+                </a:solidFill>
+                <a:effectLst/>
+                <a:latin typeface="Arial" panose="020B0604020202020204" pitchFamily="34" charset="0"/>
+                <a:ea typeface="ＭＳ Ｐゴシック" charset="0"/>
+                <a:cs typeface="Arial" panose="020B0604020202020204" pitchFamily="34" charset="0"/>
+              </a:rPr>
+              <a:t> library and assigning it to our mash.  We add an additional key to the apache mash called modules. All this will add that output to the apache/modules attribute. </a:t>
+            </a:r>
+            <a:endParaRPr lang="en-US" b="0" dirty="0">
+              <a:effectLst/>
+            </a:endParaRPr>
+          </a:p>
+          <a:p>
+            <a:br>
+              <a:rPr lang="en-US" dirty="0"/>
+            </a:br>
+            <a:endParaRPr lang="en-US" dirty="0"/>
+          </a:p>
+        </p:txBody>
+      </p:sp>
+      <p:sp>
+        <p:nvSpPr>
+          <p:cNvPr id="4" name="Date Placeholder 3"/>
+          <p:cNvSpPr>
+            <a:spLocks noGrp="1"/>
+          </p:cNvSpPr>
+          <p:nvPr>
+            <p:ph type="dt" idx="10"/>
+          </p:nvPr>
+        </p:nvSpPr>
+        <p:spPr/>
+        <p:txBody>
+          <a:bodyPr/>
+          <a:lstStyle/>
+          <a:p>
+            <a:pPr>
+              <a:defRPr/>
+            </a:pPr>
+            <a:r>
+              <a:rPr lang="en-US"/>
+              <a:t>Chef Software, Inc.</a:t>
+            </a:r>
+            <a:endParaRPr lang="en-US" dirty="0"/>
+          </a:p>
+        </p:txBody>
+      </p:sp>
+      <p:sp>
+        <p:nvSpPr>
+          <p:cNvPr id="5" name="Header Placeholder 4"/>
+          <p:cNvSpPr>
+            <a:spLocks noGrp="1"/>
+          </p:cNvSpPr>
+          <p:nvPr>
+            <p:ph type="hdr" sz="quarter" idx="11"/>
+          </p:nvPr>
+        </p:nvSpPr>
+        <p:spPr/>
+        <p:txBody>
+          <a:bodyPr/>
+          <a:lstStyle/>
+          <a:p>
+            <a:pPr>
+              <a:defRPr/>
+            </a:pPr>
+            <a:r>
+              <a:rPr lang="en-US"/>
+              <a:t>Chef Intermediate</a:t>
+            </a:r>
+            <a:endParaRPr lang="en-US" dirty="0"/>
+          </a:p>
+        </p:txBody>
+      </p:sp>
+    </p:spTree>
+    <p:extLst>
+      <p:ext uri="{BB962C8B-B14F-4D97-AF65-F5344CB8AC3E}">
+        <p14:creationId xmlns:p14="http://schemas.microsoft.com/office/powerpoint/2010/main" val="3401484855"/>
+      </p:ext>
+    </p:extLst>
+  </p:cSld>
+  <p:clrMapOvr>
+    <a:masterClrMapping/>
+  </p:clrMapOvr>
+</p:notes>
+</file>
+
+<file path=ppt/notesSlides/notesSlide15.xml><?xml version="1.0" encoding="utf-8"?>
+<p:notes xmlns:a="http://schemas.openxmlformats.org/drawingml/2006/main" xmlns:r="http://schemas.openxmlformats.org/officeDocument/2006/relationships" xmlns:p="http://schemas.openxmlformats.org/presentationml/2006/main">
+  <p:cSld>
+    <p:spTree>
+      <p:nvGrpSpPr>
+        <p:cNvPr id="1" name=""/>
+        <p:cNvGrpSpPr/>
+        <p:nvPr/>
+      </p:nvGrpSpPr>
+      <p:grpSpPr>
+        <a:xfrm>
+          <a:off x="0" y="0"/>
+          <a:ext cx="0" cy="0"/>
+          <a:chOff x="0" y="0"/>
+          <a:chExt cx="0" cy="0"/>
+        </a:xfrm>
+      </p:grpSpPr>
+      <p:sp>
+        <p:nvSpPr>
+          <p:cNvPr id="2" name="Slide Image Placeholder 1"/>
+          <p:cNvSpPr>
+            <a:spLocks noGrp="1" noRot="1" noChangeAspect="1"/>
+          </p:cNvSpPr>
+          <p:nvPr>
+            <p:ph type="sldImg"/>
+          </p:nvPr>
+        </p:nvSpPr>
+        <p:spPr/>
+      </p:sp>
+      <p:sp>
+        <p:nvSpPr>
+          <p:cNvPr id="3" name="Notes Placeholder 2"/>
+          <p:cNvSpPr>
+            <a:spLocks noGrp="1"/>
+          </p:cNvSpPr>
+          <p:nvPr>
+            <p:ph type="body" idx="1"/>
+          </p:nvPr>
+        </p:nvSpPr>
+        <p:spPr/>
+        <p:txBody>
+          <a:bodyPr/>
+          <a:lstStyle/>
+          <a:p>
+            <a:pPr rtl="0"/>
+            <a:r>
+              <a:rPr lang="en-US" sz="1200" b="0" i="0" u="none" strike="noStrike" kern="1200" dirty="0">
+                <a:solidFill>
+                  <a:schemeClr val="tx1"/>
+                </a:solidFill>
+                <a:effectLst/>
+                <a:latin typeface="Arial" panose="020B0604020202020204" pitchFamily="34" charset="0"/>
+                <a:ea typeface="ＭＳ Ｐゴシック" charset="0"/>
+                <a:cs typeface="Arial" panose="020B0604020202020204" pitchFamily="34" charset="0"/>
+              </a:rPr>
+              <a:t>At this point we have completed our custom </a:t>
+            </a:r>
+            <a:r>
+              <a:rPr lang="en-US" sz="1200" b="0" i="0" u="none" strike="noStrike" kern="1200" dirty="0" err="1">
+                <a:solidFill>
+                  <a:schemeClr val="tx1"/>
+                </a:solidFill>
+                <a:effectLst/>
+                <a:latin typeface="Arial" panose="020B0604020202020204" pitchFamily="34" charset="0"/>
+                <a:ea typeface="ＭＳ Ｐゴシック" charset="0"/>
+                <a:cs typeface="Arial" panose="020B0604020202020204" pitchFamily="34" charset="0"/>
+              </a:rPr>
+              <a:t>ohai</a:t>
+            </a:r>
+            <a:r>
+              <a:rPr lang="en-US" sz="1200" b="0" i="0" u="none" strike="noStrike" kern="1200" dirty="0">
+                <a:solidFill>
+                  <a:schemeClr val="tx1"/>
+                </a:solidFill>
+                <a:effectLst/>
+                <a:latin typeface="Arial" panose="020B0604020202020204" pitchFamily="34" charset="0"/>
+                <a:ea typeface="ＭＳ Ｐゴシック" charset="0"/>
+                <a:cs typeface="Arial" panose="020B0604020202020204" pitchFamily="34" charset="0"/>
+              </a:rPr>
+              <a:t> plugin and our unit test should now pass.  </a:t>
+            </a:r>
+            <a:endParaRPr lang="en-US" b="0" dirty="0">
+              <a:effectLst/>
+            </a:endParaRPr>
+          </a:p>
+          <a:p>
+            <a:br>
+              <a:rPr lang="en-US" dirty="0"/>
+            </a:br>
+            <a:endParaRPr lang="en-US" dirty="0"/>
+          </a:p>
+        </p:txBody>
+      </p:sp>
+      <p:sp>
+        <p:nvSpPr>
+          <p:cNvPr id="4" name="Date Placeholder 3"/>
+          <p:cNvSpPr>
+            <a:spLocks noGrp="1"/>
+          </p:cNvSpPr>
+          <p:nvPr>
+            <p:ph type="dt" idx="10"/>
+          </p:nvPr>
+        </p:nvSpPr>
+        <p:spPr/>
+        <p:txBody>
+          <a:bodyPr/>
+          <a:lstStyle/>
+          <a:p>
+            <a:pPr>
+              <a:defRPr/>
+            </a:pPr>
+            <a:r>
+              <a:rPr lang="en-US"/>
+              <a:t>Chef Software, Inc.</a:t>
+            </a:r>
+            <a:endParaRPr lang="en-US" dirty="0"/>
+          </a:p>
+        </p:txBody>
+      </p:sp>
+      <p:sp>
+        <p:nvSpPr>
+          <p:cNvPr id="5" name="Header Placeholder 4"/>
+          <p:cNvSpPr>
+            <a:spLocks noGrp="1"/>
+          </p:cNvSpPr>
+          <p:nvPr>
+            <p:ph type="hdr" sz="quarter" idx="11"/>
+          </p:nvPr>
+        </p:nvSpPr>
+        <p:spPr/>
+        <p:txBody>
+          <a:bodyPr/>
+          <a:lstStyle/>
+          <a:p>
+            <a:pPr>
+              <a:defRPr/>
+            </a:pPr>
+            <a:r>
+              <a:rPr lang="en-US"/>
+              <a:t>Chef Intermediate</a:t>
+            </a:r>
+            <a:endParaRPr lang="en-US" dirty="0"/>
+          </a:p>
+        </p:txBody>
+      </p:sp>
+    </p:spTree>
+    <p:extLst>
+      <p:ext uri="{BB962C8B-B14F-4D97-AF65-F5344CB8AC3E}">
+        <p14:creationId xmlns:p14="http://schemas.microsoft.com/office/powerpoint/2010/main" val="406744302"/>
+      </p:ext>
+    </p:extLst>
+  </p:cSld>
+  <p:clrMapOvr>
+    <a:masterClrMapping/>
+  </p:clrMapOvr>
+</p:notes>
+</file>
+
+<file path=ppt/notesSlides/notesSlide16.xml><?xml version="1.0" encoding="utf-8"?>
+<p:notes xmlns:a="http://schemas.openxmlformats.org/drawingml/2006/main" xmlns:r="http://schemas.openxmlformats.org/officeDocument/2006/relationships" xmlns:p="http://schemas.openxmlformats.org/presentationml/2006/main">
+  <p:cSld>
+    <p:spTree>
+      <p:nvGrpSpPr>
+        <p:cNvPr id="1" name=""/>
+        <p:cNvGrpSpPr/>
+        <p:nvPr/>
+      </p:nvGrpSpPr>
+      <p:grpSpPr>
+        <a:xfrm>
+          <a:off x="0" y="0"/>
+          <a:ext cx="0" cy="0"/>
+          <a:chOff x="0" y="0"/>
+          <a:chExt cx="0" cy="0"/>
+        </a:xfrm>
+      </p:grpSpPr>
+      <p:sp>
+        <p:nvSpPr>
+          <p:cNvPr id="2" name="Slide Image Placeholder 1"/>
+          <p:cNvSpPr>
+            <a:spLocks noGrp="1" noRot="1" noChangeAspect="1"/>
+          </p:cNvSpPr>
+          <p:nvPr>
+            <p:ph type="sldImg"/>
+          </p:nvPr>
+        </p:nvSpPr>
+        <p:spPr/>
+      </p:sp>
+      <p:sp>
+        <p:nvSpPr>
+          <p:cNvPr id="3" name="Notes Placeholder 2"/>
+          <p:cNvSpPr>
+            <a:spLocks noGrp="1"/>
+          </p:cNvSpPr>
+          <p:nvPr>
+            <p:ph type="body" idx="1"/>
+          </p:nvPr>
+        </p:nvSpPr>
+        <p:spPr/>
+        <p:txBody>
+          <a:bodyPr/>
+          <a:lstStyle/>
+          <a:p>
+            <a:pPr rtl="0"/>
+            <a:r>
+              <a:rPr lang="en-US" sz="1200" b="0" i="0" u="none" strike="noStrike" kern="1200" dirty="0">
+                <a:solidFill>
+                  <a:schemeClr val="tx1"/>
+                </a:solidFill>
+                <a:effectLst/>
+                <a:latin typeface="Arial" panose="020B0604020202020204" pitchFamily="34" charset="0"/>
+                <a:ea typeface="ＭＳ Ｐゴシック" charset="0"/>
+                <a:cs typeface="Arial" panose="020B0604020202020204" pitchFamily="34" charset="0"/>
+              </a:rPr>
+              <a:t>We need to now install this plugin and move it into the test kitchen instance and we want to run it during the chef-client run as well. </a:t>
+            </a:r>
+            <a:endParaRPr lang="en-US" b="0" dirty="0">
+              <a:effectLst/>
+            </a:endParaRPr>
+          </a:p>
+          <a:p>
+            <a:br>
+              <a:rPr lang="en-US" b="0" dirty="0">
+                <a:effectLst/>
+              </a:rPr>
+            </a:br>
+            <a:endParaRPr lang="en-US" dirty="0"/>
+          </a:p>
+        </p:txBody>
+      </p:sp>
+      <p:sp>
+        <p:nvSpPr>
+          <p:cNvPr id="4" name="Date Placeholder 3"/>
+          <p:cNvSpPr>
+            <a:spLocks noGrp="1"/>
+          </p:cNvSpPr>
+          <p:nvPr>
+            <p:ph type="dt" idx="10"/>
+          </p:nvPr>
+        </p:nvSpPr>
+        <p:spPr/>
+        <p:txBody>
+          <a:bodyPr/>
+          <a:lstStyle/>
+          <a:p>
+            <a:pPr>
+              <a:defRPr/>
+            </a:pPr>
+            <a:r>
+              <a:rPr lang="en-US"/>
+              <a:t>Chef Software, Inc.</a:t>
+            </a:r>
+            <a:endParaRPr lang="en-US" dirty="0"/>
+          </a:p>
+        </p:txBody>
+      </p:sp>
+      <p:sp>
+        <p:nvSpPr>
+          <p:cNvPr id="5" name="Header Placeholder 4"/>
+          <p:cNvSpPr>
+            <a:spLocks noGrp="1"/>
+          </p:cNvSpPr>
+          <p:nvPr>
+            <p:ph type="hdr" sz="quarter" idx="11"/>
+          </p:nvPr>
+        </p:nvSpPr>
+        <p:spPr/>
+        <p:txBody>
+          <a:bodyPr/>
+          <a:lstStyle/>
+          <a:p>
+            <a:pPr>
+              <a:defRPr/>
+            </a:pPr>
+            <a:r>
+              <a:rPr lang="en-US"/>
+              <a:t>Chef Intermediate</a:t>
+            </a:r>
+            <a:endParaRPr lang="en-US" dirty="0"/>
+          </a:p>
+        </p:txBody>
+      </p:sp>
+    </p:spTree>
+    <p:extLst>
+      <p:ext uri="{BB962C8B-B14F-4D97-AF65-F5344CB8AC3E}">
+        <p14:creationId xmlns:p14="http://schemas.microsoft.com/office/powerpoint/2010/main" val="1046513897"/>
+      </p:ext>
+    </p:extLst>
+  </p:cSld>
+  <p:clrMapOvr>
+    <a:masterClrMapping/>
+  </p:clrMapOvr>
+</p:notes>
+</file>
+
+<file path=ppt/notesSlides/notesSlide17.xml><?xml version="1.0" encoding="utf-8"?>
+<p:notes xmlns:a="http://schemas.openxmlformats.org/drawingml/2006/main" xmlns:r="http://schemas.openxmlformats.org/officeDocument/2006/relationships" xmlns:p="http://schemas.openxmlformats.org/presentationml/2006/main">
+  <p:cSld>
+    <p:spTree>
+      <p:nvGrpSpPr>
+        <p:cNvPr id="1" name=""/>
+        <p:cNvGrpSpPr/>
+        <p:nvPr/>
+      </p:nvGrpSpPr>
+      <p:grpSpPr>
+        <a:xfrm>
+          <a:off x="0" y="0"/>
+          <a:ext cx="0" cy="0"/>
+          <a:chOff x="0" y="0"/>
+          <a:chExt cx="0" cy="0"/>
+        </a:xfrm>
+      </p:grpSpPr>
+      <p:sp>
+        <p:nvSpPr>
+          <p:cNvPr id="2" name="Slide Image Placeholder 1"/>
+          <p:cNvSpPr>
+            <a:spLocks noGrp="1" noRot="1" noChangeAspect="1"/>
+          </p:cNvSpPr>
+          <p:nvPr>
+            <p:ph type="sldImg"/>
+          </p:nvPr>
+        </p:nvSpPr>
+        <p:spPr/>
+      </p:sp>
+      <p:sp>
+        <p:nvSpPr>
+          <p:cNvPr id="3" name="Notes Placeholder 2"/>
+          <p:cNvSpPr>
+            <a:spLocks noGrp="1"/>
+          </p:cNvSpPr>
+          <p:nvPr>
+            <p:ph type="body" idx="1"/>
+          </p:nvPr>
+        </p:nvSpPr>
+        <p:spPr/>
+        <p:txBody>
+          <a:bodyPr/>
+          <a:lstStyle/>
+          <a:p>
+            <a:pPr rtl="0"/>
+            <a:r>
+              <a:rPr lang="en-US" sz="1200" b="0" i="0" u="none" strike="noStrike" kern="1200" dirty="0">
+                <a:solidFill>
+                  <a:schemeClr val="tx1"/>
+                </a:solidFill>
+                <a:effectLst/>
+                <a:latin typeface="Arial" panose="020B0604020202020204" pitchFamily="34" charset="0"/>
+                <a:ea typeface="ＭＳ Ｐゴシック" charset="0"/>
+                <a:cs typeface="Arial" panose="020B0604020202020204" pitchFamily="34" charset="0"/>
+              </a:rPr>
+              <a:t>To actually be able to install and run this plugin, we are going to use the ‘</a:t>
+            </a:r>
+            <a:r>
+              <a:rPr lang="en-US" sz="1200" b="0" i="0" u="none" strike="noStrike" kern="1200" dirty="0" err="1">
+                <a:solidFill>
+                  <a:schemeClr val="tx1"/>
+                </a:solidFill>
+                <a:effectLst/>
+                <a:latin typeface="Arial" panose="020B0604020202020204" pitchFamily="34" charset="0"/>
+                <a:ea typeface="ＭＳ Ｐゴシック" charset="0"/>
+                <a:cs typeface="Arial" panose="020B0604020202020204" pitchFamily="34" charset="0"/>
+              </a:rPr>
+              <a:t>ohai</a:t>
+            </a:r>
+            <a:r>
+              <a:rPr lang="en-US" sz="1200" b="0" i="0" u="none" strike="noStrike" kern="1200" dirty="0">
+                <a:solidFill>
+                  <a:schemeClr val="tx1"/>
+                </a:solidFill>
+                <a:effectLst/>
+                <a:latin typeface="Arial" panose="020B0604020202020204" pitchFamily="34" charset="0"/>
+                <a:ea typeface="ＭＳ Ｐゴシック" charset="0"/>
+                <a:cs typeface="Arial" panose="020B0604020202020204" pitchFamily="34" charset="0"/>
+              </a:rPr>
+              <a:t>’ cookbook to accomplish this.  The ‘</a:t>
+            </a:r>
+            <a:r>
+              <a:rPr lang="en-US" sz="1200" b="0" i="0" u="none" strike="noStrike" kern="1200" dirty="0" err="1">
+                <a:solidFill>
+                  <a:schemeClr val="tx1"/>
+                </a:solidFill>
+                <a:effectLst/>
+                <a:latin typeface="Arial" panose="020B0604020202020204" pitchFamily="34" charset="0"/>
+                <a:ea typeface="ＭＳ Ｐゴシック" charset="0"/>
+                <a:cs typeface="Arial" panose="020B0604020202020204" pitchFamily="34" charset="0"/>
+              </a:rPr>
+              <a:t>ohai</a:t>
+            </a:r>
+            <a:r>
+              <a:rPr lang="en-US" sz="1200" b="0" i="0" u="none" strike="noStrike" kern="1200" dirty="0">
+                <a:solidFill>
+                  <a:schemeClr val="tx1"/>
+                </a:solidFill>
+                <a:effectLst/>
+                <a:latin typeface="Arial" panose="020B0604020202020204" pitchFamily="34" charset="0"/>
+                <a:ea typeface="ＭＳ Ｐゴシック" charset="0"/>
+                <a:cs typeface="Arial" panose="020B0604020202020204" pitchFamily="34" charset="0"/>
+              </a:rPr>
+              <a:t>’ cookbook is a community cookbook maintained by Chef and this ‘</a:t>
+            </a:r>
+            <a:r>
+              <a:rPr lang="en-US" sz="1200" b="0" i="0" u="none" strike="noStrike" kern="1200" dirty="0" err="1">
+                <a:solidFill>
+                  <a:schemeClr val="tx1"/>
+                </a:solidFill>
+                <a:effectLst/>
+                <a:latin typeface="Arial" panose="020B0604020202020204" pitchFamily="34" charset="0"/>
+                <a:ea typeface="ＭＳ Ｐゴシック" charset="0"/>
+                <a:cs typeface="Arial" panose="020B0604020202020204" pitchFamily="34" charset="0"/>
+              </a:rPr>
+              <a:t>ohai</a:t>
+            </a:r>
+            <a:r>
+              <a:rPr lang="en-US" sz="1200" b="0" i="0" u="none" strike="noStrike" kern="1200" dirty="0">
+                <a:solidFill>
+                  <a:schemeClr val="tx1"/>
+                </a:solidFill>
+                <a:effectLst/>
+                <a:latin typeface="Arial" panose="020B0604020202020204" pitchFamily="34" charset="0"/>
+                <a:ea typeface="ＭＳ Ｐゴシック" charset="0"/>
+                <a:cs typeface="Arial" panose="020B0604020202020204" pitchFamily="34" charset="0"/>
+              </a:rPr>
+              <a:t>’ cookbook is specifically designed to help you write </a:t>
+            </a:r>
+            <a:r>
+              <a:rPr lang="en-US" sz="1200" b="0" i="0" u="none" strike="noStrike" kern="1200" dirty="0" err="1">
+                <a:solidFill>
+                  <a:schemeClr val="tx1"/>
+                </a:solidFill>
+                <a:effectLst/>
+                <a:latin typeface="Arial" panose="020B0604020202020204" pitchFamily="34" charset="0"/>
+                <a:ea typeface="ＭＳ Ｐゴシック" charset="0"/>
+                <a:cs typeface="Arial" panose="020B0604020202020204" pitchFamily="34" charset="0"/>
+              </a:rPr>
+              <a:t>ohai</a:t>
+            </a:r>
+            <a:r>
+              <a:rPr lang="en-US" sz="1200" b="0" i="0" u="none" strike="noStrike" kern="1200" dirty="0">
+                <a:solidFill>
+                  <a:schemeClr val="tx1"/>
+                </a:solidFill>
+                <a:effectLst/>
+                <a:latin typeface="Arial" panose="020B0604020202020204" pitchFamily="34" charset="0"/>
+                <a:ea typeface="ＭＳ Ｐゴシック" charset="0"/>
+                <a:cs typeface="Arial" panose="020B0604020202020204" pitchFamily="34" charset="0"/>
+              </a:rPr>
+              <a:t> plugins.  This cookbook itself is going to provide a number of custom resources. The custom resource that we are interested in is the ‘</a:t>
+            </a:r>
+            <a:r>
+              <a:rPr lang="en-US" sz="1200" b="0" i="0" u="none" strike="noStrike" kern="1200" dirty="0" err="1">
+                <a:solidFill>
+                  <a:schemeClr val="tx1"/>
+                </a:solidFill>
+                <a:effectLst/>
+                <a:latin typeface="Arial" panose="020B0604020202020204" pitchFamily="34" charset="0"/>
+                <a:ea typeface="ＭＳ Ｐゴシック" charset="0"/>
+                <a:cs typeface="Arial" panose="020B0604020202020204" pitchFamily="34" charset="0"/>
+              </a:rPr>
+              <a:t>ohai_plugin</a:t>
+            </a:r>
+            <a:r>
+              <a:rPr lang="en-US" sz="1200" b="0" i="0" u="none" strike="noStrike" kern="1200" dirty="0">
+                <a:solidFill>
+                  <a:schemeClr val="tx1"/>
+                </a:solidFill>
+                <a:effectLst/>
+                <a:latin typeface="Arial" panose="020B0604020202020204" pitchFamily="34" charset="0"/>
+                <a:ea typeface="ＭＳ Ｐゴシック" charset="0"/>
+                <a:cs typeface="Arial" panose="020B0604020202020204" pitchFamily="34" charset="0"/>
+              </a:rPr>
+              <a:t>’ resource, this is the resource that will call the action of create for our custom </a:t>
+            </a:r>
+            <a:r>
+              <a:rPr lang="en-US" sz="1200" b="0" i="0" u="none" strike="noStrike" kern="1200" dirty="0" err="1">
+                <a:solidFill>
+                  <a:schemeClr val="tx1"/>
+                </a:solidFill>
+                <a:effectLst/>
+                <a:latin typeface="Arial" panose="020B0604020202020204" pitchFamily="34" charset="0"/>
+                <a:ea typeface="ＭＳ Ｐゴシック" charset="0"/>
+                <a:cs typeface="Arial" panose="020B0604020202020204" pitchFamily="34" charset="0"/>
+              </a:rPr>
+              <a:t>ohai</a:t>
+            </a:r>
+            <a:r>
+              <a:rPr lang="en-US" sz="1200" b="0" i="0" u="none" strike="noStrike" kern="1200" dirty="0">
+                <a:solidFill>
+                  <a:schemeClr val="tx1"/>
+                </a:solidFill>
+                <a:effectLst/>
+                <a:latin typeface="Arial" panose="020B0604020202020204" pitchFamily="34" charset="0"/>
+                <a:ea typeface="ＭＳ Ｐゴシック" charset="0"/>
+                <a:cs typeface="Arial" panose="020B0604020202020204" pitchFamily="34" charset="0"/>
+              </a:rPr>
+              <a:t> plugin.  In addition to creating </a:t>
+            </a:r>
+            <a:r>
+              <a:rPr lang="en-US" sz="1200" b="0" i="0" u="none" strike="noStrike" kern="1200" dirty="0" err="1">
+                <a:solidFill>
+                  <a:schemeClr val="tx1"/>
+                </a:solidFill>
+                <a:effectLst/>
+                <a:latin typeface="Arial" panose="020B0604020202020204" pitchFamily="34" charset="0"/>
+                <a:ea typeface="ＭＳ Ｐゴシック" charset="0"/>
+                <a:cs typeface="Arial" panose="020B0604020202020204" pitchFamily="34" charset="0"/>
+              </a:rPr>
+              <a:t>ohai</a:t>
+            </a:r>
+            <a:r>
+              <a:rPr lang="en-US" sz="1200" b="0" i="0" u="none" strike="noStrike" kern="1200" dirty="0">
+                <a:solidFill>
+                  <a:schemeClr val="tx1"/>
+                </a:solidFill>
+                <a:effectLst/>
+                <a:latin typeface="Arial" panose="020B0604020202020204" pitchFamily="34" charset="0"/>
+                <a:ea typeface="ＭＳ Ｐゴシック" charset="0"/>
+                <a:cs typeface="Arial" panose="020B0604020202020204" pitchFamily="34" charset="0"/>
+              </a:rPr>
+              <a:t> plugins we can create what are known as </a:t>
+            </a:r>
+            <a:r>
+              <a:rPr lang="en-US" sz="1200" b="0" i="0" u="none" strike="noStrike" kern="1200" dirty="0" err="1">
+                <a:solidFill>
+                  <a:schemeClr val="tx1"/>
+                </a:solidFill>
+                <a:effectLst/>
+                <a:latin typeface="Arial" panose="020B0604020202020204" pitchFamily="34" charset="0"/>
+                <a:ea typeface="ＭＳ Ｐゴシック" charset="0"/>
+                <a:cs typeface="Arial" panose="020B0604020202020204" pitchFamily="34" charset="0"/>
+              </a:rPr>
+              <a:t>ohai</a:t>
+            </a:r>
+            <a:r>
+              <a:rPr lang="en-US" sz="1200" b="0" i="0" u="none" strike="noStrike" kern="1200" dirty="0">
+                <a:solidFill>
+                  <a:schemeClr val="tx1"/>
+                </a:solidFill>
+                <a:effectLst/>
+                <a:latin typeface="Arial" panose="020B0604020202020204" pitchFamily="34" charset="0"/>
+                <a:ea typeface="ＭＳ Ｐゴシック" charset="0"/>
+                <a:cs typeface="Arial" panose="020B0604020202020204" pitchFamily="34" charset="0"/>
+              </a:rPr>
+              <a:t> hints. Those are the two extensions that you can make to </a:t>
+            </a:r>
+            <a:r>
+              <a:rPr lang="en-US" sz="1200" b="0" i="0" u="none" strike="noStrike" kern="1200" dirty="0" err="1">
+                <a:solidFill>
+                  <a:schemeClr val="tx1"/>
+                </a:solidFill>
+                <a:effectLst/>
+                <a:latin typeface="Arial" panose="020B0604020202020204" pitchFamily="34" charset="0"/>
+                <a:ea typeface="ＭＳ Ｐゴシック" charset="0"/>
+                <a:cs typeface="Arial" panose="020B0604020202020204" pitchFamily="34" charset="0"/>
+              </a:rPr>
+              <a:t>ohai</a:t>
+            </a:r>
+            <a:r>
+              <a:rPr lang="en-US" sz="1200" b="0" i="0" u="none" strike="noStrike" kern="1200" dirty="0">
+                <a:solidFill>
+                  <a:schemeClr val="tx1"/>
+                </a:solidFill>
+                <a:effectLst/>
+                <a:latin typeface="Arial" panose="020B0604020202020204" pitchFamily="34" charset="0"/>
+                <a:ea typeface="ＭＳ Ｐゴシック" charset="0"/>
+                <a:cs typeface="Arial" panose="020B0604020202020204" pitchFamily="34" charset="0"/>
+              </a:rPr>
+              <a:t>. They are different in that </a:t>
+            </a:r>
+            <a:r>
+              <a:rPr lang="en-US" sz="1200" b="0" i="0" u="none" strike="noStrike" kern="1200" dirty="0" err="1">
+                <a:solidFill>
+                  <a:schemeClr val="tx1"/>
+                </a:solidFill>
+                <a:effectLst/>
+                <a:latin typeface="Arial" panose="020B0604020202020204" pitchFamily="34" charset="0"/>
+                <a:ea typeface="ＭＳ Ｐゴシック" charset="0"/>
+                <a:cs typeface="Arial" panose="020B0604020202020204" pitchFamily="34" charset="0"/>
+              </a:rPr>
+              <a:t>ohai</a:t>
+            </a:r>
+            <a:r>
+              <a:rPr lang="en-US" sz="1200" b="0" i="0" u="none" strike="noStrike" kern="1200" dirty="0">
+                <a:solidFill>
+                  <a:schemeClr val="tx1"/>
+                </a:solidFill>
+                <a:effectLst/>
+                <a:latin typeface="Arial" panose="020B0604020202020204" pitchFamily="34" charset="0"/>
+                <a:ea typeface="ＭＳ Ｐゴシック" charset="0"/>
+                <a:cs typeface="Arial" panose="020B0604020202020204" pitchFamily="34" charset="0"/>
+              </a:rPr>
+              <a:t> plugins are only added to the node object during the chef-client run.  What I mean is that by writing an </a:t>
+            </a:r>
+            <a:r>
+              <a:rPr lang="en-US" sz="1200" b="0" i="0" u="none" strike="noStrike" kern="1200" dirty="0" err="1">
+                <a:solidFill>
+                  <a:schemeClr val="tx1"/>
+                </a:solidFill>
+                <a:effectLst/>
+                <a:latin typeface="Arial" panose="020B0604020202020204" pitchFamily="34" charset="0"/>
+                <a:ea typeface="ＭＳ Ｐゴシック" charset="0"/>
+                <a:cs typeface="Arial" panose="020B0604020202020204" pitchFamily="34" charset="0"/>
+              </a:rPr>
+              <a:t>ohai</a:t>
+            </a:r>
+            <a:r>
+              <a:rPr lang="en-US" sz="1200" b="0" i="0" u="none" strike="noStrike" kern="1200" dirty="0">
+                <a:solidFill>
+                  <a:schemeClr val="tx1"/>
+                </a:solidFill>
+                <a:effectLst/>
+                <a:latin typeface="Arial" panose="020B0604020202020204" pitchFamily="34" charset="0"/>
+                <a:ea typeface="ＭＳ Ｐゴシック" charset="0"/>
+                <a:cs typeface="Arial" panose="020B0604020202020204" pitchFamily="34" charset="0"/>
+              </a:rPr>
+              <a:t> plugin, I am not going to just be able to go and execute ‘</a:t>
+            </a:r>
+            <a:r>
+              <a:rPr lang="en-US" sz="1200" b="0" i="0" u="none" strike="noStrike" kern="1200" dirty="0" err="1">
+                <a:solidFill>
+                  <a:schemeClr val="tx1"/>
+                </a:solidFill>
+                <a:effectLst/>
+                <a:latin typeface="Arial" panose="020B0604020202020204" pitchFamily="34" charset="0"/>
+                <a:ea typeface="ＭＳ Ｐゴシック" charset="0"/>
+                <a:cs typeface="Arial" panose="020B0604020202020204" pitchFamily="34" charset="0"/>
+              </a:rPr>
+              <a:t>ohai</a:t>
+            </a:r>
+            <a:r>
+              <a:rPr lang="en-US" sz="1200" b="0" i="0" u="none" strike="noStrike" kern="1200" dirty="0">
+                <a:solidFill>
+                  <a:schemeClr val="tx1"/>
+                </a:solidFill>
+                <a:effectLst/>
+                <a:latin typeface="Arial" panose="020B0604020202020204" pitchFamily="34" charset="0"/>
+                <a:ea typeface="ＭＳ Ｐゴシック" charset="0"/>
+                <a:cs typeface="Arial" panose="020B0604020202020204" pitchFamily="34" charset="0"/>
+              </a:rPr>
+              <a:t> apache/modules’. This is not going to work right after I write my </a:t>
+            </a:r>
+            <a:r>
+              <a:rPr lang="en-US" sz="1200" b="0" i="0" u="none" strike="noStrike" kern="1200" dirty="0" err="1">
+                <a:solidFill>
+                  <a:schemeClr val="tx1"/>
+                </a:solidFill>
+                <a:effectLst/>
+                <a:latin typeface="Arial" panose="020B0604020202020204" pitchFamily="34" charset="0"/>
+                <a:ea typeface="ＭＳ Ｐゴシック" charset="0"/>
+                <a:cs typeface="Arial" panose="020B0604020202020204" pitchFamily="34" charset="0"/>
+              </a:rPr>
+              <a:t>ohai</a:t>
+            </a:r>
+            <a:r>
+              <a:rPr lang="en-US" sz="1200" b="0" i="0" u="none" strike="noStrike" kern="1200" dirty="0">
+                <a:solidFill>
+                  <a:schemeClr val="tx1"/>
+                </a:solidFill>
+                <a:effectLst/>
+                <a:latin typeface="Arial" panose="020B0604020202020204" pitchFamily="34" charset="0"/>
+                <a:ea typeface="ＭＳ Ｐゴシック" charset="0"/>
+                <a:cs typeface="Arial" panose="020B0604020202020204" pitchFamily="34" charset="0"/>
+              </a:rPr>
+              <a:t> plugin. I am not adding something to </a:t>
+            </a:r>
+            <a:r>
+              <a:rPr lang="en-US" sz="1200" b="0" i="0" u="none" strike="noStrike" kern="1200" dirty="0" err="1">
+                <a:solidFill>
+                  <a:schemeClr val="tx1"/>
+                </a:solidFill>
+                <a:effectLst/>
+                <a:latin typeface="Arial" panose="020B0604020202020204" pitchFamily="34" charset="0"/>
+                <a:ea typeface="ＭＳ Ｐゴシック" charset="0"/>
+                <a:cs typeface="Arial" panose="020B0604020202020204" pitchFamily="34" charset="0"/>
+              </a:rPr>
+              <a:t>ohai</a:t>
+            </a:r>
+            <a:r>
+              <a:rPr lang="en-US" sz="1200" b="0" i="0" u="none" strike="noStrike" kern="1200" dirty="0">
+                <a:solidFill>
+                  <a:schemeClr val="tx1"/>
+                </a:solidFill>
+                <a:effectLst/>
+                <a:latin typeface="Arial" panose="020B0604020202020204" pitchFamily="34" charset="0"/>
+                <a:ea typeface="ＭＳ Ｐゴシック" charset="0"/>
+                <a:cs typeface="Arial" panose="020B0604020202020204" pitchFamily="34" charset="0"/>
+              </a:rPr>
+              <a:t> itself, however </a:t>
+            </a:r>
+            <a:r>
+              <a:rPr lang="en-US" sz="1200" b="0" i="0" u="none" strike="noStrike" kern="1200" dirty="0" err="1">
+                <a:solidFill>
+                  <a:schemeClr val="tx1"/>
+                </a:solidFill>
+                <a:effectLst/>
+                <a:latin typeface="Arial" panose="020B0604020202020204" pitchFamily="34" charset="0"/>
+                <a:ea typeface="ＭＳ Ｐゴシック" charset="0"/>
+                <a:cs typeface="Arial" panose="020B0604020202020204" pitchFamily="34" charset="0"/>
+              </a:rPr>
+              <a:t>ohai</a:t>
+            </a:r>
+            <a:r>
+              <a:rPr lang="en-US" sz="1200" b="0" i="0" u="none" strike="noStrike" kern="1200" dirty="0">
+                <a:solidFill>
+                  <a:schemeClr val="tx1"/>
+                </a:solidFill>
+                <a:effectLst/>
+                <a:latin typeface="Arial" panose="020B0604020202020204" pitchFamily="34" charset="0"/>
+                <a:ea typeface="ＭＳ Ｐゴシック" charset="0"/>
+                <a:cs typeface="Arial" panose="020B0604020202020204" pitchFamily="34" charset="0"/>
+              </a:rPr>
+              <a:t> hints are added to the </a:t>
+            </a:r>
+            <a:r>
+              <a:rPr lang="en-US" sz="1200" b="0" i="0" u="none" strike="noStrike" kern="1200" dirty="0" err="1">
+                <a:solidFill>
+                  <a:schemeClr val="tx1"/>
+                </a:solidFill>
+                <a:effectLst/>
+                <a:latin typeface="Arial" panose="020B0604020202020204" pitchFamily="34" charset="0"/>
+                <a:ea typeface="ＭＳ Ｐゴシック" charset="0"/>
+                <a:cs typeface="Arial" panose="020B0604020202020204" pitchFamily="34" charset="0"/>
+              </a:rPr>
+              <a:t>ohai</a:t>
+            </a:r>
+            <a:r>
+              <a:rPr lang="en-US" sz="1200" b="0" i="0" u="none" strike="noStrike" kern="1200" dirty="0">
+                <a:solidFill>
+                  <a:schemeClr val="tx1"/>
+                </a:solidFill>
+                <a:effectLst/>
+                <a:latin typeface="Arial" panose="020B0604020202020204" pitchFamily="34" charset="0"/>
+                <a:ea typeface="ＭＳ Ｐゴシック" charset="0"/>
+                <a:cs typeface="Arial" panose="020B0604020202020204" pitchFamily="34" charset="0"/>
+              </a:rPr>
+              <a:t> utility and run by the </a:t>
+            </a:r>
+            <a:r>
+              <a:rPr lang="en-US" sz="1200" b="0" i="0" u="none" strike="noStrike" kern="1200" dirty="0" err="1">
+                <a:solidFill>
+                  <a:schemeClr val="tx1"/>
+                </a:solidFill>
+                <a:effectLst/>
+                <a:latin typeface="Arial" panose="020B0604020202020204" pitchFamily="34" charset="0"/>
+                <a:ea typeface="ＭＳ Ｐゴシック" charset="0"/>
+                <a:cs typeface="Arial" panose="020B0604020202020204" pitchFamily="34" charset="0"/>
+              </a:rPr>
+              <a:t>ohai</a:t>
+            </a:r>
+            <a:r>
+              <a:rPr lang="en-US" sz="1200" b="0" i="0" u="none" strike="noStrike" kern="1200" dirty="0">
+                <a:solidFill>
+                  <a:schemeClr val="tx1"/>
+                </a:solidFill>
+                <a:effectLst/>
+                <a:latin typeface="Arial" panose="020B0604020202020204" pitchFamily="34" charset="0"/>
+                <a:ea typeface="ＭＳ Ｐゴシック" charset="0"/>
+                <a:cs typeface="Arial" panose="020B0604020202020204" pitchFamily="34" charset="0"/>
+              </a:rPr>
+              <a:t> utility.  Hints exist within the hints directory of an instance itself, which is usually found in the /</a:t>
+            </a:r>
+            <a:r>
+              <a:rPr lang="en-US" sz="1200" b="0" i="0" u="none" strike="noStrike" kern="1200" dirty="0" err="1">
+                <a:solidFill>
+                  <a:schemeClr val="tx1"/>
+                </a:solidFill>
+                <a:effectLst/>
+                <a:latin typeface="Arial" panose="020B0604020202020204" pitchFamily="34" charset="0"/>
+                <a:ea typeface="ＭＳ Ｐゴシック" charset="0"/>
+                <a:cs typeface="Arial" panose="020B0604020202020204" pitchFamily="34" charset="0"/>
+              </a:rPr>
+              <a:t>etc</a:t>
+            </a:r>
+            <a:r>
+              <a:rPr lang="en-US" sz="1200" b="0" i="0" u="none" strike="noStrike" kern="1200" dirty="0">
+                <a:solidFill>
+                  <a:schemeClr val="tx1"/>
+                </a:solidFill>
+                <a:effectLst/>
+                <a:latin typeface="Arial" panose="020B0604020202020204" pitchFamily="34" charset="0"/>
+                <a:ea typeface="ＭＳ Ｐゴシック" charset="0"/>
+                <a:cs typeface="Arial" panose="020B0604020202020204" pitchFamily="34" charset="0"/>
+              </a:rPr>
+              <a:t>/chef/</a:t>
+            </a:r>
+            <a:r>
+              <a:rPr lang="en-US" sz="1200" b="0" i="0" u="none" strike="noStrike" kern="1200" dirty="0" err="1">
+                <a:solidFill>
+                  <a:schemeClr val="tx1"/>
+                </a:solidFill>
+                <a:effectLst/>
+                <a:latin typeface="Arial" panose="020B0604020202020204" pitchFamily="34" charset="0"/>
+                <a:ea typeface="ＭＳ Ｐゴシック" charset="0"/>
+                <a:cs typeface="Arial" panose="020B0604020202020204" pitchFamily="34" charset="0"/>
+              </a:rPr>
+              <a:t>ohai</a:t>
+            </a:r>
+            <a:r>
+              <a:rPr lang="en-US" sz="1200" b="0" i="0" u="none" strike="noStrike" kern="1200" dirty="0">
+                <a:solidFill>
+                  <a:schemeClr val="tx1"/>
+                </a:solidFill>
+                <a:effectLst/>
+                <a:latin typeface="Arial" panose="020B0604020202020204" pitchFamily="34" charset="0"/>
+                <a:ea typeface="ＭＳ Ｐゴシック" charset="0"/>
+                <a:cs typeface="Arial" panose="020B0604020202020204" pitchFamily="34" charset="0"/>
+              </a:rPr>
+              <a:t> directory. You will find on the node that we have given you, there is an </a:t>
+            </a:r>
+            <a:r>
+              <a:rPr lang="en-US" sz="1200" b="0" i="0" u="none" strike="noStrike" kern="1200" dirty="0" err="1">
+                <a:solidFill>
+                  <a:schemeClr val="tx1"/>
+                </a:solidFill>
+                <a:effectLst/>
+                <a:latin typeface="Arial" panose="020B0604020202020204" pitchFamily="34" charset="0"/>
+                <a:ea typeface="ＭＳ Ｐゴシック" charset="0"/>
+                <a:cs typeface="Arial" panose="020B0604020202020204" pitchFamily="34" charset="0"/>
+              </a:rPr>
+              <a:t>etc</a:t>
+            </a:r>
+            <a:r>
+              <a:rPr lang="en-US" sz="1200" b="0" i="0" u="none" strike="noStrike" kern="1200" dirty="0">
+                <a:solidFill>
+                  <a:schemeClr val="tx1"/>
+                </a:solidFill>
+                <a:effectLst/>
+                <a:latin typeface="Arial" panose="020B0604020202020204" pitchFamily="34" charset="0"/>
+                <a:ea typeface="ＭＳ Ｐゴシック" charset="0"/>
+                <a:cs typeface="Arial" panose="020B0604020202020204" pitchFamily="34" charset="0"/>
+              </a:rPr>
+              <a:t>/chef/</a:t>
+            </a:r>
+            <a:r>
+              <a:rPr lang="en-US" sz="1200" b="0" i="0" u="none" strike="noStrike" kern="1200" dirty="0" err="1">
+                <a:solidFill>
+                  <a:schemeClr val="tx1"/>
+                </a:solidFill>
+                <a:effectLst/>
+                <a:latin typeface="Arial" panose="020B0604020202020204" pitchFamily="34" charset="0"/>
+                <a:ea typeface="ＭＳ Ｐゴシック" charset="0"/>
+                <a:cs typeface="Arial" panose="020B0604020202020204" pitchFamily="34" charset="0"/>
+              </a:rPr>
+              <a:t>ohai</a:t>
+            </a:r>
+            <a:r>
+              <a:rPr lang="en-US" sz="1200" b="0" i="0" u="none" strike="noStrike" kern="1200" dirty="0">
+                <a:solidFill>
+                  <a:schemeClr val="tx1"/>
+                </a:solidFill>
+                <a:effectLst/>
+                <a:latin typeface="Arial" panose="020B0604020202020204" pitchFamily="34" charset="0"/>
+                <a:ea typeface="ＭＳ Ｐゴシック" charset="0"/>
+                <a:cs typeface="Arial" panose="020B0604020202020204" pitchFamily="34" charset="0"/>
+              </a:rPr>
+              <a:t>/hints directory. Within this directory you will find a file called ec2.json. What you have done here is enabled a built in hint, designed to gather information on instances being hosted on ec2.  These hints are included inside of </a:t>
+            </a:r>
+            <a:r>
+              <a:rPr lang="en-US" sz="1200" b="0" i="0" u="none" strike="noStrike" kern="1200" dirty="0" err="1">
+                <a:solidFill>
+                  <a:schemeClr val="tx1"/>
+                </a:solidFill>
+                <a:effectLst/>
+                <a:latin typeface="Arial" panose="020B0604020202020204" pitchFamily="34" charset="0"/>
+                <a:ea typeface="ＭＳ Ｐゴシック" charset="0"/>
+                <a:cs typeface="Arial" panose="020B0604020202020204" pitchFamily="34" charset="0"/>
+              </a:rPr>
+              <a:t>ohai</a:t>
+            </a:r>
+            <a:r>
+              <a:rPr lang="en-US" sz="1200" b="0" i="0" u="none" strike="noStrike" kern="1200" dirty="0">
+                <a:solidFill>
+                  <a:schemeClr val="tx1"/>
+                </a:solidFill>
+                <a:effectLst/>
+                <a:latin typeface="Arial" panose="020B0604020202020204" pitchFamily="34" charset="0"/>
+                <a:ea typeface="ＭＳ Ｐゴシック" charset="0"/>
+                <a:cs typeface="Arial" panose="020B0604020202020204" pitchFamily="34" charset="0"/>
+              </a:rPr>
+              <a:t> out of the box but are not necessarily enabled. The way we enable a hint is by creating the hint file, which will be a </a:t>
+            </a:r>
+            <a:r>
+              <a:rPr lang="en-US" sz="1200" b="0" i="0" u="none" strike="noStrike" kern="1200" dirty="0" err="1">
+                <a:solidFill>
+                  <a:schemeClr val="tx1"/>
+                </a:solidFill>
+                <a:effectLst/>
+                <a:latin typeface="Arial" panose="020B0604020202020204" pitchFamily="34" charset="0"/>
+                <a:ea typeface="ＭＳ Ｐゴシック" charset="0"/>
+                <a:cs typeface="Arial" panose="020B0604020202020204" pitchFamily="34" charset="0"/>
+              </a:rPr>
+              <a:t>json</a:t>
+            </a:r>
+            <a:r>
+              <a:rPr lang="en-US" sz="1200" b="0" i="0" u="none" strike="noStrike" kern="1200" dirty="0">
+                <a:solidFill>
+                  <a:schemeClr val="tx1"/>
+                </a:solidFill>
+                <a:effectLst/>
+                <a:latin typeface="Arial" panose="020B0604020202020204" pitchFamily="34" charset="0"/>
+                <a:ea typeface="ＭＳ Ｐゴシック" charset="0"/>
+                <a:cs typeface="Arial" panose="020B0604020202020204" pitchFamily="34" charset="0"/>
+              </a:rPr>
+              <a:t> file, with an empty object inside of it. The </a:t>
+            </a:r>
+            <a:r>
+              <a:rPr lang="en-US" sz="1200" b="0" i="0" u="none" strike="noStrike" kern="1200" dirty="0" err="1">
+                <a:solidFill>
+                  <a:schemeClr val="tx1"/>
+                </a:solidFill>
+                <a:effectLst/>
+                <a:latin typeface="Arial" panose="020B0604020202020204" pitchFamily="34" charset="0"/>
+                <a:ea typeface="ＭＳ Ｐゴシック" charset="0"/>
+                <a:cs typeface="Arial" panose="020B0604020202020204" pitchFamily="34" charset="0"/>
+              </a:rPr>
+              <a:t>Ohai</a:t>
+            </a:r>
+            <a:r>
+              <a:rPr lang="en-US" sz="1200" b="0" i="0" u="none" strike="noStrike" kern="1200" dirty="0">
+                <a:solidFill>
+                  <a:schemeClr val="tx1"/>
+                </a:solidFill>
+                <a:effectLst/>
+                <a:latin typeface="Arial" panose="020B0604020202020204" pitchFamily="34" charset="0"/>
+                <a:ea typeface="ＭＳ Ｐゴシック" charset="0"/>
+                <a:cs typeface="Arial" panose="020B0604020202020204" pitchFamily="34" charset="0"/>
+              </a:rPr>
+              <a:t> ec2 hint is not enabled out of the box and we just create this file to do so. </a:t>
+            </a:r>
+            <a:endParaRPr lang="en-US" b="0" dirty="0">
+              <a:effectLst/>
+            </a:endParaRPr>
+          </a:p>
+          <a:p>
+            <a:br>
+              <a:rPr lang="en-US" dirty="0"/>
+            </a:br>
+            <a:endParaRPr lang="en-US" dirty="0"/>
+          </a:p>
+        </p:txBody>
+      </p:sp>
+      <p:sp>
+        <p:nvSpPr>
+          <p:cNvPr id="4" name="Date Placeholder 3"/>
+          <p:cNvSpPr>
+            <a:spLocks noGrp="1"/>
+          </p:cNvSpPr>
+          <p:nvPr>
+            <p:ph type="dt" idx="10"/>
+          </p:nvPr>
+        </p:nvSpPr>
+        <p:spPr/>
+        <p:txBody>
+          <a:bodyPr/>
+          <a:lstStyle/>
+          <a:p>
+            <a:pPr>
+              <a:defRPr/>
+            </a:pPr>
+            <a:r>
+              <a:rPr lang="en-US"/>
+              <a:t>Chef Software, Inc.</a:t>
+            </a:r>
+            <a:endParaRPr lang="en-US" dirty="0"/>
+          </a:p>
+        </p:txBody>
+      </p:sp>
+      <p:sp>
+        <p:nvSpPr>
+          <p:cNvPr id="5" name="Header Placeholder 4"/>
+          <p:cNvSpPr>
+            <a:spLocks noGrp="1"/>
+          </p:cNvSpPr>
+          <p:nvPr>
+            <p:ph type="hdr" sz="quarter" idx="11"/>
+          </p:nvPr>
+        </p:nvSpPr>
+        <p:spPr/>
+        <p:txBody>
+          <a:bodyPr/>
+          <a:lstStyle/>
+          <a:p>
+            <a:pPr>
+              <a:defRPr/>
+            </a:pPr>
+            <a:r>
+              <a:rPr lang="en-US"/>
+              <a:t>Chef Intermediate</a:t>
+            </a:r>
+            <a:endParaRPr lang="en-US" dirty="0"/>
+          </a:p>
+        </p:txBody>
+      </p:sp>
+    </p:spTree>
+    <p:extLst>
+      <p:ext uri="{BB962C8B-B14F-4D97-AF65-F5344CB8AC3E}">
+        <p14:creationId xmlns:p14="http://schemas.microsoft.com/office/powerpoint/2010/main" val="1518218596"/>
+      </p:ext>
+    </p:extLst>
+  </p:cSld>
+  <p:clrMapOvr>
+    <a:masterClrMapping/>
+  </p:clrMapOvr>
+</p:notes>
+</file>
+
+<file path=ppt/notesSlides/notesSlide18.xml><?xml version="1.0" encoding="utf-8"?>
+<p:notes xmlns:a="http://schemas.openxmlformats.org/drawingml/2006/main" xmlns:r="http://schemas.openxmlformats.org/officeDocument/2006/relationships" xmlns:p="http://schemas.openxmlformats.org/presentationml/2006/main">
+  <p:cSld>
+    <p:spTree>
+      <p:nvGrpSpPr>
+        <p:cNvPr id="1" name=""/>
+        <p:cNvGrpSpPr/>
+        <p:nvPr/>
+      </p:nvGrpSpPr>
+      <p:grpSpPr>
+        <a:xfrm>
+          <a:off x="0" y="0"/>
+          <a:ext cx="0" cy="0"/>
+          <a:chOff x="0" y="0"/>
+          <a:chExt cx="0" cy="0"/>
+        </a:xfrm>
+      </p:grpSpPr>
+      <p:sp>
+        <p:nvSpPr>
+          <p:cNvPr id="2" name="Slide Image Placeholder 1"/>
+          <p:cNvSpPr>
+            <a:spLocks noGrp="1" noRot="1" noChangeAspect="1"/>
+          </p:cNvSpPr>
+          <p:nvPr>
+            <p:ph type="sldImg"/>
+          </p:nvPr>
+        </p:nvSpPr>
+        <p:spPr/>
+      </p:sp>
+      <p:sp>
+        <p:nvSpPr>
+          <p:cNvPr id="3" name="Notes Placeholder 2"/>
+          <p:cNvSpPr>
+            <a:spLocks noGrp="1"/>
+          </p:cNvSpPr>
+          <p:nvPr>
+            <p:ph type="body" idx="1"/>
+          </p:nvPr>
+        </p:nvSpPr>
+        <p:spPr/>
+        <p:txBody>
+          <a:bodyPr/>
+          <a:lstStyle/>
+          <a:p>
+            <a:pPr rtl="0"/>
+            <a:r>
+              <a:rPr lang="en-US" sz="1200" b="0" i="0" u="none" strike="noStrike" kern="1200" dirty="0">
+                <a:solidFill>
+                  <a:schemeClr val="tx1"/>
+                </a:solidFill>
+                <a:effectLst/>
+                <a:latin typeface="Arial" panose="020B0604020202020204" pitchFamily="34" charset="0"/>
+                <a:ea typeface="ＭＳ Ｐゴシック" charset="0"/>
+                <a:cs typeface="Arial" panose="020B0604020202020204" pitchFamily="34" charset="0"/>
+              </a:rPr>
+              <a:t>We have not yet used our dependency of the </a:t>
+            </a:r>
+            <a:r>
+              <a:rPr lang="en-US" sz="1200" b="0" i="0" u="none" strike="noStrike" kern="1200" dirty="0" err="1">
+                <a:solidFill>
+                  <a:schemeClr val="tx1"/>
+                </a:solidFill>
+                <a:effectLst/>
+                <a:latin typeface="Arial" panose="020B0604020202020204" pitchFamily="34" charset="0"/>
+                <a:ea typeface="ＭＳ Ｐゴシック" charset="0"/>
+                <a:cs typeface="Arial" panose="020B0604020202020204" pitchFamily="34" charset="0"/>
+              </a:rPr>
+              <a:t>ohai</a:t>
+            </a:r>
+            <a:r>
+              <a:rPr lang="en-US" sz="1200" b="0" i="0" u="none" strike="noStrike" kern="1200" dirty="0">
+                <a:solidFill>
+                  <a:schemeClr val="tx1"/>
+                </a:solidFill>
+                <a:effectLst/>
+                <a:latin typeface="Arial" panose="020B0604020202020204" pitchFamily="34" charset="0"/>
+                <a:ea typeface="ＭＳ Ｐゴシック" charset="0"/>
+                <a:cs typeface="Arial" panose="020B0604020202020204" pitchFamily="34" charset="0"/>
+              </a:rPr>
+              <a:t> cookbook, our dependency will allow us to use all of the recipes and custom resources found in the </a:t>
+            </a:r>
+            <a:r>
+              <a:rPr lang="en-US" sz="1200" b="0" i="0" u="none" strike="noStrike" kern="1200" dirty="0" err="1">
+                <a:solidFill>
+                  <a:schemeClr val="tx1"/>
+                </a:solidFill>
+                <a:effectLst/>
+                <a:latin typeface="Arial" panose="020B0604020202020204" pitchFamily="34" charset="0"/>
+                <a:ea typeface="ＭＳ Ｐゴシック" charset="0"/>
+                <a:cs typeface="Arial" panose="020B0604020202020204" pitchFamily="34" charset="0"/>
+              </a:rPr>
+              <a:t>ohai</a:t>
+            </a:r>
+            <a:r>
+              <a:rPr lang="en-US" sz="1200" b="0" i="0" u="none" strike="noStrike" kern="1200" dirty="0">
+                <a:solidFill>
+                  <a:schemeClr val="tx1"/>
+                </a:solidFill>
+                <a:effectLst/>
+                <a:latin typeface="Arial" panose="020B0604020202020204" pitchFamily="34" charset="0"/>
+                <a:ea typeface="ＭＳ Ｐゴシック" charset="0"/>
+                <a:cs typeface="Arial" panose="020B0604020202020204" pitchFamily="34" charset="0"/>
+              </a:rPr>
+              <a:t> cookbook.  We’ll generate a recipe that will implement the </a:t>
+            </a:r>
+            <a:r>
+              <a:rPr lang="en-US" sz="1200" b="0" i="0" u="none" strike="noStrike" kern="1200" dirty="0" err="1">
+                <a:solidFill>
+                  <a:schemeClr val="tx1"/>
+                </a:solidFill>
+                <a:effectLst/>
+                <a:latin typeface="Arial" panose="020B0604020202020204" pitchFamily="34" charset="0"/>
+                <a:ea typeface="ＭＳ Ｐゴシック" charset="0"/>
+                <a:cs typeface="Arial" panose="020B0604020202020204" pitchFamily="34" charset="0"/>
+              </a:rPr>
+              <a:t>ohai_plugin</a:t>
+            </a:r>
+            <a:r>
+              <a:rPr lang="en-US" sz="1200" b="0" i="0" u="none" strike="noStrike" kern="1200" dirty="0">
+                <a:solidFill>
+                  <a:schemeClr val="tx1"/>
+                </a:solidFill>
+                <a:effectLst/>
+                <a:latin typeface="Arial" panose="020B0604020202020204" pitchFamily="34" charset="0"/>
+                <a:ea typeface="ＭＳ Ｐゴシック" charset="0"/>
+                <a:cs typeface="Arial" panose="020B0604020202020204" pitchFamily="34" charset="0"/>
+              </a:rPr>
+              <a:t> custom resource. This will create not only the recipe itself, but the associated unit and integration tests for this recipe.  </a:t>
+            </a:r>
+            <a:endParaRPr lang="en-US" b="0" dirty="0">
+              <a:effectLst/>
+            </a:endParaRPr>
+          </a:p>
+          <a:p>
+            <a:br>
+              <a:rPr lang="en-US" dirty="0"/>
+            </a:br>
+            <a:endParaRPr lang="en-US" dirty="0"/>
+          </a:p>
+        </p:txBody>
+      </p:sp>
+      <p:sp>
+        <p:nvSpPr>
+          <p:cNvPr id="4" name="Date Placeholder 3"/>
+          <p:cNvSpPr>
+            <a:spLocks noGrp="1"/>
+          </p:cNvSpPr>
+          <p:nvPr>
+            <p:ph type="dt" idx="10"/>
+          </p:nvPr>
+        </p:nvSpPr>
+        <p:spPr/>
+        <p:txBody>
+          <a:bodyPr/>
+          <a:lstStyle/>
+          <a:p>
+            <a:pPr>
+              <a:defRPr/>
+            </a:pPr>
+            <a:r>
+              <a:rPr lang="en-US"/>
+              <a:t>Chef Software, Inc.</a:t>
+            </a:r>
+            <a:endParaRPr lang="en-US" dirty="0"/>
+          </a:p>
+        </p:txBody>
+      </p:sp>
+      <p:sp>
+        <p:nvSpPr>
+          <p:cNvPr id="5" name="Header Placeholder 4"/>
+          <p:cNvSpPr>
+            <a:spLocks noGrp="1"/>
+          </p:cNvSpPr>
+          <p:nvPr>
+            <p:ph type="hdr" sz="quarter" idx="11"/>
+          </p:nvPr>
+        </p:nvSpPr>
+        <p:spPr/>
+        <p:txBody>
+          <a:bodyPr/>
+          <a:lstStyle/>
+          <a:p>
+            <a:pPr>
+              <a:defRPr/>
+            </a:pPr>
+            <a:r>
+              <a:rPr lang="en-US"/>
+              <a:t>Chef Intermediate</a:t>
+            </a:r>
+            <a:endParaRPr lang="en-US" dirty="0"/>
+          </a:p>
+        </p:txBody>
+      </p:sp>
+    </p:spTree>
+    <p:extLst>
+      <p:ext uri="{BB962C8B-B14F-4D97-AF65-F5344CB8AC3E}">
+        <p14:creationId xmlns:p14="http://schemas.microsoft.com/office/powerpoint/2010/main" val="1260672663"/>
+      </p:ext>
+    </p:extLst>
+  </p:cSld>
+  <p:clrMapOvr>
+    <a:masterClrMapping/>
+  </p:clrMapOvr>
+</p:notes>
+</file>
+
+<file path=ppt/notesSlides/notesSlide19.xml><?xml version="1.0" encoding="utf-8"?>
+<p:notes xmlns:a="http://schemas.openxmlformats.org/drawingml/2006/main" xmlns:r="http://schemas.openxmlformats.org/officeDocument/2006/relationships" xmlns:p="http://schemas.openxmlformats.org/presentationml/2006/main">
+  <p:cSld>
+    <p:spTree>
+      <p:nvGrpSpPr>
+        <p:cNvPr id="1" name=""/>
+        <p:cNvGrpSpPr/>
+        <p:nvPr/>
+      </p:nvGrpSpPr>
+      <p:grpSpPr>
+        <a:xfrm>
+          <a:off x="0" y="0"/>
+          <a:ext cx="0" cy="0"/>
+          <a:chOff x="0" y="0"/>
+          <a:chExt cx="0" cy="0"/>
+        </a:xfrm>
+      </p:grpSpPr>
+      <p:sp>
+        <p:nvSpPr>
+          <p:cNvPr id="2" name="Slide Image Placeholder 1"/>
+          <p:cNvSpPr>
+            <a:spLocks noGrp="1" noRot="1" noChangeAspect="1"/>
+          </p:cNvSpPr>
+          <p:nvPr>
+            <p:ph type="sldImg"/>
+          </p:nvPr>
+        </p:nvSpPr>
+        <p:spPr/>
+      </p:sp>
+      <p:sp>
+        <p:nvSpPr>
+          <p:cNvPr id="3" name="Notes Placeholder 2"/>
+          <p:cNvSpPr>
+            <a:spLocks noGrp="1"/>
+          </p:cNvSpPr>
+          <p:nvPr>
+            <p:ph type="body" idx="1"/>
+          </p:nvPr>
+        </p:nvSpPr>
+        <p:spPr/>
+        <p:txBody>
+          <a:bodyPr/>
+          <a:lstStyle/>
+          <a:p>
+            <a:endParaRPr lang="en-US" dirty="0"/>
+          </a:p>
+        </p:txBody>
+      </p:sp>
+      <p:sp>
+        <p:nvSpPr>
+          <p:cNvPr id="4" name="Date Placeholder 3"/>
+          <p:cNvSpPr>
+            <a:spLocks noGrp="1"/>
+          </p:cNvSpPr>
+          <p:nvPr>
+            <p:ph type="dt" idx="10"/>
+          </p:nvPr>
+        </p:nvSpPr>
+        <p:spPr/>
+        <p:txBody>
+          <a:bodyPr/>
+          <a:lstStyle/>
+          <a:p>
+            <a:pPr>
+              <a:defRPr/>
+            </a:pPr>
+            <a:r>
+              <a:rPr lang="en-US"/>
+              <a:t>Chef Software, Inc.</a:t>
+            </a:r>
+            <a:endParaRPr lang="en-US" dirty="0"/>
+          </a:p>
+        </p:txBody>
+      </p:sp>
+      <p:sp>
+        <p:nvSpPr>
+          <p:cNvPr id="5" name="Header Placeholder 4"/>
+          <p:cNvSpPr>
+            <a:spLocks noGrp="1"/>
+          </p:cNvSpPr>
+          <p:nvPr>
+            <p:ph type="hdr" sz="quarter" idx="11"/>
+          </p:nvPr>
+        </p:nvSpPr>
+        <p:spPr/>
+        <p:txBody>
+          <a:bodyPr/>
+          <a:lstStyle/>
+          <a:p>
+            <a:pPr>
+              <a:defRPr/>
+            </a:pPr>
+            <a:r>
+              <a:rPr lang="en-US"/>
+              <a:t>Chef Intermediate</a:t>
+            </a:r>
+            <a:endParaRPr lang="en-US" dirty="0"/>
+          </a:p>
+        </p:txBody>
+      </p:sp>
+    </p:spTree>
+    <p:extLst>
+      <p:ext uri="{BB962C8B-B14F-4D97-AF65-F5344CB8AC3E}">
+        <p14:creationId xmlns:p14="http://schemas.microsoft.com/office/powerpoint/2010/main" val="3707699907"/>
+      </p:ext>
+    </p:extLst>
+  </p:cSld>
+  <p:clrMapOvr>
+    <a:masterClrMapping/>
+  </p:clrMapOvr>
+</p:notes>
+</file>
+
 <file path=ppt/notesSlides/notesSlide2.xml><?xml version="1.0" encoding="utf-8"?>
 <p:notes xmlns:a="http://schemas.openxmlformats.org/drawingml/2006/main" xmlns:r="http://schemas.openxmlformats.org/officeDocument/2006/relationships" xmlns:p="http://schemas.openxmlformats.org/presentationml/2006/main">
   <p:cSld>
@@ -948,10 +3349,52 @@
           <a:bodyPr/>
           <a:lstStyle/>
           <a:p>
-            <a:r>
+            <a:pPr rtl="0"/>
+            <a:r>
+              <a:rPr lang="en-US" sz="1200" b="0" i="0" u="none" strike="noStrike" kern="1200" dirty="0">
+                <a:solidFill>
+                  <a:schemeClr val="tx1"/>
+                </a:solidFill>
+                <a:effectLst/>
+                <a:latin typeface="Arial" panose="020B0604020202020204" pitchFamily="34" charset="0"/>
+                <a:ea typeface="ＭＳ Ｐゴシック" charset="0"/>
+                <a:cs typeface="Arial" panose="020B0604020202020204" pitchFamily="34" charset="0"/>
+              </a:rPr>
+              <a:t>So creating </a:t>
+            </a:r>
+            <a:r>
+              <a:rPr lang="en-US" sz="1200" b="0" i="0" u="none" strike="noStrike" kern="1200" dirty="0" err="1">
+                <a:solidFill>
+                  <a:schemeClr val="tx1"/>
+                </a:solidFill>
+                <a:effectLst/>
+                <a:latin typeface="Arial" panose="020B0604020202020204" pitchFamily="34" charset="0"/>
+                <a:ea typeface="ＭＳ Ｐゴシック" charset="0"/>
+                <a:cs typeface="Arial" panose="020B0604020202020204" pitchFamily="34" charset="0"/>
+              </a:rPr>
+              <a:t>Ohai</a:t>
+            </a:r>
+            <a:r>
+              <a:rPr lang="en-US" sz="1200" b="0" i="0" u="none" strike="noStrike" kern="1200" dirty="0">
+                <a:solidFill>
+                  <a:schemeClr val="tx1"/>
+                </a:solidFill>
+                <a:effectLst/>
+                <a:latin typeface="Arial" panose="020B0604020202020204" pitchFamily="34" charset="0"/>
+                <a:ea typeface="ＭＳ Ｐゴシック" charset="0"/>
+                <a:cs typeface="Arial" panose="020B0604020202020204" pitchFamily="34" charset="0"/>
+              </a:rPr>
+              <a:t> plugins, we are going to again approach this from a TTD perspective and write a test for our plugin before creating the plugin itself.  If you have ever written one of these, it was a notoriously difficult thing to do in the past. And while it is still somewhat challenging, we have new techniques to make the process easier.</a:t>
+            </a:r>
+            <a:endParaRPr lang="en-US" b="0" dirty="0">
+              <a:effectLst/>
+            </a:endParaRPr>
+          </a:p>
+          <a:p>
+            <a:br>
               <a:rPr lang="en-US" dirty="0"/>
-              <a:t>After completing this module you will be able to</a:t>
-            </a:r>
+            </a:br>
+            <a:endParaRPr lang="en-US" dirty="0"/>
           </a:p>
         </p:txBody>
       </p:sp>
@@ -1010,6 +3453,1754 @@
     <p:extLst>
       <p:ext uri="{BB962C8B-B14F-4D97-AF65-F5344CB8AC3E}">
         <p14:creationId xmlns:p14="http://schemas.microsoft.com/office/powerpoint/2010/main" val="1989333818"/>
+      </p:ext>
+    </p:extLst>
+  </p:cSld>
+  <p:clrMapOvr>
+    <a:masterClrMapping/>
+  </p:clrMapOvr>
+</p:notes>
+</file>
+
+<file path=ppt/notesSlides/notesSlide20.xml><?xml version="1.0" encoding="utf-8"?>
+<p:notes xmlns:a="http://schemas.openxmlformats.org/drawingml/2006/main" xmlns:r="http://schemas.openxmlformats.org/officeDocument/2006/relationships" xmlns:p="http://schemas.openxmlformats.org/presentationml/2006/main">
+  <p:cSld>
+    <p:spTree>
+      <p:nvGrpSpPr>
+        <p:cNvPr id="1" name=""/>
+        <p:cNvGrpSpPr/>
+        <p:nvPr/>
+      </p:nvGrpSpPr>
+      <p:grpSpPr>
+        <a:xfrm>
+          <a:off x="0" y="0"/>
+          <a:ext cx="0" cy="0"/>
+          <a:chOff x="0" y="0"/>
+          <a:chExt cx="0" cy="0"/>
+        </a:xfrm>
+      </p:grpSpPr>
+      <p:sp>
+        <p:nvSpPr>
+          <p:cNvPr id="2" name="Slide Image Placeholder 1"/>
+          <p:cNvSpPr>
+            <a:spLocks noGrp="1" noRot="1" noChangeAspect="1"/>
+          </p:cNvSpPr>
+          <p:nvPr>
+            <p:ph type="sldImg"/>
+          </p:nvPr>
+        </p:nvSpPr>
+        <p:spPr/>
+      </p:sp>
+      <p:sp>
+        <p:nvSpPr>
+          <p:cNvPr id="3" name="Notes Placeholder 2"/>
+          <p:cNvSpPr>
+            <a:spLocks noGrp="1"/>
+          </p:cNvSpPr>
+          <p:nvPr>
+            <p:ph type="body" idx="1"/>
+          </p:nvPr>
+        </p:nvSpPr>
+        <p:spPr/>
+        <p:txBody>
+          <a:bodyPr/>
+          <a:lstStyle/>
+          <a:p>
+            <a:pPr rtl="0"/>
+            <a:r>
+              <a:rPr lang="en-US" sz="1200" b="0" i="0" u="none" strike="noStrike" kern="1200" dirty="0">
+                <a:solidFill>
+                  <a:schemeClr val="tx1"/>
+                </a:solidFill>
+                <a:effectLst/>
+                <a:latin typeface="Arial" panose="020B0604020202020204" pitchFamily="34" charset="0"/>
+                <a:ea typeface="ＭＳ Ｐゴシック" charset="0"/>
+                <a:cs typeface="Arial" panose="020B0604020202020204" pitchFamily="34" charset="0"/>
+              </a:rPr>
+              <a:t>Let’s open up the unit test itself that was just created.  Following our TDD process, we will define the expectations for this recipe.  Just like within the documentation of the </a:t>
+            </a:r>
+            <a:r>
+              <a:rPr lang="en-US" sz="1200" b="0" i="0" u="none" strike="noStrike" kern="1200" dirty="0" err="1">
+                <a:solidFill>
+                  <a:schemeClr val="tx1"/>
+                </a:solidFill>
+                <a:effectLst/>
+                <a:latin typeface="Arial" panose="020B0604020202020204" pitchFamily="34" charset="0"/>
+                <a:ea typeface="ＭＳ Ｐゴシック" charset="0"/>
+                <a:cs typeface="Arial" panose="020B0604020202020204" pitchFamily="34" charset="0"/>
+              </a:rPr>
+              <a:t>ohai</a:t>
+            </a:r>
+            <a:r>
+              <a:rPr lang="en-US" sz="1200" b="0" i="0" u="none" strike="noStrike" kern="1200" dirty="0">
+                <a:solidFill>
+                  <a:schemeClr val="tx1"/>
+                </a:solidFill>
+                <a:effectLst/>
+                <a:latin typeface="Arial" panose="020B0604020202020204" pitchFamily="34" charset="0"/>
+                <a:ea typeface="ＭＳ Ｐゴシック" charset="0"/>
+                <a:cs typeface="Arial" panose="020B0604020202020204" pitchFamily="34" charset="0"/>
+              </a:rPr>
+              <a:t> cookbook’s readme states, we can use this </a:t>
+            </a:r>
+            <a:r>
+              <a:rPr lang="en-US" sz="1200" b="0" i="0" u="none" strike="noStrike" kern="1200" dirty="0" err="1">
+                <a:solidFill>
+                  <a:schemeClr val="tx1"/>
+                </a:solidFill>
+                <a:effectLst/>
+                <a:latin typeface="Arial" panose="020B0604020202020204" pitchFamily="34" charset="0"/>
+                <a:ea typeface="ＭＳ Ｐゴシック" charset="0"/>
+                <a:cs typeface="Arial" panose="020B0604020202020204" pitchFamily="34" charset="0"/>
+              </a:rPr>
+              <a:t>chefspec</a:t>
+            </a:r>
+            <a:r>
+              <a:rPr lang="en-US" sz="1200" b="0" i="0" u="none" strike="noStrike" kern="1200" dirty="0">
+                <a:solidFill>
+                  <a:schemeClr val="tx1"/>
+                </a:solidFill>
+                <a:effectLst/>
+                <a:latin typeface="Arial" panose="020B0604020202020204" pitchFamily="34" charset="0"/>
+                <a:ea typeface="ＭＳ Ｐゴシック" charset="0"/>
+                <a:cs typeface="Arial" panose="020B0604020202020204" pitchFamily="34" charset="0"/>
+              </a:rPr>
+              <a:t> method called </a:t>
+            </a:r>
+            <a:r>
+              <a:rPr lang="en-US" sz="1200" b="0" i="0" u="none" strike="noStrike" kern="1200" dirty="0" err="1">
+                <a:solidFill>
+                  <a:schemeClr val="tx1"/>
+                </a:solidFill>
+                <a:effectLst/>
+                <a:latin typeface="Arial" panose="020B0604020202020204" pitchFamily="34" charset="0"/>
+                <a:ea typeface="ＭＳ Ｐゴシック" charset="0"/>
+                <a:cs typeface="Arial" panose="020B0604020202020204" pitchFamily="34" charset="0"/>
+              </a:rPr>
+              <a:t>create_ohai_plugin</a:t>
+            </a:r>
+            <a:r>
+              <a:rPr lang="en-US" sz="1200" b="0" i="0" u="none" strike="noStrike" kern="1200" dirty="0">
+                <a:solidFill>
+                  <a:schemeClr val="tx1"/>
+                </a:solidFill>
+                <a:effectLst/>
+                <a:latin typeface="Arial" panose="020B0604020202020204" pitchFamily="34" charset="0"/>
+                <a:ea typeface="ＭＳ Ｐゴシック" charset="0"/>
+                <a:cs typeface="Arial" panose="020B0604020202020204" pitchFamily="34" charset="0"/>
+              </a:rPr>
+              <a:t> to assert we’re calling the custom resource to create the </a:t>
+            </a:r>
+            <a:r>
+              <a:rPr lang="en-US" sz="1200" b="0" i="0" u="none" strike="noStrike" kern="1200" dirty="0" err="1">
+                <a:solidFill>
+                  <a:schemeClr val="tx1"/>
+                </a:solidFill>
+                <a:effectLst/>
+                <a:latin typeface="Arial" panose="020B0604020202020204" pitchFamily="34" charset="0"/>
+                <a:ea typeface="ＭＳ Ｐゴシック" charset="0"/>
+                <a:cs typeface="Arial" panose="020B0604020202020204" pitchFamily="34" charset="0"/>
+              </a:rPr>
+              <a:t>httpd_modules</a:t>
+            </a:r>
+            <a:r>
+              <a:rPr lang="en-US" sz="1200" b="0" i="0" u="none" strike="noStrike" kern="1200" dirty="0">
+                <a:solidFill>
+                  <a:schemeClr val="tx1"/>
+                </a:solidFill>
+                <a:effectLst/>
+                <a:latin typeface="Arial" panose="020B0604020202020204" pitchFamily="34" charset="0"/>
+                <a:ea typeface="ＭＳ Ｐゴシック" charset="0"/>
+                <a:cs typeface="Arial" panose="020B0604020202020204" pitchFamily="34" charset="0"/>
+              </a:rPr>
+              <a:t> plugin.  This the only test that will go inside of this spec file. </a:t>
+            </a:r>
+            <a:endParaRPr lang="en-US" b="0" dirty="0">
+              <a:effectLst/>
+            </a:endParaRPr>
+          </a:p>
+          <a:p>
+            <a:br>
+              <a:rPr lang="en-US" dirty="0"/>
+            </a:br>
+            <a:endParaRPr lang="en-US" dirty="0"/>
+          </a:p>
+        </p:txBody>
+      </p:sp>
+      <p:sp>
+        <p:nvSpPr>
+          <p:cNvPr id="4" name="Date Placeholder 3"/>
+          <p:cNvSpPr>
+            <a:spLocks noGrp="1"/>
+          </p:cNvSpPr>
+          <p:nvPr>
+            <p:ph type="dt" idx="10"/>
+          </p:nvPr>
+        </p:nvSpPr>
+        <p:spPr/>
+        <p:txBody>
+          <a:bodyPr/>
+          <a:lstStyle/>
+          <a:p>
+            <a:pPr>
+              <a:defRPr/>
+            </a:pPr>
+            <a:r>
+              <a:rPr lang="en-US"/>
+              <a:t>Chef Software, Inc.</a:t>
+            </a:r>
+            <a:endParaRPr lang="en-US" dirty="0"/>
+          </a:p>
+        </p:txBody>
+      </p:sp>
+      <p:sp>
+        <p:nvSpPr>
+          <p:cNvPr id="5" name="Header Placeholder 4"/>
+          <p:cNvSpPr>
+            <a:spLocks noGrp="1"/>
+          </p:cNvSpPr>
+          <p:nvPr>
+            <p:ph type="hdr" sz="quarter" idx="11"/>
+          </p:nvPr>
+        </p:nvSpPr>
+        <p:spPr/>
+        <p:txBody>
+          <a:bodyPr/>
+          <a:lstStyle/>
+          <a:p>
+            <a:pPr>
+              <a:defRPr/>
+            </a:pPr>
+            <a:r>
+              <a:rPr lang="en-US"/>
+              <a:t>Chef Intermediate</a:t>
+            </a:r>
+            <a:endParaRPr lang="en-US" dirty="0"/>
+          </a:p>
+        </p:txBody>
+      </p:sp>
+    </p:spTree>
+    <p:extLst>
+      <p:ext uri="{BB962C8B-B14F-4D97-AF65-F5344CB8AC3E}">
+        <p14:creationId xmlns:p14="http://schemas.microsoft.com/office/powerpoint/2010/main" val="4146930954"/>
+      </p:ext>
+    </p:extLst>
+  </p:cSld>
+  <p:clrMapOvr>
+    <a:masterClrMapping/>
+  </p:clrMapOvr>
+</p:notes>
+</file>
+
+<file path=ppt/notesSlides/notesSlide21.xml><?xml version="1.0" encoding="utf-8"?>
+<p:notes xmlns:a="http://schemas.openxmlformats.org/drawingml/2006/main" xmlns:r="http://schemas.openxmlformats.org/officeDocument/2006/relationships" xmlns:p="http://schemas.openxmlformats.org/presentationml/2006/main">
+  <p:cSld>
+    <p:spTree>
+      <p:nvGrpSpPr>
+        <p:cNvPr id="1" name=""/>
+        <p:cNvGrpSpPr/>
+        <p:nvPr/>
+      </p:nvGrpSpPr>
+      <p:grpSpPr>
+        <a:xfrm>
+          <a:off x="0" y="0"/>
+          <a:ext cx="0" cy="0"/>
+          <a:chOff x="0" y="0"/>
+          <a:chExt cx="0" cy="0"/>
+        </a:xfrm>
+      </p:grpSpPr>
+      <p:sp>
+        <p:nvSpPr>
+          <p:cNvPr id="2" name="Slide Image Placeholder 1"/>
+          <p:cNvSpPr>
+            <a:spLocks noGrp="1" noRot="1" noChangeAspect="1"/>
+          </p:cNvSpPr>
+          <p:nvPr>
+            <p:ph type="sldImg"/>
+          </p:nvPr>
+        </p:nvSpPr>
+        <p:spPr/>
+      </p:sp>
+      <p:sp>
+        <p:nvSpPr>
+          <p:cNvPr id="3" name="Notes Placeholder 2"/>
+          <p:cNvSpPr>
+            <a:spLocks noGrp="1"/>
+          </p:cNvSpPr>
+          <p:nvPr>
+            <p:ph type="body" idx="1"/>
+          </p:nvPr>
+        </p:nvSpPr>
+        <p:spPr/>
+        <p:txBody>
+          <a:bodyPr/>
+          <a:lstStyle/>
+          <a:p>
+            <a:pPr rtl="0"/>
+            <a:r>
+              <a:rPr lang="en-US" sz="1200" b="0" i="0" u="none" strike="noStrike" kern="1200" dirty="0">
+                <a:solidFill>
+                  <a:schemeClr val="tx1"/>
+                </a:solidFill>
+                <a:effectLst/>
+                <a:latin typeface="Arial" panose="020B0604020202020204" pitchFamily="34" charset="0"/>
+                <a:ea typeface="ＭＳ Ｐゴシック" charset="0"/>
+                <a:cs typeface="Arial" panose="020B0604020202020204" pitchFamily="34" charset="0"/>
+              </a:rPr>
+              <a:t>We have a failing test because we have not yet defined our custom resource that creates the plugin. </a:t>
+            </a:r>
+            <a:endParaRPr lang="en-US" b="0" dirty="0">
+              <a:effectLst/>
+            </a:endParaRPr>
+          </a:p>
+          <a:p>
+            <a:br>
+              <a:rPr lang="en-US" dirty="0"/>
+            </a:br>
+            <a:endParaRPr lang="en-US" dirty="0"/>
+          </a:p>
+        </p:txBody>
+      </p:sp>
+      <p:sp>
+        <p:nvSpPr>
+          <p:cNvPr id="4" name="Date Placeholder 3"/>
+          <p:cNvSpPr>
+            <a:spLocks noGrp="1"/>
+          </p:cNvSpPr>
+          <p:nvPr>
+            <p:ph type="dt" idx="10"/>
+          </p:nvPr>
+        </p:nvSpPr>
+        <p:spPr/>
+        <p:txBody>
+          <a:bodyPr/>
+          <a:lstStyle/>
+          <a:p>
+            <a:pPr>
+              <a:defRPr/>
+            </a:pPr>
+            <a:r>
+              <a:rPr lang="en-US"/>
+              <a:t>Chef Software, Inc.</a:t>
+            </a:r>
+            <a:endParaRPr lang="en-US" dirty="0"/>
+          </a:p>
+        </p:txBody>
+      </p:sp>
+      <p:sp>
+        <p:nvSpPr>
+          <p:cNvPr id="5" name="Header Placeholder 4"/>
+          <p:cNvSpPr>
+            <a:spLocks noGrp="1"/>
+          </p:cNvSpPr>
+          <p:nvPr>
+            <p:ph type="hdr" sz="quarter" idx="11"/>
+          </p:nvPr>
+        </p:nvSpPr>
+        <p:spPr/>
+        <p:txBody>
+          <a:bodyPr/>
+          <a:lstStyle/>
+          <a:p>
+            <a:pPr>
+              <a:defRPr/>
+            </a:pPr>
+            <a:r>
+              <a:rPr lang="en-US"/>
+              <a:t>Chef Intermediate</a:t>
+            </a:r>
+            <a:endParaRPr lang="en-US" dirty="0"/>
+          </a:p>
+        </p:txBody>
+      </p:sp>
+    </p:spTree>
+    <p:extLst>
+      <p:ext uri="{BB962C8B-B14F-4D97-AF65-F5344CB8AC3E}">
+        <p14:creationId xmlns:p14="http://schemas.microsoft.com/office/powerpoint/2010/main" val="1721360356"/>
+      </p:ext>
+    </p:extLst>
+  </p:cSld>
+  <p:clrMapOvr>
+    <a:masterClrMapping/>
+  </p:clrMapOvr>
+</p:notes>
+</file>
+
+<file path=ppt/notesSlides/notesSlide22.xml><?xml version="1.0" encoding="utf-8"?>
+<p:notes xmlns:a="http://schemas.openxmlformats.org/drawingml/2006/main" xmlns:r="http://schemas.openxmlformats.org/officeDocument/2006/relationships" xmlns:p="http://schemas.openxmlformats.org/presentationml/2006/main">
+  <p:cSld>
+    <p:spTree>
+      <p:nvGrpSpPr>
+        <p:cNvPr id="1" name=""/>
+        <p:cNvGrpSpPr/>
+        <p:nvPr/>
+      </p:nvGrpSpPr>
+      <p:grpSpPr>
+        <a:xfrm>
+          <a:off x="0" y="0"/>
+          <a:ext cx="0" cy="0"/>
+          <a:chOff x="0" y="0"/>
+          <a:chExt cx="0" cy="0"/>
+        </a:xfrm>
+      </p:grpSpPr>
+      <p:sp>
+        <p:nvSpPr>
+          <p:cNvPr id="2" name="Slide Image Placeholder 1"/>
+          <p:cNvSpPr>
+            <a:spLocks noGrp="1" noRot="1" noChangeAspect="1"/>
+          </p:cNvSpPr>
+          <p:nvPr>
+            <p:ph type="sldImg"/>
+          </p:nvPr>
+        </p:nvSpPr>
+        <p:spPr/>
+      </p:sp>
+      <p:sp>
+        <p:nvSpPr>
+          <p:cNvPr id="3" name="Notes Placeholder 2"/>
+          <p:cNvSpPr>
+            <a:spLocks noGrp="1"/>
+          </p:cNvSpPr>
+          <p:nvPr>
+            <p:ph type="body" idx="1"/>
+          </p:nvPr>
+        </p:nvSpPr>
+        <p:spPr/>
+        <p:txBody>
+          <a:bodyPr/>
+          <a:lstStyle/>
+          <a:p>
+            <a:pPr rtl="0"/>
+            <a:r>
+              <a:rPr lang="en-US" sz="1200" b="0" i="0" u="none" strike="noStrike" kern="1200" dirty="0">
+                <a:solidFill>
+                  <a:schemeClr val="tx1"/>
+                </a:solidFill>
+                <a:effectLst/>
+                <a:latin typeface="Arial" panose="020B0604020202020204" pitchFamily="34" charset="0"/>
+                <a:ea typeface="ＭＳ Ｐゴシック" charset="0"/>
+                <a:cs typeface="Arial" panose="020B0604020202020204" pitchFamily="34" charset="0"/>
+              </a:rPr>
+              <a:t>The custom resource that comes with the ‘</a:t>
+            </a:r>
+            <a:r>
+              <a:rPr lang="en-US" sz="1200" b="0" i="0" u="none" strike="noStrike" kern="1200" dirty="0" err="1">
+                <a:solidFill>
+                  <a:schemeClr val="tx1"/>
+                </a:solidFill>
+                <a:effectLst/>
+                <a:latin typeface="Arial" panose="020B0604020202020204" pitchFamily="34" charset="0"/>
+                <a:ea typeface="ＭＳ Ｐゴシック" charset="0"/>
+                <a:cs typeface="Arial" panose="020B0604020202020204" pitchFamily="34" charset="0"/>
+              </a:rPr>
+              <a:t>ohai</a:t>
+            </a:r>
+            <a:r>
+              <a:rPr lang="en-US" sz="1200" b="0" i="0" u="none" strike="noStrike" kern="1200" dirty="0">
+                <a:solidFill>
+                  <a:schemeClr val="tx1"/>
+                </a:solidFill>
+                <a:effectLst/>
+                <a:latin typeface="Arial" panose="020B0604020202020204" pitchFamily="34" charset="0"/>
+                <a:ea typeface="ＭＳ Ｐゴシック" charset="0"/>
+                <a:cs typeface="Arial" panose="020B0604020202020204" pitchFamily="34" charset="0"/>
+              </a:rPr>
+              <a:t>’ cookbook makes it incredibly easy to install the plugin, we call the ‘</a:t>
+            </a:r>
+            <a:r>
+              <a:rPr lang="en-US" sz="1200" b="0" i="0" u="none" strike="noStrike" kern="1200" dirty="0" err="1">
+                <a:solidFill>
+                  <a:schemeClr val="tx1"/>
+                </a:solidFill>
+                <a:effectLst/>
+                <a:latin typeface="Arial" panose="020B0604020202020204" pitchFamily="34" charset="0"/>
+                <a:ea typeface="ＭＳ Ｐゴシック" charset="0"/>
+                <a:cs typeface="Arial" panose="020B0604020202020204" pitchFamily="34" charset="0"/>
+              </a:rPr>
+              <a:t>ohai_plugin</a:t>
+            </a:r>
+            <a:r>
+              <a:rPr lang="en-US" sz="1200" b="0" i="0" u="none" strike="noStrike" kern="1200" dirty="0">
+                <a:solidFill>
+                  <a:schemeClr val="tx1"/>
+                </a:solidFill>
+                <a:effectLst/>
+                <a:latin typeface="Arial" panose="020B0604020202020204" pitchFamily="34" charset="0"/>
+                <a:ea typeface="ＭＳ Ｐゴシック" charset="0"/>
+                <a:cs typeface="Arial" panose="020B0604020202020204" pitchFamily="34" charset="0"/>
+              </a:rPr>
+              <a:t>’ resource and we pass in the name of our plugin file which is: ‘</a:t>
+            </a:r>
+            <a:r>
+              <a:rPr lang="en-US" sz="1200" b="0" i="0" u="none" strike="noStrike" kern="1200" dirty="0" err="1">
+                <a:solidFill>
+                  <a:schemeClr val="tx1"/>
+                </a:solidFill>
+                <a:effectLst/>
+                <a:latin typeface="Arial" panose="020B0604020202020204" pitchFamily="34" charset="0"/>
+                <a:ea typeface="ＭＳ Ｐゴシック" charset="0"/>
+                <a:cs typeface="Arial" panose="020B0604020202020204" pitchFamily="34" charset="0"/>
+              </a:rPr>
+              <a:t>apache_modules</a:t>
+            </a:r>
+            <a:r>
+              <a:rPr lang="en-US" sz="1200" b="0" i="0" u="none" strike="noStrike" kern="1200" dirty="0">
+                <a:solidFill>
+                  <a:schemeClr val="tx1"/>
+                </a:solidFill>
+                <a:effectLst/>
+                <a:latin typeface="Arial" panose="020B0604020202020204" pitchFamily="34" charset="0"/>
+                <a:ea typeface="ＭＳ Ｐゴシック" charset="0"/>
+                <a:cs typeface="Arial" panose="020B0604020202020204" pitchFamily="34" charset="0"/>
+              </a:rPr>
+              <a:t>’.  The </a:t>
+            </a:r>
+            <a:r>
+              <a:rPr lang="en-US" sz="1200" b="0" i="0" u="none" strike="noStrike" kern="1200" dirty="0" err="1">
+                <a:solidFill>
+                  <a:schemeClr val="tx1"/>
+                </a:solidFill>
+                <a:effectLst/>
+                <a:latin typeface="Arial" panose="020B0604020202020204" pitchFamily="34" charset="0"/>
+                <a:ea typeface="ＭＳ Ｐゴシック" charset="0"/>
+                <a:cs typeface="Arial" panose="020B0604020202020204" pitchFamily="34" charset="0"/>
+              </a:rPr>
+              <a:t>ohai</a:t>
+            </a:r>
+            <a:r>
+              <a:rPr lang="en-US" sz="1200" b="0" i="0" u="none" strike="noStrike" kern="1200" dirty="0">
+                <a:solidFill>
+                  <a:schemeClr val="tx1"/>
+                </a:solidFill>
+                <a:effectLst/>
+                <a:latin typeface="Arial" panose="020B0604020202020204" pitchFamily="34" charset="0"/>
+                <a:ea typeface="ＭＳ Ｐゴシック" charset="0"/>
+                <a:cs typeface="Arial" panose="020B0604020202020204" pitchFamily="34" charset="0"/>
+              </a:rPr>
+              <a:t> cookbook is smart enough to understand that we are going to be delivering our plugin as a static file in the plugins directory, although this is configurable within the </a:t>
+            </a:r>
+            <a:r>
+              <a:rPr lang="en-US" sz="1200" b="0" i="0" u="none" strike="noStrike" kern="1200" dirty="0" err="1">
+                <a:solidFill>
+                  <a:schemeClr val="tx1"/>
+                </a:solidFill>
+                <a:effectLst/>
+                <a:latin typeface="Arial" panose="020B0604020202020204" pitchFamily="34" charset="0"/>
+                <a:ea typeface="ＭＳ Ｐゴシック" charset="0"/>
+                <a:cs typeface="Arial" panose="020B0604020202020204" pitchFamily="34" charset="0"/>
+              </a:rPr>
+              <a:t>ohai_plugins</a:t>
+            </a:r>
+            <a:r>
+              <a:rPr lang="en-US" sz="1200" b="0" i="0" u="none" strike="noStrike" kern="1200" dirty="0">
+                <a:solidFill>
+                  <a:schemeClr val="tx1"/>
+                </a:solidFill>
+                <a:effectLst/>
+                <a:latin typeface="Arial" panose="020B0604020202020204" pitchFamily="34" charset="0"/>
+                <a:ea typeface="ＭＳ Ｐゴシック" charset="0"/>
+                <a:cs typeface="Arial" panose="020B0604020202020204" pitchFamily="34" charset="0"/>
+              </a:rPr>
+              <a:t> ‘path’ property. This is all it takes for our plugin to be created, let’s call the default action from the </a:t>
+            </a:r>
+            <a:r>
+              <a:rPr lang="en-US" sz="1200" b="0" i="0" u="none" strike="noStrike" kern="1200" dirty="0" err="1">
+                <a:solidFill>
+                  <a:schemeClr val="tx1"/>
+                </a:solidFill>
+                <a:effectLst/>
+                <a:latin typeface="Arial" panose="020B0604020202020204" pitchFamily="34" charset="0"/>
+                <a:ea typeface="ＭＳ Ｐゴシック" charset="0"/>
+                <a:cs typeface="Arial" panose="020B0604020202020204" pitchFamily="34" charset="0"/>
+              </a:rPr>
+              <a:t>ohai_plugin</a:t>
+            </a:r>
+            <a:r>
+              <a:rPr lang="en-US" sz="1200" b="0" i="0" u="none" strike="noStrike" kern="1200" dirty="0">
+                <a:solidFill>
+                  <a:schemeClr val="tx1"/>
+                </a:solidFill>
+                <a:effectLst/>
+                <a:latin typeface="Arial" panose="020B0604020202020204" pitchFamily="34" charset="0"/>
+                <a:ea typeface="ＭＳ Ｐゴシック" charset="0"/>
+                <a:cs typeface="Arial" panose="020B0604020202020204" pitchFamily="34" charset="0"/>
+              </a:rPr>
+              <a:t> resource and install our </a:t>
+            </a:r>
+            <a:r>
+              <a:rPr lang="en-US" sz="1200" b="0" i="0" u="none" strike="noStrike" kern="1200" dirty="0" err="1">
+                <a:solidFill>
+                  <a:schemeClr val="tx1"/>
+                </a:solidFill>
+                <a:effectLst/>
+                <a:latin typeface="Arial" panose="020B0604020202020204" pitchFamily="34" charset="0"/>
+                <a:ea typeface="ＭＳ Ｐゴシック" charset="0"/>
+                <a:cs typeface="Arial" panose="020B0604020202020204" pitchFamily="34" charset="0"/>
+              </a:rPr>
+              <a:t>ohai</a:t>
+            </a:r>
+            <a:r>
+              <a:rPr lang="en-US" sz="1200" b="0" i="0" u="none" strike="noStrike" kern="1200" dirty="0">
+                <a:solidFill>
+                  <a:schemeClr val="tx1"/>
+                </a:solidFill>
+                <a:effectLst/>
+                <a:latin typeface="Arial" panose="020B0604020202020204" pitchFamily="34" charset="0"/>
+                <a:ea typeface="ＭＳ Ｐゴシック" charset="0"/>
+                <a:cs typeface="Arial" panose="020B0604020202020204" pitchFamily="34" charset="0"/>
+              </a:rPr>
+              <a:t> plugin.</a:t>
+            </a:r>
+            <a:endParaRPr lang="en-US" b="0" dirty="0">
+              <a:effectLst/>
+            </a:endParaRPr>
+          </a:p>
+          <a:p>
+            <a:br>
+              <a:rPr lang="en-US" dirty="0"/>
+            </a:br>
+            <a:endParaRPr lang="en-US" dirty="0"/>
+          </a:p>
+        </p:txBody>
+      </p:sp>
+      <p:sp>
+        <p:nvSpPr>
+          <p:cNvPr id="4" name="Date Placeholder 3"/>
+          <p:cNvSpPr>
+            <a:spLocks noGrp="1"/>
+          </p:cNvSpPr>
+          <p:nvPr>
+            <p:ph type="dt" idx="10"/>
+          </p:nvPr>
+        </p:nvSpPr>
+        <p:spPr/>
+        <p:txBody>
+          <a:bodyPr/>
+          <a:lstStyle/>
+          <a:p>
+            <a:pPr>
+              <a:defRPr/>
+            </a:pPr>
+            <a:r>
+              <a:rPr lang="en-US"/>
+              <a:t>Chef Software, Inc.</a:t>
+            </a:r>
+            <a:endParaRPr lang="en-US" dirty="0"/>
+          </a:p>
+        </p:txBody>
+      </p:sp>
+      <p:sp>
+        <p:nvSpPr>
+          <p:cNvPr id="5" name="Header Placeholder 4"/>
+          <p:cNvSpPr>
+            <a:spLocks noGrp="1"/>
+          </p:cNvSpPr>
+          <p:nvPr>
+            <p:ph type="hdr" sz="quarter" idx="11"/>
+          </p:nvPr>
+        </p:nvSpPr>
+        <p:spPr/>
+        <p:txBody>
+          <a:bodyPr/>
+          <a:lstStyle/>
+          <a:p>
+            <a:pPr>
+              <a:defRPr/>
+            </a:pPr>
+            <a:r>
+              <a:rPr lang="en-US"/>
+              <a:t>Chef Intermediate</a:t>
+            </a:r>
+            <a:endParaRPr lang="en-US" dirty="0"/>
+          </a:p>
+        </p:txBody>
+      </p:sp>
+    </p:spTree>
+    <p:extLst>
+      <p:ext uri="{BB962C8B-B14F-4D97-AF65-F5344CB8AC3E}">
+        <p14:creationId xmlns:p14="http://schemas.microsoft.com/office/powerpoint/2010/main" val="3274702269"/>
+      </p:ext>
+    </p:extLst>
+  </p:cSld>
+  <p:clrMapOvr>
+    <a:masterClrMapping/>
+  </p:clrMapOvr>
+</p:notes>
+</file>
+
+<file path=ppt/notesSlides/notesSlide23.xml><?xml version="1.0" encoding="utf-8"?>
+<p:notes xmlns:a="http://schemas.openxmlformats.org/drawingml/2006/main" xmlns:r="http://schemas.openxmlformats.org/officeDocument/2006/relationships" xmlns:p="http://schemas.openxmlformats.org/presentationml/2006/main">
+  <p:cSld>
+    <p:spTree>
+      <p:nvGrpSpPr>
+        <p:cNvPr id="1" name=""/>
+        <p:cNvGrpSpPr/>
+        <p:nvPr/>
+      </p:nvGrpSpPr>
+      <p:grpSpPr>
+        <a:xfrm>
+          <a:off x="0" y="0"/>
+          <a:ext cx="0" cy="0"/>
+          <a:chOff x="0" y="0"/>
+          <a:chExt cx="0" cy="0"/>
+        </a:xfrm>
+      </p:grpSpPr>
+      <p:sp>
+        <p:nvSpPr>
+          <p:cNvPr id="2" name="Slide Image Placeholder 1"/>
+          <p:cNvSpPr>
+            <a:spLocks noGrp="1" noRot="1" noChangeAspect="1"/>
+          </p:cNvSpPr>
+          <p:nvPr>
+            <p:ph type="sldImg"/>
+          </p:nvPr>
+        </p:nvSpPr>
+        <p:spPr/>
+      </p:sp>
+      <p:sp>
+        <p:nvSpPr>
+          <p:cNvPr id="3" name="Notes Placeholder 2"/>
+          <p:cNvSpPr>
+            <a:spLocks noGrp="1"/>
+          </p:cNvSpPr>
+          <p:nvPr>
+            <p:ph type="body" idx="1"/>
+          </p:nvPr>
+        </p:nvSpPr>
+        <p:spPr/>
+        <p:txBody>
+          <a:bodyPr/>
+          <a:lstStyle/>
+          <a:p>
+            <a:pPr rtl="0"/>
+            <a:r>
+              <a:rPr lang="en-US" sz="1200" b="0" i="0" u="none" strike="noStrike" kern="1200" dirty="0">
+                <a:solidFill>
+                  <a:schemeClr val="tx1"/>
+                </a:solidFill>
+                <a:effectLst/>
+                <a:latin typeface="Arial" panose="020B0604020202020204" pitchFamily="34" charset="0"/>
+                <a:ea typeface="ＭＳ Ｐゴシック" charset="0"/>
+                <a:cs typeface="Arial" panose="020B0604020202020204" pitchFamily="34" charset="0"/>
+              </a:rPr>
+              <a:t>After adding the </a:t>
+            </a:r>
+            <a:r>
+              <a:rPr lang="en-US" sz="1200" b="0" i="0" u="none" strike="noStrike" kern="1200" dirty="0" err="1">
+                <a:solidFill>
+                  <a:schemeClr val="tx1"/>
+                </a:solidFill>
+                <a:effectLst/>
+                <a:latin typeface="Arial" panose="020B0604020202020204" pitchFamily="34" charset="0"/>
+                <a:ea typeface="ＭＳ Ｐゴシック" charset="0"/>
+                <a:cs typeface="Arial" panose="020B0604020202020204" pitchFamily="34" charset="0"/>
+              </a:rPr>
+              <a:t>ohai_plugin</a:t>
+            </a:r>
+            <a:r>
+              <a:rPr lang="en-US" sz="1200" b="0" i="0" u="none" strike="noStrike" kern="1200" dirty="0">
+                <a:solidFill>
+                  <a:schemeClr val="tx1"/>
+                </a:solidFill>
+                <a:effectLst/>
+                <a:latin typeface="Arial" panose="020B0604020202020204" pitchFamily="34" charset="0"/>
+                <a:ea typeface="ＭＳ Ｐゴシック" charset="0"/>
+                <a:cs typeface="Arial" panose="020B0604020202020204" pitchFamily="34" charset="0"/>
+              </a:rPr>
+              <a:t> resource to your </a:t>
+            </a:r>
+            <a:r>
+              <a:rPr lang="en-US" sz="1200" b="0" i="0" u="none" strike="noStrike" kern="1200" dirty="0" err="1">
+                <a:solidFill>
+                  <a:schemeClr val="tx1"/>
+                </a:solidFill>
+                <a:effectLst/>
+                <a:latin typeface="Arial" panose="020B0604020202020204" pitchFamily="34" charset="0"/>
+                <a:ea typeface="ＭＳ Ｐゴシック" charset="0"/>
+                <a:cs typeface="Arial" panose="020B0604020202020204" pitchFamily="34" charset="0"/>
+              </a:rPr>
+              <a:t>ohai_apache_modules.rb</a:t>
+            </a:r>
+            <a:r>
+              <a:rPr lang="en-US" sz="1200" b="0" i="0" u="none" strike="noStrike" kern="1200" dirty="0">
+                <a:solidFill>
+                  <a:schemeClr val="tx1"/>
+                </a:solidFill>
+                <a:effectLst/>
+                <a:latin typeface="Arial" panose="020B0604020202020204" pitchFamily="34" charset="0"/>
+                <a:ea typeface="ＭＳ Ｐゴシック" charset="0"/>
+                <a:cs typeface="Arial" panose="020B0604020202020204" pitchFamily="34" charset="0"/>
+              </a:rPr>
+              <a:t> file you should have passing unit tests.</a:t>
+            </a:r>
+            <a:endParaRPr lang="en-US" b="0" dirty="0">
+              <a:effectLst/>
+            </a:endParaRPr>
+          </a:p>
+          <a:p>
+            <a:br>
+              <a:rPr lang="en-US" dirty="0"/>
+            </a:br>
+            <a:endParaRPr lang="en-US" dirty="0"/>
+          </a:p>
+        </p:txBody>
+      </p:sp>
+      <p:sp>
+        <p:nvSpPr>
+          <p:cNvPr id="4" name="Date Placeholder 3"/>
+          <p:cNvSpPr>
+            <a:spLocks noGrp="1"/>
+          </p:cNvSpPr>
+          <p:nvPr>
+            <p:ph type="dt" idx="10"/>
+          </p:nvPr>
+        </p:nvSpPr>
+        <p:spPr/>
+        <p:txBody>
+          <a:bodyPr/>
+          <a:lstStyle/>
+          <a:p>
+            <a:pPr>
+              <a:defRPr/>
+            </a:pPr>
+            <a:r>
+              <a:rPr lang="en-US"/>
+              <a:t>Chef Software, Inc.</a:t>
+            </a:r>
+            <a:endParaRPr lang="en-US" dirty="0"/>
+          </a:p>
+        </p:txBody>
+      </p:sp>
+      <p:sp>
+        <p:nvSpPr>
+          <p:cNvPr id="5" name="Header Placeholder 4"/>
+          <p:cNvSpPr>
+            <a:spLocks noGrp="1"/>
+          </p:cNvSpPr>
+          <p:nvPr>
+            <p:ph type="hdr" sz="quarter" idx="11"/>
+          </p:nvPr>
+        </p:nvSpPr>
+        <p:spPr/>
+        <p:txBody>
+          <a:bodyPr/>
+          <a:lstStyle/>
+          <a:p>
+            <a:pPr>
+              <a:defRPr/>
+            </a:pPr>
+            <a:r>
+              <a:rPr lang="en-US"/>
+              <a:t>Chef Intermediate</a:t>
+            </a:r>
+            <a:endParaRPr lang="en-US" dirty="0"/>
+          </a:p>
+        </p:txBody>
+      </p:sp>
+    </p:spTree>
+    <p:extLst>
+      <p:ext uri="{BB962C8B-B14F-4D97-AF65-F5344CB8AC3E}">
+        <p14:creationId xmlns:p14="http://schemas.microsoft.com/office/powerpoint/2010/main" val="1162624296"/>
+      </p:ext>
+    </p:extLst>
+  </p:cSld>
+  <p:clrMapOvr>
+    <a:masterClrMapping/>
+  </p:clrMapOvr>
+</p:notes>
+</file>
+
+<file path=ppt/notesSlides/notesSlide24.xml><?xml version="1.0" encoding="utf-8"?>
+<p:notes xmlns:a="http://schemas.openxmlformats.org/drawingml/2006/main" xmlns:r="http://schemas.openxmlformats.org/officeDocument/2006/relationships" xmlns:p="http://schemas.openxmlformats.org/presentationml/2006/main">
+  <p:cSld>
+    <p:spTree>
+      <p:nvGrpSpPr>
+        <p:cNvPr id="1" name=""/>
+        <p:cNvGrpSpPr/>
+        <p:nvPr/>
+      </p:nvGrpSpPr>
+      <p:grpSpPr>
+        <a:xfrm>
+          <a:off x="0" y="0"/>
+          <a:ext cx="0" cy="0"/>
+          <a:chOff x="0" y="0"/>
+          <a:chExt cx="0" cy="0"/>
+        </a:xfrm>
+      </p:grpSpPr>
+      <p:sp>
+        <p:nvSpPr>
+          <p:cNvPr id="2" name="Slide Image Placeholder 1"/>
+          <p:cNvSpPr>
+            <a:spLocks noGrp="1" noRot="1" noChangeAspect="1"/>
+          </p:cNvSpPr>
+          <p:nvPr>
+            <p:ph type="sldImg"/>
+          </p:nvPr>
+        </p:nvSpPr>
+        <p:spPr/>
+      </p:sp>
+      <p:sp>
+        <p:nvSpPr>
+          <p:cNvPr id="3" name="Notes Placeholder 2"/>
+          <p:cNvSpPr>
+            <a:spLocks noGrp="1"/>
+          </p:cNvSpPr>
+          <p:nvPr>
+            <p:ph type="body" idx="1"/>
+          </p:nvPr>
+        </p:nvSpPr>
+        <p:spPr/>
+        <p:txBody>
+          <a:bodyPr/>
+          <a:lstStyle/>
+          <a:p>
+            <a:pPr rtl="0"/>
+            <a:r>
+              <a:rPr lang="en-US" sz="1200" b="0" i="0" u="none" strike="noStrike" kern="1200" dirty="0">
+                <a:solidFill>
+                  <a:schemeClr val="tx1"/>
+                </a:solidFill>
+                <a:effectLst/>
+                <a:latin typeface="Arial" panose="020B0604020202020204" pitchFamily="34" charset="0"/>
+                <a:ea typeface="ＭＳ Ｐゴシック" charset="0"/>
+                <a:cs typeface="Arial" panose="020B0604020202020204" pitchFamily="34" charset="0"/>
+              </a:rPr>
+              <a:t>Now we are at the final step, it’s time for us to do our final check and run an integration test that includes the </a:t>
+            </a:r>
+            <a:r>
+              <a:rPr lang="en-US" sz="1200" b="0" i="0" u="none" strike="noStrike" kern="1200" dirty="0" err="1">
+                <a:solidFill>
+                  <a:schemeClr val="tx1"/>
+                </a:solidFill>
+                <a:effectLst/>
+                <a:latin typeface="Arial" panose="020B0604020202020204" pitchFamily="34" charset="0"/>
+                <a:ea typeface="ＭＳ Ｐゴシック" charset="0"/>
+                <a:cs typeface="Arial" panose="020B0604020202020204" pitchFamily="34" charset="0"/>
+              </a:rPr>
+              <a:t>ohai_apache_modules</a:t>
+            </a:r>
+            <a:r>
+              <a:rPr lang="en-US" sz="1200" b="0" i="0" u="none" strike="noStrike" kern="1200" dirty="0">
+                <a:solidFill>
+                  <a:schemeClr val="tx1"/>
+                </a:solidFill>
+                <a:effectLst/>
+                <a:latin typeface="Arial" panose="020B0604020202020204" pitchFamily="34" charset="0"/>
+                <a:ea typeface="ＭＳ Ｐゴシック" charset="0"/>
+                <a:cs typeface="Arial" panose="020B0604020202020204" pitchFamily="34" charset="0"/>
+              </a:rPr>
+              <a:t> recipe.  To get this test to run, we are going to have to make sure that our .</a:t>
+            </a:r>
+            <a:r>
+              <a:rPr lang="en-US" sz="1200" b="0" i="0" u="none" strike="noStrike" kern="1200" dirty="0" err="1">
+                <a:solidFill>
+                  <a:schemeClr val="tx1"/>
+                </a:solidFill>
+                <a:effectLst/>
+                <a:latin typeface="Arial" panose="020B0604020202020204" pitchFamily="34" charset="0"/>
+                <a:ea typeface="ＭＳ Ｐゴシック" charset="0"/>
+                <a:cs typeface="Arial" panose="020B0604020202020204" pitchFamily="34" charset="0"/>
+              </a:rPr>
+              <a:t>kitchen.yml</a:t>
+            </a:r>
+            <a:r>
+              <a:rPr lang="en-US" sz="1200" b="0" i="0" u="none" strike="noStrike" kern="1200" dirty="0">
+                <a:solidFill>
+                  <a:schemeClr val="tx1"/>
+                </a:solidFill>
+                <a:effectLst/>
+                <a:latin typeface="Arial" panose="020B0604020202020204" pitchFamily="34" charset="0"/>
+                <a:ea typeface="ＭＳ Ｐゴシック" charset="0"/>
+                <a:cs typeface="Arial" panose="020B0604020202020204" pitchFamily="34" charset="0"/>
+              </a:rPr>
+              <a:t> file is setup to execute it. We add to the </a:t>
+            </a:r>
+            <a:r>
+              <a:rPr lang="en-US" sz="1200" b="0" i="0" u="none" strike="noStrike" kern="1200" dirty="0" err="1">
+                <a:solidFill>
+                  <a:schemeClr val="tx1"/>
+                </a:solidFill>
+                <a:effectLst/>
+                <a:latin typeface="Arial" panose="020B0604020202020204" pitchFamily="34" charset="0"/>
+                <a:ea typeface="ＭＳ Ｐゴシック" charset="0"/>
+                <a:cs typeface="Arial" panose="020B0604020202020204" pitchFamily="34" charset="0"/>
+              </a:rPr>
+              <a:t>run_list</a:t>
+            </a:r>
+            <a:r>
+              <a:rPr lang="en-US" sz="1200" b="0" i="0" u="none" strike="noStrike" kern="1200" dirty="0">
+                <a:solidFill>
+                  <a:schemeClr val="tx1"/>
+                </a:solidFill>
+                <a:effectLst/>
+                <a:latin typeface="Arial" panose="020B0604020202020204" pitchFamily="34" charset="0"/>
+                <a:ea typeface="ＭＳ Ｐゴシック" charset="0"/>
+                <a:cs typeface="Arial" panose="020B0604020202020204" pitchFamily="34" charset="0"/>
+              </a:rPr>
+              <a:t> for the default suite to include our new recipe, the </a:t>
+            </a:r>
+            <a:r>
+              <a:rPr lang="en-US" sz="1200" b="0" i="0" u="none" strike="noStrike" kern="1200" dirty="0" err="1">
+                <a:solidFill>
+                  <a:schemeClr val="tx1"/>
+                </a:solidFill>
+                <a:effectLst/>
+                <a:latin typeface="Arial" panose="020B0604020202020204" pitchFamily="34" charset="0"/>
+                <a:ea typeface="ＭＳ Ｐゴシック" charset="0"/>
+                <a:cs typeface="Arial" panose="020B0604020202020204" pitchFamily="34" charset="0"/>
+              </a:rPr>
+              <a:t>ohai_apache_modules</a:t>
+            </a:r>
+            <a:r>
+              <a:rPr lang="en-US" sz="1200" b="0" i="0" u="none" strike="noStrike" kern="1200" dirty="0">
+                <a:solidFill>
+                  <a:schemeClr val="tx1"/>
+                </a:solidFill>
+                <a:effectLst/>
+                <a:latin typeface="Arial" panose="020B0604020202020204" pitchFamily="34" charset="0"/>
+                <a:ea typeface="ＭＳ Ｐゴシック" charset="0"/>
+                <a:cs typeface="Arial" panose="020B0604020202020204" pitchFamily="34" charset="0"/>
+              </a:rPr>
+              <a:t> recipe, to explicitly tell test kitchen to run it.  </a:t>
+            </a:r>
+            <a:endParaRPr lang="en-US" b="0" dirty="0">
+              <a:effectLst/>
+            </a:endParaRPr>
+          </a:p>
+          <a:p>
+            <a:br>
+              <a:rPr lang="en-US" dirty="0"/>
+            </a:br>
+            <a:endParaRPr lang="en-US" dirty="0"/>
+          </a:p>
+        </p:txBody>
+      </p:sp>
+      <p:sp>
+        <p:nvSpPr>
+          <p:cNvPr id="4" name="Date Placeholder 3"/>
+          <p:cNvSpPr>
+            <a:spLocks noGrp="1"/>
+          </p:cNvSpPr>
+          <p:nvPr>
+            <p:ph type="dt" idx="10"/>
+          </p:nvPr>
+        </p:nvSpPr>
+        <p:spPr/>
+        <p:txBody>
+          <a:bodyPr/>
+          <a:lstStyle/>
+          <a:p>
+            <a:pPr>
+              <a:defRPr/>
+            </a:pPr>
+            <a:r>
+              <a:rPr lang="en-US"/>
+              <a:t>Chef Software, Inc.</a:t>
+            </a:r>
+            <a:endParaRPr lang="en-US" dirty="0"/>
+          </a:p>
+        </p:txBody>
+      </p:sp>
+      <p:sp>
+        <p:nvSpPr>
+          <p:cNvPr id="5" name="Header Placeholder 4"/>
+          <p:cNvSpPr>
+            <a:spLocks noGrp="1"/>
+          </p:cNvSpPr>
+          <p:nvPr>
+            <p:ph type="hdr" sz="quarter" idx="11"/>
+          </p:nvPr>
+        </p:nvSpPr>
+        <p:spPr/>
+        <p:txBody>
+          <a:bodyPr/>
+          <a:lstStyle/>
+          <a:p>
+            <a:pPr>
+              <a:defRPr/>
+            </a:pPr>
+            <a:r>
+              <a:rPr lang="en-US"/>
+              <a:t>Chef Intermediate</a:t>
+            </a:r>
+            <a:endParaRPr lang="en-US" dirty="0"/>
+          </a:p>
+        </p:txBody>
+      </p:sp>
+    </p:spTree>
+    <p:extLst>
+      <p:ext uri="{BB962C8B-B14F-4D97-AF65-F5344CB8AC3E}">
+        <p14:creationId xmlns:p14="http://schemas.microsoft.com/office/powerpoint/2010/main" val="2756705337"/>
+      </p:ext>
+    </p:extLst>
+  </p:cSld>
+  <p:clrMapOvr>
+    <a:masterClrMapping/>
+  </p:clrMapOvr>
+</p:notes>
+</file>
+
+<file path=ppt/notesSlides/notesSlide25.xml><?xml version="1.0" encoding="utf-8"?>
+<p:notes xmlns:a="http://schemas.openxmlformats.org/drawingml/2006/main" xmlns:r="http://schemas.openxmlformats.org/officeDocument/2006/relationships" xmlns:p="http://schemas.openxmlformats.org/presentationml/2006/main">
+  <p:cSld>
+    <p:spTree>
+      <p:nvGrpSpPr>
+        <p:cNvPr id="1" name=""/>
+        <p:cNvGrpSpPr/>
+        <p:nvPr/>
+      </p:nvGrpSpPr>
+      <p:grpSpPr>
+        <a:xfrm>
+          <a:off x="0" y="0"/>
+          <a:ext cx="0" cy="0"/>
+          <a:chOff x="0" y="0"/>
+          <a:chExt cx="0" cy="0"/>
+        </a:xfrm>
+      </p:grpSpPr>
+      <p:sp>
+        <p:nvSpPr>
+          <p:cNvPr id="2" name="Slide Image Placeholder 1"/>
+          <p:cNvSpPr>
+            <a:spLocks noGrp="1" noRot="1" noChangeAspect="1"/>
+          </p:cNvSpPr>
+          <p:nvPr>
+            <p:ph type="sldImg"/>
+          </p:nvPr>
+        </p:nvSpPr>
+        <p:spPr/>
+      </p:sp>
+      <p:sp>
+        <p:nvSpPr>
+          <p:cNvPr id="3" name="Notes Placeholder 2"/>
+          <p:cNvSpPr>
+            <a:spLocks noGrp="1"/>
+          </p:cNvSpPr>
+          <p:nvPr>
+            <p:ph type="body" idx="1"/>
+          </p:nvPr>
+        </p:nvSpPr>
+        <p:spPr/>
+        <p:txBody>
+          <a:bodyPr/>
+          <a:lstStyle/>
+          <a:p>
+            <a:pPr rtl="0"/>
+            <a:r>
+              <a:rPr lang="en-US" sz="1200" b="0" i="0" u="none" strike="noStrike" kern="1200" dirty="0">
+                <a:solidFill>
+                  <a:schemeClr val="tx1"/>
+                </a:solidFill>
+                <a:effectLst/>
+                <a:latin typeface="Arial" panose="020B0604020202020204" pitchFamily="34" charset="0"/>
+                <a:ea typeface="ＭＳ Ｐゴシック" charset="0"/>
+                <a:cs typeface="Arial" panose="020B0604020202020204" pitchFamily="34" charset="0"/>
+              </a:rPr>
+              <a:t>Once you have added that recipe to the </a:t>
+            </a:r>
+            <a:r>
+              <a:rPr lang="en-US" sz="1200" b="0" i="0" u="none" strike="noStrike" kern="1200" dirty="0" err="1">
+                <a:solidFill>
+                  <a:schemeClr val="tx1"/>
+                </a:solidFill>
+                <a:effectLst/>
+                <a:latin typeface="Arial" panose="020B0604020202020204" pitchFamily="34" charset="0"/>
+                <a:ea typeface="ＭＳ Ｐゴシック" charset="0"/>
+                <a:cs typeface="Arial" panose="020B0604020202020204" pitchFamily="34" charset="0"/>
+              </a:rPr>
+              <a:t>runlist</a:t>
+            </a:r>
+            <a:r>
+              <a:rPr lang="en-US" sz="1200" b="0" i="0" u="none" strike="noStrike" kern="1200" dirty="0">
+                <a:solidFill>
+                  <a:schemeClr val="tx1"/>
+                </a:solidFill>
+                <a:effectLst/>
+                <a:latin typeface="Arial" panose="020B0604020202020204" pitchFamily="34" charset="0"/>
+                <a:ea typeface="ＭＳ Ｐゴシック" charset="0"/>
+                <a:cs typeface="Arial" panose="020B0604020202020204" pitchFamily="34" charset="0"/>
+              </a:rPr>
+              <a:t> for the default suite, you are in a position to converge that machine and actually apply your new recipe. While this is running, understand that we have not yet written an assertion for test kitchen.  We have not written our integration test at this point to verify that this plugin runs. </a:t>
+            </a:r>
+            <a:endParaRPr lang="en-US" b="0" dirty="0">
+              <a:effectLst/>
+            </a:endParaRPr>
+          </a:p>
+          <a:p>
+            <a:br>
+              <a:rPr lang="en-US" dirty="0"/>
+            </a:br>
+            <a:endParaRPr lang="en-US" dirty="0"/>
+          </a:p>
+        </p:txBody>
+      </p:sp>
+      <p:sp>
+        <p:nvSpPr>
+          <p:cNvPr id="4" name="Date Placeholder 3"/>
+          <p:cNvSpPr>
+            <a:spLocks noGrp="1"/>
+          </p:cNvSpPr>
+          <p:nvPr>
+            <p:ph type="dt" idx="10"/>
+          </p:nvPr>
+        </p:nvSpPr>
+        <p:spPr/>
+        <p:txBody>
+          <a:bodyPr/>
+          <a:lstStyle/>
+          <a:p>
+            <a:pPr>
+              <a:defRPr/>
+            </a:pPr>
+            <a:r>
+              <a:rPr lang="en-US"/>
+              <a:t>Chef Software, Inc.</a:t>
+            </a:r>
+            <a:endParaRPr lang="en-US" dirty="0"/>
+          </a:p>
+        </p:txBody>
+      </p:sp>
+      <p:sp>
+        <p:nvSpPr>
+          <p:cNvPr id="5" name="Header Placeholder 4"/>
+          <p:cNvSpPr>
+            <a:spLocks noGrp="1"/>
+          </p:cNvSpPr>
+          <p:nvPr>
+            <p:ph type="hdr" sz="quarter" idx="11"/>
+          </p:nvPr>
+        </p:nvSpPr>
+        <p:spPr/>
+        <p:txBody>
+          <a:bodyPr/>
+          <a:lstStyle/>
+          <a:p>
+            <a:pPr>
+              <a:defRPr/>
+            </a:pPr>
+            <a:r>
+              <a:rPr lang="en-US"/>
+              <a:t>Chef Intermediate</a:t>
+            </a:r>
+            <a:endParaRPr lang="en-US" dirty="0"/>
+          </a:p>
+        </p:txBody>
+      </p:sp>
+    </p:spTree>
+    <p:extLst>
+      <p:ext uri="{BB962C8B-B14F-4D97-AF65-F5344CB8AC3E}">
+        <p14:creationId xmlns:p14="http://schemas.microsoft.com/office/powerpoint/2010/main" val="1203745796"/>
+      </p:ext>
+    </p:extLst>
+  </p:cSld>
+  <p:clrMapOvr>
+    <a:masterClrMapping/>
+  </p:clrMapOvr>
+</p:notes>
+</file>
+
+<file path=ppt/notesSlides/notesSlide26.xml><?xml version="1.0" encoding="utf-8"?>
+<p:notes xmlns:a="http://schemas.openxmlformats.org/drawingml/2006/main" xmlns:r="http://schemas.openxmlformats.org/officeDocument/2006/relationships" xmlns:p="http://schemas.openxmlformats.org/presentationml/2006/main">
+  <p:cSld>
+    <p:spTree>
+      <p:nvGrpSpPr>
+        <p:cNvPr id="1" name=""/>
+        <p:cNvGrpSpPr/>
+        <p:nvPr/>
+      </p:nvGrpSpPr>
+      <p:grpSpPr>
+        <a:xfrm>
+          <a:off x="0" y="0"/>
+          <a:ext cx="0" cy="0"/>
+          <a:chOff x="0" y="0"/>
+          <a:chExt cx="0" cy="0"/>
+        </a:xfrm>
+      </p:grpSpPr>
+      <p:sp>
+        <p:nvSpPr>
+          <p:cNvPr id="2" name="Slide Image Placeholder 1"/>
+          <p:cNvSpPr>
+            <a:spLocks noGrp="1" noRot="1" noChangeAspect="1"/>
+          </p:cNvSpPr>
+          <p:nvPr>
+            <p:ph type="sldImg"/>
+          </p:nvPr>
+        </p:nvSpPr>
+        <p:spPr/>
+      </p:sp>
+      <p:sp>
+        <p:nvSpPr>
+          <p:cNvPr id="3" name="Notes Placeholder 2"/>
+          <p:cNvSpPr>
+            <a:spLocks noGrp="1"/>
+          </p:cNvSpPr>
+          <p:nvPr>
+            <p:ph type="body" idx="1"/>
+          </p:nvPr>
+        </p:nvSpPr>
+        <p:spPr/>
+        <p:txBody>
+          <a:bodyPr/>
+          <a:lstStyle/>
+          <a:p>
+            <a:pPr rtl="0"/>
+            <a:r>
+              <a:rPr lang="en-US" dirty="0"/>
+              <a:t>Replace auto-generated test with new expectation. </a:t>
+            </a:r>
+            <a:r>
+              <a:rPr lang="en-US" sz="1200" b="0" i="0" u="none" strike="noStrike" kern="1200" dirty="0">
+                <a:solidFill>
+                  <a:schemeClr val="tx1"/>
+                </a:solidFill>
+                <a:effectLst/>
+                <a:latin typeface="Arial" panose="020B0604020202020204" pitchFamily="34" charset="0"/>
+                <a:ea typeface="ＭＳ Ｐゴシック" charset="0"/>
+                <a:cs typeface="Arial" panose="020B0604020202020204" pitchFamily="34" charset="0"/>
+              </a:rPr>
+              <a:t>Here we have the expectation for our plugin when we run this on our test instance.  Now there is one ‘</a:t>
+            </a:r>
+            <a:r>
+              <a:rPr lang="en-US" sz="1200" b="0" i="0" u="none" strike="noStrike" kern="1200" dirty="0" err="1">
+                <a:solidFill>
+                  <a:schemeClr val="tx1"/>
+                </a:solidFill>
+                <a:effectLst/>
+                <a:latin typeface="Arial" panose="020B0604020202020204" pitchFamily="34" charset="0"/>
+                <a:ea typeface="ＭＳ Ｐゴシック" charset="0"/>
+                <a:cs typeface="Arial" panose="020B0604020202020204" pitchFamily="34" charset="0"/>
+              </a:rPr>
+              <a:t>gotchya</a:t>
+            </a:r>
+            <a:r>
+              <a:rPr lang="en-US" sz="1200" b="0" i="0" u="none" strike="noStrike" kern="1200" dirty="0">
+                <a:solidFill>
+                  <a:schemeClr val="tx1"/>
+                </a:solidFill>
+                <a:effectLst/>
+                <a:latin typeface="Arial" panose="020B0604020202020204" pitchFamily="34" charset="0"/>
+                <a:ea typeface="ＭＳ Ｐゴシック" charset="0"/>
+                <a:cs typeface="Arial" panose="020B0604020202020204" pitchFamily="34" charset="0"/>
+              </a:rPr>
+              <a:t>’ that we need to note that is not intuitive considering where </a:t>
+            </a:r>
+            <a:r>
+              <a:rPr lang="en-US" sz="1200" b="0" i="0" u="none" strike="noStrike" kern="1200" dirty="0" err="1">
+                <a:solidFill>
+                  <a:schemeClr val="tx1"/>
+                </a:solidFill>
+                <a:effectLst/>
+                <a:latin typeface="Arial" panose="020B0604020202020204" pitchFamily="34" charset="0"/>
+                <a:ea typeface="ＭＳ Ｐゴシック" charset="0"/>
+                <a:cs typeface="Arial" panose="020B0604020202020204" pitchFamily="34" charset="0"/>
+              </a:rPr>
+              <a:t>ohai</a:t>
+            </a:r>
+            <a:r>
+              <a:rPr lang="en-US" sz="1200" b="0" i="0" u="none" strike="noStrike" kern="1200" dirty="0">
+                <a:solidFill>
+                  <a:schemeClr val="tx1"/>
+                </a:solidFill>
+                <a:effectLst/>
+                <a:latin typeface="Arial" panose="020B0604020202020204" pitchFamily="34" charset="0"/>
+                <a:ea typeface="ＭＳ Ｐゴシック" charset="0"/>
+                <a:cs typeface="Arial" panose="020B0604020202020204" pitchFamily="34" charset="0"/>
+              </a:rPr>
+              <a:t> plugins are usually stored on a production system.  Normally on a Red Hat system the master directory for Chef is the /</a:t>
+            </a:r>
+            <a:r>
+              <a:rPr lang="en-US" sz="1200" b="0" i="0" u="none" strike="noStrike" kern="1200" dirty="0" err="1">
+                <a:solidFill>
+                  <a:schemeClr val="tx1"/>
+                </a:solidFill>
+                <a:effectLst/>
+                <a:latin typeface="Arial" panose="020B0604020202020204" pitchFamily="34" charset="0"/>
+                <a:ea typeface="ＭＳ Ｐゴシック" charset="0"/>
+                <a:cs typeface="Arial" panose="020B0604020202020204" pitchFamily="34" charset="0"/>
+              </a:rPr>
+              <a:t>etc</a:t>
+            </a:r>
+            <a:r>
+              <a:rPr lang="en-US" sz="1200" b="0" i="0" u="none" strike="noStrike" kern="1200" dirty="0">
+                <a:solidFill>
+                  <a:schemeClr val="tx1"/>
+                </a:solidFill>
+                <a:effectLst/>
+                <a:latin typeface="Arial" panose="020B0604020202020204" pitchFamily="34" charset="0"/>
+                <a:ea typeface="ＭＳ Ｐゴシック" charset="0"/>
+                <a:cs typeface="Arial" panose="020B0604020202020204" pitchFamily="34" charset="0"/>
+              </a:rPr>
+              <a:t>/chef directory. On any system that has been bootstrapped and attached to a chef server, this is where we would find our </a:t>
+            </a:r>
+            <a:r>
+              <a:rPr lang="en-US" sz="1200" b="0" i="0" u="none" strike="noStrike" kern="1200" dirty="0" err="1">
+                <a:solidFill>
+                  <a:schemeClr val="tx1"/>
+                </a:solidFill>
+                <a:effectLst/>
+                <a:latin typeface="Arial" panose="020B0604020202020204" pitchFamily="34" charset="0"/>
+                <a:ea typeface="ＭＳ Ｐゴシック" charset="0"/>
+                <a:cs typeface="Arial" panose="020B0604020202020204" pitchFamily="34" charset="0"/>
+              </a:rPr>
+              <a:t>ohai</a:t>
+            </a:r>
+            <a:r>
+              <a:rPr lang="en-US" sz="1200" b="0" i="0" u="none" strike="noStrike" kern="1200" dirty="0">
+                <a:solidFill>
+                  <a:schemeClr val="tx1"/>
+                </a:solidFill>
+                <a:effectLst/>
+                <a:latin typeface="Arial" panose="020B0604020202020204" pitchFamily="34" charset="0"/>
+                <a:ea typeface="ＭＳ Ｐゴシック" charset="0"/>
+                <a:cs typeface="Arial" panose="020B0604020202020204" pitchFamily="34" charset="0"/>
+              </a:rPr>
+              <a:t>/plugins directory.  Within a test kitchen instance however, the location for our plugins are going to be within this /</a:t>
+            </a:r>
+            <a:r>
+              <a:rPr lang="en-US" sz="1200" b="0" i="0" u="none" strike="noStrike" kern="1200" dirty="0" err="1">
+                <a:solidFill>
+                  <a:schemeClr val="tx1"/>
+                </a:solidFill>
+                <a:effectLst/>
+                <a:latin typeface="Arial" panose="020B0604020202020204" pitchFamily="34" charset="0"/>
+                <a:ea typeface="ＭＳ Ｐゴシック" charset="0"/>
+                <a:cs typeface="Arial" panose="020B0604020202020204" pitchFamily="34" charset="0"/>
+              </a:rPr>
+              <a:t>tmp</a:t>
+            </a:r>
+            <a:r>
+              <a:rPr lang="en-US" sz="1200" b="0" i="0" u="none" strike="noStrike" kern="1200" dirty="0">
+                <a:solidFill>
+                  <a:schemeClr val="tx1"/>
+                </a:solidFill>
+                <a:effectLst/>
+                <a:latin typeface="Arial" panose="020B0604020202020204" pitchFamily="34" charset="0"/>
+                <a:ea typeface="ＭＳ Ｐゴシック" charset="0"/>
+                <a:cs typeface="Arial" panose="020B0604020202020204" pitchFamily="34" charset="0"/>
+              </a:rPr>
+              <a:t>/kitchen/</a:t>
+            </a:r>
+            <a:r>
+              <a:rPr lang="en-US" sz="1200" b="0" i="0" u="none" strike="noStrike" kern="1200" dirty="0" err="1">
+                <a:solidFill>
+                  <a:schemeClr val="tx1"/>
+                </a:solidFill>
+                <a:effectLst/>
+                <a:latin typeface="Arial" panose="020B0604020202020204" pitchFamily="34" charset="0"/>
+                <a:ea typeface="ＭＳ Ｐゴシック" charset="0"/>
+                <a:cs typeface="Arial" panose="020B0604020202020204" pitchFamily="34" charset="0"/>
+              </a:rPr>
+              <a:t>ohai</a:t>
+            </a:r>
+            <a:r>
+              <a:rPr lang="en-US" sz="1200" b="0" i="0" u="none" strike="noStrike" kern="1200" dirty="0">
+                <a:solidFill>
+                  <a:schemeClr val="tx1"/>
+                </a:solidFill>
+                <a:effectLst/>
+                <a:latin typeface="Arial" panose="020B0604020202020204" pitchFamily="34" charset="0"/>
+                <a:ea typeface="ＭＳ Ｐゴシック" charset="0"/>
+                <a:cs typeface="Arial" panose="020B0604020202020204" pitchFamily="34" charset="0"/>
+              </a:rPr>
+              <a:t>/plugins directory. We’ll see the normal structure that you would expect to be found within the /</a:t>
+            </a:r>
+            <a:r>
+              <a:rPr lang="en-US" sz="1200" b="0" i="0" u="none" strike="noStrike" kern="1200" dirty="0" err="1">
+                <a:solidFill>
+                  <a:schemeClr val="tx1"/>
+                </a:solidFill>
+                <a:effectLst/>
+                <a:latin typeface="Arial" panose="020B0604020202020204" pitchFamily="34" charset="0"/>
+                <a:ea typeface="ＭＳ Ｐゴシック" charset="0"/>
+                <a:cs typeface="Arial" panose="020B0604020202020204" pitchFamily="34" charset="0"/>
+              </a:rPr>
+              <a:t>etc</a:t>
+            </a:r>
+            <a:r>
+              <a:rPr lang="en-US" sz="1200" b="0" i="0" u="none" strike="noStrike" kern="1200" dirty="0">
+                <a:solidFill>
+                  <a:schemeClr val="tx1"/>
+                </a:solidFill>
+                <a:effectLst/>
+                <a:latin typeface="Arial" panose="020B0604020202020204" pitchFamily="34" charset="0"/>
+                <a:ea typeface="ＭＳ Ｐゴシック" charset="0"/>
+                <a:cs typeface="Arial" panose="020B0604020202020204" pitchFamily="34" charset="0"/>
+              </a:rPr>
+              <a:t>/chef directory here in the /</a:t>
+            </a:r>
+            <a:r>
+              <a:rPr lang="en-US" sz="1200" b="0" i="0" u="none" strike="noStrike" kern="1200" dirty="0" err="1">
+                <a:solidFill>
+                  <a:schemeClr val="tx1"/>
+                </a:solidFill>
+                <a:effectLst/>
+                <a:latin typeface="Arial" panose="020B0604020202020204" pitchFamily="34" charset="0"/>
+                <a:ea typeface="ＭＳ Ｐゴシック" charset="0"/>
+                <a:cs typeface="Arial" panose="020B0604020202020204" pitchFamily="34" charset="0"/>
+              </a:rPr>
+              <a:t>tmp</a:t>
+            </a:r>
+            <a:r>
+              <a:rPr lang="en-US" sz="1200" b="0" i="0" u="none" strike="noStrike" kern="1200" dirty="0">
+                <a:solidFill>
+                  <a:schemeClr val="tx1"/>
+                </a:solidFill>
+                <a:effectLst/>
+                <a:latin typeface="Arial" panose="020B0604020202020204" pitchFamily="34" charset="0"/>
+                <a:ea typeface="ＭＳ Ｐゴシック" charset="0"/>
+                <a:cs typeface="Arial" panose="020B0604020202020204" pitchFamily="34" charset="0"/>
+              </a:rPr>
+              <a:t>/kitchen directory.  With this in mind, we can execute </a:t>
+            </a:r>
+            <a:r>
+              <a:rPr lang="en-US" sz="1200" b="0" i="0" u="none" strike="noStrike" kern="1200" dirty="0" err="1">
+                <a:solidFill>
+                  <a:schemeClr val="tx1"/>
+                </a:solidFill>
+                <a:effectLst/>
+                <a:latin typeface="Arial" panose="020B0604020202020204" pitchFamily="34" charset="0"/>
+                <a:ea typeface="ＭＳ Ｐゴシック" charset="0"/>
+                <a:cs typeface="Arial" panose="020B0604020202020204" pitchFamily="34" charset="0"/>
+              </a:rPr>
+              <a:t>Ohai</a:t>
+            </a:r>
+            <a:r>
+              <a:rPr lang="en-US" sz="1200" b="0" i="0" u="none" strike="noStrike" kern="1200" dirty="0">
+                <a:solidFill>
+                  <a:schemeClr val="tx1"/>
+                </a:solidFill>
+                <a:effectLst/>
+                <a:latin typeface="Arial" panose="020B0604020202020204" pitchFamily="34" charset="0"/>
+                <a:ea typeface="ＭＳ Ｐゴシック" charset="0"/>
+                <a:cs typeface="Arial" panose="020B0604020202020204" pitchFamily="34" charset="0"/>
+              </a:rPr>
+              <a:t> against any particular plugin by providing the -d option, the plugin directory, and the name of the plugin we are going to execute. Testing this we expect that somewhere within the standard output, it is going to contain ‘</a:t>
+            </a:r>
+            <a:r>
+              <a:rPr lang="en-US" sz="1200" b="0" i="0" u="none" strike="noStrike" kern="1200" dirty="0" err="1">
+                <a:solidFill>
+                  <a:schemeClr val="tx1"/>
+                </a:solidFill>
+                <a:effectLst/>
+                <a:latin typeface="Arial" panose="020B0604020202020204" pitchFamily="34" charset="0"/>
+                <a:ea typeface="ＭＳ Ｐゴシック" charset="0"/>
+                <a:cs typeface="Arial" panose="020B0604020202020204" pitchFamily="34" charset="0"/>
+              </a:rPr>
+              <a:t>core_module</a:t>
+            </a:r>
+            <a:r>
+              <a:rPr lang="en-US" sz="1200" b="0" i="0" u="none" strike="noStrike" kern="1200" dirty="0">
+                <a:solidFill>
+                  <a:schemeClr val="tx1"/>
+                </a:solidFill>
+                <a:effectLst/>
+                <a:latin typeface="Arial" panose="020B0604020202020204" pitchFamily="34" charset="0"/>
+                <a:ea typeface="ＭＳ Ｐゴシック" charset="0"/>
+                <a:cs typeface="Arial" panose="020B0604020202020204" pitchFamily="34" charset="0"/>
+              </a:rPr>
+              <a:t>’.  </a:t>
+            </a:r>
+            <a:endParaRPr lang="en-US" b="0" dirty="0">
+              <a:effectLst/>
+            </a:endParaRPr>
+          </a:p>
+          <a:p>
+            <a:br>
+              <a:rPr lang="en-US" dirty="0"/>
+            </a:br>
+            <a:endParaRPr lang="en-US" dirty="0"/>
+          </a:p>
+        </p:txBody>
+      </p:sp>
+      <p:sp>
+        <p:nvSpPr>
+          <p:cNvPr id="4" name="Date Placeholder 3"/>
+          <p:cNvSpPr>
+            <a:spLocks noGrp="1"/>
+          </p:cNvSpPr>
+          <p:nvPr>
+            <p:ph type="dt" idx="10"/>
+          </p:nvPr>
+        </p:nvSpPr>
+        <p:spPr/>
+        <p:txBody>
+          <a:bodyPr/>
+          <a:lstStyle/>
+          <a:p>
+            <a:pPr>
+              <a:defRPr/>
+            </a:pPr>
+            <a:r>
+              <a:rPr lang="en-US"/>
+              <a:t>Chef Software, Inc.</a:t>
+            </a:r>
+            <a:endParaRPr lang="en-US" dirty="0"/>
+          </a:p>
+        </p:txBody>
+      </p:sp>
+      <p:sp>
+        <p:nvSpPr>
+          <p:cNvPr id="5" name="Header Placeholder 4"/>
+          <p:cNvSpPr>
+            <a:spLocks noGrp="1"/>
+          </p:cNvSpPr>
+          <p:nvPr>
+            <p:ph type="hdr" sz="quarter" idx="11"/>
+          </p:nvPr>
+        </p:nvSpPr>
+        <p:spPr/>
+        <p:txBody>
+          <a:bodyPr/>
+          <a:lstStyle/>
+          <a:p>
+            <a:pPr>
+              <a:defRPr/>
+            </a:pPr>
+            <a:r>
+              <a:rPr lang="en-US"/>
+              <a:t>Chef Intermediate</a:t>
+            </a:r>
+            <a:endParaRPr lang="en-US" dirty="0"/>
+          </a:p>
+        </p:txBody>
+      </p:sp>
+    </p:spTree>
+    <p:extLst>
+      <p:ext uri="{BB962C8B-B14F-4D97-AF65-F5344CB8AC3E}">
+        <p14:creationId xmlns:p14="http://schemas.microsoft.com/office/powerpoint/2010/main" val="270084662"/>
+      </p:ext>
+    </p:extLst>
+  </p:cSld>
+  <p:clrMapOvr>
+    <a:masterClrMapping/>
+  </p:clrMapOvr>
+</p:notes>
+</file>
+
+<file path=ppt/notesSlides/notesSlide27.xml><?xml version="1.0" encoding="utf-8"?>
+<p:notes xmlns:a="http://schemas.openxmlformats.org/drawingml/2006/main" xmlns:r="http://schemas.openxmlformats.org/officeDocument/2006/relationships" xmlns:p="http://schemas.openxmlformats.org/presentationml/2006/main">
+  <p:cSld>
+    <p:spTree>
+      <p:nvGrpSpPr>
+        <p:cNvPr id="1" name=""/>
+        <p:cNvGrpSpPr/>
+        <p:nvPr/>
+      </p:nvGrpSpPr>
+      <p:grpSpPr>
+        <a:xfrm>
+          <a:off x="0" y="0"/>
+          <a:ext cx="0" cy="0"/>
+          <a:chOff x="0" y="0"/>
+          <a:chExt cx="0" cy="0"/>
+        </a:xfrm>
+      </p:grpSpPr>
+      <p:sp>
+        <p:nvSpPr>
+          <p:cNvPr id="2" name="Slide Image Placeholder 1"/>
+          <p:cNvSpPr>
+            <a:spLocks noGrp="1" noRot="1" noChangeAspect="1"/>
+          </p:cNvSpPr>
+          <p:nvPr>
+            <p:ph type="sldImg"/>
+          </p:nvPr>
+        </p:nvSpPr>
+        <p:spPr/>
+      </p:sp>
+      <p:sp>
+        <p:nvSpPr>
+          <p:cNvPr id="3" name="Notes Placeholder 2"/>
+          <p:cNvSpPr>
+            <a:spLocks noGrp="1"/>
+          </p:cNvSpPr>
+          <p:nvPr>
+            <p:ph type="body" idx="1"/>
+          </p:nvPr>
+        </p:nvSpPr>
+        <p:spPr/>
+        <p:txBody>
+          <a:bodyPr/>
+          <a:lstStyle/>
+          <a:p>
+            <a:pPr rtl="0"/>
+            <a:r>
+              <a:rPr lang="en-US" sz="1200" b="0" i="0" u="none" strike="noStrike" kern="1200" dirty="0">
+                <a:solidFill>
+                  <a:schemeClr val="tx1"/>
+                </a:solidFill>
+                <a:effectLst/>
+                <a:latin typeface="Arial" panose="020B0604020202020204" pitchFamily="34" charset="0"/>
+                <a:ea typeface="ＭＳ Ｐゴシック" charset="0"/>
+                <a:cs typeface="Arial" panose="020B0604020202020204" pitchFamily="34" charset="0"/>
+              </a:rPr>
+              <a:t>Running a kitchen verify, we’ll see that the standard output does indeed show up within the apache plugin and our integration test passes.</a:t>
+            </a:r>
+            <a:endParaRPr lang="en-US" b="0" dirty="0">
+              <a:effectLst/>
+            </a:endParaRPr>
+          </a:p>
+          <a:p>
+            <a:br>
+              <a:rPr lang="en-US" dirty="0"/>
+            </a:br>
+            <a:endParaRPr lang="en-US" dirty="0"/>
+          </a:p>
+        </p:txBody>
+      </p:sp>
+      <p:sp>
+        <p:nvSpPr>
+          <p:cNvPr id="4" name="Date Placeholder 3"/>
+          <p:cNvSpPr>
+            <a:spLocks noGrp="1"/>
+          </p:cNvSpPr>
+          <p:nvPr>
+            <p:ph type="dt" idx="10"/>
+          </p:nvPr>
+        </p:nvSpPr>
+        <p:spPr/>
+        <p:txBody>
+          <a:bodyPr/>
+          <a:lstStyle/>
+          <a:p>
+            <a:pPr>
+              <a:defRPr/>
+            </a:pPr>
+            <a:r>
+              <a:rPr lang="en-US"/>
+              <a:t>Chef Software, Inc.</a:t>
+            </a:r>
+            <a:endParaRPr lang="en-US" dirty="0"/>
+          </a:p>
+        </p:txBody>
+      </p:sp>
+      <p:sp>
+        <p:nvSpPr>
+          <p:cNvPr id="5" name="Header Placeholder 4"/>
+          <p:cNvSpPr>
+            <a:spLocks noGrp="1"/>
+          </p:cNvSpPr>
+          <p:nvPr>
+            <p:ph type="hdr" sz="quarter" idx="11"/>
+          </p:nvPr>
+        </p:nvSpPr>
+        <p:spPr/>
+        <p:txBody>
+          <a:bodyPr/>
+          <a:lstStyle/>
+          <a:p>
+            <a:pPr>
+              <a:defRPr/>
+            </a:pPr>
+            <a:r>
+              <a:rPr lang="en-US"/>
+              <a:t>Chef Intermediate</a:t>
+            </a:r>
+            <a:endParaRPr lang="en-US" dirty="0"/>
+          </a:p>
+        </p:txBody>
+      </p:sp>
+    </p:spTree>
+    <p:extLst>
+      <p:ext uri="{BB962C8B-B14F-4D97-AF65-F5344CB8AC3E}">
+        <p14:creationId xmlns:p14="http://schemas.microsoft.com/office/powerpoint/2010/main" val="1284423455"/>
       </p:ext>
     </p:extLst>
   </p:cSld>
@@ -1063,7 +5254,52 @@
           <a:bodyPr/>
           <a:lstStyle/>
           <a:p>
-            <a:endParaRPr lang="en-US"/>
+            <a:pPr rtl="0"/>
+            <a:r>
+              <a:rPr lang="en-US" sz="1200" b="0" i="0" u="none" strike="noStrike" kern="1200" dirty="0">
+                <a:solidFill>
+                  <a:schemeClr val="tx1"/>
+                </a:solidFill>
+                <a:effectLst/>
+                <a:latin typeface="Arial" panose="020B0604020202020204" pitchFamily="34" charset="0"/>
+                <a:ea typeface="ＭＳ Ｐゴシック" charset="0"/>
+                <a:cs typeface="Arial" panose="020B0604020202020204" pitchFamily="34" charset="0"/>
+              </a:rPr>
+              <a:t>So we’re going to jump in here and talk about how to go about testing an </a:t>
+            </a:r>
+            <a:r>
+              <a:rPr lang="en-US" sz="1200" b="0" i="0" u="none" strike="noStrike" kern="1200" dirty="0" err="1">
+                <a:solidFill>
+                  <a:schemeClr val="tx1"/>
+                </a:solidFill>
+                <a:effectLst/>
+                <a:latin typeface="Arial" panose="020B0604020202020204" pitchFamily="34" charset="0"/>
+                <a:ea typeface="ＭＳ Ｐゴシック" charset="0"/>
+                <a:cs typeface="Arial" panose="020B0604020202020204" pitchFamily="34" charset="0"/>
+              </a:rPr>
+              <a:t>Ohai</a:t>
+            </a:r>
+            <a:r>
+              <a:rPr lang="en-US" sz="1200" b="0" i="0" u="none" strike="noStrike" kern="1200" dirty="0">
+                <a:solidFill>
+                  <a:schemeClr val="tx1"/>
+                </a:solidFill>
+                <a:effectLst/>
+                <a:latin typeface="Arial" panose="020B0604020202020204" pitchFamily="34" charset="0"/>
+                <a:ea typeface="ＭＳ Ｐゴシック" charset="0"/>
+                <a:cs typeface="Arial" panose="020B0604020202020204" pitchFamily="34" charset="0"/>
+              </a:rPr>
+              <a:t> plugin and create a custom plugin for ourselves.</a:t>
+            </a:r>
+            <a:endParaRPr lang="en-US" b="0" dirty="0">
+              <a:effectLst/>
+            </a:endParaRPr>
+          </a:p>
+          <a:p>
+            <a:br>
+              <a:rPr lang="en-US" dirty="0"/>
+            </a:br>
+            <a:endParaRPr lang="en-US" dirty="0"/>
           </a:p>
         </p:txBody>
       </p:sp>
@@ -1176,7 +5412,220 @@
           <a:bodyPr/>
           <a:lstStyle/>
           <a:p>
-            <a:endParaRPr lang="en-US"/>
+            <a:pPr rtl="0"/>
+            <a:r>
+              <a:rPr lang="en-US" sz="1200" b="0" i="0" u="none" strike="noStrike" kern="1200" dirty="0">
+                <a:solidFill>
+                  <a:schemeClr val="tx1"/>
+                </a:solidFill>
+                <a:effectLst/>
+                <a:latin typeface="Arial" panose="020B0604020202020204" pitchFamily="34" charset="0"/>
+                <a:ea typeface="ＭＳ Ｐゴシック" charset="0"/>
+                <a:cs typeface="Arial" panose="020B0604020202020204" pitchFamily="34" charset="0"/>
+              </a:rPr>
+              <a:t>So fortunately for us testing an </a:t>
+            </a:r>
+            <a:r>
+              <a:rPr lang="en-US" sz="1200" b="0" i="0" u="none" strike="noStrike" kern="1200" dirty="0" err="1">
+                <a:solidFill>
+                  <a:schemeClr val="tx1"/>
+                </a:solidFill>
+                <a:effectLst/>
+                <a:latin typeface="Arial" panose="020B0604020202020204" pitchFamily="34" charset="0"/>
+                <a:ea typeface="ＭＳ Ｐゴシック" charset="0"/>
+                <a:cs typeface="Arial" panose="020B0604020202020204" pitchFamily="34" charset="0"/>
+              </a:rPr>
+              <a:t>Ohai</a:t>
+            </a:r>
+            <a:r>
+              <a:rPr lang="en-US" sz="1200" b="0" i="0" u="none" strike="noStrike" kern="1200" dirty="0">
+                <a:solidFill>
+                  <a:schemeClr val="tx1"/>
+                </a:solidFill>
+                <a:effectLst/>
+                <a:latin typeface="Arial" panose="020B0604020202020204" pitchFamily="34" charset="0"/>
+                <a:ea typeface="ＭＳ Ｐゴシック" charset="0"/>
+                <a:cs typeface="Arial" panose="020B0604020202020204" pitchFamily="34" charset="0"/>
+              </a:rPr>
+              <a:t> plugin has become much easier than it has been in the past.  The reason that it is so difficult to test an </a:t>
+            </a:r>
+            <a:r>
+              <a:rPr lang="en-US" sz="1200" b="0" i="0" u="none" strike="noStrike" kern="1200" dirty="0" err="1">
+                <a:solidFill>
+                  <a:schemeClr val="tx1"/>
+                </a:solidFill>
+                <a:effectLst/>
+                <a:latin typeface="Arial" panose="020B0604020202020204" pitchFamily="34" charset="0"/>
+                <a:ea typeface="ＭＳ Ｐゴシック" charset="0"/>
+                <a:cs typeface="Arial" panose="020B0604020202020204" pitchFamily="34" charset="0"/>
+              </a:rPr>
+              <a:t>Ohai</a:t>
+            </a:r>
+            <a:r>
+              <a:rPr lang="en-US" sz="1200" b="0" i="0" u="none" strike="noStrike" kern="1200" dirty="0">
+                <a:solidFill>
+                  <a:schemeClr val="tx1"/>
+                </a:solidFill>
+                <a:effectLst/>
+                <a:latin typeface="Arial" panose="020B0604020202020204" pitchFamily="34" charset="0"/>
+                <a:ea typeface="ＭＳ Ｐゴシック" charset="0"/>
+                <a:cs typeface="Arial" panose="020B0604020202020204" pitchFamily="34" charset="0"/>
+              </a:rPr>
+              <a:t> plugin is that plugins that fail to gather information will not fail the chef-client run.  If your plugin failed to gather information, that does not mean that the information needed to perform a configuration task won’t cause a failure.  It simply means that the inability of </a:t>
+            </a:r>
+            <a:r>
+              <a:rPr lang="en-US" sz="1200" b="0" i="0" u="none" strike="noStrike" kern="1200" dirty="0" err="1">
+                <a:solidFill>
+                  <a:schemeClr val="tx1"/>
+                </a:solidFill>
+                <a:effectLst/>
+                <a:latin typeface="Arial" panose="020B0604020202020204" pitchFamily="34" charset="0"/>
+                <a:ea typeface="ＭＳ Ｐゴシック" charset="0"/>
+                <a:cs typeface="Arial" panose="020B0604020202020204" pitchFamily="34" charset="0"/>
+              </a:rPr>
+              <a:t>Ohai</a:t>
+            </a:r>
+            <a:r>
+              <a:rPr lang="en-US" sz="1200" b="0" i="0" u="none" strike="noStrike" kern="1200" dirty="0">
+                <a:solidFill>
+                  <a:schemeClr val="tx1"/>
+                </a:solidFill>
+                <a:effectLst/>
+                <a:latin typeface="Arial" panose="020B0604020202020204" pitchFamily="34" charset="0"/>
+                <a:ea typeface="ＭＳ Ｐゴシック" charset="0"/>
+                <a:cs typeface="Arial" panose="020B0604020202020204" pitchFamily="34" charset="0"/>
+              </a:rPr>
+              <a:t> to execute that plugin in and of itself doesn’t cause the chef-client run to fail. Testing these things used to be a kind of cat and mouse game, you would have to go in and just manually determine what went wrong and why.  We now have some unit testing that can help us with this process and the very least give an extra layer of checks as we write our plugins. With this in mind there is a ruby gem that I would like for you to add to your </a:t>
+            </a:r>
+            <a:r>
+              <a:rPr lang="en-US" sz="1200" b="0" i="0" u="none" strike="noStrike" kern="1200" dirty="0" err="1">
+                <a:solidFill>
+                  <a:schemeClr val="tx1"/>
+                </a:solidFill>
+                <a:effectLst/>
+                <a:latin typeface="Arial" panose="020B0604020202020204" pitchFamily="34" charset="0"/>
+                <a:ea typeface="ＭＳ Ｐゴシック" charset="0"/>
+                <a:cs typeface="Arial" panose="020B0604020202020204" pitchFamily="34" charset="0"/>
+              </a:rPr>
+              <a:t>ChefDK</a:t>
+            </a:r>
+            <a:r>
+              <a:rPr lang="en-US" sz="1200" b="0" i="0" u="none" strike="noStrike" kern="1200" dirty="0">
+                <a:solidFill>
+                  <a:schemeClr val="tx1"/>
+                </a:solidFill>
+                <a:effectLst/>
+                <a:latin typeface="Arial" panose="020B0604020202020204" pitchFamily="34" charset="0"/>
+                <a:ea typeface="ＭＳ Ｐゴシック" charset="0"/>
+                <a:cs typeface="Arial" panose="020B0604020202020204" pitchFamily="34" charset="0"/>
+              </a:rPr>
+              <a:t>. The chef gem command allows us to install a ruby gem in an embedded context within the </a:t>
+            </a:r>
+            <a:r>
+              <a:rPr lang="en-US" sz="1200" b="0" i="0" u="none" strike="noStrike" kern="1200" dirty="0" err="1">
+                <a:solidFill>
+                  <a:schemeClr val="tx1"/>
+                </a:solidFill>
+                <a:effectLst/>
+                <a:latin typeface="Arial" panose="020B0604020202020204" pitchFamily="34" charset="0"/>
+                <a:ea typeface="ＭＳ Ｐゴシック" charset="0"/>
+                <a:cs typeface="Arial" panose="020B0604020202020204" pitchFamily="34" charset="0"/>
+              </a:rPr>
+              <a:t>ChefDK</a:t>
+            </a:r>
+            <a:r>
+              <a:rPr lang="en-US" sz="1200" b="0" i="0" u="none" strike="noStrike" kern="1200" dirty="0">
+                <a:solidFill>
+                  <a:schemeClr val="tx1"/>
+                </a:solidFill>
+                <a:effectLst/>
+                <a:latin typeface="Arial" panose="020B0604020202020204" pitchFamily="34" charset="0"/>
+                <a:ea typeface="ＭＳ Ｐゴシック" charset="0"/>
+                <a:cs typeface="Arial" panose="020B0604020202020204" pitchFamily="34" charset="0"/>
+              </a:rPr>
+              <a:t>.  This </a:t>
+            </a:r>
+            <a:r>
+              <a:rPr lang="en-US" sz="1200" b="0" i="0" u="none" strike="noStrike" kern="1200" dirty="0" err="1">
+                <a:solidFill>
+                  <a:schemeClr val="tx1"/>
+                </a:solidFill>
+                <a:effectLst/>
+                <a:latin typeface="Arial" panose="020B0604020202020204" pitchFamily="34" charset="0"/>
+                <a:ea typeface="ＭＳ Ｐゴシック" charset="0"/>
+                <a:cs typeface="Arial" panose="020B0604020202020204" pitchFamily="34" charset="0"/>
+              </a:rPr>
+              <a:t>chefspec-ohai</a:t>
+            </a:r>
+            <a:r>
+              <a:rPr lang="en-US" sz="1200" b="0" i="0" u="none" strike="noStrike" kern="1200" dirty="0">
+                <a:solidFill>
+                  <a:schemeClr val="tx1"/>
+                </a:solidFill>
+                <a:effectLst/>
+                <a:latin typeface="Arial" panose="020B0604020202020204" pitchFamily="34" charset="0"/>
+                <a:ea typeface="ＭＳ Ｐゴシック" charset="0"/>
+                <a:cs typeface="Arial" panose="020B0604020202020204" pitchFamily="34" charset="0"/>
+              </a:rPr>
+              <a:t> ruby gem is going to add additional </a:t>
+            </a:r>
+            <a:r>
+              <a:rPr lang="en-US" sz="1200" b="0" i="0" u="none" strike="noStrike" kern="1200" dirty="0" err="1">
+                <a:solidFill>
+                  <a:schemeClr val="tx1"/>
+                </a:solidFill>
+                <a:effectLst/>
+                <a:latin typeface="Arial" panose="020B0604020202020204" pitchFamily="34" charset="0"/>
+                <a:ea typeface="ＭＳ Ｐゴシック" charset="0"/>
+                <a:cs typeface="Arial" panose="020B0604020202020204" pitchFamily="34" charset="0"/>
+              </a:rPr>
+              <a:t>chefspec</a:t>
+            </a:r>
+            <a:r>
+              <a:rPr lang="en-US" sz="1200" b="0" i="0" u="none" strike="noStrike" kern="1200" dirty="0">
+                <a:solidFill>
+                  <a:schemeClr val="tx1"/>
+                </a:solidFill>
+                <a:effectLst/>
+                <a:latin typeface="Arial" panose="020B0604020202020204" pitchFamily="34" charset="0"/>
+                <a:ea typeface="ＭＳ Ｐゴシック" charset="0"/>
+                <a:cs typeface="Arial" panose="020B0604020202020204" pitchFamily="34" charset="0"/>
+              </a:rPr>
+              <a:t> methods that are designed for testing </a:t>
+            </a:r>
+            <a:r>
+              <a:rPr lang="en-US" sz="1200" b="0" i="0" u="none" strike="noStrike" kern="1200" dirty="0" err="1">
+                <a:solidFill>
+                  <a:schemeClr val="tx1"/>
+                </a:solidFill>
+                <a:effectLst/>
+                <a:latin typeface="Arial" panose="020B0604020202020204" pitchFamily="34" charset="0"/>
+                <a:ea typeface="ＭＳ Ｐゴシック" charset="0"/>
+                <a:cs typeface="Arial" panose="020B0604020202020204" pitchFamily="34" charset="0"/>
+              </a:rPr>
+              <a:t>Ohai</a:t>
+            </a:r>
+            <a:r>
+              <a:rPr lang="en-US" sz="1200" b="0" i="0" u="none" strike="noStrike" kern="1200" dirty="0">
+                <a:solidFill>
+                  <a:schemeClr val="tx1"/>
+                </a:solidFill>
+                <a:effectLst/>
+                <a:latin typeface="Arial" panose="020B0604020202020204" pitchFamily="34" charset="0"/>
+                <a:ea typeface="ＭＳ Ｐゴシック" charset="0"/>
+                <a:cs typeface="Arial" panose="020B0604020202020204" pitchFamily="34" charset="0"/>
+              </a:rPr>
+              <a:t> plugins. Go ahead and run this within your instances. </a:t>
+            </a:r>
+            <a:endParaRPr lang="en-US" b="0" dirty="0">
+              <a:effectLst/>
+            </a:endParaRPr>
+          </a:p>
+          <a:p>
+            <a:br>
+              <a:rPr lang="en-US" dirty="0"/>
+            </a:br>
+            <a:endParaRPr lang="en-US" dirty="0"/>
           </a:p>
         </p:txBody>
       </p:sp>
@@ -1289,7 +5738,100 @@
           <a:bodyPr/>
           <a:lstStyle/>
           <a:p>
-            <a:endParaRPr lang="en-US"/>
+            <a:pPr rtl="0"/>
+            <a:r>
+              <a:rPr lang="en-US" sz="1200" b="0" i="0" u="none" strike="noStrike" kern="1200" dirty="0">
+                <a:solidFill>
+                  <a:schemeClr val="tx1"/>
+                </a:solidFill>
+                <a:effectLst/>
+                <a:latin typeface="Arial" panose="020B0604020202020204" pitchFamily="34" charset="0"/>
+                <a:ea typeface="ＭＳ Ｐゴシック" charset="0"/>
+                <a:cs typeface="Arial" panose="020B0604020202020204" pitchFamily="34" charset="0"/>
+              </a:rPr>
+              <a:t>Again this gem is going to add additional chef-spec helper methods that are designed to test </a:t>
+            </a:r>
+            <a:r>
+              <a:rPr lang="en-US" sz="1200" b="0" i="0" u="none" strike="noStrike" kern="1200" dirty="0" err="1">
+                <a:solidFill>
+                  <a:schemeClr val="tx1"/>
+                </a:solidFill>
+                <a:effectLst/>
+                <a:latin typeface="Arial" panose="020B0604020202020204" pitchFamily="34" charset="0"/>
+                <a:ea typeface="ＭＳ Ｐゴシック" charset="0"/>
+                <a:cs typeface="Arial" panose="020B0604020202020204" pitchFamily="34" charset="0"/>
+              </a:rPr>
+              <a:t>Ohai</a:t>
+            </a:r>
+            <a:r>
+              <a:rPr lang="en-US" sz="1200" b="0" i="0" u="none" strike="noStrike" kern="1200" dirty="0">
+                <a:solidFill>
+                  <a:schemeClr val="tx1"/>
+                </a:solidFill>
+                <a:effectLst/>
+                <a:latin typeface="Arial" panose="020B0604020202020204" pitchFamily="34" charset="0"/>
+                <a:ea typeface="ＭＳ Ｐゴシック" charset="0"/>
+                <a:cs typeface="Arial" panose="020B0604020202020204" pitchFamily="34" charset="0"/>
+              </a:rPr>
+              <a:t> plugins.  To load this into </a:t>
+            </a:r>
+            <a:r>
+              <a:rPr lang="en-US" sz="1200" b="0" i="0" u="none" strike="noStrike" kern="1200" dirty="0" err="1">
+                <a:solidFill>
+                  <a:schemeClr val="tx1"/>
+                </a:solidFill>
+                <a:effectLst/>
+                <a:latin typeface="Arial" panose="020B0604020202020204" pitchFamily="34" charset="0"/>
+                <a:ea typeface="ＭＳ Ｐゴシック" charset="0"/>
+                <a:cs typeface="Arial" panose="020B0604020202020204" pitchFamily="34" charset="0"/>
+              </a:rPr>
+              <a:t>chefspec</a:t>
+            </a:r>
+            <a:r>
+              <a:rPr lang="en-US" sz="1200" b="0" i="0" u="none" strike="noStrike" kern="1200" dirty="0">
+                <a:solidFill>
+                  <a:schemeClr val="tx1"/>
+                </a:solidFill>
+                <a:effectLst/>
+                <a:latin typeface="Arial" panose="020B0604020202020204" pitchFamily="34" charset="0"/>
+                <a:ea typeface="ＭＳ Ｐゴシック" charset="0"/>
+                <a:cs typeface="Arial" panose="020B0604020202020204" pitchFamily="34" charset="0"/>
+              </a:rPr>
+              <a:t> while we run our unit tests, we need to add it to our </a:t>
+            </a:r>
+            <a:r>
+              <a:rPr lang="en-US" sz="1200" b="0" i="0" u="none" strike="noStrike" kern="1200" dirty="0" err="1">
+                <a:solidFill>
+                  <a:schemeClr val="tx1"/>
+                </a:solidFill>
+                <a:effectLst/>
+                <a:latin typeface="Arial" panose="020B0604020202020204" pitchFamily="34" charset="0"/>
+                <a:ea typeface="ＭＳ Ｐゴシック" charset="0"/>
+                <a:cs typeface="Arial" panose="020B0604020202020204" pitchFamily="34" charset="0"/>
+              </a:rPr>
+              <a:t>spec_helper.rb</a:t>
+            </a:r>
+            <a:r>
+              <a:rPr lang="en-US" sz="1200" b="0" i="0" u="none" strike="noStrike" kern="1200" dirty="0">
+                <a:solidFill>
+                  <a:schemeClr val="tx1"/>
+                </a:solidFill>
+                <a:effectLst/>
+                <a:latin typeface="Arial" panose="020B0604020202020204" pitchFamily="34" charset="0"/>
+                <a:ea typeface="ＭＳ Ｐゴシック" charset="0"/>
+                <a:cs typeface="Arial" panose="020B0604020202020204" pitchFamily="34" charset="0"/>
+              </a:rPr>
+              <a:t> file. This is where you can load additional gems for your unit tests.  So here we need to make sure to require the new ruby gem we just installed on our system. </a:t>
+            </a:r>
+            <a:endParaRPr lang="en-US" b="0" dirty="0">
+              <a:effectLst/>
+            </a:endParaRPr>
+          </a:p>
+          <a:p>
+            <a:br>
+              <a:rPr lang="en-US" dirty="0"/>
+            </a:br>
+            <a:endParaRPr lang="en-US" dirty="0"/>
           </a:p>
         </p:txBody>
       </p:sp>
@@ -1402,7 +5944,148 @@
           <a:bodyPr/>
           <a:lstStyle/>
           <a:p>
-            <a:endParaRPr lang="en-US"/>
+            <a:pPr rtl="0"/>
+            <a:r>
+              <a:rPr lang="en-US" sz="1200" b="0" i="0" u="none" strike="noStrike" kern="1200" dirty="0">
+                <a:solidFill>
+                  <a:schemeClr val="tx1"/>
+                </a:solidFill>
+                <a:effectLst/>
+                <a:latin typeface="Arial" panose="020B0604020202020204" pitchFamily="34" charset="0"/>
+                <a:ea typeface="ＭＳ Ｐゴシック" charset="0"/>
+                <a:cs typeface="Arial" panose="020B0604020202020204" pitchFamily="34" charset="0"/>
+              </a:rPr>
+              <a:t>Let’s think about how we can build tests for something abstract like an </a:t>
+            </a:r>
+            <a:r>
+              <a:rPr lang="en-US" sz="1200" b="0" i="0" u="none" strike="noStrike" kern="1200" dirty="0" err="1">
+                <a:solidFill>
+                  <a:schemeClr val="tx1"/>
+                </a:solidFill>
+                <a:effectLst/>
+                <a:latin typeface="Arial" panose="020B0604020202020204" pitchFamily="34" charset="0"/>
+                <a:ea typeface="ＭＳ Ｐゴシック" charset="0"/>
+                <a:cs typeface="Arial" panose="020B0604020202020204" pitchFamily="34" charset="0"/>
+              </a:rPr>
+              <a:t>Ohai</a:t>
+            </a:r>
+            <a:r>
+              <a:rPr lang="en-US" sz="1200" b="0" i="0" u="none" strike="noStrike" kern="1200" dirty="0">
+                <a:solidFill>
+                  <a:schemeClr val="tx1"/>
+                </a:solidFill>
+                <a:effectLst/>
+                <a:latin typeface="Arial" panose="020B0604020202020204" pitchFamily="34" charset="0"/>
+                <a:ea typeface="ＭＳ Ｐゴシック" charset="0"/>
+                <a:cs typeface="Arial" panose="020B0604020202020204" pitchFamily="34" charset="0"/>
+              </a:rPr>
+              <a:t> plugin.  So up until now, we used the chef generate recipe command to create a placeholder test for us that scaffolds out the testing harness for our unit tests.  It would create the test file within the spec/unit/recipes directory for us. We don’t have this option for something like an </a:t>
+            </a:r>
+            <a:r>
+              <a:rPr lang="en-US" sz="1200" b="0" i="0" u="none" strike="noStrike" kern="1200" dirty="0" err="1">
+                <a:solidFill>
+                  <a:schemeClr val="tx1"/>
+                </a:solidFill>
+                <a:effectLst/>
+                <a:latin typeface="Arial" panose="020B0604020202020204" pitchFamily="34" charset="0"/>
+                <a:ea typeface="ＭＳ Ｐゴシック" charset="0"/>
+                <a:cs typeface="Arial" panose="020B0604020202020204" pitchFamily="34" charset="0"/>
+              </a:rPr>
+              <a:t>ohai</a:t>
+            </a:r>
+            <a:r>
+              <a:rPr lang="en-US" sz="1200" b="0" i="0" u="none" strike="noStrike" kern="1200" dirty="0">
+                <a:solidFill>
+                  <a:schemeClr val="tx1"/>
+                </a:solidFill>
+                <a:effectLst/>
+                <a:latin typeface="Arial" panose="020B0604020202020204" pitchFamily="34" charset="0"/>
+                <a:ea typeface="ＭＳ Ｐゴシック" charset="0"/>
+                <a:cs typeface="Arial" panose="020B0604020202020204" pitchFamily="34" charset="0"/>
+              </a:rPr>
+              <a:t> plugin, seeing as an </a:t>
+            </a:r>
+            <a:r>
+              <a:rPr lang="en-US" sz="1200" b="0" i="0" u="none" strike="noStrike" kern="1200" dirty="0" err="1">
+                <a:solidFill>
+                  <a:schemeClr val="tx1"/>
+                </a:solidFill>
+                <a:effectLst/>
+                <a:latin typeface="Arial" panose="020B0604020202020204" pitchFamily="34" charset="0"/>
+                <a:ea typeface="ＭＳ Ｐゴシック" charset="0"/>
+                <a:cs typeface="Arial" panose="020B0604020202020204" pitchFamily="34" charset="0"/>
+              </a:rPr>
+              <a:t>ohai</a:t>
+            </a:r>
+            <a:r>
+              <a:rPr lang="en-US" sz="1200" b="0" i="0" u="none" strike="noStrike" kern="1200" dirty="0">
+                <a:solidFill>
+                  <a:schemeClr val="tx1"/>
+                </a:solidFill>
+                <a:effectLst/>
+                <a:latin typeface="Arial" panose="020B0604020202020204" pitchFamily="34" charset="0"/>
+                <a:ea typeface="ＭＳ Ｐゴシック" charset="0"/>
+                <a:cs typeface="Arial" panose="020B0604020202020204" pitchFamily="34" charset="0"/>
+              </a:rPr>
+              <a:t> plugin is not a recipe.  An </a:t>
+            </a:r>
+            <a:r>
+              <a:rPr lang="en-US" sz="1200" b="0" i="0" u="none" strike="noStrike" kern="1200" dirty="0" err="1">
+                <a:solidFill>
+                  <a:schemeClr val="tx1"/>
+                </a:solidFill>
+                <a:effectLst/>
+                <a:latin typeface="Arial" panose="020B0604020202020204" pitchFamily="34" charset="0"/>
+                <a:ea typeface="ＭＳ Ｐゴシック" charset="0"/>
+                <a:cs typeface="Arial" panose="020B0604020202020204" pitchFamily="34" charset="0"/>
+              </a:rPr>
+              <a:t>Ohai</a:t>
+            </a:r>
+            <a:r>
+              <a:rPr lang="en-US" sz="1200" b="0" i="0" u="none" strike="noStrike" kern="1200" dirty="0">
+                <a:solidFill>
+                  <a:schemeClr val="tx1"/>
+                </a:solidFill>
+                <a:effectLst/>
+                <a:latin typeface="Arial" panose="020B0604020202020204" pitchFamily="34" charset="0"/>
+                <a:ea typeface="ＭＳ Ｐゴシック" charset="0"/>
+                <a:cs typeface="Arial" panose="020B0604020202020204" pitchFamily="34" charset="0"/>
+              </a:rPr>
+              <a:t> plugin is a ruby file that is going to be included in </a:t>
+            </a:r>
+            <a:r>
+              <a:rPr lang="en-US" sz="1200" b="0" i="0" u="none" strike="noStrike" kern="1200" dirty="0" err="1">
+                <a:solidFill>
+                  <a:schemeClr val="tx1"/>
+                </a:solidFill>
+                <a:effectLst/>
+                <a:latin typeface="Arial" panose="020B0604020202020204" pitchFamily="34" charset="0"/>
+                <a:ea typeface="ＭＳ Ｐゴシック" charset="0"/>
+                <a:cs typeface="Arial" panose="020B0604020202020204" pitchFamily="34" charset="0"/>
+              </a:rPr>
+              <a:t>Ohai</a:t>
+            </a:r>
+            <a:r>
+              <a:rPr lang="en-US" sz="1200" b="0" i="0" u="none" strike="noStrike" kern="1200" dirty="0">
+                <a:solidFill>
+                  <a:schemeClr val="tx1"/>
+                </a:solidFill>
+                <a:effectLst/>
+                <a:latin typeface="Arial" panose="020B0604020202020204" pitchFamily="34" charset="0"/>
+                <a:ea typeface="ＭＳ Ｐゴシック" charset="0"/>
+                <a:cs typeface="Arial" panose="020B0604020202020204" pitchFamily="34" charset="0"/>
+              </a:rPr>
+              <a:t> when it runs. We will need to set up our unit tests a little bit differently to differentiate this test and the tests we used for our recipes.  To accomplish this we will create a separate ‘plugins’ directory found in the spec/unit directory on the same level as the recipes directory. </a:t>
+            </a:r>
+            <a:endParaRPr lang="en-US" b="0" dirty="0">
+              <a:effectLst/>
+            </a:endParaRPr>
+          </a:p>
+          <a:p>
+            <a:br>
+              <a:rPr lang="en-US" dirty="0"/>
+            </a:br>
+            <a:endParaRPr lang="en-US" dirty="0"/>
           </a:p>
         </p:txBody>
       </p:sp>
@@ -1515,7 +6198,292 @@
           <a:bodyPr/>
           <a:lstStyle/>
           <a:p>
-            <a:endParaRPr lang="en-US"/>
+            <a:pPr rtl="0"/>
+            <a:r>
+              <a:rPr lang="en-US" sz="1200" b="0" i="0" u="none" strike="noStrike" kern="1200" dirty="0">
+                <a:solidFill>
+                  <a:schemeClr val="tx1"/>
+                </a:solidFill>
+                <a:effectLst/>
+                <a:latin typeface="Arial" panose="020B0604020202020204" pitchFamily="34" charset="0"/>
+                <a:ea typeface="ＭＳ Ｐゴシック" charset="0"/>
+                <a:cs typeface="Arial" panose="020B0604020202020204" pitchFamily="34" charset="0"/>
+              </a:rPr>
+              <a:t>We’re going to continue with our TDD workflow and create a basic unit test for our new plugin.  We create a new spec file called </a:t>
+            </a:r>
+            <a:r>
+              <a:rPr lang="en-US" sz="1200" b="0" i="0" u="none" strike="noStrike" kern="1200" dirty="0" err="1">
+                <a:solidFill>
+                  <a:schemeClr val="tx1"/>
+                </a:solidFill>
+                <a:effectLst/>
+                <a:latin typeface="Arial" panose="020B0604020202020204" pitchFamily="34" charset="0"/>
+                <a:ea typeface="ＭＳ Ｐゴシック" charset="0"/>
+                <a:cs typeface="Arial" panose="020B0604020202020204" pitchFamily="34" charset="0"/>
+              </a:rPr>
+              <a:t>apache_modules_spec.rb</a:t>
+            </a:r>
+            <a:r>
+              <a:rPr lang="en-US" sz="1200" b="0" i="0" u="none" strike="noStrike" kern="1200" dirty="0">
+                <a:solidFill>
+                  <a:schemeClr val="tx1"/>
+                </a:solidFill>
+                <a:effectLst/>
+                <a:latin typeface="Arial" panose="020B0604020202020204" pitchFamily="34" charset="0"/>
+                <a:ea typeface="ＭＳ Ｐゴシック" charset="0"/>
+                <a:cs typeface="Arial" panose="020B0604020202020204" pitchFamily="34" charset="0"/>
+              </a:rPr>
+              <a:t> within that new ‘plugins’ directory we just created.  Within this unit test of course the first thing we need to do is to load </a:t>
+            </a:r>
+            <a:r>
+              <a:rPr lang="en-US" sz="1200" b="0" i="0" u="none" strike="noStrike" kern="1200" dirty="0" err="1">
+                <a:solidFill>
+                  <a:schemeClr val="tx1"/>
+                </a:solidFill>
+                <a:effectLst/>
+                <a:latin typeface="Arial" panose="020B0604020202020204" pitchFamily="34" charset="0"/>
+                <a:ea typeface="ＭＳ Ｐゴシック" charset="0"/>
+                <a:cs typeface="Arial" panose="020B0604020202020204" pitchFamily="34" charset="0"/>
+              </a:rPr>
+              <a:t>chefspec</a:t>
+            </a:r>
+            <a:r>
+              <a:rPr lang="en-US" sz="1200" b="0" i="0" u="none" strike="noStrike" kern="1200" dirty="0">
+                <a:solidFill>
+                  <a:schemeClr val="tx1"/>
+                </a:solidFill>
+                <a:effectLst/>
+                <a:latin typeface="Arial" panose="020B0604020202020204" pitchFamily="34" charset="0"/>
+                <a:ea typeface="ＭＳ Ｐゴシック" charset="0"/>
+                <a:cs typeface="Arial" panose="020B0604020202020204" pitchFamily="34" charset="0"/>
+              </a:rPr>
+              <a:t> and the additional ruby gems we need for </a:t>
+            </a:r>
+            <a:r>
+              <a:rPr lang="en-US" sz="1200" b="0" i="0" u="none" strike="noStrike" kern="1200" dirty="0" err="1">
+                <a:solidFill>
+                  <a:schemeClr val="tx1"/>
+                </a:solidFill>
+                <a:effectLst/>
+                <a:latin typeface="Arial" panose="020B0604020202020204" pitchFamily="34" charset="0"/>
+                <a:ea typeface="ＭＳ Ｐゴシック" charset="0"/>
+                <a:cs typeface="Arial" panose="020B0604020202020204" pitchFamily="34" charset="0"/>
+              </a:rPr>
+              <a:t>rspec</a:t>
+            </a:r>
+            <a:r>
+              <a:rPr lang="en-US" sz="1200" b="0" i="0" u="none" strike="noStrike" kern="1200" dirty="0">
+                <a:solidFill>
+                  <a:schemeClr val="tx1"/>
+                </a:solidFill>
+                <a:effectLst/>
+                <a:latin typeface="Arial" panose="020B0604020202020204" pitchFamily="34" charset="0"/>
+                <a:ea typeface="ＭＳ Ｐゴシック" charset="0"/>
+                <a:cs typeface="Arial" panose="020B0604020202020204" pitchFamily="34" charset="0"/>
+              </a:rPr>
+              <a:t> to recognize this DSL.  So we always require that </a:t>
+            </a:r>
+            <a:r>
+              <a:rPr lang="en-US" sz="1200" b="0" i="0" u="none" strike="noStrike" kern="1200" dirty="0" err="1">
+                <a:solidFill>
+                  <a:schemeClr val="tx1"/>
+                </a:solidFill>
+                <a:effectLst/>
+                <a:latin typeface="Arial" panose="020B0604020202020204" pitchFamily="34" charset="0"/>
+                <a:ea typeface="ＭＳ Ｐゴシック" charset="0"/>
+                <a:cs typeface="Arial" panose="020B0604020202020204" pitchFamily="34" charset="0"/>
+              </a:rPr>
+              <a:t>spec_helper</a:t>
+            </a:r>
+            <a:r>
+              <a:rPr lang="en-US" sz="1200" b="0" i="0" u="none" strike="noStrike" kern="1200" dirty="0">
+                <a:solidFill>
+                  <a:schemeClr val="tx1"/>
+                </a:solidFill>
+                <a:effectLst/>
+                <a:latin typeface="Arial" panose="020B0604020202020204" pitchFamily="34" charset="0"/>
+                <a:ea typeface="ＭＳ Ｐゴシック" charset="0"/>
+                <a:cs typeface="Arial" panose="020B0604020202020204" pitchFamily="34" charset="0"/>
+              </a:rPr>
+              <a:t> file within our unit tests. From there we are going to begin using the methods that came with that </a:t>
+            </a:r>
+            <a:r>
+              <a:rPr lang="en-US" sz="1200" b="0" i="0" u="none" strike="noStrike" kern="1200" dirty="0" err="1">
+                <a:solidFill>
+                  <a:schemeClr val="tx1"/>
+                </a:solidFill>
+                <a:effectLst/>
+                <a:latin typeface="Arial" panose="020B0604020202020204" pitchFamily="34" charset="0"/>
+                <a:ea typeface="ＭＳ Ｐゴシック" charset="0"/>
+                <a:cs typeface="Arial" panose="020B0604020202020204" pitchFamily="34" charset="0"/>
+              </a:rPr>
+              <a:t>chefspec-ohai</a:t>
+            </a:r>
+            <a:r>
+              <a:rPr lang="en-US" sz="1200" b="0" i="0" u="none" strike="noStrike" kern="1200" dirty="0">
+                <a:solidFill>
+                  <a:schemeClr val="tx1"/>
+                </a:solidFill>
+                <a:effectLst/>
+                <a:latin typeface="Arial" panose="020B0604020202020204" pitchFamily="34" charset="0"/>
+                <a:ea typeface="ＭＳ Ｐゴシック" charset="0"/>
+                <a:cs typeface="Arial" panose="020B0604020202020204" pitchFamily="34" charset="0"/>
+              </a:rPr>
+              <a:t> ruby gem we just installed. This ruby gem is going to come with additional helper methods for </a:t>
+            </a:r>
+            <a:r>
+              <a:rPr lang="en-US" sz="1200" b="0" i="0" u="none" strike="noStrike" kern="1200" dirty="0" err="1">
+                <a:solidFill>
+                  <a:schemeClr val="tx1"/>
+                </a:solidFill>
+                <a:effectLst/>
+                <a:latin typeface="Arial" panose="020B0604020202020204" pitchFamily="34" charset="0"/>
+                <a:ea typeface="ＭＳ Ｐゴシック" charset="0"/>
+                <a:cs typeface="Arial" panose="020B0604020202020204" pitchFamily="34" charset="0"/>
+              </a:rPr>
+              <a:t>chefspec</a:t>
+            </a:r>
+            <a:r>
+              <a:rPr lang="en-US" sz="1200" b="0" i="0" u="none" strike="noStrike" kern="1200" dirty="0">
+                <a:solidFill>
+                  <a:schemeClr val="tx1"/>
+                </a:solidFill>
+                <a:effectLst/>
+                <a:latin typeface="Arial" panose="020B0604020202020204" pitchFamily="34" charset="0"/>
+                <a:ea typeface="ＭＳ Ｐゴシック" charset="0"/>
+                <a:cs typeface="Arial" panose="020B0604020202020204" pitchFamily="34" charset="0"/>
+              </a:rPr>
+              <a:t> and add them to the </a:t>
+            </a:r>
+            <a:r>
+              <a:rPr lang="en-US" sz="1200" b="0" i="0" u="none" strike="noStrike" kern="1200" dirty="0" err="1">
+                <a:solidFill>
+                  <a:schemeClr val="tx1"/>
+                </a:solidFill>
+                <a:effectLst/>
+                <a:latin typeface="Arial" panose="020B0604020202020204" pitchFamily="34" charset="0"/>
+                <a:ea typeface="ＭＳ Ｐゴシック" charset="0"/>
+                <a:cs typeface="Arial" panose="020B0604020202020204" pitchFamily="34" charset="0"/>
+              </a:rPr>
+              <a:t>chefspec</a:t>
+            </a:r>
+            <a:r>
+              <a:rPr lang="en-US" sz="1200" b="0" i="0" u="none" strike="noStrike" kern="1200" dirty="0">
+                <a:solidFill>
+                  <a:schemeClr val="tx1"/>
+                </a:solidFill>
+                <a:effectLst/>
+                <a:latin typeface="Arial" panose="020B0604020202020204" pitchFamily="34" charset="0"/>
+                <a:ea typeface="ＭＳ Ｐゴシック" charset="0"/>
+                <a:cs typeface="Arial" panose="020B0604020202020204" pitchFamily="34" charset="0"/>
+              </a:rPr>
+              <a:t> framework.  One of these methods are going to be ‘</a:t>
+            </a:r>
+            <a:r>
+              <a:rPr lang="en-US" sz="1200" b="0" i="0" u="none" strike="noStrike" kern="1200" dirty="0" err="1">
+                <a:solidFill>
+                  <a:schemeClr val="tx1"/>
+                </a:solidFill>
+                <a:effectLst/>
+                <a:latin typeface="Arial" panose="020B0604020202020204" pitchFamily="34" charset="0"/>
+                <a:ea typeface="ＭＳ Ｐゴシック" charset="0"/>
+                <a:cs typeface="Arial" panose="020B0604020202020204" pitchFamily="34" charset="0"/>
+              </a:rPr>
+              <a:t>describe_ohai_plugin</a:t>
+            </a:r>
+            <a:r>
+              <a:rPr lang="en-US" sz="1200" b="0" i="0" u="none" strike="noStrike" kern="1200" dirty="0">
+                <a:solidFill>
+                  <a:schemeClr val="tx1"/>
+                </a:solidFill>
+                <a:effectLst/>
+                <a:latin typeface="Arial" panose="020B0604020202020204" pitchFamily="34" charset="0"/>
+                <a:ea typeface="ＭＳ Ｐゴシック" charset="0"/>
+                <a:cs typeface="Arial" panose="020B0604020202020204" pitchFamily="34" charset="0"/>
+              </a:rPr>
+              <a:t>’; we see also that we have ‘</a:t>
+            </a:r>
+            <a:r>
+              <a:rPr lang="en-US" sz="1200" b="0" i="0" u="none" strike="noStrike" kern="1200" dirty="0" err="1">
+                <a:solidFill>
+                  <a:schemeClr val="tx1"/>
+                </a:solidFill>
+                <a:effectLst/>
+                <a:latin typeface="Arial" panose="020B0604020202020204" pitchFamily="34" charset="0"/>
+                <a:ea typeface="ＭＳ Ｐゴシック" charset="0"/>
+                <a:cs typeface="Arial" panose="020B0604020202020204" pitchFamily="34" charset="0"/>
+              </a:rPr>
+              <a:t>plugin_file</a:t>
+            </a:r>
+            <a:r>
+              <a:rPr lang="en-US" sz="1200" b="0" i="0" u="none" strike="noStrike" kern="1200" dirty="0">
+                <a:solidFill>
+                  <a:schemeClr val="tx1"/>
+                </a:solidFill>
+                <a:effectLst/>
+                <a:latin typeface="Arial" panose="020B0604020202020204" pitchFamily="34" charset="0"/>
+                <a:ea typeface="ＭＳ Ｐゴシック" charset="0"/>
+                <a:cs typeface="Arial" panose="020B0604020202020204" pitchFamily="34" charset="0"/>
+              </a:rPr>
+              <a:t>’. Some things we can do with this unit test is define our expectations for this plugin to provide the ‘apache/modules’ node attribute. We are going to distribute this plugin by including it within this apache cookbook we are about to run inside of our virtual machine.  So we are going to bundle our </a:t>
+            </a:r>
+            <a:r>
+              <a:rPr lang="en-US" sz="1200" b="0" i="0" u="none" strike="noStrike" kern="1200" dirty="0" err="1">
+                <a:solidFill>
+                  <a:schemeClr val="tx1"/>
+                </a:solidFill>
+                <a:effectLst/>
+                <a:latin typeface="Arial" panose="020B0604020202020204" pitchFamily="34" charset="0"/>
+                <a:ea typeface="ＭＳ Ｐゴシック" charset="0"/>
+                <a:cs typeface="Arial" panose="020B0604020202020204" pitchFamily="34" charset="0"/>
+              </a:rPr>
+              <a:t>ohai</a:t>
+            </a:r>
+            <a:r>
+              <a:rPr lang="en-US" sz="1200" b="0" i="0" u="none" strike="noStrike" kern="1200" dirty="0">
+                <a:solidFill>
+                  <a:schemeClr val="tx1"/>
+                </a:solidFill>
+                <a:effectLst/>
+                <a:latin typeface="Arial" panose="020B0604020202020204" pitchFamily="34" charset="0"/>
+                <a:ea typeface="ＭＳ Ｐゴシック" charset="0"/>
+                <a:cs typeface="Arial" panose="020B0604020202020204" pitchFamily="34" charset="0"/>
+              </a:rPr>
+              <a:t> plugin with this apache cookbook. This test is defining what we desire from our plugin before writing the plugin itself, we want the plugin to create a special node attribute called ‘apache/modules’. The plugin that we are testing here is going to be found within this cookbook in the files/default directory and have the name of ‘</a:t>
+            </a:r>
+            <a:r>
+              <a:rPr lang="en-US" sz="1200" b="0" i="0" u="none" strike="noStrike" kern="1200" dirty="0" err="1">
+                <a:solidFill>
+                  <a:schemeClr val="tx1"/>
+                </a:solidFill>
+                <a:effectLst/>
+                <a:latin typeface="Arial" panose="020B0604020202020204" pitchFamily="34" charset="0"/>
+                <a:ea typeface="ＭＳ Ｐゴシック" charset="0"/>
+                <a:cs typeface="Arial" panose="020B0604020202020204" pitchFamily="34" charset="0"/>
+              </a:rPr>
+              <a:t>apache_modules.rb</a:t>
+            </a:r>
+            <a:r>
+              <a:rPr lang="en-US" sz="1200" b="0" i="0" u="none" strike="noStrike" kern="1200" dirty="0">
+                <a:solidFill>
+                  <a:schemeClr val="tx1"/>
+                </a:solidFill>
+                <a:effectLst/>
+                <a:latin typeface="Arial" panose="020B0604020202020204" pitchFamily="34" charset="0"/>
+                <a:ea typeface="ＭＳ Ｐゴシック" charset="0"/>
+                <a:cs typeface="Arial" panose="020B0604020202020204" pitchFamily="34" charset="0"/>
+              </a:rPr>
+              <a:t>’</a:t>
+            </a:r>
+            <a:endParaRPr lang="en-US" b="0" dirty="0">
+              <a:effectLst/>
+            </a:endParaRPr>
+          </a:p>
+          <a:p>
+            <a:br>
+              <a:rPr lang="en-US" dirty="0"/>
+            </a:br>
+            <a:endParaRPr lang="en-US" dirty="0"/>
           </a:p>
         </p:txBody>
       </p:sp>
@@ -1628,26 +6596,52 @@
           <a:bodyPr/>
           <a:lstStyle/>
           <a:p>
-            <a:r>
+            <a:pPr rtl="0"/>
+            <a:r>
+              <a:rPr lang="en-US" sz="1200" b="0" i="0" u="none" strike="noStrike" kern="1200" dirty="0">
+                <a:solidFill>
+                  <a:schemeClr val="tx1"/>
+                </a:solidFill>
+                <a:effectLst/>
+                <a:latin typeface="Arial" panose="020B0604020202020204" pitchFamily="34" charset="0"/>
+                <a:ea typeface="ＭＳ Ｐゴシック" charset="0"/>
+                <a:cs typeface="Arial" panose="020B0604020202020204" pitchFamily="34" charset="0"/>
+              </a:rPr>
+              <a:t>Our unit test will fail because we have yet to create this </a:t>
+            </a:r>
+            <a:r>
+              <a:rPr lang="en-US" sz="1200" b="0" i="0" u="none" strike="noStrike" kern="1200" dirty="0" err="1">
+                <a:solidFill>
+                  <a:schemeClr val="tx1"/>
+                </a:solidFill>
+                <a:effectLst/>
+                <a:latin typeface="Arial" panose="020B0604020202020204" pitchFamily="34" charset="0"/>
+                <a:ea typeface="ＭＳ Ｐゴシック" charset="0"/>
+                <a:cs typeface="Arial" panose="020B0604020202020204" pitchFamily="34" charset="0"/>
+              </a:rPr>
+              <a:t>ohai</a:t>
+            </a:r>
+            <a:r>
+              <a:rPr lang="en-US" sz="1200" b="0" i="0" u="none" strike="noStrike" kern="1200" dirty="0">
+                <a:solidFill>
+                  <a:schemeClr val="tx1"/>
+                </a:solidFill>
+                <a:effectLst/>
+                <a:latin typeface="Arial" panose="020B0604020202020204" pitchFamily="34" charset="0"/>
+                <a:ea typeface="ＭＳ Ｐゴシック" charset="0"/>
+                <a:cs typeface="Arial" panose="020B0604020202020204" pitchFamily="34" charset="0"/>
+              </a:rPr>
+              <a:t> plugin, let’s go ahead and create the plugin to allow our tests to pass.</a:t>
+            </a:r>
+            <a:endParaRPr lang="en-US" b="0" dirty="0">
+              <a:effectLst/>
+            </a:endParaRPr>
+          </a:p>
+          <a:p>
+            <a:br>
               <a:rPr lang="en-US" dirty="0"/>
-              <a:t>We are using a Custom Resource from the </a:t>
-            </a:r>
-            <a:r>
-              <a:rPr lang="en-US" dirty="0" err="1"/>
-              <a:t>Ohai</a:t>
-            </a:r>
-            <a:r>
-              <a:rPr lang="en-US" dirty="0"/>
-              <a:t> cookbook to provide the </a:t>
-            </a:r>
-            <a:r>
-              <a:rPr lang="en-US" dirty="0" err="1"/>
-              <a:t>apache_modules</a:t>
-            </a:r>
-            <a:r>
-              <a:rPr lang="en-US" dirty="0"/>
-              <a:t> attribute. </a:t>
-            </a:r>
+            </a:br>
+            <a:endParaRPr lang="en-US" dirty="0"/>
           </a:p>
         </p:txBody>
       </p:sp>
@@ -1706,7 +6700,189 @@
     </p:spTree>
     <p:extLst>
       <p:ext uri="{BB962C8B-B14F-4D97-AF65-F5344CB8AC3E}">
-        <p14:creationId xmlns:p14="http://schemas.microsoft.com/office/powerpoint/2010/main" val="3274702269"/>
+        <p14:creationId xmlns:p14="http://schemas.microsoft.com/office/powerpoint/2010/main" val="2120283103"/>
+      </p:ext>
+    </p:extLst>
+  </p:cSld>
+  <p:clrMapOvr>
+    <a:masterClrMapping/>
+  </p:clrMapOvr>
+</p:notes>
+</file>
+
+<file path=ppt/notesSlides/notesSlide9.xml><?xml version="1.0" encoding="utf-8"?>
+<p:notes xmlns:a="http://schemas.openxmlformats.org/drawingml/2006/main" xmlns:r="http://schemas.openxmlformats.org/officeDocument/2006/relationships" xmlns:p="http://schemas.openxmlformats.org/presentationml/2006/main">
+  <p:cSld>
+    <p:spTree>
+      <p:nvGrpSpPr>
+        <p:cNvPr id="1" name=""/>
+        <p:cNvGrpSpPr/>
+        <p:nvPr/>
+      </p:nvGrpSpPr>
+      <p:grpSpPr>
+        <a:xfrm>
+          <a:off x="0" y="0"/>
+          <a:ext cx="0" cy="0"/>
+          <a:chOff x="0" y="0"/>
+          <a:chExt cx="0" cy="0"/>
+        </a:xfrm>
+      </p:grpSpPr>
+      <p:sp>
+        <p:nvSpPr>
+          <p:cNvPr id="2" name="Slide Image Placeholder 1"/>
+          <p:cNvSpPr>
+            <a:spLocks noGrp="1" noRot="1" noChangeAspect="1"/>
+          </p:cNvSpPr>
+          <p:nvPr>
+            <p:ph type="sldImg"/>
+          </p:nvPr>
+        </p:nvSpPr>
+        <p:spPr/>
+      </p:sp>
+      <p:sp>
+        <p:nvSpPr>
+          <p:cNvPr id="3" name="Notes Placeholder 2"/>
+          <p:cNvSpPr>
+            <a:spLocks noGrp="1"/>
+          </p:cNvSpPr>
+          <p:nvPr>
+            <p:ph type="body" idx="1"/>
+          </p:nvPr>
+        </p:nvSpPr>
+        <p:spPr/>
+        <p:txBody>
+          <a:bodyPr/>
+          <a:lstStyle/>
+          <a:p>
+            <a:pPr rtl="0"/>
+            <a:r>
+              <a:rPr lang="en-US" sz="1200" b="0" i="0" u="none" strike="noStrike" kern="1200" dirty="0">
+                <a:solidFill>
+                  <a:schemeClr val="tx1"/>
+                </a:solidFill>
+                <a:effectLst/>
+                <a:latin typeface="Arial" panose="020B0604020202020204" pitchFamily="34" charset="0"/>
+                <a:ea typeface="ＭＳ Ｐゴシック" charset="0"/>
+                <a:cs typeface="Arial" panose="020B0604020202020204" pitchFamily="34" charset="0"/>
+              </a:rPr>
+              <a:t>We’ll run the chef generate command to create the file ‘</a:t>
+            </a:r>
+            <a:r>
+              <a:rPr lang="en-US" sz="1200" b="0" i="0" u="none" strike="noStrike" kern="1200" dirty="0" err="1">
+                <a:solidFill>
+                  <a:schemeClr val="tx1"/>
+                </a:solidFill>
+                <a:effectLst/>
+                <a:latin typeface="Arial" panose="020B0604020202020204" pitchFamily="34" charset="0"/>
+                <a:ea typeface="ＭＳ Ｐゴシック" charset="0"/>
+                <a:cs typeface="Arial" panose="020B0604020202020204" pitchFamily="34" charset="0"/>
+              </a:rPr>
+              <a:t>apache_modules.rb</a:t>
+            </a:r>
+            <a:r>
+              <a:rPr lang="en-US" sz="1200" b="0" i="0" u="none" strike="noStrike" kern="1200" dirty="0">
+                <a:solidFill>
+                  <a:schemeClr val="tx1"/>
+                </a:solidFill>
+                <a:effectLst/>
+                <a:latin typeface="Arial" panose="020B0604020202020204" pitchFamily="34" charset="0"/>
+                <a:ea typeface="ＭＳ Ｐゴシック" charset="0"/>
+                <a:cs typeface="Arial" panose="020B0604020202020204" pitchFamily="34" charset="0"/>
+              </a:rPr>
+              <a:t>’.  This will add a static file to our cookbook where we define the </a:t>
+            </a:r>
+            <a:r>
+              <a:rPr lang="en-US" sz="1200" b="0" i="0" u="none" strike="noStrike" kern="1200" dirty="0" err="1">
+                <a:solidFill>
+                  <a:schemeClr val="tx1"/>
+                </a:solidFill>
+                <a:effectLst/>
+                <a:latin typeface="Arial" panose="020B0604020202020204" pitchFamily="34" charset="0"/>
+                <a:ea typeface="ＭＳ Ｐゴシック" charset="0"/>
+                <a:cs typeface="Arial" panose="020B0604020202020204" pitchFamily="34" charset="0"/>
+              </a:rPr>
+              <a:t>ohai</a:t>
+            </a:r>
+            <a:r>
+              <a:rPr lang="en-US" sz="1200" b="0" i="0" u="none" strike="noStrike" kern="1200" dirty="0">
+                <a:solidFill>
+                  <a:schemeClr val="tx1"/>
+                </a:solidFill>
+                <a:effectLst/>
+                <a:latin typeface="Arial" panose="020B0604020202020204" pitchFamily="34" charset="0"/>
+                <a:ea typeface="ＭＳ Ｐゴシック" charset="0"/>
+                <a:cs typeface="Arial" panose="020B0604020202020204" pitchFamily="34" charset="0"/>
+              </a:rPr>
+              <a:t> plugin that you may recognize from our unit test.  By running this command we will resolve the very first failure that we saw from our unit test. It can now locate this file within the apache cookbook.  This is being run from within the apache cookbook, always be aware of your directory path when running generate commands. Now that we have created this file we are ready to code out the plugin itself.</a:t>
+            </a:r>
+            <a:endParaRPr lang="en-US" b="0" dirty="0">
+              <a:effectLst/>
+            </a:endParaRPr>
+          </a:p>
+          <a:p>
+            <a:br>
+              <a:rPr lang="en-US" dirty="0"/>
+            </a:br>
+            <a:endParaRPr lang="en-US" dirty="0"/>
+          </a:p>
+        </p:txBody>
+      </p:sp>
+      <p:sp>
+        <p:nvSpPr>
+          <p:cNvPr id="4" name="Date Placeholder 3"/>
+          <p:cNvSpPr>
+            <a:spLocks noGrp="1"/>
+          </p:cNvSpPr>
+          <p:nvPr>
+            <p:ph type="dt" idx="10"/>
+          </p:nvPr>
+        </p:nvSpPr>
+        <p:spPr/>
+        <p:txBody>
+          <a:bodyPr/>
+          <a:lstStyle/>
+          <a:p>
+            <a:pPr>
+              <a:defRPr/>
+            </a:pPr>
+            <a:r>
+              <a:rPr lang="en-US"/>
+              <a:t>Chef Software, Inc.</a:t>
+            </a:r>
+            <a:endParaRPr lang="en-US" dirty="0"/>
+          </a:p>
+        </p:txBody>
+      </p:sp>
+      <p:sp>
+        <p:nvSpPr>
+          <p:cNvPr id="5" name="Header Placeholder 4"/>
+          <p:cNvSpPr>
+            <a:spLocks noGrp="1"/>
+          </p:cNvSpPr>
+          <p:nvPr>
+            <p:ph type="hdr" sz="quarter" idx="11"/>
+          </p:nvPr>
+        </p:nvSpPr>
+        <p:spPr/>
+        <p:txBody>
+          <a:bodyPr/>
+          <a:lstStyle/>
+          <a:p>
+            <a:pPr>
+              <a:defRPr/>
+            </a:pPr>
+            <a:r>
+              <a:rPr lang="en-US"/>
+              <a:t>Chef Intermediate</a:t>
+            </a:r>
+            <a:endParaRPr lang="en-US" dirty="0"/>
+          </a:p>
+        </p:txBody>
+      </p:sp>
+    </p:spTree>
+    <p:extLst>
+      <p:ext uri="{BB962C8B-B14F-4D97-AF65-F5344CB8AC3E}">
+        <p14:creationId xmlns:p14="http://schemas.microsoft.com/office/powerpoint/2010/main" val="740680395"/>
       </p:ext>
     </p:extLst>
   </p:cSld>
